--- a/Data_Driven_Insights.pptx
+++ b/Data_Driven_Insights.pptx
@@ -43,7 +43,7 @@
       </p:grpSpPr>
       <p:sp>
         <p:nvSpPr>
-          <p:cNvPr id="5" name="PlaceHolder 1"/>
+          <p:cNvPr id="4" name="PlaceHolder 1"/>
           <p:cNvSpPr>
             <a:spLocks noGrp="1"/>
           </p:cNvSpPr>
@@ -54,7 +54,7 @@
         <p:spPr>
           <a:xfrm>
             <a:off x="503640" y="226080"/>
-            <a:ext cx="9070560" cy="945720"/>
+            <a:ext cx="9070200" cy="945360"/>
           </a:xfrm>
           <a:prstGeom prst="rect">
             <a:avLst/>
@@ -115,7 +115,7 @@
         <p:txBody>
           <a:bodyPr/>
           <a:p>
-            <a:fld id="{8A44C4E6-C529-46E1-A36E-07AB978DA82D}" type="slidenum">
+            <a:fld id="{36607047-6D1B-4367-9A62-C3DD572641FE}" type="slidenum">
               <a:t>&lt;#&gt;</a:t>
             </a:fld>
           </a:p>
@@ -198,7 +198,7 @@
         <p:txBody>
           <a:bodyPr/>
           <a:p>
-            <a:fld id="{20385BF9-7BFF-433D-9354-BC6733A73A13}" type="slidenum">
+            <a:fld id="{5D346CCF-3535-45D9-878B-1EB7AAE632F6}" type="slidenum">
               <a:t>&lt;#&gt;</a:t>
             </a:fld>
           </a:p>
@@ -249,7 +249,7 @@
       </p:grpSpPr>
       <p:sp>
         <p:nvSpPr>
-          <p:cNvPr id="17" name="PlaceHolder 1"/>
+          <p:cNvPr id="16" name="PlaceHolder 1"/>
           <p:cNvSpPr>
             <a:spLocks noGrp="1"/>
           </p:cNvSpPr>
@@ -260,7 +260,7 @@
         <p:spPr>
           <a:xfrm>
             <a:off x="503640" y="226080"/>
-            <a:ext cx="9070560" cy="945720"/>
+            <a:ext cx="9070200" cy="945360"/>
           </a:xfrm>
           <a:prstGeom prst="rect">
             <a:avLst/>
@@ -289,7 +289,7 @@
       </p:sp>
       <p:sp>
         <p:nvSpPr>
-          <p:cNvPr id="18" name="PlaceHolder 2"/>
+          <p:cNvPr id="17" name="PlaceHolder 2"/>
           <p:cNvSpPr>
             <a:spLocks noGrp="1"/>
           </p:cNvSpPr>
@@ -332,7 +332,7 @@
       </p:sp>
       <p:sp>
         <p:nvSpPr>
-          <p:cNvPr id="19" name="PlaceHolder 3"/>
+          <p:cNvPr id="18" name="PlaceHolder 3"/>
           <p:cNvSpPr>
             <a:spLocks noGrp="1"/>
           </p:cNvSpPr>
@@ -407,7 +407,7 @@
         <p:txBody>
           <a:bodyPr/>
           <a:p>
-            <a:fld id="{DDECE064-226C-4F54-BF22-2A43E8FD5B93}" type="slidenum">
+            <a:fld id="{6981FCED-B4BF-4D14-BE44-31FA0D324FD4}" type="slidenum">
               <a:t>&lt;#&gt;</a:t>
             </a:fld>
           </a:p>
@@ -458,7 +458,7 @@
       </p:grpSpPr>
       <p:sp>
         <p:nvSpPr>
-          <p:cNvPr id="25" name="PlaceHolder 1"/>
+          <p:cNvPr id="24" name="PlaceHolder 1"/>
           <p:cNvSpPr>
             <a:spLocks noGrp="1"/>
           </p:cNvSpPr>
@@ -469,7 +469,7 @@
         <p:spPr>
           <a:xfrm>
             <a:off x="503640" y="226080"/>
-            <a:ext cx="9070560" cy="945720"/>
+            <a:ext cx="9070200" cy="945360"/>
           </a:xfrm>
           <a:prstGeom prst="rect">
             <a:avLst/>
@@ -498,7 +498,7 @@
       </p:sp>
       <p:sp>
         <p:nvSpPr>
-          <p:cNvPr id="26" name="PlaceHolder 2"/>
+          <p:cNvPr id="25" name="PlaceHolder 2"/>
           <p:cNvSpPr>
             <a:spLocks noGrp="1"/>
           </p:cNvSpPr>
@@ -570,7 +570,7 @@
         <p:txBody>
           <a:bodyPr/>
           <a:p>
-            <a:fld id="{87165568-BB73-4731-9024-EF40194C61C7}" type="slidenum">
+            <a:fld id="{BD256205-8D79-454B-AA04-241EFF8DCB3F}" type="slidenum">
               <a:t>&lt;#&gt;</a:t>
             </a:fld>
           </a:p>
@@ -632,7 +632,7 @@
         <p:spPr>
           <a:xfrm>
             <a:off x="503640" y="226080"/>
-            <a:ext cx="9070560" cy="945720"/>
+            <a:ext cx="9070200" cy="945360"/>
           </a:xfrm>
           <a:prstGeom prst="rect">
             <a:avLst/>
@@ -681,7 +681,7 @@
         <p:spPr>
           <a:xfrm>
             <a:off x="3447000" y="5164920"/>
-            <a:ext cx="3194280" cy="389880"/>
+            <a:ext cx="3193920" cy="389520"/>
           </a:xfrm>
           <a:prstGeom prst="rect">
             <a:avLst/>
@@ -729,7 +729,7 @@
                 </a:solidFill>
                 <a:latin typeface="Times New Roman"/>
               </a:rPr>
-              <a:t>&lt;footer&gt;</a:t>
+              <a:t> </a:t>
             </a:r>
             <a:endParaRPr b="0" lang="en-IN" sz="1400" spc="-1" strike="noStrike">
               <a:solidFill>
@@ -753,7 +753,7 @@
         <p:spPr>
           <a:xfrm>
             <a:off x="7226640" y="5164920"/>
-            <a:ext cx="2347560" cy="389880"/>
+            <a:ext cx="2347200" cy="389520"/>
           </a:xfrm>
           <a:prstGeom prst="rect">
             <a:avLst/>
@@ -794,14 +794,14 @@
                 <a:tab algn="l" pos="0"/>
               </a:tabLst>
             </a:pPr>
-            <a:fld id="{60B6D96B-323A-4A4A-ACD2-272D6A2BE514}" type="slidenum">
+            <a:fld id="{4AE4B599-4710-4160-A12E-8F54018163A2}" type="slidenum">
               <a:rPr b="0" lang="en-IN" sz="1400" spc="-1" strike="noStrike">
                 <a:solidFill>
                   <a:srgbClr val="000000"/>
                 </a:solidFill>
                 <a:latin typeface="Times New Roman"/>
               </a:rPr>
-              <a:t>&lt;number&gt;</a:t>
+              <a:t>3</a:t>
             </a:fld>
             <a:endParaRPr b="0" lang="en-IN" sz="1400" spc="-1" strike="noStrike">
               <a:solidFill>
@@ -825,7 +825,7 @@
         <p:spPr>
           <a:xfrm>
             <a:off x="503640" y="5164920"/>
-            <a:ext cx="2347560" cy="389880"/>
+            <a:ext cx="2347200" cy="389520"/>
           </a:xfrm>
           <a:prstGeom prst="rect">
             <a:avLst/>
@@ -861,238 +861,13 @@
                 </a:solidFill>
                 <a:latin typeface="Times New Roman"/>
               </a:rPr>
-              <a:t>&lt;date/time&gt;</a:t>
+              <a:t> </a:t>
             </a:r>
             <a:endParaRPr b="0" lang="en-IN" sz="1400" spc="-1" strike="noStrike">
               <a:solidFill>
                 <a:srgbClr val="000000"/>
               </a:solidFill>
               <a:latin typeface="Times New Roman"/>
-            </a:endParaRPr>
-          </a:p>
-        </p:txBody>
-      </p:sp>
-      <p:sp>
-        <p:nvSpPr>
-          <p:cNvPr id="4" name="PlaceHolder 5"/>
-          <p:cNvSpPr>
-            <a:spLocks noGrp="1"/>
-          </p:cNvSpPr>
-          <p:nvPr>
-            <p:ph type="body"/>
-          </p:nvPr>
-        </p:nvSpPr>
-        <p:spPr>
-          <a:xfrm>
-            <a:off x="504000" y="1326600"/>
-            <a:ext cx="9072000" cy="3288600"/>
-          </a:xfrm>
-          <a:prstGeom prst="rect">
-            <a:avLst/>
-          </a:prstGeom>
-          <a:noFill/>
-          <a:ln w="0">
-            <a:noFill/>
-          </a:ln>
-        </p:spPr>
-        <p:txBody>
-          <a:bodyPr lIns="0" rIns="0" tIns="0" bIns="0" anchor="t">
-            <a:normAutofit/>
-          </a:bodyPr>
-          <a:p>
-            <a:pPr marL="432000" indent="-324000">
-              <a:spcBef>
-                <a:spcPts val="1417"/>
-              </a:spcBef>
-              <a:buClr>
-                <a:srgbClr val="000000"/>
-              </a:buClr>
-              <a:buSzPct val="45000"/>
-              <a:buFont typeface="Wingdings" charset="2"/>
-              <a:buChar char=""/>
-            </a:pPr>
-            <a:r>
-              <a:rPr b="0" lang="en-IN" sz="3200" spc="-1" strike="noStrike">
-                <a:solidFill>
-                  <a:srgbClr val="000000"/>
-                </a:solidFill>
-                <a:latin typeface="Arial"/>
-              </a:rPr>
-              <a:t>Click to edit the outline text format</a:t>
-            </a:r>
-            <a:endParaRPr b="0" lang="en-IN" sz="3200" spc="-1" strike="noStrike">
-              <a:solidFill>
-                <a:srgbClr val="000000"/>
-              </a:solidFill>
-              <a:latin typeface="Arial"/>
-            </a:endParaRPr>
-          </a:p>
-          <a:p>
-            <a:pPr lvl="1" marL="864000" indent="-324000">
-              <a:spcBef>
-                <a:spcPts val="1134"/>
-              </a:spcBef>
-              <a:buClr>
-                <a:srgbClr val="000000"/>
-              </a:buClr>
-              <a:buSzPct val="75000"/>
-              <a:buFont typeface="Symbol" charset="2"/>
-              <a:buChar char=""/>
-            </a:pPr>
-            <a:r>
-              <a:rPr b="0" lang="en-IN" sz="2800" spc="-1" strike="noStrike">
-                <a:solidFill>
-                  <a:srgbClr val="000000"/>
-                </a:solidFill>
-                <a:latin typeface="Arial"/>
-              </a:rPr>
-              <a:t>Second Outline Level</a:t>
-            </a:r>
-            <a:endParaRPr b="0" lang="en-IN" sz="2800" spc="-1" strike="noStrike">
-              <a:solidFill>
-                <a:srgbClr val="000000"/>
-              </a:solidFill>
-              <a:latin typeface="Arial"/>
-            </a:endParaRPr>
-          </a:p>
-          <a:p>
-            <a:pPr lvl="2" marL="1296000" indent="-288000">
-              <a:spcBef>
-                <a:spcPts val="850"/>
-              </a:spcBef>
-              <a:buClr>
-                <a:srgbClr val="000000"/>
-              </a:buClr>
-              <a:buSzPct val="45000"/>
-              <a:buFont typeface="Wingdings" charset="2"/>
-              <a:buChar char=""/>
-            </a:pPr>
-            <a:r>
-              <a:rPr b="0" lang="en-IN" sz="2400" spc="-1" strike="noStrike">
-                <a:solidFill>
-                  <a:srgbClr val="000000"/>
-                </a:solidFill>
-                <a:latin typeface="Arial"/>
-              </a:rPr>
-              <a:t>Third Outline Level</a:t>
-            </a:r>
-            <a:endParaRPr b="0" lang="en-IN" sz="2400" spc="-1" strike="noStrike">
-              <a:solidFill>
-                <a:srgbClr val="000000"/>
-              </a:solidFill>
-              <a:latin typeface="Arial"/>
-            </a:endParaRPr>
-          </a:p>
-          <a:p>
-            <a:pPr lvl="3" marL="1728000" indent="-216000">
-              <a:spcBef>
-                <a:spcPts val="567"/>
-              </a:spcBef>
-              <a:buClr>
-                <a:srgbClr val="000000"/>
-              </a:buClr>
-              <a:buSzPct val="75000"/>
-              <a:buFont typeface="Symbol" charset="2"/>
-              <a:buChar char=""/>
-            </a:pPr>
-            <a:r>
-              <a:rPr b="0" lang="en-IN" sz="2000" spc="-1" strike="noStrike">
-                <a:solidFill>
-                  <a:srgbClr val="000000"/>
-                </a:solidFill>
-                <a:latin typeface="Arial"/>
-              </a:rPr>
-              <a:t>Fourth Outline Level</a:t>
-            </a:r>
-            <a:endParaRPr b="0" lang="en-IN" sz="2000" spc="-1" strike="noStrike">
-              <a:solidFill>
-                <a:srgbClr val="000000"/>
-              </a:solidFill>
-              <a:latin typeface="Arial"/>
-            </a:endParaRPr>
-          </a:p>
-          <a:p>
-            <a:pPr lvl="4" marL="2160000" indent="-216000">
-              <a:spcBef>
-                <a:spcPts val="283"/>
-              </a:spcBef>
-              <a:buClr>
-                <a:srgbClr val="000000"/>
-              </a:buClr>
-              <a:buSzPct val="45000"/>
-              <a:buFont typeface="Wingdings" charset="2"/>
-              <a:buChar char=""/>
-            </a:pPr>
-            <a:r>
-              <a:rPr b="0" lang="en-IN" sz="2000" spc="-1" strike="noStrike">
-                <a:solidFill>
-                  <a:srgbClr val="000000"/>
-                </a:solidFill>
-                <a:latin typeface="Arial"/>
-              </a:rPr>
-              <a:t>Fifth Outline Level</a:t>
-            </a:r>
-            <a:endParaRPr b="0" lang="en-IN" sz="2000" spc="-1" strike="noStrike">
-              <a:solidFill>
-                <a:srgbClr val="000000"/>
-              </a:solidFill>
-              <a:latin typeface="Arial"/>
-            </a:endParaRPr>
-          </a:p>
-          <a:p>
-            <a:pPr lvl="5" marL="2592000" indent="-216000">
-              <a:spcBef>
-                <a:spcPts val="283"/>
-              </a:spcBef>
-              <a:buClr>
-                <a:srgbClr val="000000"/>
-              </a:buClr>
-              <a:buSzPct val="45000"/>
-              <a:buFont typeface="Wingdings" charset="2"/>
-              <a:buChar char=""/>
-            </a:pPr>
-            <a:r>
-              <a:rPr b="0" lang="en-IN" sz="2000" spc="-1" strike="noStrike">
-                <a:solidFill>
-                  <a:srgbClr val="000000"/>
-                </a:solidFill>
-                <a:latin typeface="Arial"/>
-              </a:rPr>
-              <a:t>Sixth Outline Level</a:t>
-            </a:r>
-            <a:endParaRPr b="0" lang="en-IN" sz="2000" spc="-1" strike="noStrike">
-              <a:solidFill>
-                <a:srgbClr val="000000"/>
-              </a:solidFill>
-              <a:latin typeface="Arial"/>
-            </a:endParaRPr>
-          </a:p>
-          <a:p>
-            <a:pPr lvl="6" marL="3024000" indent="-216000">
-              <a:spcBef>
-                <a:spcPts val="283"/>
-              </a:spcBef>
-              <a:buClr>
-                <a:srgbClr val="000000"/>
-              </a:buClr>
-              <a:buSzPct val="45000"/>
-              <a:buFont typeface="Wingdings" charset="2"/>
-              <a:buChar char=""/>
-            </a:pPr>
-            <a:r>
-              <a:rPr b="0" lang="en-IN" sz="2000" spc="-1" strike="noStrike">
-                <a:solidFill>
-                  <a:srgbClr val="000000"/>
-                </a:solidFill>
-                <a:latin typeface="Arial"/>
-              </a:rPr>
-              <a:t>Seventh Outline Level</a:t>
-            </a:r>
-            <a:endParaRPr b="0" lang="en-IN" sz="2000" spc="-1" strike="noStrike">
-              <a:solidFill>
-                <a:srgbClr val="000000"/>
-              </a:solidFill>
-              <a:latin typeface="Arial"/>
             </a:endParaRPr>
           </a:p>
         </p:txBody>
@@ -1125,7 +900,7 @@
       </p:grpSpPr>
       <p:sp>
         <p:nvSpPr>
-          <p:cNvPr id="6" name="PlaceHolder 1"/>
+          <p:cNvPr id="5" name="PlaceHolder 1"/>
           <p:cNvSpPr>
             <a:spLocks noGrp="1"/>
           </p:cNvSpPr>
@@ -1136,7 +911,7 @@
         <p:spPr>
           <a:xfrm>
             <a:off x="3447000" y="5164920"/>
-            <a:ext cx="3194280" cy="389880"/>
+            <a:ext cx="3193920" cy="389520"/>
           </a:xfrm>
           <a:prstGeom prst="rect">
             <a:avLst/>
@@ -1197,7 +972,7 @@
       </p:sp>
       <p:sp>
         <p:nvSpPr>
-          <p:cNvPr id="7" name="PlaceHolder 2"/>
+          <p:cNvPr id="6" name="PlaceHolder 2"/>
           <p:cNvSpPr>
             <a:spLocks noGrp="1"/>
           </p:cNvSpPr>
@@ -1208,7 +983,7 @@
         <p:spPr>
           <a:xfrm>
             <a:off x="7226640" y="5164920"/>
-            <a:ext cx="2347560" cy="389880"/>
+            <a:ext cx="2347200" cy="389520"/>
           </a:xfrm>
           <a:prstGeom prst="rect">
             <a:avLst/>
@@ -1249,7 +1024,7 @@
                 <a:tab algn="l" pos="0"/>
               </a:tabLst>
             </a:pPr>
-            <a:fld id="{6B743082-9DE5-4AF5-837F-E135EAD831B5}" type="slidenum">
+            <a:fld id="{46434ECB-8175-4037-946A-F730B643FB4A}" type="slidenum">
               <a:rPr b="0" lang="en-IN" sz="1400" spc="-1" strike="noStrike">
                 <a:solidFill>
                   <a:srgbClr val="000000"/>
@@ -1269,7 +1044,7 @@
       </p:sp>
       <p:sp>
         <p:nvSpPr>
-          <p:cNvPr id="8" name="PlaceHolder 3"/>
+          <p:cNvPr id="7" name="PlaceHolder 3"/>
           <p:cNvSpPr>
             <a:spLocks noGrp="1"/>
           </p:cNvSpPr>
@@ -1280,7 +1055,7 @@
         <p:spPr>
           <a:xfrm>
             <a:off x="503640" y="5164920"/>
-            <a:ext cx="2347560" cy="389880"/>
+            <a:ext cx="2347200" cy="389520"/>
           </a:xfrm>
           <a:prstGeom prst="rect">
             <a:avLst/>
@@ -1329,7 +1104,7 @@
       </p:sp>
       <p:sp>
         <p:nvSpPr>
-          <p:cNvPr id="9" name="PlaceHolder 4"/>
+          <p:cNvPr id="8" name="PlaceHolder 4"/>
           <p:cNvSpPr>
             <a:spLocks noGrp="1"/>
           </p:cNvSpPr>
@@ -1378,7 +1153,7 @@
       </p:sp>
       <p:sp>
         <p:nvSpPr>
-          <p:cNvPr id="10" name="PlaceHolder 5"/>
+          <p:cNvPr id="9" name="PlaceHolder 5"/>
           <p:cNvSpPr>
             <a:spLocks noGrp="1"/>
           </p:cNvSpPr>
@@ -1404,37 +1179,9 @@
             <a:normAutofit/>
           </a:bodyPr>
           <a:p>
-            <a:pPr marL="216000" indent="-216000">
+            <a:pPr marL="432000" indent="-324000">
               <a:spcBef>
                 <a:spcPts val="1417"/>
-              </a:spcBef>
-              <a:buClr>
-                <a:srgbClr val="000000"/>
-              </a:buClr>
-              <a:buSzPct val="45000"/>
-              <a:buFont typeface="Wingdings 2" charset="2"/>
-              <a:buChar char=""/>
-            </a:pPr>
-            <a:r>
-              <a:rPr b="0" lang="en-IN" sz="3200" spc="-1" strike="noStrike">
-                <a:solidFill>
-                  <a:srgbClr val="000000"/>
-                </a:solidFill>
-                <a:latin typeface="Arial"/>
-              </a:rPr>
-              <a:t>Click to edit the outline text format</a:t>
-            </a:r>
-            <a:endParaRPr b="0" lang="en-IN" sz="3200" spc="-1" strike="noStrike">
-              <a:solidFill>
-                <a:srgbClr val="000000"/>
-              </a:solidFill>
-              <a:latin typeface="Arial"/>
-            </a:endParaRPr>
-          </a:p>
-          <a:p>
-            <a:pPr lvl="1" marL="432000" indent="-216000">
-              <a:spcBef>
-                <a:spcPts val="1134"/>
               </a:spcBef>
               <a:buClr>
                 <a:srgbClr val="000000"/>
@@ -1444,13 +1191,59 @@
               <a:buChar char=""/>
             </a:pPr>
             <a:r>
+              <a:rPr b="0" lang="en-IN" sz="3200" spc="-1" strike="noStrike">
+                <a:solidFill>
+                  <a:srgbClr val="000000"/>
+                </a:solidFill>
+                <a:latin typeface="Arial"/>
+              </a:rPr>
+              <a:t>Click to edit the </a:t>
+            </a:r>
+            <a:r>
+              <a:rPr b="0" lang="en-IN" sz="3200" spc="-1" strike="noStrike">
+                <a:solidFill>
+                  <a:srgbClr val="000000"/>
+                </a:solidFill>
+                <a:latin typeface="Arial"/>
+              </a:rPr>
+              <a:t>outline text format</a:t>
+            </a:r>
+            <a:endParaRPr b="0" lang="en-IN" sz="3200" spc="-1" strike="noStrike">
+              <a:solidFill>
+                <a:srgbClr val="000000"/>
+              </a:solidFill>
+              <a:latin typeface="Arial"/>
+            </a:endParaRPr>
+          </a:p>
+          <a:p>
+            <a:pPr lvl="1" marL="864000" indent="-324000">
+              <a:spcBef>
+                <a:spcPts val="1134"/>
+              </a:spcBef>
+              <a:buClr>
+                <a:srgbClr val="000000"/>
+              </a:buClr>
+              <a:buSzPct val="75000"/>
+              <a:buFont typeface="Symbol" charset="2"/>
+              <a:buChar char=""/>
+            </a:pPr>
+            <a:r>
               <a:rPr b="0" lang="en-IN" sz="2800" spc="-1" strike="noStrike">
                 <a:solidFill>
                   <a:srgbClr val="000000"/>
                 </a:solidFill>
                 <a:latin typeface="Arial"/>
               </a:rPr>
-              <a:t>Second Outline Level</a:t>
+              <a:t>Second Outline </a:t>
+            </a:r>
+            <a:r>
+              <a:rPr b="0" lang="en-IN" sz="2800" spc="-1" strike="noStrike">
+                <a:solidFill>
+                  <a:srgbClr val="000000"/>
+                </a:solidFill>
+                <a:latin typeface="Arial"/>
+              </a:rPr>
+              <a:t>Level</a:t>
             </a:r>
             <a:endParaRPr b="0" lang="en-IN" sz="2800" spc="-1" strike="noStrike">
               <a:solidFill>
@@ -1460,7 +1253,7 @@
             </a:endParaRPr>
           </a:p>
           <a:p>
-            <a:pPr lvl="2" marL="648000" indent="-216000">
+            <a:pPr lvl="2" marL="1296000" indent="-288000">
               <a:spcBef>
                 <a:spcPts val="850"/>
               </a:spcBef>
@@ -1488,9 +1281,37 @@
             </a:endParaRPr>
           </a:p>
           <a:p>
-            <a:pPr lvl="3" marL="864000" indent="-216000">
+            <a:pPr lvl="3" marL="1728000" indent="-216000">
               <a:spcBef>
                 <a:spcPts val="567"/>
+              </a:spcBef>
+              <a:buClr>
+                <a:srgbClr val="000000"/>
+              </a:buClr>
+              <a:buSzPct val="75000"/>
+              <a:buFont typeface="Symbol" charset="2"/>
+              <a:buChar char=""/>
+            </a:pPr>
+            <a:r>
+              <a:rPr b="0" lang="en-IN" sz="2000" spc="-1" strike="noStrike">
+                <a:solidFill>
+                  <a:srgbClr val="000000"/>
+                </a:solidFill>
+                <a:latin typeface="Arial"/>
+              </a:rPr>
+              <a:t>Fourth Outline Level</a:t>
+            </a:r>
+            <a:endParaRPr b="0" lang="en-IN" sz="2000" spc="-1" strike="noStrike">
+              <a:solidFill>
+                <a:srgbClr val="000000"/>
+              </a:solidFill>
+              <a:latin typeface="Arial"/>
+            </a:endParaRPr>
+          </a:p>
+          <a:p>
+            <a:pPr lvl="4" marL="2160000" indent="-216000">
+              <a:spcBef>
+                <a:spcPts val="283"/>
               </a:spcBef>
               <a:buClr>
                 <a:srgbClr val="000000"/>
@@ -1506,7 +1327,16 @@
                 </a:solidFill>
                 <a:latin typeface="Arial"/>
               </a:rPr>
-              <a:t>Fourth Outline Level</a:t>
+              <a:t>Fifth Outline </a:t>
+            </a:r>
+            <a:r>
+              <a:rPr b="0" lang="en-IN" sz="2000" spc="-1" strike="noStrike">
+                <a:solidFill>
+                  <a:srgbClr val="000000"/>
+                </a:solidFill>
+                <a:latin typeface="Arial"/>
+              </a:rPr>
+              <a:t>Level</a:t>
             </a:r>
             <a:endParaRPr b="0" lang="en-IN" sz="2000" spc="-1" strike="noStrike">
               <a:solidFill>
@@ -1516,7 +1346,7 @@
             </a:endParaRPr>
           </a:p>
           <a:p>
-            <a:pPr lvl="4" marL="1080000" indent="-216000">
+            <a:pPr lvl="5" marL="2592000" indent="-216000">
               <a:spcBef>
                 <a:spcPts val="283"/>
               </a:spcBef>
@@ -1534,7 +1364,16 @@
                 </a:solidFill>
                 <a:latin typeface="Arial"/>
               </a:rPr>
-              <a:t>Fifth Outline Level</a:t>
+              <a:t>Sixth Outline </a:t>
+            </a:r>
+            <a:r>
+              <a:rPr b="0" lang="en-IN" sz="2000" spc="-1" strike="noStrike">
+                <a:solidFill>
+                  <a:srgbClr val="000000"/>
+                </a:solidFill>
+                <a:latin typeface="Arial"/>
+              </a:rPr>
+              <a:t>Level</a:t>
             </a:r>
             <a:endParaRPr b="0" lang="en-IN" sz="2000" spc="-1" strike="noStrike">
               <a:solidFill>
@@ -1544,7 +1383,7 @@
             </a:endParaRPr>
           </a:p>
           <a:p>
-            <a:pPr lvl="5" marL="1296000" indent="-216000">
+            <a:pPr lvl="6" marL="3024000" indent="-216000">
               <a:spcBef>
                 <a:spcPts val="283"/>
               </a:spcBef>
@@ -1562,27 +1401,8 @@
                 </a:solidFill>
                 <a:latin typeface="Arial"/>
               </a:rPr>
-              <a:t>Sixth Outline Level</a:t>
-            </a:r>
-            <a:endParaRPr b="0" lang="en-IN" sz="2000" spc="-1" strike="noStrike">
-              <a:solidFill>
-                <a:srgbClr val="000000"/>
-              </a:solidFill>
-              <a:latin typeface="Arial"/>
-            </a:endParaRPr>
-          </a:p>
-          <a:p>
-            <a:pPr lvl="6" marL="1512000" indent="-216000">
-              <a:spcBef>
-                <a:spcPts val="283"/>
-              </a:spcBef>
-              <a:buClr>
-                <a:srgbClr val="000000"/>
-              </a:buClr>
-              <a:buSzPct val="45000"/>
-              <a:buFont typeface="Wingdings" charset="2"/>
-              <a:buChar char=""/>
-            </a:pPr>
+              <a:t>Seventh </a:t>
+            </a:r>
             <a:r>
               <a:rPr b="0" lang="en-IN" sz="2000" spc="-1" strike="noStrike">
                 <a:solidFill>
@@ -1590,7 +1410,16 @@
                 </a:solidFill>
                 <a:latin typeface="Arial"/>
               </a:rPr>
-              <a:t>Seventh Outline Level</a:t>
+              <a:t>Outline </a:t>
+            </a:r>
+            <a:r>
+              <a:rPr b="0" lang="en-IN" sz="2000" spc="-1" strike="noStrike">
+                <a:solidFill>
+                  <a:srgbClr val="000000"/>
+                </a:solidFill>
+                <a:latin typeface="Arial"/>
+              </a:rPr>
+              <a:t>Level</a:t>
             </a:r>
             <a:endParaRPr b="0" lang="en-IN" sz="2000" spc="-1" strike="noStrike">
               <a:solidFill>
@@ -1629,7 +1458,7 @@
       </p:grpSpPr>
       <p:sp>
         <p:nvSpPr>
-          <p:cNvPr id="11" name="PlaceHolder 1"/>
+          <p:cNvPr id="10" name="PlaceHolder 1"/>
           <p:cNvSpPr>
             <a:spLocks noGrp="1"/>
           </p:cNvSpPr>
@@ -1640,7 +1469,7 @@
         <p:spPr>
           <a:xfrm>
             <a:off x="503640" y="226080"/>
-            <a:ext cx="9070560" cy="945720"/>
+            <a:ext cx="9070200" cy="945360"/>
           </a:xfrm>
           <a:prstGeom prst="rect">
             <a:avLst/>
@@ -1678,7 +1507,7 @@
       </p:sp>
       <p:sp>
         <p:nvSpPr>
-          <p:cNvPr id="12" name="PlaceHolder 2"/>
+          <p:cNvPr id="11" name="PlaceHolder 2"/>
           <p:cNvSpPr>
             <a:spLocks noGrp="1"/>
           </p:cNvSpPr>
@@ -1903,7 +1732,7 @@
       </p:sp>
       <p:sp>
         <p:nvSpPr>
-          <p:cNvPr id="13" name="PlaceHolder 3"/>
+          <p:cNvPr id="12" name="PlaceHolder 3"/>
           <p:cNvSpPr>
             <a:spLocks noGrp="1"/>
           </p:cNvSpPr>
@@ -2087,16 +1916,7 @@
                 </a:solidFill>
                 <a:latin typeface="Arial"/>
               </a:rPr>
-              <a:t>Sixth Outline </a:t>
-            </a:r>
-            <a:r>
-              <a:rPr b="0" lang="en-IN" sz="1800" spc="-1" strike="noStrike">
-                <a:solidFill>
-                  <a:srgbClr val="000000"/>
-                </a:solidFill>
-                <a:latin typeface="Arial"/>
-              </a:rPr>
-              <a:t>Level</a:t>
+              <a:t>Sixth Outline Level</a:t>
             </a:r>
             <a:endParaRPr b="0" lang="en-IN" sz="1800" spc="-1" strike="noStrike">
               <a:solidFill>
@@ -2124,25 +1944,7 @@
                 </a:solidFill>
                 <a:latin typeface="Arial"/>
               </a:rPr>
-              <a:t>Seventh </a:t>
-            </a:r>
-            <a:r>
-              <a:rPr b="0" lang="en-IN" sz="1800" spc="-1" strike="noStrike">
-                <a:solidFill>
-                  <a:srgbClr val="000000"/>
-                </a:solidFill>
-                <a:latin typeface="Arial"/>
-              </a:rPr>
-              <a:t>Outline </a:t>
-            </a:r>
-            <a:r>
-              <a:rPr b="0" lang="en-IN" sz="1800" spc="-1" strike="noStrike">
-                <a:solidFill>
-                  <a:srgbClr val="000000"/>
-                </a:solidFill>
-                <a:latin typeface="Arial"/>
-              </a:rPr>
-              <a:t>Level</a:t>
+              <a:t>Seventh Outline Level</a:t>
             </a:r>
             <a:endParaRPr b="0" lang="en-IN" sz="1800" spc="-1" strike="noStrike">
               <a:solidFill>
@@ -2155,7 +1957,7 @@
       </p:sp>
       <p:sp>
         <p:nvSpPr>
-          <p:cNvPr id="14" name="PlaceHolder 4"/>
+          <p:cNvPr id="13" name="PlaceHolder 4"/>
           <p:cNvSpPr>
             <a:spLocks noGrp="1"/>
           </p:cNvSpPr>
@@ -2166,7 +1968,7 @@
         <p:spPr>
           <a:xfrm>
             <a:off x="3447000" y="5164920"/>
-            <a:ext cx="3194280" cy="389880"/>
+            <a:ext cx="3193920" cy="389520"/>
           </a:xfrm>
           <a:prstGeom prst="rect">
             <a:avLst/>
@@ -2227,7 +2029,7 @@
       </p:sp>
       <p:sp>
         <p:nvSpPr>
-          <p:cNvPr id="15" name="PlaceHolder 5"/>
+          <p:cNvPr id="14" name="PlaceHolder 5"/>
           <p:cNvSpPr>
             <a:spLocks noGrp="1"/>
           </p:cNvSpPr>
@@ -2238,7 +2040,7 @@
         <p:spPr>
           <a:xfrm>
             <a:off x="7226640" y="5164920"/>
-            <a:ext cx="2347560" cy="389880"/>
+            <a:ext cx="2347200" cy="389520"/>
           </a:xfrm>
           <a:prstGeom prst="rect">
             <a:avLst/>
@@ -2279,7 +2081,7 @@
                 <a:tab algn="l" pos="0"/>
               </a:tabLst>
             </a:pPr>
-            <a:fld id="{6FA7027A-6C34-4CE6-93EE-4E1814573A88}" type="slidenum">
+            <a:fld id="{9035D5E4-4FB4-4749-8BB7-3EF27BDC3D25}" type="slidenum">
               <a:rPr b="0" lang="en-IN" sz="1400" spc="-1" strike="noStrike">
                 <a:solidFill>
                   <a:srgbClr val="000000"/>
@@ -2299,7 +2101,7 @@
       </p:sp>
       <p:sp>
         <p:nvSpPr>
-          <p:cNvPr id="16" name="PlaceHolder 6"/>
+          <p:cNvPr id="15" name="PlaceHolder 6"/>
           <p:cNvSpPr>
             <a:spLocks noGrp="1"/>
           </p:cNvSpPr>
@@ -2310,7 +2112,7 @@
         <p:spPr>
           <a:xfrm>
             <a:off x="503640" y="5164920"/>
-            <a:ext cx="2347560" cy="389880"/>
+            <a:ext cx="2347200" cy="389520"/>
           </a:xfrm>
           <a:prstGeom prst="rect">
             <a:avLst/>
@@ -2385,7 +2187,7 @@
       </p:grpSpPr>
       <p:sp>
         <p:nvSpPr>
-          <p:cNvPr id="20" name="PlaceHolder 1"/>
+          <p:cNvPr id="19" name="PlaceHolder 1"/>
           <p:cNvSpPr>
             <a:spLocks noGrp="1"/>
           </p:cNvSpPr>
@@ -2396,7 +2198,7 @@
         <p:spPr>
           <a:xfrm>
             <a:off x="503640" y="226080"/>
-            <a:ext cx="9070560" cy="945720"/>
+            <a:ext cx="9070200" cy="945360"/>
           </a:xfrm>
           <a:prstGeom prst="rect">
             <a:avLst/>
@@ -2434,7 +2236,7 @@
       </p:sp>
       <p:sp>
         <p:nvSpPr>
-          <p:cNvPr id="21" name="PlaceHolder 2"/>
+          <p:cNvPr id="20" name="PlaceHolder 2"/>
           <p:cNvSpPr>
             <a:spLocks noGrp="1"/>
           </p:cNvSpPr>
@@ -2445,7 +2247,7 @@
         <p:spPr>
           <a:xfrm>
             <a:off x="3447000" y="5164920"/>
-            <a:ext cx="3194280" cy="389880"/>
+            <a:ext cx="3193920" cy="389520"/>
           </a:xfrm>
           <a:prstGeom prst="rect">
             <a:avLst/>
@@ -2506,7 +2308,7 @@
       </p:sp>
       <p:sp>
         <p:nvSpPr>
-          <p:cNvPr id="22" name="PlaceHolder 3"/>
+          <p:cNvPr id="21" name="PlaceHolder 3"/>
           <p:cNvSpPr>
             <a:spLocks noGrp="1"/>
           </p:cNvSpPr>
@@ -2517,7 +2319,7 @@
         <p:spPr>
           <a:xfrm>
             <a:off x="7226640" y="5164920"/>
-            <a:ext cx="2347560" cy="389880"/>
+            <a:ext cx="2347200" cy="389520"/>
           </a:xfrm>
           <a:prstGeom prst="rect">
             <a:avLst/>
@@ -2558,7 +2360,7 @@
                 <a:tab algn="l" pos="0"/>
               </a:tabLst>
             </a:pPr>
-            <a:fld id="{D4ED0CD9-CEC4-4BEF-8E28-353D9A7209D2}" type="slidenum">
+            <a:fld id="{B83EC7F9-5977-4707-BA91-E6EB324A52BD}" type="slidenum">
               <a:rPr b="0" lang="en-IN" sz="1400" spc="-1" strike="noStrike">
                 <a:solidFill>
                   <a:srgbClr val="000000"/>
@@ -2578,7 +2380,7 @@
       </p:sp>
       <p:sp>
         <p:nvSpPr>
-          <p:cNvPr id="23" name="PlaceHolder 4"/>
+          <p:cNvPr id="22" name="PlaceHolder 4"/>
           <p:cNvSpPr>
             <a:spLocks noGrp="1"/>
           </p:cNvSpPr>
@@ -2589,7 +2391,7 @@
         <p:spPr>
           <a:xfrm>
             <a:off x="503640" y="5164920"/>
-            <a:ext cx="2347560" cy="389880"/>
+            <a:ext cx="2347200" cy="389520"/>
           </a:xfrm>
           <a:prstGeom prst="rect">
             <a:avLst/>
@@ -2638,7 +2440,7 @@
       </p:sp>
       <p:sp>
         <p:nvSpPr>
-          <p:cNvPr id="24" name="PlaceHolder 5"/>
+          <p:cNvPr id="23" name="PlaceHolder 5"/>
           <p:cNvSpPr>
             <a:spLocks noGrp="1"/>
           </p:cNvSpPr>
@@ -2682,16 +2484,7 @@
                 </a:solidFill>
                 <a:latin typeface="Arial"/>
               </a:rPr>
-              <a:t>Click to edit the </a:t>
-            </a:r>
-            <a:r>
-              <a:rPr b="0" lang="en-IN" sz="3200" spc="-1" strike="noStrike">
-                <a:solidFill>
-                  <a:srgbClr val="000000"/>
-                </a:solidFill>
-                <a:latin typeface="Arial"/>
-              </a:rPr>
-              <a:t>outline text format</a:t>
+              <a:t>Click to edit the outline text format</a:t>
             </a:r>
             <a:endParaRPr b="0" lang="en-IN" sz="3200" spc="-1" strike="noStrike">
               <a:solidFill>
@@ -2831,16 +2624,7 @@
                 </a:solidFill>
                 <a:latin typeface="Arial"/>
               </a:rPr>
-              <a:t>Sixth Outline </a:t>
-            </a:r>
-            <a:r>
-              <a:rPr b="0" lang="en-IN" sz="2000" spc="-1" strike="noStrike">
-                <a:solidFill>
-                  <a:srgbClr val="000000"/>
-                </a:solidFill>
-                <a:latin typeface="Arial"/>
-              </a:rPr>
-              <a:t>Level</a:t>
+              <a:t>Sixth Outline Level</a:t>
             </a:r>
             <a:endParaRPr b="0" lang="en-IN" sz="2000" spc="-1" strike="noStrike">
               <a:solidFill>
@@ -2868,25 +2652,7 @@
                 </a:solidFill>
                 <a:latin typeface="Arial"/>
               </a:rPr>
-              <a:t>Seventh </a:t>
-            </a:r>
-            <a:r>
-              <a:rPr b="0" lang="en-IN" sz="2000" spc="-1" strike="noStrike">
-                <a:solidFill>
-                  <a:srgbClr val="000000"/>
-                </a:solidFill>
-                <a:latin typeface="Arial"/>
-              </a:rPr>
-              <a:t>Outline </a:t>
-            </a:r>
-            <a:r>
-              <a:rPr b="0" lang="en-IN" sz="2000" spc="-1" strike="noStrike">
-                <a:solidFill>
-                  <a:srgbClr val="000000"/>
-                </a:solidFill>
-                <a:latin typeface="Arial"/>
-              </a:rPr>
-              <a:t>Level</a:t>
+              <a:t>Seventh Outline Level</a:t>
             </a:r>
             <a:endParaRPr b="0" lang="en-IN" sz="2000" spc="-1" strike="noStrike">
               <a:solidFill>
@@ -2933,7 +2699,7 @@
       </p:grpSpPr>
       <p:sp>
         <p:nvSpPr>
-          <p:cNvPr id="27" name="PlaceHolder 1"/>
+          <p:cNvPr id="26" name="PlaceHolder 1"/>
           <p:cNvSpPr>
             <a:spLocks noGrp="1"/>
           </p:cNvSpPr>
@@ -2944,7 +2710,7 @@
         <p:spPr>
           <a:xfrm>
             <a:off x="0" y="1738440"/>
-            <a:ext cx="10079280" cy="1246680"/>
+            <a:ext cx="10078920" cy="1246320"/>
           </a:xfrm>
           <a:prstGeom prst="rect">
             <a:avLst/>
@@ -2988,7 +2754,7 @@
       </p:sp>
       <p:sp>
         <p:nvSpPr>
-          <p:cNvPr id="28" name="PlaceHolder 2"/>
+          <p:cNvPr id="27" name="PlaceHolder 2"/>
           <p:cNvSpPr>
             <a:spLocks noGrp="1"/>
           </p:cNvSpPr>
@@ -2999,7 +2765,7 @@
         <p:spPr>
           <a:xfrm>
             <a:off x="0" y="2879640"/>
-            <a:ext cx="10079280" cy="1259280"/>
+            <a:ext cx="10078920" cy="1258920"/>
           </a:xfrm>
           <a:prstGeom prst="rect">
             <a:avLst/>
@@ -3043,22 +2809,22 @@
       </p:sp>
       <p:sp>
         <p:nvSpPr>
-          <p:cNvPr id="29" name=""/>
+          <p:cNvPr id="28" name=""/>
           <p:cNvSpPr/>
           <p:nvPr/>
         </p:nvSpPr>
         <p:spPr>
           <a:xfrm>
             <a:off x="1979280" y="3060000"/>
-            <a:ext cx="5939280" cy="360"/>
+            <a:ext cx="5938920" cy="360"/>
           </a:xfrm>
           <a:custGeom>
             <a:avLst/>
             <a:gdLst>
-              <a:gd name="textAreaLeft" fmla="*/ 0 w 5939280"/>
-              <a:gd name="textAreaRight" fmla="*/ 5940000 w 5939280"/>
+              <a:gd name="textAreaLeft" fmla="*/ 0 w 5938920"/>
+              <a:gd name="textAreaRight" fmla="*/ 5940000 w 5938920"/>
               <a:gd name="textAreaTop" fmla="*/ 0 h 360"/>
-              <a:gd name="textAreaBottom" fmla="*/ 1440 h 360"/>
+              <a:gd name="textAreaBottom" fmla="*/ 2880 h 360"/>
             </a:gdLst>
             <a:ahLst/>
             <a:rect l="textAreaLeft" t="textAreaTop" r="textAreaRight" b="textAreaBottom"/>
@@ -3150,7 +2916,7 @@
       </p:grpSpPr>
       <p:sp>
         <p:nvSpPr>
-          <p:cNvPr id="95" name="PlaceHolder 1"/>
+          <p:cNvPr id="94" name="PlaceHolder 1"/>
           <p:cNvSpPr>
             <a:spLocks noGrp="1"/>
           </p:cNvSpPr>
@@ -3161,7 +2927,7 @@
         <p:spPr>
           <a:xfrm>
             <a:off x="503640" y="46080"/>
-            <a:ext cx="9070560" cy="945720"/>
+            <a:ext cx="9070200" cy="945360"/>
           </a:xfrm>
           <a:prstGeom prst="rect">
             <a:avLst/>
@@ -3205,14 +2971,14 @@
       </p:sp>
       <p:sp>
         <p:nvSpPr>
-          <p:cNvPr id="96" name=""/>
+          <p:cNvPr id="95" name=""/>
           <p:cNvSpPr/>
           <p:nvPr/>
         </p:nvSpPr>
         <p:spPr>
           <a:xfrm>
             <a:off x="-3960" y="1127160"/>
-            <a:ext cx="5223240" cy="492120"/>
+            <a:ext cx="5222880" cy="491760"/>
           </a:xfrm>
           <a:prstGeom prst="rect">
             <a:avLst/>
@@ -3259,14 +3025,14 @@
       </p:sp>
       <p:sp>
         <p:nvSpPr>
-          <p:cNvPr id="97" name=""/>
+          <p:cNvPr id="96" name=""/>
           <p:cNvSpPr/>
           <p:nvPr/>
         </p:nvSpPr>
         <p:spPr>
           <a:xfrm>
             <a:off x="72000" y="1677600"/>
-            <a:ext cx="9899280" cy="844560"/>
+            <a:ext cx="9898920" cy="844200"/>
           </a:xfrm>
           <a:prstGeom prst="rect">
             <a:avLst/>
@@ -3333,14 +3099,14 @@
       </p:sp>
       <p:sp>
         <p:nvSpPr>
-          <p:cNvPr id="98" name=""/>
+          <p:cNvPr id="97" name=""/>
           <p:cNvSpPr/>
           <p:nvPr/>
         </p:nvSpPr>
         <p:spPr>
           <a:xfrm>
             <a:off x="0" y="2594880"/>
-            <a:ext cx="5039280" cy="569160"/>
+            <a:ext cx="5038920" cy="568800"/>
           </a:xfrm>
           <a:prstGeom prst="rect">
             <a:avLst/>
@@ -3417,14 +3183,14 @@
       </p:sp>
       <p:sp>
         <p:nvSpPr>
-          <p:cNvPr id="99" name=""/>
+          <p:cNvPr id="98" name=""/>
           <p:cNvSpPr/>
           <p:nvPr/>
         </p:nvSpPr>
         <p:spPr>
           <a:xfrm>
             <a:off x="0" y="4483080"/>
-            <a:ext cx="10037160" cy="1006200"/>
+            <a:ext cx="10036800" cy="1005840"/>
           </a:xfrm>
           <a:prstGeom prst="rect">
             <a:avLst/>
@@ -3491,14 +3257,14 @@
       </p:sp>
       <p:sp>
         <p:nvSpPr>
-          <p:cNvPr id="100" name=""/>
+          <p:cNvPr id="99" name=""/>
           <p:cNvSpPr/>
           <p:nvPr/>
         </p:nvSpPr>
         <p:spPr>
           <a:xfrm>
             <a:off x="60480" y="3081600"/>
-            <a:ext cx="10198800" cy="844560"/>
+            <a:ext cx="10198440" cy="844200"/>
           </a:xfrm>
           <a:prstGeom prst="rect">
             <a:avLst/>
@@ -3565,14 +3331,14 @@
       </p:sp>
       <p:sp>
         <p:nvSpPr>
-          <p:cNvPr id="101" name=""/>
+          <p:cNvPr id="100" name=""/>
           <p:cNvSpPr/>
           <p:nvPr/>
         </p:nvSpPr>
         <p:spPr>
           <a:xfrm>
             <a:off x="0" y="3996000"/>
-            <a:ext cx="3779280" cy="492120"/>
+            <a:ext cx="3778920" cy="491760"/>
           </a:xfrm>
           <a:prstGeom prst="rect">
             <a:avLst/>
@@ -3656,7 +3422,7 @@
       </p:grpSpPr>
       <p:sp>
         <p:nvSpPr>
-          <p:cNvPr id="30" name="PlaceHolder 1"/>
+          <p:cNvPr id="29" name="PlaceHolder 1"/>
           <p:cNvSpPr>
             <a:spLocks noGrp="1"/>
           </p:cNvSpPr>
@@ -3667,7 +3433,7 @@
         <p:spPr>
           <a:xfrm>
             <a:off x="0" y="756000"/>
-            <a:ext cx="10079280" cy="719280"/>
+            <a:ext cx="10078920" cy="718920"/>
           </a:xfrm>
           <a:prstGeom prst="rect">
             <a:avLst/>
@@ -3711,7 +3477,7 @@
       </p:sp>
       <p:sp>
         <p:nvSpPr>
-          <p:cNvPr id="31" name="PlaceHolder 2"/>
+          <p:cNvPr id="30" name="PlaceHolder 2"/>
           <p:cNvSpPr>
             <a:spLocks noGrp="1"/>
           </p:cNvSpPr>
@@ -3722,7 +3488,7 @@
         <p:spPr>
           <a:xfrm>
             <a:off x="1979280" y="2195640"/>
-            <a:ext cx="5939280" cy="2092680"/>
+            <a:ext cx="5938920" cy="2092320"/>
           </a:xfrm>
           <a:prstGeom prst="rect">
             <a:avLst/>
@@ -3880,22 +3646,22 @@
       </p:sp>
       <p:sp>
         <p:nvSpPr>
-          <p:cNvPr id="32" name=""/>
+          <p:cNvPr id="31" name=""/>
           <p:cNvSpPr/>
           <p:nvPr/>
         </p:nvSpPr>
         <p:spPr>
           <a:xfrm>
             <a:off x="3671640" y="1584000"/>
-            <a:ext cx="2519280" cy="360"/>
+            <a:ext cx="2518920" cy="360"/>
           </a:xfrm>
           <a:custGeom>
             <a:avLst/>
             <a:gdLst>
-              <a:gd name="textAreaLeft" fmla="*/ 0 w 2519280"/>
-              <a:gd name="textAreaRight" fmla="*/ 2520000 w 2519280"/>
+              <a:gd name="textAreaLeft" fmla="*/ 0 w 2518920"/>
+              <a:gd name="textAreaRight" fmla="*/ 2520000 w 2518920"/>
               <a:gd name="textAreaTop" fmla="*/ 0 h 360"/>
-              <a:gd name="textAreaBottom" fmla="*/ 1440 h 360"/>
+              <a:gd name="textAreaBottom" fmla="*/ 2880 h 360"/>
             </a:gdLst>
             <a:ahLst/>
             <a:rect l="textAreaLeft" t="textAreaTop" r="textAreaRight" b="textAreaBottom"/>
@@ -3987,7 +3753,7 @@
       </p:grpSpPr>
       <p:sp>
         <p:nvSpPr>
-          <p:cNvPr id="33" name="PlaceHolder 1"/>
+          <p:cNvPr id="32" name="PlaceHolder 1"/>
           <p:cNvSpPr>
             <a:spLocks noGrp="1"/>
           </p:cNvSpPr>
@@ -3998,7 +3764,7 @@
         <p:spPr>
           <a:xfrm>
             <a:off x="0" y="0"/>
-            <a:ext cx="10079280" cy="719280"/>
+            <a:ext cx="10078920" cy="718920"/>
           </a:xfrm>
           <a:prstGeom prst="rect">
             <a:avLst/>
@@ -4043,22 +3809,22 @@
       </p:sp>
       <p:sp>
         <p:nvSpPr>
-          <p:cNvPr id="34" name=""/>
+          <p:cNvPr id="33" name=""/>
           <p:cNvSpPr/>
           <p:nvPr/>
         </p:nvSpPr>
         <p:spPr>
           <a:xfrm>
             <a:off x="3419280" y="828000"/>
-            <a:ext cx="3059280" cy="360"/>
+            <a:ext cx="3058920" cy="360"/>
           </a:xfrm>
           <a:custGeom>
             <a:avLst/>
             <a:gdLst>
-              <a:gd name="textAreaLeft" fmla="*/ 0 w 3059280"/>
-              <a:gd name="textAreaRight" fmla="*/ 3060000 w 3059280"/>
+              <a:gd name="textAreaLeft" fmla="*/ 0 w 3058920"/>
+              <a:gd name="textAreaRight" fmla="*/ 3060000 w 3058920"/>
               <a:gd name="textAreaTop" fmla="*/ 0 h 360"/>
-              <a:gd name="textAreaBottom" fmla="*/ 1440 h 360"/>
+              <a:gd name="textAreaBottom" fmla="*/ 2880 h 360"/>
             </a:gdLst>
             <a:ahLst/>
             <a:rect l="textAreaLeft" t="textAreaTop" r="textAreaRight" b="textAreaBottom"/>
@@ -4113,14 +3879,14 @@
       </p:sp>
       <p:sp>
         <p:nvSpPr>
-          <p:cNvPr id="35" name=""/>
+          <p:cNvPr id="34" name=""/>
           <p:cNvSpPr/>
           <p:nvPr/>
         </p:nvSpPr>
         <p:spPr>
           <a:xfrm>
             <a:off x="1511640" y="1187640"/>
-            <a:ext cx="2538720" cy="408240"/>
+            <a:ext cx="2538360" cy="407880"/>
           </a:xfrm>
           <a:prstGeom prst="rect">
             <a:avLst/>
@@ -4170,7 +3936,7 @@
             </a:r>
             <a:endParaRPr b="0" lang="en-IN" sz="1500" spc="-1" strike="noStrike">
               <a:solidFill>
-                <a:srgbClr val="000000"/>
+                <a:srgbClr val="ffffff"/>
               </a:solidFill>
               <a:latin typeface="Arial"/>
             </a:endParaRPr>
@@ -4179,14 +3945,14 @@
       </p:sp>
       <p:sp>
         <p:nvSpPr>
-          <p:cNvPr id="36" name=""/>
+          <p:cNvPr id="35" name=""/>
           <p:cNvSpPr/>
           <p:nvPr/>
         </p:nvSpPr>
         <p:spPr>
           <a:xfrm>
             <a:off x="1511640" y="1634400"/>
-            <a:ext cx="2538720" cy="1424880"/>
+            <a:ext cx="2538360" cy="1424520"/>
           </a:xfrm>
           <a:prstGeom prst="rect">
             <a:avLst/>
@@ -4245,14 +4011,14 @@
       </p:sp>
       <p:sp>
         <p:nvSpPr>
-          <p:cNvPr id="37" name=""/>
+          <p:cNvPr id="36" name=""/>
           <p:cNvSpPr/>
           <p:nvPr/>
         </p:nvSpPr>
         <p:spPr>
           <a:xfrm>
             <a:off x="5859000" y="1187640"/>
-            <a:ext cx="2538720" cy="408240"/>
+            <a:ext cx="2538360" cy="407880"/>
           </a:xfrm>
           <a:prstGeom prst="rect">
             <a:avLst/>
@@ -4302,7 +4068,7 @@
             </a:r>
             <a:endParaRPr b="0" lang="en-IN" sz="1500" spc="-1" strike="noStrike">
               <a:solidFill>
-                <a:srgbClr val="000000"/>
+                <a:srgbClr val="ffffff"/>
               </a:solidFill>
               <a:latin typeface="Arial"/>
             </a:endParaRPr>
@@ -4311,14 +4077,14 @@
       </p:sp>
       <p:sp>
         <p:nvSpPr>
-          <p:cNvPr id="38" name=""/>
+          <p:cNvPr id="37" name=""/>
           <p:cNvSpPr/>
           <p:nvPr/>
         </p:nvSpPr>
         <p:spPr>
           <a:xfrm>
             <a:off x="5859000" y="1634400"/>
-            <a:ext cx="2538720" cy="1424880"/>
+            <a:ext cx="2538360" cy="1424520"/>
           </a:xfrm>
           <a:prstGeom prst="rect">
             <a:avLst/>
@@ -4459,14 +4225,14 @@
       </p:sp>
       <p:sp>
         <p:nvSpPr>
-          <p:cNvPr id="39" name=""/>
+          <p:cNvPr id="38" name=""/>
           <p:cNvSpPr/>
           <p:nvPr/>
         </p:nvSpPr>
         <p:spPr>
           <a:xfrm>
             <a:off x="1512720" y="3607560"/>
-            <a:ext cx="2538720" cy="408240"/>
+            <a:ext cx="2538360" cy="407880"/>
           </a:xfrm>
           <a:prstGeom prst="rect">
             <a:avLst/>
@@ -4516,7 +4282,7 @@
             </a:r>
             <a:endParaRPr b="0" lang="en-IN" sz="1500" spc="-1" strike="noStrike">
               <a:solidFill>
-                <a:srgbClr val="000000"/>
+                <a:srgbClr val="ffffff"/>
               </a:solidFill>
               <a:latin typeface="Arial"/>
             </a:endParaRPr>
@@ -4525,14 +4291,14 @@
       </p:sp>
       <p:sp>
         <p:nvSpPr>
-          <p:cNvPr id="40" name=""/>
+          <p:cNvPr id="39" name=""/>
           <p:cNvSpPr/>
           <p:nvPr/>
         </p:nvSpPr>
         <p:spPr>
           <a:xfrm>
             <a:off x="1512720" y="4053960"/>
-            <a:ext cx="2538720" cy="1424520"/>
+            <a:ext cx="2538360" cy="1424160"/>
           </a:xfrm>
           <a:prstGeom prst="rect">
             <a:avLst/>
@@ -4673,14 +4439,14 @@
       </p:sp>
       <p:sp>
         <p:nvSpPr>
-          <p:cNvPr id="41" name=""/>
+          <p:cNvPr id="40" name=""/>
           <p:cNvSpPr/>
           <p:nvPr/>
         </p:nvSpPr>
         <p:spPr>
           <a:xfrm>
             <a:off x="5859000" y="3607200"/>
-            <a:ext cx="2538720" cy="408240"/>
+            <a:ext cx="2538360" cy="407880"/>
           </a:xfrm>
           <a:prstGeom prst="rect">
             <a:avLst/>
@@ -4730,7 +4496,7 @@
             </a:r>
             <a:endParaRPr b="0" lang="en-IN" sz="1500" spc="-1" strike="noStrike">
               <a:solidFill>
-                <a:srgbClr val="000000"/>
+                <a:srgbClr val="ffffff"/>
               </a:solidFill>
               <a:latin typeface="Arial"/>
             </a:endParaRPr>
@@ -4739,14 +4505,14 @@
       </p:sp>
       <p:sp>
         <p:nvSpPr>
-          <p:cNvPr id="42" name=""/>
+          <p:cNvPr id="41" name=""/>
           <p:cNvSpPr/>
           <p:nvPr/>
         </p:nvSpPr>
         <p:spPr>
           <a:xfrm>
             <a:off x="5859000" y="4053960"/>
-            <a:ext cx="2538720" cy="1424520"/>
+            <a:ext cx="2538360" cy="1424160"/>
           </a:xfrm>
           <a:prstGeom prst="rect">
             <a:avLst/>
@@ -4924,7 +4690,7 @@
       </p:grpSpPr>
       <p:sp>
         <p:nvSpPr>
-          <p:cNvPr id="43" name="PlaceHolder 1"/>
+          <p:cNvPr id="42" name="PlaceHolder 1"/>
           <p:cNvSpPr>
             <a:spLocks noGrp="1"/>
           </p:cNvSpPr>
@@ -4935,7 +4701,7 @@
         <p:spPr>
           <a:xfrm>
             <a:off x="0" y="4680"/>
-            <a:ext cx="10079280" cy="601560"/>
+            <a:ext cx="10078920" cy="601200"/>
           </a:xfrm>
           <a:prstGeom prst="rect">
             <a:avLst/>
@@ -5010,7 +4776,7 @@
       </p:sp>
       <p:sp>
         <p:nvSpPr>
-          <p:cNvPr id="44" name="PlaceHolder 2"/>
+          <p:cNvPr id="43" name="PlaceHolder 2"/>
           <p:cNvSpPr>
             <a:spLocks noGrp="1"/>
           </p:cNvSpPr>
@@ -5021,7 +4787,7 @@
         <p:spPr>
           <a:xfrm>
             <a:off x="503640" y="719640"/>
-            <a:ext cx="4175280" cy="4679280"/>
+            <a:ext cx="4174920" cy="4678920"/>
           </a:xfrm>
           <a:prstGeom prst="rect">
             <a:avLst/>
@@ -5076,7 +4842,6 @@
                 <a:srgbClr val="000000"/>
               </a:solidFill>
               <a:latin typeface="Arial"/>
-              <a:ea typeface="Noto Sans CJK SC"/>
             </a:endParaRPr>
           </a:p>
           <a:p>
@@ -5115,7 +4880,6 @@
                 <a:srgbClr val="000000"/>
               </a:solidFill>
               <a:latin typeface="Arial"/>
-              <a:ea typeface="Noto Sans CJK SC"/>
             </a:endParaRPr>
           </a:p>
           <a:p>
@@ -5154,7 +4918,6 @@
                 <a:srgbClr val="000000"/>
               </a:solidFill>
               <a:latin typeface="Arial"/>
-              <a:ea typeface="Noto Sans CJK SC"/>
             </a:endParaRPr>
           </a:p>
           <a:p>
@@ -5189,7 +4952,6 @@
                 <a:srgbClr val="000000"/>
               </a:solidFill>
               <a:latin typeface="Arial"/>
-              <a:ea typeface="Noto Sans CJK SC"/>
             </a:endParaRPr>
           </a:p>
           <a:p>
@@ -5228,7 +4990,6 @@
                 <a:srgbClr val="000000"/>
               </a:solidFill>
               <a:latin typeface="Arial"/>
-              <a:ea typeface="Noto Sans CJK SC"/>
             </a:endParaRPr>
           </a:p>
           <a:p>
@@ -5267,7 +5028,6 @@
                 <a:srgbClr val="000000"/>
               </a:solidFill>
               <a:latin typeface="Arial"/>
-              <a:ea typeface="Noto Sans CJK SC"/>
             </a:endParaRPr>
           </a:p>
           <a:p>
@@ -5306,7 +5066,6 @@
                 <a:srgbClr val="000000"/>
               </a:solidFill>
               <a:latin typeface="Arial"/>
-              <a:ea typeface="Noto Sans CJK SC"/>
             </a:endParaRPr>
           </a:p>
           <a:p>
@@ -5345,7 +5104,6 @@
                 <a:srgbClr val="000000"/>
               </a:solidFill>
               <a:latin typeface="Arial"/>
-              <a:ea typeface="Noto Sans CJK SC"/>
             </a:endParaRPr>
           </a:p>
           <a:p>
@@ -5380,7 +5138,6 @@
                 <a:srgbClr val="000000"/>
               </a:solidFill>
               <a:latin typeface="Arial"/>
-              <a:ea typeface="Noto Sans CJK SC"/>
             </a:endParaRPr>
           </a:p>
           <a:p>
@@ -5419,7 +5176,6 @@
                 <a:srgbClr val="000000"/>
               </a:solidFill>
               <a:latin typeface="Arial"/>
-              <a:ea typeface="Noto Sans CJK SC"/>
             </a:endParaRPr>
           </a:p>
           <a:p>
@@ -5458,7 +5214,6 @@
                 <a:srgbClr val="000000"/>
               </a:solidFill>
               <a:latin typeface="Arial"/>
-              <a:ea typeface="Noto Sans CJK SC"/>
             </a:endParaRPr>
           </a:p>
           <a:p>
@@ -5497,14 +5252,13 @@
                 <a:srgbClr val="000000"/>
               </a:solidFill>
               <a:latin typeface="Arial"/>
-              <a:ea typeface="Noto Sans CJK SC"/>
             </a:endParaRPr>
           </a:p>
         </p:txBody>
       </p:sp>
       <p:pic>
         <p:nvPicPr>
-          <p:cNvPr id="45" name="" descr=""/>
+          <p:cNvPr id="44" name="" descr=""/>
           <p:cNvPicPr/>
           <p:nvPr/>
         </p:nvPicPr>
@@ -5515,7 +5269,7 @@
         <p:spPr>
           <a:xfrm>
             <a:off x="5184000" y="1620000"/>
-            <a:ext cx="4370400" cy="3570840"/>
+            <a:ext cx="4370040" cy="3570480"/>
           </a:xfrm>
           <a:prstGeom prst="rect">
             <a:avLst/>
@@ -5527,14 +5281,14 @@
       </p:pic>
       <p:sp>
         <p:nvSpPr>
-          <p:cNvPr id="46" name=""/>
+          <p:cNvPr id="45" name=""/>
           <p:cNvSpPr/>
           <p:nvPr/>
         </p:nvSpPr>
         <p:spPr>
           <a:xfrm>
             <a:off x="5184000" y="791640"/>
-            <a:ext cx="4319280" cy="2625120"/>
+            <a:ext cx="4318920" cy="2624760"/>
           </a:xfrm>
           <a:prstGeom prst="rect">
             <a:avLst/>
@@ -5618,7 +5372,7 @@
       </p:grpSpPr>
       <p:sp>
         <p:nvSpPr>
-          <p:cNvPr id="47" name="PlaceHolder 1"/>
+          <p:cNvPr id="46" name="PlaceHolder 1"/>
           <p:cNvSpPr>
             <a:spLocks noGrp="1"/>
           </p:cNvSpPr>
@@ -5629,7 +5383,7 @@
         <p:spPr>
           <a:xfrm>
             <a:off x="0" y="4680"/>
-            <a:ext cx="10079280" cy="601560"/>
+            <a:ext cx="10078920" cy="601200"/>
           </a:xfrm>
           <a:prstGeom prst="rect">
             <a:avLst/>
@@ -5673,7 +5427,7 @@
       </p:sp>
       <p:sp>
         <p:nvSpPr>
-          <p:cNvPr id="48" name="PlaceHolder 2"/>
+          <p:cNvPr id="47" name="PlaceHolder 2"/>
           <p:cNvSpPr>
             <a:spLocks noGrp="1"/>
           </p:cNvSpPr>
@@ -5684,7 +5438,7 @@
         <p:spPr>
           <a:xfrm>
             <a:off x="359640" y="719640"/>
-            <a:ext cx="3959280" cy="4679280"/>
+            <a:ext cx="3958920" cy="4678920"/>
           </a:xfrm>
           <a:prstGeom prst="rect">
             <a:avLst/>
@@ -5738,7 +5492,6 @@
                 <a:srgbClr val="000000"/>
               </a:solidFill>
               <a:latin typeface="Arial"/>
-              <a:ea typeface="Noto Sans CJK SC"/>
             </a:endParaRPr>
           </a:p>
           <a:p>
@@ -5777,7 +5530,6 @@
                 <a:srgbClr val="000000"/>
               </a:solidFill>
               <a:latin typeface="Arial"/>
-              <a:ea typeface="Noto Sans CJK SC"/>
             </a:endParaRPr>
           </a:p>
           <a:p>
@@ -5816,7 +5568,6 @@
                 <a:srgbClr val="000000"/>
               </a:solidFill>
               <a:latin typeface="Arial"/>
-              <a:ea typeface="Noto Sans CJK SC"/>
             </a:endParaRPr>
           </a:p>
           <a:p>
@@ -5855,7 +5606,6 @@
                 <a:srgbClr val="000000"/>
               </a:solidFill>
               <a:latin typeface="Arial"/>
-              <a:ea typeface="Noto Sans CJK SC"/>
             </a:endParaRPr>
           </a:p>
           <a:p>
@@ -5894,7 +5644,6 @@
                 <a:srgbClr val="000000"/>
               </a:solidFill>
               <a:latin typeface="Arial"/>
-              <a:ea typeface="Noto Sans CJK SC"/>
             </a:endParaRPr>
           </a:p>
           <a:p>
@@ -5933,7 +5682,6 @@
                 <a:srgbClr val="000000"/>
               </a:solidFill>
               <a:latin typeface="Arial"/>
-              <a:ea typeface="Noto Sans CJK SC"/>
             </a:endParaRPr>
           </a:p>
           <a:p>
@@ -5972,7 +5720,6 @@
                 <a:srgbClr val="000000"/>
               </a:solidFill>
               <a:latin typeface="Arial"/>
-              <a:ea typeface="Noto Sans CJK SC"/>
             </a:endParaRPr>
           </a:p>
           <a:p>
@@ -6007,7 +5754,6 @@
                 <a:srgbClr val="000000"/>
               </a:solidFill>
               <a:latin typeface="Arial"/>
-              <a:ea typeface="Noto Sans CJK SC"/>
             </a:endParaRPr>
           </a:p>
           <a:p>
@@ -6046,7 +5792,6 @@
                 <a:srgbClr val="000000"/>
               </a:solidFill>
               <a:latin typeface="Arial"/>
-              <a:ea typeface="Noto Sans CJK SC"/>
             </a:endParaRPr>
           </a:p>
           <a:p>
@@ -6085,7 +5830,6 @@
                 <a:srgbClr val="000000"/>
               </a:solidFill>
               <a:latin typeface="Arial"/>
-              <a:ea typeface="Noto Sans CJK SC"/>
             </a:endParaRPr>
           </a:p>
           <a:p>
@@ -6124,7 +5868,6 @@
                 <a:srgbClr val="000000"/>
               </a:solidFill>
               <a:latin typeface="Arial"/>
-              <a:ea typeface="Noto Sans CJK SC"/>
             </a:endParaRPr>
           </a:p>
           <a:p>
@@ -6163,7 +5906,6 @@
                 <a:srgbClr val="000000"/>
               </a:solidFill>
               <a:latin typeface="Arial"/>
-              <a:ea typeface="Noto Sans CJK SC"/>
             </a:endParaRPr>
           </a:p>
           <a:p>
@@ -6202,7 +5944,6 @@
                 <a:srgbClr val="000000"/>
               </a:solidFill>
               <a:latin typeface="Arial"/>
-              <a:ea typeface="Noto Sans CJK SC"/>
             </a:endParaRPr>
           </a:p>
           <a:p>
@@ -6241,14 +5982,13 @@
                 <a:srgbClr val="000000"/>
               </a:solidFill>
               <a:latin typeface="Arial"/>
-              <a:ea typeface="Noto Sans CJK SC"/>
             </a:endParaRPr>
           </a:p>
         </p:txBody>
       </p:sp>
       <p:pic>
         <p:nvPicPr>
-          <p:cNvPr id="49" name="" descr=""/>
+          <p:cNvPr id="48" name="" descr=""/>
           <p:cNvPicPr/>
           <p:nvPr/>
         </p:nvPicPr>
@@ -6259,7 +5999,7 @@
         <p:spPr>
           <a:xfrm>
             <a:off x="4574520" y="719640"/>
-            <a:ext cx="3632400" cy="2339280"/>
+            <a:ext cx="3632040" cy="2338920"/>
           </a:xfrm>
           <a:prstGeom prst="rect">
             <a:avLst/>
@@ -6271,7 +6011,7 @@
       </p:pic>
       <p:pic>
         <p:nvPicPr>
-          <p:cNvPr id="50" name="" descr=""/>
+          <p:cNvPr id="49" name="" descr=""/>
           <p:cNvPicPr/>
           <p:nvPr/>
         </p:nvPicPr>
@@ -6282,7 +6022,7 @@
         <p:spPr>
           <a:xfrm>
             <a:off x="4608000" y="3167640"/>
-            <a:ext cx="3599280" cy="2231280"/>
+            <a:ext cx="3598920" cy="2230920"/>
           </a:xfrm>
           <a:prstGeom prst="rect">
             <a:avLst/>
@@ -6294,14 +6034,14 @@
       </p:pic>
       <p:sp>
         <p:nvSpPr>
-          <p:cNvPr id="51" name=""/>
+          <p:cNvPr id="50" name=""/>
           <p:cNvSpPr/>
           <p:nvPr/>
         </p:nvSpPr>
         <p:spPr>
           <a:xfrm>
-            <a:off x="8300520" y="1268280"/>
-            <a:ext cx="1619280" cy="8793720"/>
+            <a:off x="8280000" y="1692000"/>
+            <a:ext cx="1692000" cy="2340000"/>
           </a:xfrm>
           <a:prstGeom prst="rect">
             <a:avLst/>
@@ -6322,13 +6062,13 @@
             <a:noAutofit/>
           </a:bodyPr>
           <a:p>
-            <a:pPr>
-              <a:lnSpc>
-                <a:spcPct val="100000"/>
-              </a:lnSpc>
-            </a:pPr>
-            <a:r>
-              <a:rPr b="0" lang="en-IN" sz="1800" spc="-1" strike="noStrike">
+            <a:pPr algn="ctr">
+              <a:lnSpc>
+                <a:spcPct val="100000"/>
+              </a:lnSpc>
+            </a:pPr>
+            <a:r>
+              <a:rPr b="0" lang="en-IN" sz="1800" spc="-86" strike="noStrike">
                 <a:solidFill>
                   <a:srgbClr val="729fcf"/>
                 </a:solidFill>
@@ -6341,7 +6081,7 @@
               <a:rPr sz="1800"/>
             </a:br>
             <a:r>
-              <a:rPr b="0" lang="en-IN" sz="1800" spc="-1" strike="noStrike">
+              <a:rPr b="0" lang="en-IN" sz="1800" spc="-86" strike="noStrike">
                 <a:solidFill>
                   <a:srgbClr val="729fcf"/>
                 </a:solidFill>
@@ -6350,7 +6090,7 @@
               </a:rPr>
               <a:t>This is an example of how we are tailoring details from the data.</a:t>
             </a:r>
-            <a:endParaRPr b="0" lang="en-IN" sz="1800" spc="-1" strike="noStrike">
+            <a:endParaRPr b="0" lang="en-IN" sz="1800" spc="-86" strike="noStrike">
               <a:solidFill>
                 <a:srgbClr val="ffffff"/>
               </a:solidFill>
@@ -6398,7 +6138,7 @@
       </p:grpSpPr>
       <p:sp>
         <p:nvSpPr>
-          <p:cNvPr id="52" name="PlaceHolder 1"/>
+          <p:cNvPr id="51" name="PlaceHolder 1"/>
           <p:cNvSpPr>
             <a:spLocks noGrp="1"/>
           </p:cNvSpPr>
@@ -6409,7 +6149,7 @@
         <p:spPr>
           <a:xfrm>
             <a:off x="0" y="0"/>
-            <a:ext cx="10079280" cy="539280"/>
+            <a:ext cx="10078920" cy="538920"/>
           </a:xfrm>
           <a:prstGeom prst="rect">
             <a:avLst/>
@@ -6462,7 +6202,7 @@
       </p:sp>
       <p:pic>
         <p:nvPicPr>
-          <p:cNvPr id="53" name="" descr=""/>
+          <p:cNvPr id="52" name="" descr=""/>
           <p:cNvPicPr/>
           <p:nvPr/>
         </p:nvPicPr>
@@ -6473,7 +6213,30 @@
         <p:spPr>
           <a:xfrm>
             <a:off x="360000" y="786600"/>
-            <a:ext cx="4139280" cy="4504680"/>
+            <a:ext cx="4138920" cy="4504320"/>
+          </a:xfrm>
+          <a:prstGeom prst="rect">
+            <a:avLst/>
+          </a:prstGeom>
+          <a:ln w="0">
+            <a:noFill/>
+          </a:ln>
+        </p:spPr>
+      </p:pic>
+      <p:pic>
+        <p:nvPicPr>
+          <p:cNvPr id="53" name="" descr=""/>
+          <p:cNvPicPr/>
+          <p:nvPr/>
+        </p:nvPicPr>
+        <p:blipFill>
+          <a:blip r:embed="rId2"/>
+          <a:stretch/>
+        </p:blipFill>
+        <p:spPr>
+          <a:xfrm>
+            <a:off x="5040000" y="936000"/>
+            <a:ext cx="4336920" cy="2158920"/>
           </a:xfrm>
           <a:prstGeom prst="rect">
             <a:avLst/>
@@ -6490,36 +6253,13 @@
           <p:nvPr/>
         </p:nvPicPr>
         <p:blipFill>
-          <a:blip r:embed="rId2"/>
-          <a:stretch/>
-        </p:blipFill>
-        <p:spPr>
-          <a:xfrm>
-            <a:off x="5040000" y="936000"/>
-            <a:ext cx="4337280" cy="2159280"/>
-          </a:xfrm>
-          <a:prstGeom prst="rect">
-            <a:avLst/>
-          </a:prstGeom>
-          <a:ln w="0">
-            <a:noFill/>
-          </a:ln>
-        </p:spPr>
-      </p:pic>
-      <p:pic>
-        <p:nvPicPr>
-          <p:cNvPr id="55" name="" descr=""/>
-          <p:cNvPicPr/>
-          <p:nvPr/>
-        </p:nvPicPr>
-        <p:blipFill>
           <a:blip r:embed="rId3"/>
           <a:stretch/>
         </p:blipFill>
         <p:spPr>
           <a:xfrm>
             <a:off x="5040000" y="3199680"/>
-            <a:ext cx="4406760" cy="2159280"/>
+            <a:ext cx="4406400" cy="2158920"/>
           </a:xfrm>
           <a:prstGeom prst="rect">
             <a:avLst/>
@@ -6568,7 +6308,7 @@
       </p:grpSpPr>
       <p:sp>
         <p:nvSpPr>
-          <p:cNvPr id="56" name="PlaceHolder 1"/>
+          <p:cNvPr id="55" name="PlaceHolder 1"/>
           <p:cNvSpPr>
             <a:spLocks noGrp="1"/>
           </p:cNvSpPr>
@@ -6579,7 +6319,7 @@
         <p:spPr>
           <a:xfrm>
             <a:off x="0" y="4680"/>
-            <a:ext cx="10079280" cy="601560"/>
+            <a:ext cx="10078920" cy="601200"/>
           </a:xfrm>
           <a:prstGeom prst="rect">
             <a:avLst/>
@@ -6623,7 +6363,7 @@
       </p:sp>
       <p:sp>
         <p:nvSpPr>
-          <p:cNvPr id="57" name="PlaceHolder 2"/>
+          <p:cNvPr id="56" name="PlaceHolder 2"/>
           <p:cNvSpPr>
             <a:spLocks noGrp="1"/>
           </p:cNvSpPr>
@@ -6634,7 +6374,7 @@
         <p:spPr>
           <a:xfrm>
             <a:off x="503640" y="719640"/>
-            <a:ext cx="3959640" cy="4679280"/>
+            <a:ext cx="3959280" cy="4678920"/>
           </a:xfrm>
           <a:prstGeom prst="rect">
             <a:avLst/>
@@ -6655,7 +6395,7 @@
         </p:spPr>
         <p:txBody>
           <a:bodyPr numCol="1" spcCol="0" lIns="3240" rIns="3240" tIns="3240" bIns="3240" anchor="t">
-            <a:normAutofit fontScale="78429"/>
+            <a:normAutofit fontScale="78333"/>
           </a:bodyPr>
           <a:p>
             <a:pPr indent="0" algn="ctr">
@@ -6688,7 +6428,6 @@
                 <a:srgbClr val="000000"/>
               </a:solidFill>
               <a:latin typeface="Arial"/>
-              <a:ea typeface="Noto Sans CJK SC"/>
             </a:endParaRPr>
           </a:p>
           <a:p>
@@ -6730,7 +6469,6 @@
                 <a:srgbClr val="000000"/>
               </a:solidFill>
               <a:latin typeface="Arial"/>
-              <a:ea typeface="Noto Sans CJK SC"/>
             </a:endParaRPr>
           </a:p>
           <a:p>
@@ -6769,7 +6507,6 @@
                 <a:srgbClr val="000000"/>
               </a:solidFill>
               <a:latin typeface="Arial"/>
-              <a:ea typeface="Noto Sans CJK SC"/>
             </a:endParaRPr>
           </a:p>
           <a:p>
@@ -6808,7 +6545,6 @@
                 <a:srgbClr val="000000"/>
               </a:solidFill>
               <a:latin typeface="Arial"/>
-              <a:ea typeface="Noto Sans CJK SC"/>
             </a:endParaRPr>
           </a:p>
           <a:p>
@@ -6847,7 +6583,6 @@
                 <a:srgbClr val="000000"/>
               </a:solidFill>
               <a:latin typeface="Arial"/>
-              <a:ea typeface="Noto Sans CJK SC"/>
             </a:endParaRPr>
           </a:p>
           <a:p>
@@ -6891,7 +6626,6 @@
                 <a:srgbClr val="000000"/>
               </a:solidFill>
               <a:latin typeface="Arial"/>
-              <a:ea typeface="Noto Sans CJK SC"/>
             </a:endParaRPr>
           </a:p>
           <a:p>
@@ -6923,24 +6657,13 @@
                 <a:latin typeface="Roboto"/>
                 <a:ea typeface="Noto Sans CJK SC"/>
               </a:rPr>
-              <a:t>Premium packages with enhanced accident and medical </a:t>
-            </a:r>
-            <a:r>
-              <a:rPr b="0" lang="en-IN" sz="1200" spc="-1" strike="noStrike">
-                <a:solidFill>
-                  <a:srgbClr val="000000"/>
-                </a:solidFill>
-                <a:latin typeface="Roboto"/>
-                <a:ea typeface="Noto Sans CJK SC"/>
-              </a:rPr>
-              <a:t>coverage</a:t>
+              <a:t>Premium packages with enhanced accident and medical coverage</a:t>
             </a:r>
             <a:endParaRPr b="0" lang="en-IN" sz="1200" spc="-1" strike="noStrike">
               <a:solidFill>
                 <a:srgbClr val="000000"/>
               </a:solidFill>
               <a:latin typeface="Arial"/>
-              <a:ea typeface="Noto Sans CJK SC"/>
             </a:endParaRPr>
           </a:p>
           <a:p>
@@ -6979,7 +6702,6 @@
                 <a:srgbClr val="000000"/>
               </a:solidFill>
               <a:latin typeface="Arial"/>
-              <a:ea typeface="Noto Sans CJK SC"/>
             </a:endParaRPr>
           </a:p>
           <a:p>
@@ -7018,7 +6740,6 @@
                 <a:srgbClr val="000000"/>
               </a:solidFill>
               <a:latin typeface="Arial"/>
-              <a:ea typeface="Noto Sans CJK SC"/>
             </a:endParaRPr>
           </a:p>
           <a:p>
@@ -7062,7 +6783,6 @@
                 <a:srgbClr val="000000"/>
               </a:solidFill>
               <a:latin typeface="Arial"/>
-              <a:ea typeface="Noto Sans CJK SC"/>
             </a:endParaRPr>
           </a:p>
           <a:p>
@@ -7101,7 +6821,6 @@
                 <a:srgbClr val="000000"/>
               </a:solidFill>
               <a:latin typeface="Arial"/>
-              <a:ea typeface="Noto Sans CJK SC"/>
             </a:endParaRPr>
           </a:p>
           <a:p>
@@ -7140,7 +6859,6 @@
                 <a:srgbClr val="000000"/>
               </a:solidFill>
               <a:latin typeface="Arial"/>
-              <a:ea typeface="Noto Sans CJK SC"/>
             </a:endParaRPr>
           </a:p>
           <a:p>
@@ -7179,7 +6897,6 @@
                 <a:srgbClr val="000000"/>
               </a:solidFill>
               <a:latin typeface="Arial"/>
-              <a:ea typeface="Noto Sans CJK SC"/>
             </a:endParaRPr>
           </a:p>
           <a:p>
@@ -7220,7 +6937,6 @@
                 <a:srgbClr val="000000"/>
               </a:solidFill>
               <a:latin typeface="Arial"/>
-              <a:ea typeface="Noto Sans CJK SC"/>
             </a:endParaRPr>
           </a:p>
           <a:p>
@@ -7259,7 +6975,6 @@
                 <a:srgbClr val="000000"/>
               </a:solidFill>
               <a:latin typeface="Arial"/>
-              <a:ea typeface="Noto Sans CJK SC"/>
             </a:endParaRPr>
           </a:p>
           <a:p>
@@ -7298,7 +7013,6 @@
                 <a:srgbClr val="000000"/>
               </a:solidFill>
               <a:latin typeface="Arial"/>
-              <a:ea typeface="Noto Sans CJK SC"/>
             </a:endParaRPr>
           </a:p>
           <a:p>
@@ -7330,38 +7044,27 @@
                 <a:latin typeface="Roboto"/>
                 <a:ea typeface="Noto Sans CJK SC"/>
               </a:rPr>
-              <a:t>Loyalty programs rewarding long-term, claim-free </a:t>
-            </a:r>
-            <a:r>
-              <a:rPr b="0" lang="en-IN" sz="1200" spc="-1" strike="noStrike">
-                <a:solidFill>
-                  <a:srgbClr val="000000"/>
-                </a:solidFill>
-                <a:latin typeface="Roboto"/>
-                <a:ea typeface="Noto Sans CJK SC"/>
-              </a:rPr>
-              <a:t>customers</a:t>
+              <a:t>Loyalty programs rewarding long-term, claim-free customers</a:t>
             </a:r>
             <a:endParaRPr b="0" lang="en-IN" sz="1200" spc="-1" strike="noStrike">
               <a:solidFill>
                 <a:srgbClr val="000000"/>
               </a:solidFill>
               <a:latin typeface="Arial"/>
-              <a:ea typeface="Noto Sans CJK SC"/>
             </a:endParaRPr>
           </a:p>
         </p:txBody>
       </p:sp>
       <p:sp>
         <p:nvSpPr>
-          <p:cNvPr id="58" name=""/>
+          <p:cNvPr id="57" name=""/>
           <p:cNvSpPr/>
           <p:nvPr/>
         </p:nvSpPr>
         <p:spPr>
           <a:xfrm>
             <a:off x="4967640" y="791640"/>
-            <a:ext cx="143280" cy="4571280"/>
+            <a:ext cx="142920" cy="4570920"/>
           </a:xfrm>
           <a:prstGeom prst="rect">
             <a:avLst/>
@@ -7403,7 +7106,7 @@
       </p:sp>
       <p:sp>
         <p:nvSpPr>
-          <p:cNvPr id="59" name="PlaceHolder 3"/>
+          <p:cNvPr id="58" name="PlaceHolder 3"/>
           <p:cNvSpPr>
             <a:spLocks noGrp="1"/>
           </p:cNvSpPr>
@@ -7414,7 +7117,7 @@
         <p:spPr>
           <a:xfrm>
             <a:off x="5543640" y="719640"/>
-            <a:ext cx="3959640" cy="4679280"/>
+            <a:ext cx="3959280" cy="4678920"/>
           </a:xfrm>
           <a:prstGeom prst="rect">
             <a:avLst/>
@@ -7435,7 +7138,7 @@
         </p:spPr>
         <p:txBody>
           <a:bodyPr numCol="1" spcCol="0" lIns="3240" rIns="3240" tIns="3240" bIns="3240" anchor="t">
-            <a:normAutofit fontScale="87491"/>
+            <a:normAutofit fontScale="87222"/>
           </a:bodyPr>
           <a:p>
             <a:pPr indent="0" algn="ctr">
@@ -7462,7 +7165,6 @@
                 <a:srgbClr val="000000"/>
               </a:solidFill>
               <a:latin typeface="Arial"/>
-              <a:ea typeface="Noto Sans CJK SC"/>
             </a:endParaRPr>
           </a:p>
           <a:p>
@@ -7498,7 +7200,6 @@
                 <a:srgbClr val="000000"/>
               </a:solidFill>
               <a:latin typeface="Arial"/>
-              <a:ea typeface="Noto Sans CJK SC"/>
             </a:endParaRPr>
           </a:p>
           <a:p>
@@ -7533,7 +7234,6 @@
                 <a:srgbClr val="000000"/>
               </a:solidFill>
               <a:latin typeface="Arial"/>
-              <a:ea typeface="Noto Sans CJK SC"/>
             </a:endParaRPr>
           </a:p>
           <a:p>
@@ -7568,7 +7268,6 @@
                 <a:srgbClr val="000000"/>
               </a:solidFill>
               <a:latin typeface="Arial"/>
-              <a:ea typeface="Noto Sans CJK SC"/>
             </a:endParaRPr>
           </a:p>
           <a:p>
@@ -7603,7 +7302,6 @@
                 <a:srgbClr val="000000"/>
               </a:solidFill>
               <a:latin typeface="Arial"/>
-              <a:ea typeface="Noto Sans CJK SC"/>
             </a:endParaRPr>
           </a:p>
           <a:p>
@@ -7641,7 +7339,6 @@
                 <a:srgbClr val="000000"/>
               </a:solidFill>
               <a:latin typeface="Arial"/>
-              <a:ea typeface="Noto Sans CJK SC"/>
             </a:endParaRPr>
           </a:p>
           <a:p>
@@ -7676,7 +7373,6 @@
                 <a:srgbClr val="000000"/>
               </a:solidFill>
               <a:latin typeface="Arial"/>
-              <a:ea typeface="Noto Sans CJK SC"/>
             </a:endParaRPr>
           </a:p>
           <a:p>
@@ -7711,7 +7407,6 @@
                 <a:srgbClr val="000000"/>
               </a:solidFill>
               <a:latin typeface="Arial"/>
-              <a:ea typeface="Noto Sans CJK SC"/>
             </a:endParaRPr>
           </a:p>
           <a:p>
@@ -7746,7 +7441,6 @@
                 <a:srgbClr val="000000"/>
               </a:solidFill>
               <a:latin typeface="Arial"/>
-              <a:ea typeface="Noto Sans CJK SC"/>
             </a:endParaRPr>
           </a:p>
           <a:p>
@@ -7784,7 +7478,6 @@
                 <a:srgbClr val="000000"/>
               </a:solidFill>
               <a:latin typeface="Arial"/>
-              <a:ea typeface="Noto Sans CJK SC"/>
             </a:endParaRPr>
           </a:p>
           <a:p>
@@ -7819,7 +7512,6 @@
                 <a:srgbClr val="000000"/>
               </a:solidFill>
               <a:latin typeface="Arial"/>
-              <a:ea typeface="Noto Sans CJK SC"/>
             </a:endParaRPr>
           </a:p>
           <a:p>
@@ -7854,7 +7546,6 @@
                 <a:srgbClr val="000000"/>
               </a:solidFill>
               <a:latin typeface="Arial"/>
-              <a:ea typeface="Noto Sans CJK SC"/>
             </a:endParaRPr>
           </a:p>
           <a:p>
@@ -7889,7 +7580,6 @@
                 <a:srgbClr val="000000"/>
               </a:solidFill>
               <a:latin typeface="Arial"/>
-              <a:ea typeface="Noto Sans CJK SC"/>
             </a:endParaRPr>
           </a:p>
           <a:p>
@@ -7930,7 +7620,6 @@
                 <a:srgbClr val="000000"/>
               </a:solidFill>
               <a:latin typeface="Arial"/>
-              <a:ea typeface="Noto Sans CJK SC"/>
             </a:endParaRPr>
           </a:p>
           <a:p>
@@ -7965,7 +7654,6 @@
                 <a:srgbClr val="000000"/>
               </a:solidFill>
               <a:latin typeface="Arial"/>
-              <a:ea typeface="Noto Sans CJK SC"/>
             </a:endParaRPr>
           </a:p>
           <a:p>
@@ -7993,24 +7681,13 @@
                 <a:latin typeface="Roboto"/>
                 <a:ea typeface="Noto Sans CJK SC"/>
               </a:rPr>
-              <a:t>Educational content on improving driving habits and reducing </a:t>
-            </a:r>
-            <a:r>
-              <a:rPr b="0" lang="en-IN" sz="1200" spc="-1" strike="noStrike">
-                <a:solidFill>
-                  <a:srgbClr val="000000"/>
-                </a:solidFill>
-                <a:latin typeface="Roboto"/>
-                <a:ea typeface="Noto Sans CJK SC"/>
-              </a:rPr>
-              <a:t>premiums</a:t>
+              <a:t>Educational content on improving driving habits and reducing premiums</a:t>
             </a:r>
             <a:endParaRPr b="0" lang="en-IN" sz="1200" spc="-1" strike="noStrike">
               <a:solidFill>
                 <a:srgbClr val="000000"/>
               </a:solidFill>
               <a:latin typeface="Arial"/>
-              <a:ea typeface="Noto Sans CJK SC"/>
             </a:endParaRPr>
           </a:p>
           <a:p>
@@ -8038,24 +7715,13 @@
                 <a:latin typeface="Roboto"/>
                 <a:ea typeface="Noto Sans CJK SC"/>
               </a:rPr>
-              <a:t>Gamification elements to encourage safe driving and policy </a:t>
-            </a:r>
-            <a:r>
-              <a:rPr b="0" lang="en-IN" sz="1200" spc="-1" strike="noStrike">
-                <a:solidFill>
-                  <a:srgbClr val="000000"/>
-                </a:solidFill>
-                <a:latin typeface="Roboto"/>
-                <a:ea typeface="Noto Sans CJK SC"/>
-              </a:rPr>
-              <a:t>engagement</a:t>
+              <a:t>Gamification elements to encourage safe driving and policy engagement</a:t>
             </a:r>
             <a:endParaRPr b="0" lang="en-IN" sz="1200" spc="-1" strike="noStrike">
               <a:solidFill>
                 <a:srgbClr val="000000"/>
               </a:solidFill>
               <a:latin typeface="Arial"/>
-              <a:ea typeface="Noto Sans CJK SC"/>
             </a:endParaRPr>
           </a:p>
         </p:txBody>
@@ -8099,7 +7765,7 @@
       </p:grpSpPr>
       <p:sp>
         <p:nvSpPr>
-          <p:cNvPr id="60" name="PlaceHolder 1"/>
+          <p:cNvPr id="59" name="PlaceHolder 1"/>
           <p:cNvSpPr>
             <a:spLocks noGrp="1"/>
           </p:cNvSpPr>
@@ -8110,7 +7776,7 @@
         <p:spPr>
           <a:xfrm>
             <a:off x="0" y="540000"/>
-            <a:ext cx="10079280" cy="719280"/>
+            <a:ext cx="10078920" cy="718920"/>
           </a:xfrm>
           <a:prstGeom prst="rect">
             <a:avLst/>
@@ -8163,7 +7829,7 @@
       </p:sp>
       <p:sp>
         <p:nvSpPr>
-          <p:cNvPr id="61" name="PlaceHolder 2"/>
+          <p:cNvPr id="60" name="PlaceHolder 2"/>
           <p:cNvSpPr>
             <a:spLocks noGrp="1"/>
           </p:cNvSpPr>
@@ -8174,7 +7840,7 @@
         <p:spPr>
           <a:xfrm>
             <a:off x="503640" y="1866240"/>
-            <a:ext cx="4425840" cy="3287520"/>
+            <a:ext cx="4425480" cy="3287160"/>
           </a:xfrm>
           <a:prstGeom prst="rect">
             <a:avLst/>
@@ -8208,16 +7874,7 @@
                 </a:solidFill>
                 <a:latin typeface="Roboto"/>
               </a:rPr>
-              <a:t>Phase 1: Refine marketing messages and </a:t>
-            </a:r>
-            <a:r>
-              <a:rPr b="0" lang="en-IN" sz="1600" spc="-1" strike="noStrike">
-                <a:solidFill>
-                  <a:srgbClr val="ffffff"/>
-                </a:solidFill>
-                <a:latin typeface="Roboto"/>
-              </a:rPr>
-              <a:t>channels</a:t>
+              <a:t>Phase 1: Refine marketing messages and channels</a:t>
             </a:r>
             <a:endParaRPr b="0" lang="en-IN" sz="1600" spc="-1" strike="noStrike">
               <a:solidFill>
@@ -8346,7 +8003,7 @@
       </p:sp>
       <p:sp>
         <p:nvSpPr>
-          <p:cNvPr id="62" name="PlaceHolder 3"/>
+          <p:cNvPr id="61" name="PlaceHolder 3"/>
           <p:cNvSpPr>
             <a:spLocks noGrp="1"/>
           </p:cNvSpPr>
@@ -8357,7 +8014,7 @@
         <p:spPr>
           <a:xfrm>
             <a:off x="5151960" y="1866240"/>
-            <a:ext cx="4425840" cy="3287520"/>
+            <a:ext cx="4425480" cy="3287160"/>
           </a:xfrm>
           <a:prstGeom prst="rect">
             <a:avLst/>
@@ -8567,7 +8224,7 @@
       </p:grpSpPr>
       <p:sp>
         <p:nvSpPr>
-          <p:cNvPr id="63" name="PlaceHolder 1"/>
+          <p:cNvPr id="62" name="PlaceHolder 1"/>
           <p:cNvSpPr>
             <a:spLocks noGrp="1"/>
           </p:cNvSpPr>
@@ -8578,7 +8235,7 @@
         <p:spPr>
           <a:xfrm>
             <a:off x="0" y="180000"/>
-            <a:ext cx="10079280" cy="719280"/>
+            <a:ext cx="10078920" cy="718920"/>
           </a:xfrm>
           <a:prstGeom prst="rect">
             <a:avLst/>
@@ -8631,42 +8288,42 @@
       </p:sp>
       <p:grpSp>
         <p:nvGrpSpPr>
-          <p:cNvPr id="64" name=""/>
+          <p:cNvPr id="63" name=""/>
           <p:cNvGrpSpPr/>
           <p:nvPr/>
         </p:nvGrpSpPr>
         <p:grpSpPr>
           <a:xfrm>
             <a:off x="0" y="1008000"/>
-            <a:ext cx="10008000" cy="3642480"/>
+            <a:ext cx="10007280" cy="3642120"/>
             <a:chOff x="0" y="1008000"/>
-            <a:chExt cx="10008000" cy="3642480"/>
+            <a:chExt cx="10007280" cy="3642120"/>
           </a:xfrm>
         </p:grpSpPr>
         <p:grpSp>
           <p:nvGrpSpPr>
-            <p:cNvPr id="65" name=""/>
+            <p:cNvPr id="64" name=""/>
             <p:cNvGrpSpPr/>
             <p:nvPr/>
           </p:nvGrpSpPr>
           <p:grpSpPr>
             <a:xfrm>
               <a:off x="3960" y="1014480"/>
-              <a:ext cx="4680000" cy="720000"/>
+              <a:ext cx="4679640" cy="719640"/>
               <a:chOff x="3960" y="1014480"/>
-              <a:chExt cx="4680000" cy="720000"/>
+              <a:chExt cx="4679640" cy="719640"/>
             </a:xfrm>
           </p:grpSpPr>
           <p:sp>
             <p:nvSpPr>
-              <p:cNvPr id="66" name=""/>
+              <p:cNvPr id="65" name=""/>
               <p:cNvSpPr/>
               <p:nvPr/>
             </p:nvSpPr>
             <p:spPr>
               <a:xfrm>
                 <a:off x="449640" y="1134720"/>
-                <a:ext cx="4234320" cy="479520"/>
+                <a:ext cx="4233960" cy="479160"/>
               </a:xfrm>
               <a:prstGeom prst="roundRect">
                 <a:avLst>
@@ -8722,26 +8379,25 @@
                   </a:rPr>
                   <a:t>Refine marketing messages and channels</a:t>
                 </a:r>
-                <a:endParaRPr b="0" lang="en-US" sz="1600" spc="-1" strike="noStrike">
+                <a:endParaRPr b="0" lang="en-IN" sz="1600" spc="-1" strike="noStrike">
                   <a:solidFill>
-                    <a:srgbClr val="000000"/>
+                    <a:srgbClr val="ffffff"/>
                   </a:solidFill>
                   <a:latin typeface="Arial"/>
-                  <a:ea typeface="Microsoft YaHei"/>
                 </a:endParaRPr>
               </a:p>
             </p:txBody>
           </p:sp>
           <p:sp>
             <p:nvSpPr>
-              <p:cNvPr id="67" name=""/>
+              <p:cNvPr id="66" name=""/>
               <p:cNvSpPr/>
               <p:nvPr/>
             </p:nvSpPr>
             <p:spPr>
               <a:xfrm>
                 <a:off x="3960" y="1014480"/>
-                <a:ext cx="668520" cy="720000"/>
+                <a:ext cx="668160" cy="719640"/>
               </a:xfrm>
               <a:prstGeom prst="ellipse">
                 <a:avLst/>
@@ -8753,7 +8409,7 @@
                 <a:noFill/>
               </a:ln>
               <a:effectLst>
-                <a:outerShdw dist="50760" dir="0" blurRad="0" rotWithShape="0">
+                <a:outerShdw blurRad="0" dir="0" dist="50760" rotWithShape="0">
                   <a:srgbClr val="ffffff"/>
                 </a:outerShdw>
               </a:effectLst>
@@ -8780,15 +8436,15 @@
                       <a:srgbClr val="000000"/>
                     </a:solidFill>
                     <a:latin typeface="Arial"/>
+                    <a:ea typeface="DejaVu Sans"/>
                   </a:rPr>
                   <a:t>1</a:t>
                 </a:r>
-                <a:endParaRPr b="0" lang="en-US" sz="1800" spc="-1" strike="noStrike">
+                <a:endParaRPr b="0" lang="en-IN" sz="1800" spc="-1" strike="noStrike">
                   <a:solidFill>
-                    <a:srgbClr val="000000"/>
+                    <a:srgbClr val="ffffff"/>
                   </a:solidFill>
                   <a:latin typeface="Arial"/>
-                  <a:ea typeface="Microsoft YaHei"/>
                 </a:endParaRPr>
               </a:p>
             </p:txBody>
@@ -8796,28 +8452,28 @@
         </p:grpSp>
         <p:grpSp>
           <p:nvGrpSpPr>
-            <p:cNvPr id="68" name=""/>
+            <p:cNvPr id="67" name=""/>
             <p:cNvGrpSpPr/>
             <p:nvPr/>
           </p:nvGrpSpPr>
           <p:grpSpPr>
             <a:xfrm>
               <a:off x="216000" y="1734480"/>
-              <a:ext cx="4680000" cy="720000"/>
+              <a:ext cx="4679640" cy="719640"/>
               <a:chOff x="216000" y="1734480"/>
-              <a:chExt cx="4680000" cy="720000"/>
+              <a:chExt cx="4679640" cy="719640"/>
             </a:xfrm>
           </p:grpSpPr>
           <p:sp>
             <p:nvSpPr>
-              <p:cNvPr id="69" name=""/>
+              <p:cNvPr id="68" name=""/>
               <p:cNvSpPr/>
               <p:nvPr/>
             </p:nvSpPr>
             <p:spPr>
               <a:xfrm>
                 <a:off x="434520" y="1851120"/>
-                <a:ext cx="4461480" cy="479520"/>
+                <a:ext cx="4461120" cy="479160"/>
               </a:xfrm>
               <a:prstGeom prst="roundRect">
                 <a:avLst>
@@ -8873,26 +8529,25 @@
                   </a:rPr>
                   <a:t>Develop and launch tailored products</a:t>
                 </a:r>
-                <a:endParaRPr b="0" lang="en-US" sz="1600" spc="-1" strike="noStrike">
+                <a:endParaRPr b="0" lang="en-IN" sz="1600" spc="-1" strike="noStrike">
                   <a:solidFill>
                     <a:srgbClr val="000000"/>
                   </a:solidFill>
                   <a:latin typeface="Arial"/>
-                  <a:ea typeface="Microsoft YaHei"/>
                 </a:endParaRPr>
               </a:p>
             </p:txBody>
           </p:sp>
           <p:sp>
             <p:nvSpPr>
-              <p:cNvPr id="70" name=""/>
+              <p:cNvPr id="69" name=""/>
               <p:cNvSpPr/>
               <p:nvPr/>
             </p:nvSpPr>
             <p:spPr>
               <a:xfrm>
                 <a:off x="216000" y="1734480"/>
-                <a:ext cx="704520" cy="720000"/>
+                <a:ext cx="704160" cy="719640"/>
               </a:xfrm>
               <a:prstGeom prst="ellipse">
                 <a:avLst/>
@@ -8904,7 +8559,7 @@
                 <a:noFill/>
               </a:ln>
               <a:effectLst>
-                <a:outerShdw dist="50760" dir="0" blurRad="0" rotWithShape="0">
+                <a:outerShdw blurRad="0" dir="0" dist="50760" rotWithShape="0">
                   <a:srgbClr val="ffffff"/>
                 </a:outerShdw>
               </a:effectLst>
@@ -8931,15 +8586,15 @@
                       <a:srgbClr val="000000"/>
                     </a:solidFill>
                     <a:latin typeface="Arial"/>
+                    <a:ea typeface="DejaVu Sans"/>
                   </a:rPr>
                   <a:t>2</a:t>
                 </a:r>
-                <a:endParaRPr b="0" lang="en-US" sz="1800" spc="-1" strike="noStrike">
+                <a:endParaRPr b="0" lang="en-IN" sz="1800" spc="-1" strike="noStrike">
                   <a:solidFill>
                     <a:srgbClr val="000000"/>
                   </a:solidFill>
                   <a:latin typeface="Arial"/>
-                  <a:ea typeface="Microsoft YaHei"/>
                 </a:endParaRPr>
               </a:p>
             </p:txBody>
@@ -8947,28 +8602,28 @@
         </p:grpSp>
         <p:grpSp>
           <p:nvGrpSpPr>
-            <p:cNvPr id="71" name=""/>
+            <p:cNvPr id="70" name=""/>
             <p:cNvGrpSpPr/>
             <p:nvPr/>
           </p:nvGrpSpPr>
           <p:grpSpPr>
             <a:xfrm>
               <a:off x="360000" y="2454480"/>
-              <a:ext cx="4320000" cy="720000"/>
+              <a:ext cx="4319640" cy="719640"/>
               <a:chOff x="360000" y="2454480"/>
-              <a:chExt cx="4320000" cy="720000"/>
+              <a:chExt cx="4319640" cy="719640"/>
             </a:xfrm>
           </p:grpSpPr>
           <p:sp>
             <p:nvSpPr>
-              <p:cNvPr id="72" name=""/>
+              <p:cNvPr id="71" name=""/>
               <p:cNvSpPr/>
               <p:nvPr/>
             </p:nvSpPr>
             <p:spPr>
               <a:xfrm>
                 <a:off x="758160" y="2574360"/>
-                <a:ext cx="3921840" cy="479880"/>
+                <a:ext cx="3921480" cy="479520"/>
               </a:xfrm>
               <a:prstGeom prst="roundRect">
                 <a:avLst>
@@ -9024,26 +8679,25 @@
                   </a:rPr>
                   <a:t>Implement cross-selling initiatives</a:t>
                 </a:r>
-                <a:endParaRPr b="0" lang="en-US" sz="1600" spc="-1" strike="noStrike">
+                <a:endParaRPr b="0" lang="en-IN" sz="1600" spc="-1" strike="noStrike">
                   <a:solidFill>
-                    <a:srgbClr val="000000"/>
+                    <a:srgbClr val="ffffff"/>
                   </a:solidFill>
                   <a:latin typeface="Arial"/>
-                  <a:ea typeface="Microsoft YaHei"/>
                 </a:endParaRPr>
               </a:p>
             </p:txBody>
           </p:sp>
           <p:sp>
             <p:nvSpPr>
-              <p:cNvPr id="73" name=""/>
+              <p:cNvPr id="72" name=""/>
               <p:cNvSpPr/>
               <p:nvPr/>
             </p:nvSpPr>
             <p:spPr>
               <a:xfrm>
                 <a:off x="360000" y="2454480"/>
-                <a:ext cx="619560" cy="720000"/>
+                <a:ext cx="619200" cy="719640"/>
               </a:xfrm>
               <a:prstGeom prst="ellipse">
                 <a:avLst/>
@@ -9055,7 +8709,7 @@
                 <a:noFill/>
               </a:ln>
               <a:effectLst>
-                <a:outerShdw dist="50760" dir="0" blurRad="0" rotWithShape="0">
+                <a:outerShdw blurRad="0" dir="0" dist="50760" rotWithShape="0">
                   <a:srgbClr val="ffffff"/>
                 </a:outerShdw>
               </a:effectLst>
@@ -9082,15 +8736,15 @@
                       <a:srgbClr val="000000"/>
                     </a:solidFill>
                     <a:latin typeface="Arial"/>
+                    <a:ea typeface="DejaVu Sans"/>
                   </a:rPr>
                   <a:t>3</a:t>
                 </a:r>
-                <a:endParaRPr b="0" lang="en-US" sz="1800" spc="-1" strike="noStrike">
+                <a:endParaRPr b="0" lang="en-IN" sz="1800" spc="-1" strike="noStrike">
                   <a:solidFill>
-                    <a:srgbClr val="000000"/>
+                    <a:srgbClr val="ffffff"/>
                   </a:solidFill>
                   <a:latin typeface="Arial"/>
-                  <a:ea typeface="Microsoft YaHei"/>
                 </a:endParaRPr>
               </a:p>
             </p:txBody>
@@ -9098,28 +8752,28 @@
         </p:grpSp>
         <p:grpSp>
           <p:nvGrpSpPr>
-            <p:cNvPr id="74" name=""/>
+            <p:cNvPr id="73" name=""/>
             <p:cNvGrpSpPr/>
             <p:nvPr/>
           </p:nvGrpSpPr>
           <p:grpSpPr>
             <a:xfrm>
               <a:off x="216000" y="3204000"/>
-              <a:ext cx="4680000" cy="720000"/>
+              <a:ext cx="4679640" cy="719640"/>
               <a:chOff x="216000" y="3204000"/>
-              <a:chExt cx="4680000" cy="720000"/>
+              <a:chExt cx="4679640" cy="719640"/>
             </a:xfrm>
           </p:grpSpPr>
           <p:sp>
             <p:nvSpPr>
-              <p:cNvPr id="75" name=""/>
+              <p:cNvPr id="74" name=""/>
               <p:cNvSpPr/>
               <p:nvPr/>
             </p:nvSpPr>
             <p:spPr>
               <a:xfrm>
                 <a:off x="647280" y="3323880"/>
-                <a:ext cx="4248720" cy="479880"/>
+                <a:ext cx="4248360" cy="479520"/>
               </a:xfrm>
               <a:prstGeom prst="roundRect">
                 <a:avLst>
@@ -9175,26 +8829,25 @@
                   </a:rPr>
                   <a:t>Roll out engagement strategies</a:t>
                 </a:r>
-                <a:endParaRPr b="0" lang="en-US" sz="1600" spc="-1" strike="noStrike">
+                <a:endParaRPr b="0" lang="en-IN" sz="1600" spc="-1" strike="noStrike">
                   <a:solidFill>
-                    <a:srgbClr val="000000"/>
+                    <a:srgbClr val="ffffff"/>
                   </a:solidFill>
                   <a:latin typeface="Arial"/>
-                  <a:ea typeface="Microsoft YaHei"/>
                 </a:endParaRPr>
               </a:p>
             </p:txBody>
           </p:sp>
           <p:sp>
             <p:nvSpPr>
-              <p:cNvPr id="76" name=""/>
+              <p:cNvPr id="75" name=""/>
               <p:cNvSpPr/>
               <p:nvPr/>
             </p:nvSpPr>
             <p:spPr>
               <a:xfrm>
                 <a:off x="216000" y="3204000"/>
-                <a:ext cx="671040" cy="720000"/>
+                <a:ext cx="670680" cy="719640"/>
               </a:xfrm>
               <a:prstGeom prst="ellipse">
                 <a:avLst/>
@@ -9206,7 +8859,7 @@
                 <a:noFill/>
               </a:ln>
               <a:effectLst>
-                <a:outerShdw dist="50760" dir="0" blurRad="0" rotWithShape="0">
+                <a:outerShdw blurRad="0" dir="0" dist="50760" rotWithShape="0">
                   <a:srgbClr val="ffffff"/>
                 </a:outerShdw>
               </a:effectLst>
@@ -9233,15 +8886,15 @@
                       <a:srgbClr val="000000"/>
                     </a:solidFill>
                     <a:latin typeface="Arial"/>
+                    <a:ea typeface="DejaVu Sans"/>
                   </a:rPr>
                   <a:t>4</a:t>
                 </a:r>
-                <a:endParaRPr b="0" lang="en-US" sz="1800" spc="-1" strike="noStrike">
+                <a:endParaRPr b="0" lang="en-IN" sz="1800" spc="-1" strike="noStrike">
                   <a:solidFill>
-                    <a:srgbClr val="000000"/>
+                    <a:srgbClr val="ffffff"/>
                   </a:solidFill>
                   <a:latin typeface="Arial"/>
-                  <a:ea typeface="Microsoft YaHei"/>
                 </a:endParaRPr>
               </a:p>
             </p:txBody>
@@ -9249,28 +8902,28 @@
         </p:grpSp>
         <p:grpSp>
           <p:nvGrpSpPr>
-            <p:cNvPr id="77" name=""/>
+            <p:cNvPr id="76" name=""/>
             <p:cNvGrpSpPr/>
             <p:nvPr/>
           </p:nvGrpSpPr>
           <p:grpSpPr>
             <a:xfrm>
               <a:off x="0" y="3930480"/>
-              <a:ext cx="4680000" cy="720000"/>
+              <a:ext cx="4679640" cy="719640"/>
               <a:chOff x="0" y="3930480"/>
-              <a:chExt cx="4680000" cy="720000"/>
+              <a:chExt cx="4679640" cy="719640"/>
             </a:xfrm>
           </p:grpSpPr>
           <p:sp>
             <p:nvSpPr>
-              <p:cNvPr id="78" name=""/>
+              <p:cNvPr id="77" name=""/>
               <p:cNvSpPr/>
               <p:nvPr/>
             </p:nvSpPr>
             <p:spPr>
               <a:xfrm>
                 <a:off x="431280" y="4050360"/>
-                <a:ext cx="4248720" cy="479880"/>
+                <a:ext cx="4248360" cy="479520"/>
               </a:xfrm>
               <a:prstGeom prst="roundRect">
                 <a:avLst>
@@ -9326,26 +8979,25 @@
                   </a:rPr>
                   <a:t>Monitor KPIs and adjust strategies</a:t>
                 </a:r>
-                <a:endParaRPr b="0" lang="en-US" sz="1600" spc="-1" strike="noStrike">
+                <a:endParaRPr b="0" lang="en-IN" sz="1600" spc="-1" strike="noStrike">
                   <a:solidFill>
-                    <a:srgbClr val="000000"/>
+                    <a:srgbClr val="ffffff"/>
                   </a:solidFill>
                   <a:latin typeface="Arial"/>
-                  <a:ea typeface="Microsoft YaHei"/>
                 </a:endParaRPr>
               </a:p>
             </p:txBody>
           </p:sp>
           <p:sp>
             <p:nvSpPr>
-              <p:cNvPr id="79" name=""/>
+              <p:cNvPr id="78" name=""/>
               <p:cNvSpPr/>
               <p:nvPr/>
             </p:nvSpPr>
             <p:spPr>
               <a:xfrm>
                 <a:off x="0" y="3930480"/>
-                <a:ext cx="671040" cy="720000"/>
+                <a:ext cx="670680" cy="719640"/>
               </a:xfrm>
               <a:prstGeom prst="ellipse">
                 <a:avLst/>
@@ -9357,7 +9009,7 @@
                 <a:noFill/>
               </a:ln>
               <a:effectLst>
-                <a:outerShdw dist="50760" dir="0" blurRad="0" rotWithShape="0">
+                <a:outerShdw blurRad="0" dir="0" dist="50760" rotWithShape="0">
                   <a:srgbClr val="ffffff"/>
                 </a:outerShdw>
               </a:effectLst>
@@ -9384,15 +9036,15 @@
                       <a:srgbClr val="000000"/>
                     </a:solidFill>
                     <a:latin typeface="Arial"/>
+                    <a:ea typeface="DejaVu Sans"/>
                   </a:rPr>
                   <a:t>5</a:t>
                 </a:r>
-                <a:endParaRPr b="0" lang="en-US" sz="1800" spc="-1" strike="noStrike">
+                <a:endParaRPr b="0" lang="en-IN" sz="1800" spc="-1" strike="noStrike">
                   <a:solidFill>
-                    <a:srgbClr val="000000"/>
+                    <a:srgbClr val="ffffff"/>
                   </a:solidFill>
                   <a:latin typeface="Arial"/>
-                  <a:ea typeface="Microsoft YaHei"/>
                 </a:endParaRPr>
               </a:p>
             </p:txBody>
@@ -9400,28 +9052,28 @@
         </p:grpSp>
         <p:grpSp>
           <p:nvGrpSpPr>
-            <p:cNvPr id="80" name=""/>
+            <p:cNvPr id="79" name=""/>
             <p:cNvGrpSpPr/>
             <p:nvPr/>
           </p:nvGrpSpPr>
           <p:grpSpPr>
             <a:xfrm>
-              <a:off x="5328000" y="1008000"/>
-              <a:ext cx="4680000" cy="720000"/>
-              <a:chOff x="5328000" y="1008000"/>
-              <a:chExt cx="4680000" cy="720000"/>
+              <a:off x="5327640" y="1008000"/>
+              <a:ext cx="4679640" cy="719640"/>
+              <a:chOff x="5327640" y="1008000"/>
+              <a:chExt cx="4679640" cy="719640"/>
             </a:xfrm>
           </p:grpSpPr>
           <p:sp>
             <p:nvSpPr>
-              <p:cNvPr id="81" name=""/>
+              <p:cNvPr id="80" name=""/>
               <p:cNvSpPr/>
               <p:nvPr/>
             </p:nvSpPr>
             <p:spPr>
               <a:xfrm flipH="1">
-                <a:off x="5328000" y="1128240"/>
-                <a:ext cx="4234320" cy="479520"/>
+                <a:off x="5327280" y="1128240"/>
+                <a:ext cx="4233960" cy="479160"/>
               </a:xfrm>
               <a:prstGeom prst="roundRect">
                 <a:avLst>
@@ -9467,26 +9119,25 @@
                   </a:rPr>
                   <a:t>Refine marketing messages and channels</a:t>
                 </a:r>
-                <a:endParaRPr b="0" lang="en-US" sz="1600" spc="-1" strike="noStrike">
+                <a:endParaRPr b="0" lang="en-IN" sz="1600" spc="-1" strike="noStrike">
                   <a:solidFill>
                     <a:srgbClr val="ffffff"/>
                   </a:solidFill>
                   <a:latin typeface="Arial"/>
-                  <a:ea typeface="Microsoft YaHei"/>
                 </a:endParaRPr>
               </a:p>
             </p:txBody>
           </p:sp>
           <p:sp>
             <p:nvSpPr>
-              <p:cNvPr id="82" name=""/>
+              <p:cNvPr id="81" name=""/>
               <p:cNvSpPr/>
               <p:nvPr/>
             </p:nvSpPr>
             <p:spPr>
               <a:xfrm flipH="1">
                 <a:off x="9339120" y="1008000"/>
-                <a:ext cx="668520" cy="720000"/>
+                <a:ext cx="668160" cy="719640"/>
               </a:xfrm>
               <a:prstGeom prst="ellipse">
                 <a:avLst/>
@@ -9498,7 +9149,7 @@
                 <a:noFill/>
               </a:ln>
               <a:effectLst>
-                <a:outerShdw dist="50760" dir="0" blurRad="0" rotWithShape="0">
+                <a:outerShdw blurRad="0" dir="0" dist="50760" rotWithShape="0">
                   <a:srgbClr val="ffffff"/>
                 </a:outerShdw>
               </a:effectLst>
@@ -9525,15 +9176,15 @@
                       <a:srgbClr val="ffffff"/>
                     </a:solidFill>
                     <a:latin typeface="Arial"/>
+                    <a:ea typeface="DejaVu Sans"/>
                   </a:rPr>
                   <a:t>1</a:t>
                 </a:r>
-                <a:endParaRPr b="0" lang="en-US" sz="1800" spc="-1" strike="noStrike">
+                <a:endParaRPr b="0" lang="en-IN" sz="1800" spc="-1" strike="noStrike">
                   <a:solidFill>
                     <a:srgbClr val="ffffff"/>
                   </a:solidFill>
                   <a:latin typeface="Arial"/>
-                  <a:ea typeface="Microsoft YaHei"/>
                 </a:endParaRPr>
               </a:p>
             </p:txBody>
@@ -9541,28 +9192,28 @@
         </p:grpSp>
         <p:grpSp>
           <p:nvGrpSpPr>
-            <p:cNvPr id="83" name=""/>
+            <p:cNvPr id="82" name=""/>
             <p:cNvGrpSpPr/>
             <p:nvPr/>
           </p:nvGrpSpPr>
           <p:grpSpPr>
             <a:xfrm>
-              <a:off x="5148000" y="1728000"/>
-              <a:ext cx="4680000" cy="720000"/>
-              <a:chOff x="5148000" y="1728000"/>
-              <a:chExt cx="4680000" cy="720000"/>
+              <a:off x="5147640" y="1728000"/>
+              <a:ext cx="4679640" cy="719640"/>
+              <a:chOff x="5147640" y="1728000"/>
+              <a:chExt cx="4679640" cy="719640"/>
             </a:xfrm>
           </p:grpSpPr>
           <p:sp>
             <p:nvSpPr>
-              <p:cNvPr id="84" name=""/>
+              <p:cNvPr id="83" name=""/>
               <p:cNvSpPr/>
               <p:nvPr/>
             </p:nvSpPr>
             <p:spPr>
               <a:xfrm flipH="1">
                 <a:off x="5147640" y="1844640"/>
-                <a:ext cx="4461480" cy="479520"/>
+                <a:ext cx="4461120" cy="479160"/>
               </a:xfrm>
               <a:prstGeom prst="roundRect">
                 <a:avLst>
@@ -9618,26 +9269,25 @@
                   </a:rPr>
                   <a:t>Develop and launch tailored products        </a:t>
                 </a:r>
-                <a:endParaRPr b="0" lang="en-US" sz="1600" spc="-1" strike="noStrike">
+                <a:endParaRPr b="0" lang="en-IN" sz="1600" spc="-1" strike="noStrike">
                   <a:solidFill>
-                    <a:srgbClr val="000000"/>
+                    <a:srgbClr val="ffffff"/>
                   </a:solidFill>
                   <a:latin typeface="Arial"/>
-                  <a:ea typeface="Microsoft YaHei"/>
                 </a:endParaRPr>
               </a:p>
             </p:txBody>
           </p:sp>
           <p:sp>
             <p:nvSpPr>
-              <p:cNvPr id="85" name=""/>
+              <p:cNvPr id="84" name=""/>
               <p:cNvSpPr/>
               <p:nvPr/>
             </p:nvSpPr>
             <p:spPr>
               <a:xfrm flipH="1">
                 <a:off x="9123120" y="1728000"/>
-                <a:ext cx="704520" cy="720000"/>
+                <a:ext cx="704160" cy="719640"/>
               </a:xfrm>
               <a:prstGeom prst="ellipse">
                 <a:avLst/>
@@ -9649,7 +9299,7 @@
                 <a:noFill/>
               </a:ln>
               <a:effectLst>
-                <a:outerShdw dist="50760" dir="0" blurRad="0" rotWithShape="0">
+                <a:outerShdw blurRad="0" dir="0" dist="50760" rotWithShape="0">
                   <a:srgbClr val="ffffff"/>
                 </a:outerShdw>
               </a:effectLst>
@@ -9676,15 +9326,15 @@
                       <a:srgbClr val="000000"/>
                     </a:solidFill>
                     <a:latin typeface="Arial"/>
+                    <a:ea typeface="DejaVu Sans"/>
                   </a:rPr>
                   <a:t>2</a:t>
                 </a:r>
-                <a:endParaRPr b="0" lang="en-US" sz="1800" spc="-1" strike="noStrike">
+                <a:endParaRPr b="0" lang="en-IN" sz="1800" spc="-1" strike="noStrike">
                   <a:solidFill>
-                    <a:srgbClr val="000000"/>
+                    <a:srgbClr val="ffffff"/>
                   </a:solidFill>
                   <a:latin typeface="Arial"/>
-                  <a:ea typeface="Microsoft YaHei"/>
                 </a:endParaRPr>
               </a:p>
             </p:txBody>
@@ -9692,28 +9342,28 @@
         </p:grpSp>
         <p:grpSp>
           <p:nvGrpSpPr>
-            <p:cNvPr id="86" name=""/>
+            <p:cNvPr id="85" name=""/>
             <p:cNvGrpSpPr/>
             <p:nvPr/>
           </p:nvGrpSpPr>
           <p:grpSpPr>
             <a:xfrm>
-              <a:off x="5292000" y="2448000"/>
-              <a:ext cx="4320000" cy="720000"/>
-              <a:chOff x="5292000" y="2448000"/>
-              <a:chExt cx="4320000" cy="720000"/>
+              <a:off x="5291640" y="2448000"/>
+              <a:ext cx="4319640" cy="719640"/>
+              <a:chOff x="5291640" y="2448000"/>
+              <a:chExt cx="4319640" cy="719640"/>
             </a:xfrm>
           </p:grpSpPr>
           <p:sp>
             <p:nvSpPr>
-              <p:cNvPr id="87" name=""/>
+              <p:cNvPr id="86" name=""/>
               <p:cNvSpPr/>
               <p:nvPr/>
             </p:nvSpPr>
             <p:spPr>
               <a:xfrm flipH="1">
-                <a:off x="5292000" y="2567880"/>
-                <a:ext cx="3921840" cy="479880"/>
+                <a:off x="5291280" y="2567880"/>
+                <a:ext cx="3921480" cy="479520"/>
               </a:xfrm>
               <a:prstGeom prst="roundRect">
                 <a:avLst>
@@ -9769,26 +9419,25 @@
                   </a:rPr>
                   <a:t>Implement cross-selling initiatives    </a:t>
                 </a:r>
-                <a:endParaRPr b="0" lang="en-US" sz="1600" spc="-1" strike="noStrike">
+                <a:endParaRPr b="0" lang="en-IN" sz="1600" spc="-1" strike="noStrike">
                   <a:solidFill>
                     <a:srgbClr val="000000"/>
                   </a:solidFill>
                   <a:latin typeface="Arial"/>
-                  <a:ea typeface="Microsoft YaHei"/>
                 </a:endParaRPr>
               </a:p>
             </p:txBody>
           </p:sp>
           <p:sp>
             <p:nvSpPr>
-              <p:cNvPr id="88" name=""/>
+              <p:cNvPr id="87" name=""/>
               <p:cNvSpPr/>
               <p:nvPr/>
             </p:nvSpPr>
             <p:spPr>
               <a:xfrm flipH="1">
-                <a:off x="8992800" y="2448000"/>
-                <a:ext cx="619200" cy="720000"/>
+                <a:off x="8992080" y="2448000"/>
+                <a:ext cx="618840" cy="719640"/>
               </a:xfrm>
               <a:prstGeom prst="ellipse">
                 <a:avLst/>
@@ -9800,7 +9449,7 @@
                 <a:noFill/>
               </a:ln>
               <a:effectLst>
-                <a:outerShdw dist="50760" dir="0" blurRad="0" rotWithShape="0">
+                <a:outerShdw blurRad="0" dir="0" dist="50760" rotWithShape="0">
                   <a:srgbClr val="ffffff"/>
                 </a:outerShdw>
               </a:effectLst>
@@ -9827,15 +9476,15 @@
                       <a:srgbClr val="000000"/>
                     </a:solidFill>
                     <a:latin typeface="Arial"/>
+                    <a:ea typeface="DejaVu Sans"/>
                   </a:rPr>
                   <a:t>3</a:t>
                 </a:r>
-                <a:endParaRPr b="0" lang="en-US" sz="1800" spc="-1" strike="noStrike">
+                <a:endParaRPr b="0" lang="en-IN" sz="1800" spc="-1" strike="noStrike">
                   <a:solidFill>
                     <a:srgbClr val="000000"/>
                   </a:solidFill>
                   <a:latin typeface="Arial"/>
-                  <a:ea typeface="Microsoft YaHei"/>
                 </a:endParaRPr>
               </a:p>
             </p:txBody>
@@ -9843,28 +9492,28 @@
         </p:grpSp>
         <p:grpSp>
           <p:nvGrpSpPr>
-            <p:cNvPr id="89" name=""/>
+            <p:cNvPr id="88" name=""/>
             <p:cNvGrpSpPr/>
             <p:nvPr/>
           </p:nvGrpSpPr>
           <p:grpSpPr>
             <a:xfrm>
-              <a:off x="5184000" y="3161520"/>
-              <a:ext cx="4680000" cy="720000"/>
-              <a:chOff x="5184000" y="3161520"/>
-              <a:chExt cx="4680000" cy="720000"/>
+              <a:off x="5183640" y="3161520"/>
+              <a:ext cx="4679640" cy="719640"/>
+              <a:chOff x="5183640" y="3161520"/>
+              <a:chExt cx="4679640" cy="719640"/>
             </a:xfrm>
           </p:grpSpPr>
           <p:sp>
             <p:nvSpPr>
-              <p:cNvPr id="90" name=""/>
+              <p:cNvPr id="89" name=""/>
               <p:cNvSpPr/>
               <p:nvPr/>
             </p:nvSpPr>
             <p:spPr>
               <a:xfrm flipH="1">
-                <a:off x="5184000" y="3281400"/>
-                <a:ext cx="4248720" cy="479880"/>
+                <a:off x="5183280" y="3281400"/>
+                <a:ext cx="4248360" cy="479520"/>
               </a:xfrm>
               <a:prstGeom prst="roundRect">
                 <a:avLst>
@@ -9920,26 +9569,25 @@
                   </a:rPr>
                   <a:t>Roll out engagement strategies    </a:t>
                 </a:r>
-                <a:endParaRPr b="0" lang="en-US" sz="1600" spc="-1" strike="noStrike">
+                <a:endParaRPr b="0" lang="en-IN" sz="1600" spc="-1" strike="noStrike">
                   <a:solidFill>
-                    <a:srgbClr val="000000"/>
+                    <a:srgbClr val="ffffff"/>
                   </a:solidFill>
                   <a:latin typeface="Arial"/>
-                  <a:ea typeface="Microsoft YaHei"/>
                 </a:endParaRPr>
               </a:p>
             </p:txBody>
           </p:sp>
           <p:sp>
             <p:nvSpPr>
-              <p:cNvPr id="91" name=""/>
+              <p:cNvPr id="90" name=""/>
               <p:cNvSpPr/>
               <p:nvPr/>
             </p:nvSpPr>
             <p:spPr>
               <a:xfrm flipH="1">
-                <a:off x="9192960" y="3161520"/>
-                <a:ext cx="671040" cy="720000"/>
+                <a:off x="9192240" y="3161520"/>
+                <a:ext cx="670680" cy="719640"/>
               </a:xfrm>
               <a:prstGeom prst="ellipse">
                 <a:avLst/>
@@ -9951,7 +9599,7 @@
                 <a:noFill/>
               </a:ln>
               <a:effectLst>
-                <a:outerShdw dist="50760" dir="0" blurRad="0" rotWithShape="0">
+                <a:outerShdw blurRad="0" dir="0" dist="50760" rotWithShape="0">
                   <a:srgbClr val="ffffff"/>
                 </a:outerShdw>
               </a:effectLst>
@@ -9978,15 +9626,15 @@
                       <a:srgbClr val="000000"/>
                     </a:solidFill>
                     <a:latin typeface="Arial"/>
+                    <a:ea typeface="DejaVu Sans"/>
                   </a:rPr>
                   <a:t>4</a:t>
                 </a:r>
-                <a:endParaRPr b="0" lang="en-US" sz="1800" spc="-1" strike="noStrike">
+                <a:endParaRPr b="0" lang="en-IN" sz="1800" spc="-1" strike="noStrike">
                   <a:solidFill>
-                    <a:srgbClr val="000000"/>
+                    <a:srgbClr val="ffffff"/>
                   </a:solidFill>
                   <a:latin typeface="Arial"/>
-                  <a:ea typeface="Microsoft YaHei"/>
                 </a:endParaRPr>
               </a:p>
             </p:txBody>
@@ -9994,28 +9642,28 @@
         </p:grpSp>
         <p:grpSp>
           <p:nvGrpSpPr>
-            <p:cNvPr id="92" name=""/>
+            <p:cNvPr id="91" name=""/>
             <p:cNvGrpSpPr/>
             <p:nvPr/>
           </p:nvGrpSpPr>
           <p:grpSpPr>
             <a:xfrm>
-              <a:off x="5328000" y="3888000"/>
-              <a:ext cx="4680000" cy="720000"/>
-              <a:chOff x="5328000" y="3888000"/>
-              <a:chExt cx="4680000" cy="720000"/>
+              <a:off x="5327640" y="3888000"/>
+              <a:ext cx="4679640" cy="719640"/>
+              <a:chOff x="5327640" y="3888000"/>
+              <a:chExt cx="4679640" cy="719640"/>
             </a:xfrm>
           </p:grpSpPr>
           <p:sp>
             <p:nvSpPr>
-              <p:cNvPr id="93" name=""/>
+              <p:cNvPr id="92" name=""/>
               <p:cNvSpPr/>
               <p:nvPr/>
             </p:nvSpPr>
             <p:spPr>
               <a:xfrm flipH="1">
-                <a:off x="5328000" y="4007880"/>
-                <a:ext cx="4248720" cy="479880"/>
+                <a:off x="5327280" y="4007880"/>
+                <a:ext cx="4248360" cy="479520"/>
               </a:xfrm>
               <a:prstGeom prst="roundRect">
                 <a:avLst>
@@ -10071,26 +9719,25 @@
                   </a:rPr>
                   <a:t>Monitor KPIs and adjust strategies    </a:t>
                 </a:r>
-                <a:endParaRPr b="0" lang="en-US" sz="1600" spc="-1" strike="noStrike">
+                <a:endParaRPr b="0" lang="en-IN" sz="1600" spc="-1" strike="noStrike">
                   <a:solidFill>
                     <a:srgbClr val="000000"/>
                   </a:solidFill>
                   <a:latin typeface="Arial"/>
-                  <a:ea typeface="Microsoft YaHei"/>
                 </a:endParaRPr>
               </a:p>
             </p:txBody>
           </p:sp>
           <p:sp>
             <p:nvSpPr>
-              <p:cNvPr id="94" name=""/>
+              <p:cNvPr id="93" name=""/>
               <p:cNvSpPr/>
               <p:nvPr/>
             </p:nvSpPr>
             <p:spPr>
               <a:xfrm flipH="1">
                 <a:off x="9336960" y="3888000"/>
-                <a:ext cx="670680" cy="720000"/>
+                <a:ext cx="670320" cy="719640"/>
               </a:xfrm>
               <a:prstGeom prst="ellipse">
                 <a:avLst/>
@@ -10102,7 +9749,7 @@
                 <a:noFill/>
               </a:ln>
               <a:effectLst>
-                <a:outerShdw dist="50760" dir="0" blurRad="0" rotWithShape="0">
+                <a:outerShdw blurRad="0" dir="0" dist="50760" rotWithShape="0">
                   <a:srgbClr val="ffffff"/>
                 </a:outerShdw>
               </a:effectLst>
@@ -10129,15 +9776,15 @@
                       <a:srgbClr val="000000"/>
                     </a:solidFill>
                     <a:latin typeface="Arial"/>
+                    <a:ea typeface="DejaVu Sans"/>
                   </a:rPr>
                   <a:t>5</a:t>
                 </a:r>
-                <a:endParaRPr b="0" lang="en-US" sz="1800" spc="-1" strike="noStrike">
+                <a:endParaRPr b="0" lang="en-IN" sz="1800" spc="-1" strike="noStrike">
                   <a:solidFill>
                     <a:srgbClr val="000000"/>
                   </a:solidFill>
                   <a:latin typeface="Arial"/>
-                  <a:ea typeface="Microsoft YaHei"/>
                 </a:endParaRPr>
               </a:p>
             </p:txBody>

--- a/Data_Driven_Insights.pptx
+++ b/Data_Driven_Insights.pptx
@@ -58,7 +58,7 @@
         <p:spPr>
           <a:xfrm>
             <a:off x="503640" y="226080"/>
-            <a:ext cx="9067680" cy="942840"/>
+            <a:ext cx="9067320" cy="942480"/>
           </a:xfrm>
           <a:prstGeom prst="rect">
             <a:avLst/>
@@ -119,7 +119,7 @@
         <p:txBody>
           <a:bodyPr/>
           <a:p>
-            <a:fld id="{1EE9F7DC-F041-4012-8F28-E8C0F7C11840}" type="slidenum">
+            <a:fld id="{0C7E7AFC-EC4A-45F2-84B5-D6B04C3EFBDE}" type="slidenum">
               <a:t>&lt;#&gt;</a:t>
             </a:fld>
           </a:p>
@@ -181,7 +181,7 @@
         <p:spPr>
           <a:xfrm>
             <a:off x="503640" y="226080"/>
-            <a:ext cx="9067680" cy="942840"/>
+            <a:ext cx="9067320" cy="942480"/>
           </a:xfrm>
           <a:prstGeom prst="rect">
             <a:avLst/>
@@ -328,7 +328,7 @@
         <p:txBody>
           <a:bodyPr/>
           <a:p>
-            <a:fld id="{1986D4AC-6F2C-497D-8085-C47FC94D88F9}" type="slidenum">
+            <a:fld id="{093EDB48-002E-4011-BB28-D41178F5527F}" type="slidenum">
               <a:t>&lt;#&gt;</a:t>
             </a:fld>
           </a:p>
@@ -411,7 +411,7 @@
         <p:txBody>
           <a:bodyPr/>
           <a:p>
-            <a:fld id="{05F8966C-D603-460A-B5BA-F87DD37BA5D2}" type="slidenum">
+            <a:fld id="{36876705-CC2F-4B18-A4B7-386C0D4013F5}" type="slidenum">
               <a:t>&lt;#&gt;</a:t>
             </a:fld>
           </a:p>
@@ -473,7 +473,7 @@
         <p:spPr>
           <a:xfrm>
             <a:off x="503640" y="226080"/>
-            <a:ext cx="9067680" cy="942840"/>
+            <a:ext cx="9067320" cy="942480"/>
           </a:xfrm>
           <a:prstGeom prst="rect">
             <a:avLst/>
@@ -620,7 +620,7 @@
         <p:txBody>
           <a:bodyPr/>
           <a:p>
-            <a:fld id="{A366DCD7-B56D-4D06-8430-F92208EDB7D0}" type="slidenum">
+            <a:fld id="{BB033834-8368-45C3-AB24-39E8905A8C55}" type="slidenum">
               <a:t>&lt;#&gt;</a:t>
             </a:fld>
           </a:p>
@@ -682,7 +682,7 @@
         <p:spPr>
           <a:xfrm>
             <a:off x="503640" y="226080"/>
-            <a:ext cx="9067680" cy="942840"/>
+            <a:ext cx="9067320" cy="942480"/>
           </a:xfrm>
           <a:prstGeom prst="rect">
             <a:avLst/>
@@ -783,7 +783,7 @@
         <p:txBody>
           <a:bodyPr/>
           <a:p>
-            <a:fld id="{5A4CB491-1041-4B51-82AE-80C99E8BD8CA}" type="slidenum">
+            <a:fld id="{748A19BC-8845-4187-A600-B1E8BF6D1ED2}" type="slidenum">
               <a:t>&lt;#&gt;</a:t>
             </a:fld>
           </a:p>
@@ -845,7 +845,7 @@
         <p:spPr>
           <a:xfrm>
             <a:off x="503640" y="226080"/>
-            <a:ext cx="9067680" cy="942840"/>
+            <a:ext cx="9067320" cy="942480"/>
           </a:xfrm>
           <a:prstGeom prst="rect">
             <a:avLst/>
@@ -894,7 +894,7 @@
         <p:spPr>
           <a:xfrm>
             <a:off x="3447000" y="5164920"/>
-            <a:ext cx="3191400" cy="387000"/>
+            <a:ext cx="3191040" cy="386640"/>
           </a:xfrm>
           <a:prstGeom prst="rect">
             <a:avLst/>
@@ -942,7 +942,7 @@
                 </a:solidFill>
                 <a:latin typeface="Times New Roman"/>
               </a:rPr>
-              <a:t>&lt;footer&gt;</a:t>
+              <a:t> </a:t>
             </a:r>
             <a:endParaRPr b="0" lang="en-IN" sz="1400" spc="-1" strike="noStrike">
               <a:solidFill>
@@ -966,7 +966,7 @@
         <p:spPr>
           <a:xfrm>
             <a:off x="7226640" y="5164920"/>
-            <a:ext cx="2344680" cy="387000"/>
+            <a:ext cx="2344320" cy="386640"/>
           </a:xfrm>
           <a:prstGeom prst="rect">
             <a:avLst/>
@@ -1007,14 +1007,14 @@
                 <a:tab algn="l" pos="0"/>
               </a:tabLst>
             </a:pPr>
-            <a:fld id="{BB36E40B-15C0-44AA-BF5C-9617D77A9DCD}" type="slidenum">
+            <a:fld id="{5350F827-359D-4055-8C2B-E49BBDC49301}" type="slidenum">
               <a:rPr b="0" lang="en-IN" sz="1400" spc="-1" strike="noStrike">
                 <a:solidFill>
                   <a:srgbClr val="000000"/>
                 </a:solidFill>
                 <a:latin typeface="Times New Roman"/>
               </a:rPr>
-              <a:t>&lt;number&gt;</a:t>
+              <a:t>7</a:t>
             </a:fld>
             <a:endParaRPr b="0" lang="en-IN" sz="1400" spc="-1" strike="noStrike">
               <a:solidFill>
@@ -1038,7 +1038,7 @@
         <p:spPr>
           <a:xfrm>
             <a:off x="503640" y="5164920"/>
-            <a:ext cx="2344680" cy="387000"/>
+            <a:ext cx="2344320" cy="386640"/>
           </a:xfrm>
           <a:prstGeom prst="rect">
             <a:avLst/>
@@ -1074,7 +1074,7 @@
                 </a:solidFill>
                 <a:latin typeface="Times New Roman"/>
               </a:rPr>
-              <a:t>&lt;date/time&gt;</a:t>
+              <a:t> </a:t>
             </a:r>
             <a:endParaRPr b="0" lang="en-IN" sz="1400" spc="-1" strike="noStrike">
               <a:solidFill>
@@ -1349,7 +1349,7 @@
         <p:spPr>
           <a:xfrm>
             <a:off x="503640" y="226080"/>
-            <a:ext cx="9067680" cy="942840"/>
+            <a:ext cx="9067320" cy="942480"/>
           </a:xfrm>
           <a:prstGeom prst="rect">
             <a:avLst/>
@@ -1431,7 +1431,16 @@
                 </a:solidFill>
                 <a:latin typeface="Arial"/>
               </a:rPr>
-              <a:t>Click to edit the outline text format</a:t>
+              <a:t>Click to edit the outline text </a:t>
+            </a:r>
+            <a:r>
+              <a:rPr b="0" lang="en-IN" sz="1800" spc="-1" strike="noStrike">
+                <a:solidFill>
+                  <a:srgbClr val="000000"/>
+                </a:solidFill>
+                <a:latin typeface="Arial"/>
+              </a:rPr>
+              <a:t>format</a:t>
             </a:r>
             <a:endParaRPr b="0" lang="en-IN" sz="1800" spc="-1" strike="noStrike">
               <a:solidFill>
@@ -1515,7 +1524,16 @@
                 </a:solidFill>
                 <a:latin typeface="Arial"/>
               </a:rPr>
-              <a:t>Fourth Outline Level</a:t>
+              <a:t>Fourth Outline </a:t>
+            </a:r>
+            <a:r>
+              <a:rPr b="0" lang="en-IN" sz="1800" spc="-1" strike="noStrike">
+                <a:solidFill>
+                  <a:srgbClr val="000000"/>
+                </a:solidFill>
+                <a:latin typeface="Arial"/>
+              </a:rPr>
+              <a:t>Level</a:t>
             </a:r>
             <a:endParaRPr b="0" lang="en-IN" sz="1800" spc="-1" strike="noStrike">
               <a:solidFill>
@@ -1543,7 +1561,25 @@
                 </a:solidFill>
                 <a:latin typeface="Arial"/>
               </a:rPr>
-              <a:t>Fifth Outline Level</a:t>
+              <a:t>Fifth </a:t>
+            </a:r>
+            <a:r>
+              <a:rPr b="0" lang="en-IN" sz="1800" spc="-1" strike="noStrike">
+                <a:solidFill>
+                  <a:srgbClr val="000000"/>
+                </a:solidFill>
+                <a:latin typeface="Arial"/>
+              </a:rPr>
+              <a:t>Outline </a:t>
+            </a:r>
+            <a:r>
+              <a:rPr b="0" lang="en-IN" sz="1800" spc="-1" strike="noStrike">
+                <a:solidFill>
+                  <a:srgbClr val="000000"/>
+                </a:solidFill>
+                <a:latin typeface="Arial"/>
+              </a:rPr>
+              <a:t>Level</a:t>
             </a:r>
             <a:endParaRPr b="0" lang="en-IN" sz="1800" spc="-1" strike="noStrike">
               <a:solidFill>
@@ -1571,7 +1607,52 @@
                 </a:solidFill>
                 <a:latin typeface="Arial"/>
               </a:rPr>
-              <a:t>Sixth Outline Level</a:t>
+              <a:t>Six</a:t>
+            </a:r>
+            <a:r>
+              <a:rPr b="0" lang="en-IN" sz="1800" spc="-1" strike="noStrike">
+                <a:solidFill>
+                  <a:srgbClr val="000000"/>
+                </a:solidFill>
+                <a:latin typeface="Arial"/>
+              </a:rPr>
+              <a:t>th </a:t>
+            </a:r>
+            <a:r>
+              <a:rPr b="0" lang="en-IN" sz="1800" spc="-1" strike="noStrike">
+                <a:solidFill>
+                  <a:srgbClr val="000000"/>
+                </a:solidFill>
+                <a:latin typeface="Arial"/>
+              </a:rPr>
+              <a:t>Out</a:t>
+            </a:r>
+            <a:r>
+              <a:rPr b="0" lang="en-IN" sz="1800" spc="-1" strike="noStrike">
+                <a:solidFill>
+                  <a:srgbClr val="000000"/>
+                </a:solidFill>
+                <a:latin typeface="Arial"/>
+              </a:rPr>
+              <a:t>line </a:t>
+            </a:r>
+            <a:r>
+              <a:rPr b="0" lang="en-IN" sz="1800" spc="-1" strike="noStrike">
+                <a:solidFill>
+                  <a:srgbClr val="000000"/>
+                </a:solidFill>
+                <a:latin typeface="Arial"/>
+              </a:rPr>
+              <a:t>Lev</a:t>
+            </a:r>
+            <a:r>
+              <a:rPr b="0" lang="en-IN" sz="1800" spc="-1" strike="noStrike">
+                <a:solidFill>
+                  <a:srgbClr val="000000"/>
+                </a:solidFill>
+                <a:latin typeface="Arial"/>
+              </a:rPr>
+              <a:t>el</a:t>
             </a:r>
             <a:endParaRPr b="0" lang="en-IN" sz="1800" spc="-1" strike="noStrike">
               <a:solidFill>
@@ -1599,7 +1680,187 @@
                 </a:solidFill>
                 <a:latin typeface="Arial"/>
               </a:rPr>
-              <a:t>Seventh Outline Level</a:t>
+              <a:t>S</a:t>
+            </a:r>
+            <a:r>
+              <a:rPr b="0" lang="en-IN" sz="1800" spc="-1" strike="noStrike">
+                <a:solidFill>
+                  <a:srgbClr val="000000"/>
+                </a:solidFill>
+                <a:latin typeface="Arial"/>
+              </a:rPr>
+              <a:t>e</a:t>
+            </a:r>
+            <a:r>
+              <a:rPr b="0" lang="en-IN" sz="1800" spc="-1" strike="noStrike">
+                <a:solidFill>
+                  <a:srgbClr val="000000"/>
+                </a:solidFill>
+                <a:latin typeface="Arial"/>
+              </a:rPr>
+              <a:t>v</a:t>
+            </a:r>
+            <a:r>
+              <a:rPr b="0" lang="en-IN" sz="1800" spc="-1" strike="noStrike">
+                <a:solidFill>
+                  <a:srgbClr val="000000"/>
+                </a:solidFill>
+                <a:latin typeface="Arial"/>
+              </a:rPr>
+              <a:t>e</a:t>
+            </a:r>
+            <a:r>
+              <a:rPr b="0" lang="en-IN" sz="1800" spc="-1" strike="noStrike">
+                <a:solidFill>
+                  <a:srgbClr val="000000"/>
+                </a:solidFill>
+                <a:latin typeface="Arial"/>
+              </a:rPr>
+              <a:t>n</a:t>
+            </a:r>
+            <a:r>
+              <a:rPr b="0" lang="en-IN" sz="1800" spc="-1" strike="noStrike">
+                <a:solidFill>
+                  <a:srgbClr val="000000"/>
+                </a:solidFill>
+                <a:latin typeface="Arial"/>
+              </a:rPr>
+              <a:t>t</a:t>
+            </a:r>
+            <a:r>
+              <a:rPr b="0" lang="en-IN" sz="1800" spc="-1" strike="noStrike">
+                <a:solidFill>
+                  <a:srgbClr val="000000"/>
+                </a:solidFill>
+                <a:latin typeface="Arial"/>
+              </a:rPr>
+              <a:t>h</a:t>
+            </a:r>
+            <a:r>
+              <a:rPr b="0" lang="en-IN" sz="1800" spc="-1" strike="noStrike">
+                <a:solidFill>
+                  <a:srgbClr val="000000"/>
+                </a:solidFill>
+                <a:latin typeface="Arial"/>
+              </a:rPr>
+              <a:t> </a:t>
+            </a:r>
+            <a:r>
+              <a:rPr b="0" lang="en-IN" sz="1800" spc="-1" strike="noStrike">
+                <a:solidFill>
+                  <a:srgbClr val="000000"/>
+                </a:solidFill>
+                <a:latin typeface="Arial"/>
+              </a:rPr>
+              <a:t>O</a:t>
+            </a:r>
+            <a:r>
+              <a:rPr b="0" lang="en-IN" sz="1800" spc="-1" strike="noStrike">
+                <a:solidFill>
+                  <a:srgbClr val="000000"/>
+                </a:solidFill>
+                <a:latin typeface="Arial"/>
+              </a:rPr>
+              <a:t>u</a:t>
+            </a:r>
+            <a:r>
+              <a:rPr b="0" lang="en-IN" sz="1800" spc="-1" strike="noStrike">
+                <a:solidFill>
+                  <a:srgbClr val="000000"/>
+                </a:solidFill>
+                <a:latin typeface="Arial"/>
+              </a:rPr>
+              <a:t>t</a:t>
+            </a:r>
+            <a:r>
+              <a:rPr b="0" lang="en-IN" sz="1800" spc="-1" strike="noStrike">
+                <a:solidFill>
+                  <a:srgbClr val="000000"/>
+                </a:solidFill>
+                <a:latin typeface="Arial"/>
+              </a:rPr>
+              <a:t>l</a:t>
+            </a:r>
+            <a:r>
+              <a:rPr b="0" lang="en-IN" sz="1800" spc="-1" strike="noStrike">
+                <a:solidFill>
+                  <a:srgbClr val="000000"/>
+                </a:solidFill>
+                <a:latin typeface="Arial"/>
+              </a:rPr>
+              <a:t>i</a:t>
+            </a:r>
+            <a:r>
+              <a:rPr b="0" lang="en-IN" sz="1800" spc="-1" strike="noStrike">
+                <a:solidFill>
+                  <a:srgbClr val="000000"/>
+                </a:solidFill>
+                <a:latin typeface="Arial"/>
+              </a:rPr>
+              <a:t>n</a:t>
+            </a:r>
+            <a:r>
+              <a:rPr b="0" lang="en-IN" sz="1800" spc="-1" strike="noStrike">
+                <a:solidFill>
+                  <a:srgbClr val="000000"/>
+                </a:solidFill>
+                <a:latin typeface="Arial"/>
+              </a:rPr>
+              <a:t>e</a:t>
+            </a:r>
+            <a:r>
+              <a:rPr b="0" lang="en-IN" sz="1800" spc="-1" strike="noStrike">
+                <a:solidFill>
+                  <a:srgbClr val="000000"/>
+                </a:solidFill>
+                <a:latin typeface="Arial"/>
+              </a:rPr>
+              <a:t> </a:t>
+            </a:r>
+            <a:r>
+              <a:rPr b="0" lang="en-IN" sz="1800" spc="-1" strike="noStrike">
+                <a:solidFill>
+                  <a:srgbClr val="000000"/>
+                </a:solidFill>
+                <a:latin typeface="Arial"/>
+              </a:rPr>
+              <a:t>L</a:t>
+            </a:r>
+            <a:r>
+              <a:rPr b="0" lang="en-IN" sz="1800" spc="-1" strike="noStrike">
+                <a:solidFill>
+                  <a:srgbClr val="000000"/>
+                </a:solidFill>
+                <a:latin typeface="Arial"/>
+              </a:rPr>
+              <a:t>e</a:t>
+            </a:r>
+            <a:r>
+              <a:rPr b="0" lang="en-IN" sz="1800" spc="-1" strike="noStrike">
+                <a:solidFill>
+                  <a:srgbClr val="000000"/>
+                </a:solidFill>
+                <a:latin typeface="Arial"/>
+              </a:rPr>
+              <a:t>v</a:t>
+            </a:r>
+            <a:r>
+              <a:rPr b="0" lang="en-IN" sz="1800" spc="-1" strike="noStrike">
+                <a:solidFill>
+                  <a:srgbClr val="000000"/>
+                </a:solidFill>
+                <a:latin typeface="Arial"/>
+              </a:rPr>
+              <a:t>e</a:t>
+            </a:r>
+            <a:r>
+              <a:rPr b="0" lang="en-IN" sz="1800" spc="-1" strike="noStrike">
+                <a:solidFill>
+                  <a:srgbClr val="000000"/>
+                </a:solidFill>
+                <a:latin typeface="Arial"/>
+              </a:rPr>
+              <a:t>l</a:t>
             </a:r>
             <a:endParaRPr b="0" lang="en-IN" sz="1800" spc="-1" strike="noStrike">
               <a:solidFill>
@@ -1848,7 +2109,7 @@
         <p:spPr>
           <a:xfrm>
             <a:off x="3447000" y="5164920"/>
-            <a:ext cx="3191400" cy="387000"/>
+            <a:ext cx="3191040" cy="386640"/>
           </a:xfrm>
           <a:prstGeom prst="rect">
             <a:avLst/>
@@ -1920,7 +2181,7 @@
         <p:spPr>
           <a:xfrm>
             <a:off x="7226640" y="5164920"/>
-            <a:ext cx="2344680" cy="387000"/>
+            <a:ext cx="2344320" cy="386640"/>
           </a:xfrm>
           <a:prstGeom prst="rect">
             <a:avLst/>
@@ -1961,7 +2222,7 @@
                 <a:tab algn="l" pos="0"/>
               </a:tabLst>
             </a:pPr>
-            <a:fld id="{528B790C-7946-46E6-A649-46220DE41A3A}" type="slidenum">
+            <a:fld id="{4BFF49D4-3914-4E43-8A53-435C349507F1}" type="slidenum">
               <a:rPr b="0" lang="en-IN" sz="1400" spc="-1" strike="noStrike">
                 <a:solidFill>
                   <a:srgbClr val="000000"/>
@@ -1992,7 +2253,7 @@
         <p:spPr>
           <a:xfrm>
             <a:off x="503640" y="5164920"/>
-            <a:ext cx="2344680" cy="387000"/>
+            <a:ext cx="2344320" cy="386640"/>
           </a:xfrm>
           <a:prstGeom prst="rect">
             <a:avLst/>
@@ -2078,7 +2339,7 @@
         <p:spPr>
           <a:xfrm>
             <a:off x="3447000" y="5164920"/>
-            <a:ext cx="3191400" cy="387000"/>
+            <a:ext cx="3191040" cy="386640"/>
           </a:xfrm>
           <a:prstGeom prst="rect">
             <a:avLst/>
@@ -2150,7 +2411,7 @@
         <p:spPr>
           <a:xfrm>
             <a:off x="7226640" y="5164920"/>
-            <a:ext cx="2344680" cy="387000"/>
+            <a:ext cx="2344320" cy="386640"/>
           </a:xfrm>
           <a:prstGeom prst="rect">
             <a:avLst/>
@@ -2191,7 +2452,7 @@
                 <a:tab algn="l" pos="0"/>
               </a:tabLst>
             </a:pPr>
-            <a:fld id="{2EA7A5BE-D875-434C-B1D1-A85275E91E02}" type="slidenum">
+            <a:fld id="{7C275391-9F0E-4F32-80B1-5A103C292C9A}" type="slidenum">
               <a:rPr b="0" lang="en-IN" sz="1400" spc="-1" strike="noStrike">
                 <a:solidFill>
                   <a:srgbClr val="000000"/>
@@ -2222,7 +2483,7 @@
         <p:spPr>
           <a:xfrm>
             <a:off x="503640" y="5164920"/>
-            <a:ext cx="2344680" cy="387000"/>
+            <a:ext cx="2344320" cy="386640"/>
           </a:xfrm>
           <a:prstGeom prst="rect">
             <a:avLst/>
@@ -2364,25 +2625,7 @@
                 </a:solidFill>
                 <a:latin typeface="Arial"/>
               </a:rPr>
-              <a:t>Click to edit the </a:t>
-            </a:r>
-            <a:r>
-              <a:rPr b="0" lang="en-IN" sz="3200" spc="-1" strike="noStrike">
-                <a:solidFill>
-                  <a:srgbClr val="000000"/>
-                </a:solidFill>
-                <a:latin typeface="Arial"/>
-              </a:rPr>
-              <a:t>outline text </a:t>
-            </a:r>
-            <a:r>
-              <a:rPr b="0" lang="en-IN" sz="3200" spc="-1" strike="noStrike">
-                <a:solidFill>
-                  <a:srgbClr val="000000"/>
-                </a:solidFill>
-                <a:latin typeface="Arial"/>
-              </a:rPr>
-              <a:t>format</a:t>
+              <a:t>Click to edit the outline text format</a:t>
             </a:r>
             <a:endParaRPr b="0" lang="en-IN" sz="3200" spc="-1" strike="noStrike">
               <a:solidFill>
@@ -2410,16 +2653,7 @@
                 </a:solidFill>
                 <a:latin typeface="Arial"/>
               </a:rPr>
-              <a:t>Second Outline </a:t>
-            </a:r>
-            <a:r>
-              <a:rPr b="0" lang="en-IN" sz="2800" spc="-1" strike="noStrike">
-                <a:solidFill>
-                  <a:srgbClr val="000000"/>
-                </a:solidFill>
-                <a:latin typeface="Arial"/>
-              </a:rPr>
-              <a:t>Level</a:t>
+              <a:t>Second Outline Level</a:t>
             </a:r>
             <a:endParaRPr b="0" lang="en-IN" sz="2800" spc="-1" strike="noStrike">
               <a:solidFill>
@@ -2447,16 +2681,7 @@
                 </a:solidFill>
                 <a:latin typeface="Arial"/>
               </a:rPr>
-              <a:t>Third Outline </a:t>
-            </a:r>
-            <a:r>
-              <a:rPr b="0" lang="en-IN" sz="2400" spc="-1" strike="noStrike">
-                <a:solidFill>
-                  <a:srgbClr val="000000"/>
-                </a:solidFill>
-                <a:latin typeface="Arial"/>
-              </a:rPr>
-              <a:t>Level</a:t>
+              <a:t>Third Outline Level</a:t>
             </a:r>
             <a:endParaRPr b="0" lang="en-IN" sz="2400" spc="-1" strike="noStrike">
               <a:solidFill>
@@ -2484,25 +2709,7 @@
                 </a:solidFill>
                 <a:latin typeface="Arial"/>
               </a:rPr>
-              <a:t>Fourth </a:t>
-            </a:r>
-            <a:r>
-              <a:rPr b="0" lang="en-IN" sz="2000" spc="-1" strike="noStrike">
-                <a:solidFill>
-                  <a:srgbClr val="000000"/>
-                </a:solidFill>
-                <a:latin typeface="Arial"/>
-              </a:rPr>
-              <a:t>Outline </a:t>
-            </a:r>
-            <a:r>
-              <a:rPr b="0" lang="en-IN" sz="2000" spc="-1" strike="noStrike">
-                <a:solidFill>
-                  <a:srgbClr val="000000"/>
-                </a:solidFill>
-                <a:latin typeface="Arial"/>
-              </a:rPr>
-              <a:t>Level</a:t>
+              <a:t>Fourth Outline Level</a:t>
             </a:r>
             <a:endParaRPr b="0" lang="en-IN" sz="2000" spc="-1" strike="noStrike">
               <a:solidFill>
@@ -2530,25 +2737,7 @@
                 </a:solidFill>
                 <a:latin typeface="Arial"/>
               </a:rPr>
-              <a:t>Fifth </a:t>
-            </a:r>
-            <a:r>
-              <a:rPr b="0" lang="en-IN" sz="2000" spc="-1" strike="noStrike">
-                <a:solidFill>
-                  <a:srgbClr val="000000"/>
-                </a:solidFill>
-                <a:latin typeface="Arial"/>
-              </a:rPr>
-              <a:t>Outline </a:t>
-            </a:r>
-            <a:r>
-              <a:rPr b="0" lang="en-IN" sz="2000" spc="-1" strike="noStrike">
-                <a:solidFill>
-                  <a:srgbClr val="000000"/>
-                </a:solidFill>
-                <a:latin typeface="Arial"/>
-              </a:rPr>
-              <a:t>Level</a:t>
+              <a:t>Fifth Outline Level</a:t>
             </a:r>
             <a:endParaRPr b="0" lang="en-IN" sz="2000" spc="-1" strike="noStrike">
               <a:solidFill>
@@ -2576,70 +2765,7 @@
                 </a:solidFill>
                 <a:latin typeface="Arial"/>
               </a:rPr>
-              <a:t>Si</a:t>
-            </a:r>
-            <a:r>
-              <a:rPr b="0" lang="en-IN" sz="2000" spc="-1" strike="noStrike">
-                <a:solidFill>
-                  <a:srgbClr val="000000"/>
-                </a:solidFill>
-                <a:latin typeface="Arial"/>
-              </a:rPr>
-              <a:t>xt</a:t>
-            </a:r>
-            <a:r>
-              <a:rPr b="0" lang="en-IN" sz="2000" spc="-1" strike="noStrike">
-                <a:solidFill>
-                  <a:srgbClr val="000000"/>
-                </a:solidFill>
-                <a:latin typeface="Arial"/>
-              </a:rPr>
-              <a:t>h </a:t>
-            </a:r>
-            <a:r>
-              <a:rPr b="0" lang="en-IN" sz="2000" spc="-1" strike="noStrike">
-                <a:solidFill>
-                  <a:srgbClr val="000000"/>
-                </a:solidFill>
-                <a:latin typeface="Arial"/>
-              </a:rPr>
-              <a:t>O</a:t>
-            </a:r>
-            <a:r>
-              <a:rPr b="0" lang="en-IN" sz="2000" spc="-1" strike="noStrike">
-                <a:solidFill>
-                  <a:srgbClr val="000000"/>
-                </a:solidFill>
-                <a:latin typeface="Arial"/>
-              </a:rPr>
-              <a:t>utli</a:t>
-            </a:r>
-            <a:r>
-              <a:rPr b="0" lang="en-IN" sz="2000" spc="-1" strike="noStrike">
-                <a:solidFill>
-                  <a:srgbClr val="000000"/>
-                </a:solidFill>
-                <a:latin typeface="Arial"/>
-              </a:rPr>
-              <a:t>ne </a:t>
-            </a:r>
-            <a:r>
-              <a:rPr b="0" lang="en-IN" sz="2000" spc="-1" strike="noStrike">
-                <a:solidFill>
-                  <a:srgbClr val="000000"/>
-                </a:solidFill>
-                <a:latin typeface="Arial"/>
-              </a:rPr>
-              <a:t>Le</a:t>
-            </a:r>
-            <a:r>
-              <a:rPr b="0" lang="en-IN" sz="2000" spc="-1" strike="noStrike">
-                <a:solidFill>
-                  <a:srgbClr val="000000"/>
-                </a:solidFill>
-                <a:latin typeface="Arial"/>
-              </a:rPr>
-              <a:t>vel</a:t>
+              <a:t>Sixth Outline Level</a:t>
             </a:r>
             <a:endParaRPr b="0" lang="en-IN" sz="2000" spc="-1" strike="noStrike">
               <a:solidFill>
@@ -2667,187 +2793,7 @@
                 </a:solidFill>
                 <a:latin typeface="Arial"/>
               </a:rPr>
-              <a:t>S</a:t>
-            </a:r>
-            <a:r>
-              <a:rPr b="0" lang="en-IN" sz="2000" spc="-1" strike="noStrike">
-                <a:solidFill>
-                  <a:srgbClr val="000000"/>
-                </a:solidFill>
-                <a:latin typeface="Arial"/>
-              </a:rPr>
-              <a:t>e</a:t>
-            </a:r>
-            <a:r>
-              <a:rPr b="0" lang="en-IN" sz="2000" spc="-1" strike="noStrike">
-                <a:solidFill>
-                  <a:srgbClr val="000000"/>
-                </a:solidFill>
-                <a:latin typeface="Arial"/>
-              </a:rPr>
-              <a:t>v</a:t>
-            </a:r>
-            <a:r>
-              <a:rPr b="0" lang="en-IN" sz="2000" spc="-1" strike="noStrike">
-                <a:solidFill>
-                  <a:srgbClr val="000000"/>
-                </a:solidFill>
-                <a:latin typeface="Arial"/>
-              </a:rPr>
-              <a:t>e</a:t>
-            </a:r>
-            <a:r>
-              <a:rPr b="0" lang="en-IN" sz="2000" spc="-1" strike="noStrike">
-                <a:solidFill>
-                  <a:srgbClr val="000000"/>
-                </a:solidFill>
-                <a:latin typeface="Arial"/>
-              </a:rPr>
-              <a:t>n</a:t>
-            </a:r>
-            <a:r>
-              <a:rPr b="0" lang="en-IN" sz="2000" spc="-1" strike="noStrike">
-                <a:solidFill>
-                  <a:srgbClr val="000000"/>
-                </a:solidFill>
-                <a:latin typeface="Arial"/>
-              </a:rPr>
-              <a:t>t</a:t>
-            </a:r>
-            <a:r>
-              <a:rPr b="0" lang="en-IN" sz="2000" spc="-1" strike="noStrike">
-                <a:solidFill>
-                  <a:srgbClr val="000000"/>
-                </a:solidFill>
-                <a:latin typeface="Arial"/>
-              </a:rPr>
-              <a:t>h</a:t>
-            </a:r>
-            <a:r>
-              <a:rPr b="0" lang="en-IN" sz="2000" spc="-1" strike="noStrike">
-                <a:solidFill>
-                  <a:srgbClr val="000000"/>
-                </a:solidFill>
-                <a:latin typeface="Arial"/>
-              </a:rPr>
-              <a:t> </a:t>
-            </a:r>
-            <a:r>
-              <a:rPr b="0" lang="en-IN" sz="2000" spc="-1" strike="noStrike">
-                <a:solidFill>
-                  <a:srgbClr val="000000"/>
-                </a:solidFill>
-                <a:latin typeface="Arial"/>
-              </a:rPr>
-              <a:t>O</a:t>
-            </a:r>
-            <a:r>
-              <a:rPr b="0" lang="en-IN" sz="2000" spc="-1" strike="noStrike">
-                <a:solidFill>
-                  <a:srgbClr val="000000"/>
-                </a:solidFill>
-                <a:latin typeface="Arial"/>
-              </a:rPr>
-              <a:t>u</a:t>
-            </a:r>
-            <a:r>
-              <a:rPr b="0" lang="en-IN" sz="2000" spc="-1" strike="noStrike">
-                <a:solidFill>
-                  <a:srgbClr val="000000"/>
-                </a:solidFill>
-                <a:latin typeface="Arial"/>
-              </a:rPr>
-              <a:t>t</a:t>
-            </a:r>
-            <a:r>
-              <a:rPr b="0" lang="en-IN" sz="2000" spc="-1" strike="noStrike">
-                <a:solidFill>
-                  <a:srgbClr val="000000"/>
-                </a:solidFill>
-                <a:latin typeface="Arial"/>
-              </a:rPr>
-              <a:t>l</a:t>
-            </a:r>
-            <a:r>
-              <a:rPr b="0" lang="en-IN" sz="2000" spc="-1" strike="noStrike">
-                <a:solidFill>
-                  <a:srgbClr val="000000"/>
-                </a:solidFill>
-                <a:latin typeface="Arial"/>
-              </a:rPr>
-              <a:t>i</a:t>
-            </a:r>
-            <a:r>
-              <a:rPr b="0" lang="en-IN" sz="2000" spc="-1" strike="noStrike">
-                <a:solidFill>
-                  <a:srgbClr val="000000"/>
-                </a:solidFill>
-                <a:latin typeface="Arial"/>
-              </a:rPr>
-              <a:t>n</a:t>
-            </a:r>
-            <a:r>
-              <a:rPr b="0" lang="en-IN" sz="2000" spc="-1" strike="noStrike">
-                <a:solidFill>
-                  <a:srgbClr val="000000"/>
-                </a:solidFill>
-                <a:latin typeface="Arial"/>
-              </a:rPr>
-              <a:t>e</a:t>
-            </a:r>
-            <a:r>
-              <a:rPr b="0" lang="en-IN" sz="2000" spc="-1" strike="noStrike">
-                <a:solidFill>
-                  <a:srgbClr val="000000"/>
-                </a:solidFill>
-                <a:latin typeface="Arial"/>
-              </a:rPr>
-              <a:t> </a:t>
-            </a:r>
-            <a:r>
-              <a:rPr b="0" lang="en-IN" sz="2000" spc="-1" strike="noStrike">
-                <a:solidFill>
-                  <a:srgbClr val="000000"/>
-                </a:solidFill>
-                <a:latin typeface="Arial"/>
-              </a:rPr>
-              <a:t>L</a:t>
-            </a:r>
-            <a:r>
-              <a:rPr b="0" lang="en-IN" sz="2000" spc="-1" strike="noStrike">
-                <a:solidFill>
-                  <a:srgbClr val="000000"/>
-                </a:solidFill>
-                <a:latin typeface="Arial"/>
-              </a:rPr>
-              <a:t>e</a:t>
-            </a:r>
-            <a:r>
-              <a:rPr b="0" lang="en-IN" sz="2000" spc="-1" strike="noStrike">
-                <a:solidFill>
-                  <a:srgbClr val="000000"/>
-                </a:solidFill>
-                <a:latin typeface="Arial"/>
-              </a:rPr>
-              <a:t>v</a:t>
-            </a:r>
-            <a:r>
-              <a:rPr b="0" lang="en-IN" sz="2000" spc="-1" strike="noStrike">
-                <a:solidFill>
-                  <a:srgbClr val="000000"/>
-                </a:solidFill>
-                <a:latin typeface="Arial"/>
-              </a:rPr>
-              <a:t>e</a:t>
-            </a:r>
-            <a:r>
-              <a:rPr b="0" lang="en-IN" sz="2000" spc="-1" strike="noStrike">
-                <a:solidFill>
-                  <a:srgbClr val="000000"/>
-                </a:solidFill>
-                <a:latin typeface="Arial"/>
-              </a:rPr>
-              <a:t>l</a:t>
+              <a:t>Seventh Outline Level</a:t>
             </a:r>
             <a:endParaRPr b="0" lang="en-IN" sz="2000" spc="-1" strike="noStrike">
               <a:solidFill>
@@ -2897,7 +2843,7 @@
         <p:spPr>
           <a:xfrm>
             <a:off x="503640" y="226080"/>
-            <a:ext cx="9067680" cy="942840"/>
+            <a:ext cx="9067320" cy="942480"/>
           </a:xfrm>
           <a:prstGeom prst="rect">
             <a:avLst/>
@@ -3204,16 +3150,7 @@
                 </a:solidFill>
                 <a:latin typeface="Arial"/>
               </a:rPr>
-              <a:t>Click to edit the outline </a:t>
-            </a:r>
-            <a:r>
-              <a:rPr b="0" lang="en-IN" sz="1800" spc="-1" strike="noStrike">
-                <a:solidFill>
-                  <a:srgbClr val="000000"/>
-                </a:solidFill>
-                <a:latin typeface="Arial"/>
-              </a:rPr>
-              <a:t>text format</a:t>
+              <a:t>Click to edit the outline text format</a:t>
             </a:r>
             <a:endParaRPr b="0" lang="en-IN" sz="1800" spc="-1" strike="noStrike">
               <a:solidFill>
@@ -3241,16 +3178,7 @@
                 </a:solidFill>
                 <a:latin typeface="Arial"/>
               </a:rPr>
-              <a:t>Second Outline </a:t>
-            </a:r>
-            <a:r>
-              <a:rPr b="0" lang="en-IN" sz="1800" spc="-1" strike="noStrike">
-                <a:solidFill>
-                  <a:srgbClr val="000000"/>
-                </a:solidFill>
-                <a:latin typeface="Arial"/>
-              </a:rPr>
-              <a:t>Level</a:t>
+              <a:t>Second Outline Level</a:t>
             </a:r>
             <a:endParaRPr b="0" lang="en-IN" sz="1800" spc="-1" strike="noStrike">
               <a:solidFill>
@@ -3278,16 +3206,7 @@
                 </a:solidFill>
                 <a:latin typeface="Arial"/>
               </a:rPr>
-              <a:t>Third Outline </a:t>
-            </a:r>
-            <a:r>
-              <a:rPr b="0" lang="en-IN" sz="1800" spc="-1" strike="noStrike">
-                <a:solidFill>
-                  <a:srgbClr val="000000"/>
-                </a:solidFill>
-                <a:latin typeface="Arial"/>
-              </a:rPr>
-              <a:t>Level</a:t>
+              <a:t>Third Outline Level</a:t>
             </a:r>
             <a:endParaRPr b="0" lang="en-IN" sz="1800" spc="-1" strike="noStrike">
               <a:solidFill>
@@ -3315,25 +3234,7 @@
                 </a:solidFill>
                 <a:latin typeface="Arial"/>
               </a:rPr>
-              <a:t>Fourth </a:t>
-            </a:r>
-            <a:r>
-              <a:rPr b="0" lang="en-IN" sz="1800" spc="-1" strike="noStrike">
-                <a:solidFill>
-                  <a:srgbClr val="000000"/>
-                </a:solidFill>
-                <a:latin typeface="Arial"/>
-              </a:rPr>
-              <a:t>Outline </a:t>
-            </a:r>
-            <a:r>
-              <a:rPr b="0" lang="en-IN" sz="1800" spc="-1" strike="noStrike">
-                <a:solidFill>
-                  <a:srgbClr val="000000"/>
-                </a:solidFill>
-                <a:latin typeface="Arial"/>
-              </a:rPr>
-              <a:t>Level</a:t>
+              <a:t>Fourth Outline Level</a:t>
             </a:r>
             <a:endParaRPr b="0" lang="en-IN" sz="1800" spc="-1" strike="noStrike">
               <a:solidFill>
@@ -3361,34 +3262,7 @@
                 </a:solidFill>
                 <a:latin typeface="Arial"/>
               </a:rPr>
-              <a:t>Fifth </a:t>
-            </a:r>
-            <a:r>
-              <a:rPr b="0" lang="en-IN" sz="1800" spc="-1" strike="noStrike">
-                <a:solidFill>
-                  <a:srgbClr val="000000"/>
-                </a:solidFill>
-                <a:latin typeface="Arial"/>
-              </a:rPr>
-              <a:t>Outlin</a:t>
-            </a:r>
-            <a:r>
-              <a:rPr b="0" lang="en-IN" sz="1800" spc="-1" strike="noStrike">
-                <a:solidFill>
-                  <a:srgbClr val="000000"/>
-                </a:solidFill>
-                <a:latin typeface="Arial"/>
-              </a:rPr>
-              <a:t>e </a:t>
-            </a:r>
-            <a:r>
-              <a:rPr b="0" lang="en-IN" sz="1800" spc="-1" strike="noStrike">
-                <a:solidFill>
-                  <a:srgbClr val="000000"/>
-                </a:solidFill>
-                <a:latin typeface="Arial"/>
-              </a:rPr>
-              <a:t>Level</a:t>
+              <a:t>Fifth Outline Level</a:t>
             </a:r>
             <a:endParaRPr b="0" lang="en-IN" sz="1800" spc="-1" strike="noStrike">
               <a:solidFill>
@@ -3416,88 +3290,7 @@
                 </a:solidFill>
                 <a:latin typeface="Arial"/>
               </a:rPr>
-              <a:t>Si</a:t>
-            </a:r>
-            <a:r>
-              <a:rPr b="0" lang="en-IN" sz="1800" spc="-1" strike="noStrike">
-                <a:solidFill>
-                  <a:srgbClr val="000000"/>
-                </a:solidFill>
-                <a:latin typeface="Arial"/>
-              </a:rPr>
-              <a:t>xt</a:t>
-            </a:r>
-            <a:r>
-              <a:rPr b="0" lang="en-IN" sz="1800" spc="-1" strike="noStrike">
-                <a:solidFill>
-                  <a:srgbClr val="000000"/>
-                </a:solidFill>
-                <a:latin typeface="Arial"/>
-              </a:rPr>
-              <a:t>h </a:t>
-            </a:r>
-            <a:r>
-              <a:rPr b="0" lang="en-IN" sz="1800" spc="-1" strike="noStrike">
-                <a:solidFill>
-                  <a:srgbClr val="000000"/>
-                </a:solidFill>
-                <a:latin typeface="Arial"/>
-              </a:rPr>
-              <a:t>O</a:t>
-            </a:r>
-            <a:r>
-              <a:rPr b="0" lang="en-IN" sz="1800" spc="-1" strike="noStrike">
-                <a:solidFill>
-                  <a:srgbClr val="000000"/>
-                </a:solidFill>
-                <a:latin typeface="Arial"/>
-              </a:rPr>
-              <a:t>utl</a:t>
-            </a:r>
-            <a:r>
-              <a:rPr b="0" lang="en-IN" sz="1800" spc="-1" strike="noStrike">
-                <a:solidFill>
-                  <a:srgbClr val="000000"/>
-                </a:solidFill>
-                <a:latin typeface="Arial"/>
-              </a:rPr>
-              <a:t>in</a:t>
-            </a:r>
-            <a:r>
-              <a:rPr b="0" lang="en-IN" sz="1800" spc="-1" strike="noStrike">
-                <a:solidFill>
-                  <a:srgbClr val="000000"/>
-                </a:solidFill>
-                <a:latin typeface="Arial"/>
-              </a:rPr>
-              <a:t>e </a:t>
-            </a:r>
-            <a:r>
-              <a:rPr b="0" lang="en-IN" sz="1800" spc="-1" strike="noStrike">
-                <a:solidFill>
-                  <a:srgbClr val="000000"/>
-                </a:solidFill>
-                <a:latin typeface="Arial"/>
-              </a:rPr>
-              <a:t>Le</a:t>
-            </a:r>
-            <a:r>
-              <a:rPr b="0" lang="en-IN" sz="1800" spc="-1" strike="noStrike">
-                <a:solidFill>
-                  <a:srgbClr val="000000"/>
-                </a:solidFill>
-                <a:latin typeface="Arial"/>
-              </a:rPr>
-              <a:t>ve</a:t>
-            </a:r>
-            <a:r>
-              <a:rPr b="0" lang="en-IN" sz="1800" spc="-1" strike="noStrike">
-                <a:solidFill>
-                  <a:srgbClr val="000000"/>
-                </a:solidFill>
-                <a:latin typeface="Arial"/>
-              </a:rPr>
-              <a:t>l</a:t>
+              <a:t>Sixth Outline Level</a:t>
             </a:r>
             <a:endParaRPr b="0" lang="en-IN" sz="1800" spc="-1" strike="noStrike">
               <a:solidFill>
@@ -3525,187 +3318,7 @@
                 </a:solidFill>
                 <a:latin typeface="Arial"/>
               </a:rPr>
-              <a:t>S</a:t>
-            </a:r>
-            <a:r>
-              <a:rPr b="0" lang="en-IN" sz="1800" spc="-1" strike="noStrike">
-                <a:solidFill>
-                  <a:srgbClr val="000000"/>
-                </a:solidFill>
-                <a:latin typeface="Arial"/>
-              </a:rPr>
-              <a:t>e</a:t>
-            </a:r>
-            <a:r>
-              <a:rPr b="0" lang="en-IN" sz="1800" spc="-1" strike="noStrike">
-                <a:solidFill>
-                  <a:srgbClr val="000000"/>
-                </a:solidFill>
-                <a:latin typeface="Arial"/>
-              </a:rPr>
-              <a:t>v</a:t>
-            </a:r>
-            <a:r>
-              <a:rPr b="0" lang="en-IN" sz="1800" spc="-1" strike="noStrike">
-                <a:solidFill>
-                  <a:srgbClr val="000000"/>
-                </a:solidFill>
-                <a:latin typeface="Arial"/>
-              </a:rPr>
-              <a:t>e</a:t>
-            </a:r>
-            <a:r>
-              <a:rPr b="0" lang="en-IN" sz="1800" spc="-1" strike="noStrike">
-                <a:solidFill>
-                  <a:srgbClr val="000000"/>
-                </a:solidFill>
-                <a:latin typeface="Arial"/>
-              </a:rPr>
-              <a:t>n</a:t>
-            </a:r>
-            <a:r>
-              <a:rPr b="0" lang="en-IN" sz="1800" spc="-1" strike="noStrike">
-                <a:solidFill>
-                  <a:srgbClr val="000000"/>
-                </a:solidFill>
-                <a:latin typeface="Arial"/>
-              </a:rPr>
-              <a:t>t</a:t>
-            </a:r>
-            <a:r>
-              <a:rPr b="0" lang="en-IN" sz="1800" spc="-1" strike="noStrike">
-                <a:solidFill>
-                  <a:srgbClr val="000000"/>
-                </a:solidFill>
-                <a:latin typeface="Arial"/>
-              </a:rPr>
-              <a:t>h</a:t>
-            </a:r>
-            <a:r>
-              <a:rPr b="0" lang="en-IN" sz="1800" spc="-1" strike="noStrike">
-                <a:solidFill>
-                  <a:srgbClr val="000000"/>
-                </a:solidFill>
-                <a:latin typeface="Arial"/>
-              </a:rPr>
-              <a:t> </a:t>
-            </a:r>
-            <a:r>
-              <a:rPr b="0" lang="en-IN" sz="1800" spc="-1" strike="noStrike">
-                <a:solidFill>
-                  <a:srgbClr val="000000"/>
-                </a:solidFill>
-                <a:latin typeface="Arial"/>
-              </a:rPr>
-              <a:t>O</a:t>
-            </a:r>
-            <a:r>
-              <a:rPr b="0" lang="en-IN" sz="1800" spc="-1" strike="noStrike">
-                <a:solidFill>
-                  <a:srgbClr val="000000"/>
-                </a:solidFill>
-                <a:latin typeface="Arial"/>
-              </a:rPr>
-              <a:t>u</a:t>
-            </a:r>
-            <a:r>
-              <a:rPr b="0" lang="en-IN" sz="1800" spc="-1" strike="noStrike">
-                <a:solidFill>
-                  <a:srgbClr val="000000"/>
-                </a:solidFill>
-                <a:latin typeface="Arial"/>
-              </a:rPr>
-              <a:t>t</a:t>
-            </a:r>
-            <a:r>
-              <a:rPr b="0" lang="en-IN" sz="1800" spc="-1" strike="noStrike">
-                <a:solidFill>
-                  <a:srgbClr val="000000"/>
-                </a:solidFill>
-                <a:latin typeface="Arial"/>
-              </a:rPr>
-              <a:t>l</a:t>
-            </a:r>
-            <a:r>
-              <a:rPr b="0" lang="en-IN" sz="1800" spc="-1" strike="noStrike">
-                <a:solidFill>
-                  <a:srgbClr val="000000"/>
-                </a:solidFill>
-                <a:latin typeface="Arial"/>
-              </a:rPr>
-              <a:t>i</a:t>
-            </a:r>
-            <a:r>
-              <a:rPr b="0" lang="en-IN" sz="1800" spc="-1" strike="noStrike">
-                <a:solidFill>
-                  <a:srgbClr val="000000"/>
-                </a:solidFill>
-                <a:latin typeface="Arial"/>
-              </a:rPr>
-              <a:t>n</a:t>
-            </a:r>
-            <a:r>
-              <a:rPr b="0" lang="en-IN" sz="1800" spc="-1" strike="noStrike">
-                <a:solidFill>
-                  <a:srgbClr val="000000"/>
-                </a:solidFill>
-                <a:latin typeface="Arial"/>
-              </a:rPr>
-              <a:t>e</a:t>
-            </a:r>
-            <a:r>
-              <a:rPr b="0" lang="en-IN" sz="1800" spc="-1" strike="noStrike">
-                <a:solidFill>
-                  <a:srgbClr val="000000"/>
-                </a:solidFill>
-                <a:latin typeface="Arial"/>
-              </a:rPr>
-              <a:t> </a:t>
-            </a:r>
-            <a:r>
-              <a:rPr b="0" lang="en-IN" sz="1800" spc="-1" strike="noStrike">
-                <a:solidFill>
-                  <a:srgbClr val="000000"/>
-                </a:solidFill>
-                <a:latin typeface="Arial"/>
-              </a:rPr>
-              <a:t>L</a:t>
-            </a:r>
-            <a:r>
-              <a:rPr b="0" lang="en-IN" sz="1800" spc="-1" strike="noStrike">
-                <a:solidFill>
-                  <a:srgbClr val="000000"/>
-                </a:solidFill>
-                <a:latin typeface="Arial"/>
-              </a:rPr>
-              <a:t>e</a:t>
-            </a:r>
-            <a:r>
-              <a:rPr b="0" lang="en-IN" sz="1800" spc="-1" strike="noStrike">
-                <a:solidFill>
-                  <a:srgbClr val="000000"/>
-                </a:solidFill>
-                <a:latin typeface="Arial"/>
-              </a:rPr>
-              <a:t>v</a:t>
-            </a:r>
-            <a:r>
-              <a:rPr b="0" lang="en-IN" sz="1800" spc="-1" strike="noStrike">
-                <a:solidFill>
-                  <a:srgbClr val="000000"/>
-                </a:solidFill>
-                <a:latin typeface="Arial"/>
-              </a:rPr>
-              <a:t>e</a:t>
-            </a:r>
-            <a:r>
-              <a:rPr b="0" lang="en-IN" sz="1800" spc="-1" strike="noStrike">
-                <a:solidFill>
-                  <a:srgbClr val="000000"/>
-                </a:solidFill>
-                <a:latin typeface="Arial"/>
-              </a:rPr>
-              <a:t>l</a:t>
+              <a:t>Seventh Outline Level</a:t>
             </a:r>
             <a:endParaRPr b="0" lang="en-IN" sz="1800" spc="-1" strike="noStrike">
               <a:solidFill>
@@ -3729,7 +3342,7 @@
         <p:spPr>
           <a:xfrm>
             <a:off x="3447000" y="5164920"/>
-            <a:ext cx="3191400" cy="387000"/>
+            <a:ext cx="3191040" cy="386640"/>
           </a:xfrm>
           <a:prstGeom prst="rect">
             <a:avLst/>
@@ -3801,7 +3414,7 @@
         <p:spPr>
           <a:xfrm>
             <a:off x="7226640" y="5164920"/>
-            <a:ext cx="2344680" cy="387000"/>
+            <a:ext cx="2344320" cy="386640"/>
           </a:xfrm>
           <a:prstGeom prst="rect">
             <a:avLst/>
@@ -3842,7 +3455,7 @@
                 <a:tab algn="l" pos="0"/>
               </a:tabLst>
             </a:pPr>
-            <a:fld id="{CD6850B4-AF4E-4558-A446-0A45B0A64A39}" type="slidenum">
+            <a:fld id="{9A7CBB99-BF8C-4EC2-8123-D836AD74F7F2}" type="slidenum">
               <a:rPr b="0" lang="en-IN" sz="1400" spc="-1" strike="noStrike">
                 <a:solidFill>
                   <a:srgbClr val="000000"/>
@@ -3873,7 +3486,7 @@
         <p:spPr>
           <a:xfrm>
             <a:off x="503640" y="5164920"/>
-            <a:ext cx="2344680" cy="387000"/>
+            <a:ext cx="2344320" cy="386640"/>
           </a:xfrm>
           <a:prstGeom prst="rect">
             <a:avLst/>
@@ -3959,7 +3572,7 @@
         <p:spPr>
           <a:xfrm>
             <a:off x="503640" y="226080"/>
-            <a:ext cx="9067680" cy="942840"/>
+            <a:ext cx="9067320" cy="942480"/>
           </a:xfrm>
           <a:prstGeom prst="rect">
             <a:avLst/>
@@ -4008,7 +3621,7 @@
         <p:spPr>
           <a:xfrm>
             <a:off x="3447000" y="5164920"/>
-            <a:ext cx="3191400" cy="387000"/>
+            <a:ext cx="3191040" cy="386640"/>
           </a:xfrm>
           <a:prstGeom prst="rect">
             <a:avLst/>
@@ -4080,7 +3693,7 @@
         <p:spPr>
           <a:xfrm>
             <a:off x="7226640" y="5164920"/>
-            <a:ext cx="2344680" cy="387000"/>
+            <a:ext cx="2344320" cy="386640"/>
           </a:xfrm>
           <a:prstGeom prst="rect">
             <a:avLst/>
@@ -4121,7 +3734,7 @@
                 <a:tab algn="l" pos="0"/>
               </a:tabLst>
             </a:pPr>
-            <a:fld id="{F73A4430-B8F0-418E-9F02-2945E652F8C5}" type="slidenum">
+            <a:fld id="{28089FCE-087D-4860-82E1-6136BE5E4C1E}" type="slidenum">
               <a:rPr b="0" lang="en-IN" sz="1400" spc="-1" strike="noStrike">
                 <a:solidFill>
                   <a:srgbClr val="000000"/>
@@ -4152,7 +3765,7 @@
         <p:spPr>
           <a:xfrm>
             <a:off x="503640" y="5164920"/>
-            <a:ext cx="2344680" cy="387000"/>
+            <a:ext cx="2344320" cy="386640"/>
           </a:xfrm>
           <a:prstGeom prst="rect">
             <a:avLst/>
@@ -4245,25 +3858,7 @@
                 </a:solidFill>
                 <a:latin typeface="Arial"/>
               </a:rPr>
-              <a:t>Click to edit </a:t>
-            </a:r>
-            <a:r>
-              <a:rPr b="0" lang="en-IN" sz="3200" spc="-1" strike="noStrike">
-                <a:solidFill>
-                  <a:srgbClr val="000000"/>
-                </a:solidFill>
-                <a:latin typeface="Arial"/>
-              </a:rPr>
-              <a:t>the outline </a:t>
-            </a:r>
-            <a:r>
-              <a:rPr b="0" lang="en-IN" sz="3200" spc="-1" strike="noStrike">
-                <a:solidFill>
-                  <a:srgbClr val="000000"/>
-                </a:solidFill>
-                <a:latin typeface="Arial"/>
-              </a:rPr>
-              <a:t>text format</a:t>
+              <a:t>Click to edit the outline text format</a:t>
             </a:r>
             <a:endParaRPr b="0" lang="en-IN" sz="3200" spc="-1" strike="noStrike">
               <a:solidFill>
@@ -4291,25 +3886,7 @@
                 </a:solidFill>
                 <a:latin typeface="Arial"/>
               </a:rPr>
-              <a:t>Second </a:t>
-            </a:r>
-            <a:r>
-              <a:rPr b="0" lang="en-IN" sz="2800" spc="-1" strike="noStrike">
-                <a:solidFill>
-                  <a:srgbClr val="000000"/>
-                </a:solidFill>
-                <a:latin typeface="Arial"/>
-              </a:rPr>
-              <a:t>Outline </a:t>
-            </a:r>
-            <a:r>
-              <a:rPr b="0" lang="en-IN" sz="2800" spc="-1" strike="noStrike">
-                <a:solidFill>
-                  <a:srgbClr val="000000"/>
-                </a:solidFill>
-                <a:latin typeface="Arial"/>
-              </a:rPr>
-              <a:t>Level</a:t>
+              <a:t>Second Outline Level</a:t>
             </a:r>
             <a:endParaRPr b="0" lang="en-IN" sz="2800" spc="-1" strike="noStrike">
               <a:solidFill>
@@ -4337,25 +3914,7 @@
                 </a:solidFill>
                 <a:latin typeface="Arial"/>
               </a:rPr>
-              <a:t>Third </a:t>
-            </a:r>
-            <a:r>
-              <a:rPr b="0" lang="en-IN" sz="2400" spc="-1" strike="noStrike">
-                <a:solidFill>
-                  <a:srgbClr val="000000"/>
-                </a:solidFill>
-                <a:latin typeface="Arial"/>
-              </a:rPr>
-              <a:t>Outline </a:t>
-            </a:r>
-            <a:r>
-              <a:rPr b="0" lang="en-IN" sz="2400" spc="-1" strike="noStrike">
-                <a:solidFill>
-                  <a:srgbClr val="000000"/>
-                </a:solidFill>
-                <a:latin typeface="Arial"/>
-              </a:rPr>
-              <a:t>Level</a:t>
+              <a:t>Third Outline Level</a:t>
             </a:r>
             <a:endParaRPr b="0" lang="en-IN" sz="2400" spc="-1" strike="noStrike">
               <a:solidFill>
@@ -4383,25 +3942,7 @@
                 </a:solidFill>
                 <a:latin typeface="Arial"/>
               </a:rPr>
-              <a:t>Fourth </a:t>
-            </a:r>
-            <a:r>
-              <a:rPr b="0" lang="en-IN" sz="2000" spc="-1" strike="noStrike">
-                <a:solidFill>
-                  <a:srgbClr val="000000"/>
-                </a:solidFill>
-                <a:latin typeface="Arial"/>
-              </a:rPr>
-              <a:t>Outline </a:t>
-            </a:r>
-            <a:r>
-              <a:rPr b="0" lang="en-IN" sz="2000" spc="-1" strike="noStrike">
-                <a:solidFill>
-                  <a:srgbClr val="000000"/>
-                </a:solidFill>
-                <a:latin typeface="Arial"/>
-              </a:rPr>
-              <a:t>Level</a:t>
+              <a:t>Fourth Outline Level</a:t>
             </a:r>
             <a:endParaRPr b="0" lang="en-IN" sz="2000" spc="-1" strike="noStrike">
               <a:solidFill>
@@ -4429,34 +3970,7 @@
                 </a:solidFill>
                 <a:latin typeface="Arial"/>
               </a:rPr>
-              <a:t>Fifth </a:t>
-            </a:r>
-            <a:r>
-              <a:rPr b="0" lang="en-IN" sz="2000" spc="-1" strike="noStrike">
-                <a:solidFill>
-                  <a:srgbClr val="000000"/>
-                </a:solidFill>
-                <a:latin typeface="Arial"/>
-              </a:rPr>
-              <a:t>Outlin</a:t>
-            </a:r>
-            <a:r>
-              <a:rPr b="0" lang="en-IN" sz="2000" spc="-1" strike="noStrike">
-                <a:solidFill>
-                  <a:srgbClr val="000000"/>
-                </a:solidFill>
-                <a:latin typeface="Arial"/>
-              </a:rPr>
-              <a:t>e </a:t>
-            </a:r>
-            <a:r>
-              <a:rPr b="0" lang="en-IN" sz="2000" spc="-1" strike="noStrike">
-                <a:solidFill>
-                  <a:srgbClr val="000000"/>
-                </a:solidFill>
-                <a:latin typeface="Arial"/>
-              </a:rPr>
-              <a:t>Level</a:t>
+              <a:t>Fifth Outline Level</a:t>
             </a:r>
             <a:endParaRPr b="0" lang="en-IN" sz="2000" spc="-1" strike="noStrike">
               <a:solidFill>
@@ -4484,97 +3998,7 @@
                 </a:solidFill>
                 <a:latin typeface="Arial"/>
               </a:rPr>
-              <a:t>Si</a:t>
-            </a:r>
-            <a:r>
-              <a:rPr b="0" lang="en-IN" sz="2000" spc="-1" strike="noStrike">
-                <a:solidFill>
-                  <a:srgbClr val="000000"/>
-                </a:solidFill>
-                <a:latin typeface="Arial"/>
-              </a:rPr>
-              <a:t>xt</a:t>
-            </a:r>
-            <a:r>
-              <a:rPr b="0" lang="en-IN" sz="2000" spc="-1" strike="noStrike">
-                <a:solidFill>
-                  <a:srgbClr val="000000"/>
-                </a:solidFill>
-                <a:latin typeface="Arial"/>
-              </a:rPr>
-              <a:t>h </a:t>
-            </a:r>
-            <a:r>
-              <a:rPr b="0" lang="en-IN" sz="2000" spc="-1" strike="noStrike">
-                <a:solidFill>
-                  <a:srgbClr val="000000"/>
-                </a:solidFill>
-                <a:latin typeface="Arial"/>
-              </a:rPr>
-              <a:t>O</a:t>
-            </a:r>
-            <a:r>
-              <a:rPr b="0" lang="en-IN" sz="2000" spc="-1" strike="noStrike">
-                <a:solidFill>
-                  <a:srgbClr val="000000"/>
-                </a:solidFill>
-                <a:latin typeface="Arial"/>
-              </a:rPr>
-              <a:t>ut</a:t>
-            </a:r>
-            <a:r>
-              <a:rPr b="0" lang="en-IN" sz="2000" spc="-1" strike="noStrike">
-                <a:solidFill>
-                  <a:srgbClr val="000000"/>
-                </a:solidFill>
-                <a:latin typeface="Arial"/>
-              </a:rPr>
-              <a:t>lin</a:t>
-            </a:r>
-            <a:r>
-              <a:rPr b="0" lang="en-IN" sz="2000" spc="-1" strike="noStrike">
-                <a:solidFill>
-                  <a:srgbClr val="000000"/>
-                </a:solidFill>
-                <a:latin typeface="Arial"/>
-              </a:rPr>
-              <a:t>e </a:t>
-            </a:r>
-            <a:r>
-              <a:rPr b="0" lang="en-IN" sz="2000" spc="-1" strike="noStrike">
-                <a:solidFill>
-                  <a:srgbClr val="000000"/>
-                </a:solidFill>
-                <a:latin typeface="Arial"/>
-              </a:rPr>
-              <a:t>L</a:t>
-            </a:r>
-            <a:r>
-              <a:rPr b="0" lang="en-IN" sz="2000" spc="-1" strike="noStrike">
-                <a:solidFill>
-                  <a:srgbClr val="000000"/>
-                </a:solidFill>
-                <a:latin typeface="Arial"/>
-              </a:rPr>
-              <a:t>e</a:t>
-            </a:r>
-            <a:r>
-              <a:rPr b="0" lang="en-IN" sz="2000" spc="-1" strike="noStrike">
-                <a:solidFill>
-                  <a:srgbClr val="000000"/>
-                </a:solidFill>
-                <a:latin typeface="Arial"/>
-              </a:rPr>
-              <a:t>v</a:t>
-            </a:r>
-            <a:r>
-              <a:rPr b="0" lang="en-IN" sz="2000" spc="-1" strike="noStrike">
-                <a:solidFill>
-                  <a:srgbClr val="000000"/>
-                </a:solidFill>
-                <a:latin typeface="Arial"/>
-              </a:rPr>
-              <a:t>el</a:t>
+              <a:t>Sixth Outline Level</a:t>
             </a:r>
             <a:endParaRPr b="0" lang="en-IN" sz="2000" spc="-1" strike="noStrike">
               <a:solidFill>
@@ -4602,187 +4026,7 @@
                 </a:solidFill>
                 <a:latin typeface="Arial"/>
               </a:rPr>
-              <a:t>S</a:t>
-            </a:r>
-            <a:r>
-              <a:rPr b="0" lang="en-IN" sz="2000" spc="-1" strike="noStrike">
-                <a:solidFill>
-                  <a:srgbClr val="000000"/>
-                </a:solidFill>
-                <a:latin typeface="Arial"/>
-              </a:rPr>
-              <a:t>e</a:t>
-            </a:r>
-            <a:r>
-              <a:rPr b="0" lang="en-IN" sz="2000" spc="-1" strike="noStrike">
-                <a:solidFill>
-                  <a:srgbClr val="000000"/>
-                </a:solidFill>
-                <a:latin typeface="Arial"/>
-              </a:rPr>
-              <a:t>v</a:t>
-            </a:r>
-            <a:r>
-              <a:rPr b="0" lang="en-IN" sz="2000" spc="-1" strike="noStrike">
-                <a:solidFill>
-                  <a:srgbClr val="000000"/>
-                </a:solidFill>
-                <a:latin typeface="Arial"/>
-              </a:rPr>
-              <a:t>e</a:t>
-            </a:r>
-            <a:r>
-              <a:rPr b="0" lang="en-IN" sz="2000" spc="-1" strike="noStrike">
-                <a:solidFill>
-                  <a:srgbClr val="000000"/>
-                </a:solidFill>
-                <a:latin typeface="Arial"/>
-              </a:rPr>
-              <a:t>n</a:t>
-            </a:r>
-            <a:r>
-              <a:rPr b="0" lang="en-IN" sz="2000" spc="-1" strike="noStrike">
-                <a:solidFill>
-                  <a:srgbClr val="000000"/>
-                </a:solidFill>
-                <a:latin typeface="Arial"/>
-              </a:rPr>
-              <a:t>t</a:t>
-            </a:r>
-            <a:r>
-              <a:rPr b="0" lang="en-IN" sz="2000" spc="-1" strike="noStrike">
-                <a:solidFill>
-                  <a:srgbClr val="000000"/>
-                </a:solidFill>
-                <a:latin typeface="Arial"/>
-              </a:rPr>
-              <a:t>h</a:t>
-            </a:r>
-            <a:r>
-              <a:rPr b="0" lang="en-IN" sz="2000" spc="-1" strike="noStrike">
-                <a:solidFill>
-                  <a:srgbClr val="000000"/>
-                </a:solidFill>
-                <a:latin typeface="Arial"/>
-              </a:rPr>
-              <a:t> </a:t>
-            </a:r>
-            <a:r>
-              <a:rPr b="0" lang="en-IN" sz="2000" spc="-1" strike="noStrike">
-                <a:solidFill>
-                  <a:srgbClr val="000000"/>
-                </a:solidFill>
-                <a:latin typeface="Arial"/>
-              </a:rPr>
-              <a:t>O</a:t>
-            </a:r>
-            <a:r>
-              <a:rPr b="0" lang="en-IN" sz="2000" spc="-1" strike="noStrike">
-                <a:solidFill>
-                  <a:srgbClr val="000000"/>
-                </a:solidFill>
-                <a:latin typeface="Arial"/>
-              </a:rPr>
-              <a:t>u</a:t>
-            </a:r>
-            <a:r>
-              <a:rPr b="0" lang="en-IN" sz="2000" spc="-1" strike="noStrike">
-                <a:solidFill>
-                  <a:srgbClr val="000000"/>
-                </a:solidFill>
-                <a:latin typeface="Arial"/>
-              </a:rPr>
-              <a:t>t</a:t>
-            </a:r>
-            <a:r>
-              <a:rPr b="0" lang="en-IN" sz="2000" spc="-1" strike="noStrike">
-                <a:solidFill>
-                  <a:srgbClr val="000000"/>
-                </a:solidFill>
-                <a:latin typeface="Arial"/>
-              </a:rPr>
-              <a:t>l</a:t>
-            </a:r>
-            <a:r>
-              <a:rPr b="0" lang="en-IN" sz="2000" spc="-1" strike="noStrike">
-                <a:solidFill>
-                  <a:srgbClr val="000000"/>
-                </a:solidFill>
-                <a:latin typeface="Arial"/>
-              </a:rPr>
-              <a:t>i</a:t>
-            </a:r>
-            <a:r>
-              <a:rPr b="0" lang="en-IN" sz="2000" spc="-1" strike="noStrike">
-                <a:solidFill>
-                  <a:srgbClr val="000000"/>
-                </a:solidFill>
-                <a:latin typeface="Arial"/>
-              </a:rPr>
-              <a:t>n</a:t>
-            </a:r>
-            <a:r>
-              <a:rPr b="0" lang="en-IN" sz="2000" spc="-1" strike="noStrike">
-                <a:solidFill>
-                  <a:srgbClr val="000000"/>
-                </a:solidFill>
-                <a:latin typeface="Arial"/>
-              </a:rPr>
-              <a:t>e</a:t>
-            </a:r>
-            <a:r>
-              <a:rPr b="0" lang="en-IN" sz="2000" spc="-1" strike="noStrike">
-                <a:solidFill>
-                  <a:srgbClr val="000000"/>
-                </a:solidFill>
-                <a:latin typeface="Arial"/>
-              </a:rPr>
-              <a:t> </a:t>
-            </a:r>
-            <a:r>
-              <a:rPr b="0" lang="en-IN" sz="2000" spc="-1" strike="noStrike">
-                <a:solidFill>
-                  <a:srgbClr val="000000"/>
-                </a:solidFill>
-                <a:latin typeface="Arial"/>
-              </a:rPr>
-              <a:t>L</a:t>
-            </a:r>
-            <a:r>
-              <a:rPr b="0" lang="en-IN" sz="2000" spc="-1" strike="noStrike">
-                <a:solidFill>
-                  <a:srgbClr val="000000"/>
-                </a:solidFill>
-                <a:latin typeface="Arial"/>
-              </a:rPr>
-              <a:t>e</a:t>
-            </a:r>
-            <a:r>
-              <a:rPr b="0" lang="en-IN" sz="2000" spc="-1" strike="noStrike">
-                <a:solidFill>
-                  <a:srgbClr val="000000"/>
-                </a:solidFill>
-                <a:latin typeface="Arial"/>
-              </a:rPr>
-              <a:t>v</a:t>
-            </a:r>
-            <a:r>
-              <a:rPr b="0" lang="en-IN" sz="2000" spc="-1" strike="noStrike">
-                <a:solidFill>
-                  <a:srgbClr val="000000"/>
-                </a:solidFill>
-                <a:latin typeface="Arial"/>
-              </a:rPr>
-              <a:t>e</a:t>
-            </a:r>
-            <a:r>
-              <a:rPr b="0" lang="en-IN" sz="2000" spc="-1" strike="noStrike">
-                <a:solidFill>
-                  <a:srgbClr val="000000"/>
-                </a:solidFill>
-                <a:latin typeface="Arial"/>
-              </a:rPr>
-              <a:t>l</a:t>
+              <a:t>Seventh Outline Level</a:t>
             </a:r>
             <a:endParaRPr b="0" lang="en-IN" sz="2000" spc="-1" strike="noStrike">
               <a:solidFill>
@@ -4840,7 +4084,7 @@
         <p:spPr>
           <a:xfrm>
             <a:off x="0" y="1738440"/>
-            <a:ext cx="10076400" cy="1243800"/>
+            <a:ext cx="10076040" cy="1243440"/>
           </a:xfrm>
           <a:prstGeom prst="rect">
             <a:avLst/>
@@ -4895,7 +4139,7 @@
         <p:spPr>
           <a:xfrm>
             <a:off x="0" y="2879640"/>
-            <a:ext cx="10076400" cy="1256400"/>
+            <a:ext cx="10076040" cy="1256040"/>
           </a:xfrm>
           <a:prstGeom prst="rect">
             <a:avLst/>
@@ -4946,15 +4190,15 @@
         <p:spPr>
           <a:xfrm>
             <a:off x="1979280" y="3060000"/>
-            <a:ext cx="5936400" cy="360"/>
+            <a:ext cx="5936040" cy="360"/>
           </a:xfrm>
           <a:custGeom>
             <a:avLst/>
             <a:gdLst>
-              <a:gd name="textAreaLeft" fmla="*/ 0 w 5936400"/>
-              <a:gd name="textAreaRight" fmla="*/ 5940000 w 5936400"/>
+              <a:gd name="textAreaLeft" fmla="*/ 0 w 5936040"/>
+              <a:gd name="textAreaRight" fmla="*/ 5940000 w 5936040"/>
               <a:gd name="textAreaTop" fmla="*/ 0 h 360"/>
-              <a:gd name="textAreaBottom" fmla="*/ 368640 h 360"/>
+              <a:gd name="textAreaBottom" fmla="*/ 737280 h 360"/>
             </a:gdLst>
             <a:ahLst/>
             <a:rect l="textAreaLeft" t="textAreaTop" r="textAreaRight" b="textAreaBottom"/>
@@ -5279,7 +4523,7 @@
         <p:spPr>
           <a:xfrm>
             <a:off x="503640" y="46080"/>
-            <a:ext cx="9067680" cy="942840"/>
+            <a:ext cx="9067320" cy="942480"/>
           </a:xfrm>
           <a:prstGeom prst="rect">
             <a:avLst/>
@@ -5330,7 +4574,7 @@
         <p:spPr>
           <a:xfrm>
             <a:off x="-3960" y="1127160"/>
-            <a:ext cx="5220360" cy="489240"/>
+            <a:ext cx="5220000" cy="488880"/>
           </a:xfrm>
           <a:prstGeom prst="rect">
             <a:avLst/>
@@ -5384,7 +4628,7 @@
         <p:spPr>
           <a:xfrm>
             <a:off x="72000" y="1677600"/>
-            <a:ext cx="9896400" cy="841680"/>
+            <a:ext cx="9896040" cy="841320"/>
           </a:xfrm>
           <a:prstGeom prst="rect">
             <a:avLst/>
@@ -5458,7 +4702,7 @@
         <p:spPr>
           <a:xfrm>
             <a:off x="0" y="2594880"/>
-            <a:ext cx="5036400" cy="566280"/>
+            <a:ext cx="5036040" cy="565920"/>
           </a:xfrm>
           <a:prstGeom prst="rect">
             <a:avLst/>
@@ -5542,7 +4786,7 @@
         <p:spPr>
           <a:xfrm>
             <a:off x="0" y="4483080"/>
-            <a:ext cx="10034280" cy="1003320"/>
+            <a:ext cx="10033920" cy="1002960"/>
           </a:xfrm>
           <a:prstGeom prst="rect">
             <a:avLst/>
@@ -5616,7 +4860,7 @@
         <p:spPr>
           <a:xfrm>
             <a:off x="60480" y="3081600"/>
-            <a:ext cx="10195920" cy="841680"/>
+            <a:ext cx="10195560" cy="841320"/>
           </a:xfrm>
           <a:prstGeom prst="rect">
             <a:avLst/>
@@ -5690,7 +4934,7 @@
         <p:spPr>
           <a:xfrm>
             <a:off x="0" y="3996000"/>
-            <a:ext cx="3776400" cy="489240"/>
+            <a:ext cx="3776040" cy="488880"/>
           </a:xfrm>
           <a:prstGeom prst="rect">
             <a:avLst/>
@@ -5770,13 +5014,13 @@
       <p:sp>
         <p:nvSpPr>
           <p:cNvPr id="127" name="PlaceHolder 5"/>
-          <p:cNvSpPr txBox="1"/>
+          <p:cNvSpPr/>
           <p:nvPr/>
         </p:nvSpPr>
         <p:spPr>
           <a:xfrm>
             <a:off x="324000" y="1080000"/>
-            <a:ext cx="2877840" cy="3600000"/>
+            <a:ext cx="2877480" cy="3599640"/>
           </a:xfrm>
           <a:prstGeom prst="rect">
             <a:avLst/>
@@ -5795,6 +5039,12 @@
             <a:bevel/>
           </a:ln>
         </p:spPr>
+        <p:style>
+          <a:lnRef idx="0"/>
+          <a:fillRef idx="0"/>
+          <a:effectRef idx="0"/>
+          <a:fontRef idx="minor"/>
+        </p:style>
         <p:txBody>
           <a:bodyPr numCol="1" spcCol="0" lIns="14400" rIns="14400" tIns="14400" bIns="14400" anchor="t">
             <a:normAutofit/>
@@ -5802,14 +5052,8 @@
           <a:p>
             <a:pPr>
               <a:lnSpc>
-                <a:spcPct val="100000"/>
-              </a:lnSpc>
-              <a:spcBef>
-                <a:spcPts val="850"/>
-              </a:spcBef>
-              <a:spcAft>
-                <a:spcPts val="567"/>
-              </a:spcAft>
+                <a:spcPct val="150000"/>
+              </a:lnSpc>
               <a:tabLst>
                 <a:tab algn="l" pos="0"/>
               </a:tabLst>
@@ -5829,19 +5073,14 @@
                 <a:srgbClr val="000000"/>
               </a:solidFill>
               <a:latin typeface="Arial"/>
+              <a:ea typeface="Noto Sans CJK SC"/>
             </a:endParaRPr>
           </a:p>
           <a:p>
             <a:pPr>
               <a:lnSpc>
-                <a:spcPct val="100000"/>
-              </a:lnSpc>
-              <a:spcBef>
-                <a:spcPts val="850"/>
-              </a:spcBef>
-              <a:spcAft>
-                <a:spcPts val="567"/>
-              </a:spcAft>
+                <a:spcPct val="150000"/>
+              </a:lnSpc>
               <a:tabLst>
                 <a:tab algn="l" pos="0"/>
               </a:tabLst>
@@ -5864,66 +5103,21 @@
                 <a:latin typeface="Roboto"/>
                 <a:ea typeface="Noto Sans CJK SC"/>
               </a:rPr>
-              <a:t>This cluster represents older, potentially </a:t>
-            </a:r>
-            <a:r>
-              <a:rPr b="0" lang="en-IN" sz="1100" spc="-1" strike="noStrike">
-                <a:solidFill>
-                  <a:srgbClr val="000000"/>
-                </a:solidFill>
-                <a:latin typeface="Roboto"/>
-                <a:ea typeface="Noto Sans CJK SC"/>
-              </a:rPr>
-              <a:t>higher-risk customers with more expensive </a:t>
-            </a:r>
-            <a:r>
-              <a:rPr b="0" lang="en-IN" sz="1100" spc="-1" strike="noStrike">
-                <a:solidFill>
-                  <a:srgbClr val="000000"/>
-                </a:solidFill>
-                <a:latin typeface="Roboto"/>
-                <a:ea typeface="Noto Sans CJK SC"/>
-              </a:rPr>
-              <a:t>claims. They may benefit from </a:t>
-            </a:r>
-            <a:r>
-              <a:rPr b="0" lang="en-IN" sz="1100" spc="-1" strike="noStrike">
-                <a:solidFill>
-                  <a:srgbClr val="000000"/>
-                </a:solidFill>
-                <a:latin typeface="Roboto"/>
-                <a:ea typeface="Noto Sans CJK SC"/>
-              </a:rPr>
-              <a:t>comprehensive coverage options and risk </a:t>
-            </a:r>
-            <a:r>
-              <a:rPr b="0" lang="en-IN" sz="1100" spc="-1" strike="noStrike">
-                <a:solidFill>
-                  <a:srgbClr val="000000"/>
-                </a:solidFill>
-                <a:latin typeface="Roboto"/>
-                <a:ea typeface="Noto Sans CJK SC"/>
-              </a:rPr>
-              <a:t>mitigation services.</a:t>
+              <a:t>This cluster represents older, potentially higher-risk customers with more expensive claims. They may benefit from comprehensive coverage options and risk mitigation services.</a:t>
             </a:r>
             <a:endParaRPr b="0" lang="en-IN" sz="1100" spc="-1" strike="noStrike">
               <a:solidFill>
                 <a:srgbClr val="000000"/>
               </a:solidFill>
               <a:latin typeface="Arial"/>
+              <a:ea typeface="Noto Sans CJK SC"/>
             </a:endParaRPr>
           </a:p>
           <a:p>
             <a:pPr marL="432000" indent="-324000">
               <a:lnSpc>
-                <a:spcPct val="100000"/>
-              </a:lnSpc>
-              <a:spcBef>
-                <a:spcPts val="850"/>
-              </a:spcBef>
-              <a:spcAft>
-                <a:spcPts val="567"/>
-              </a:spcAft>
+                <a:spcPct val="150000"/>
+              </a:lnSpc>
               <a:buClr>
                 <a:srgbClr val="000000"/>
               </a:buClr>
@@ -5948,19 +5142,14 @@
                 <a:srgbClr val="000000"/>
               </a:solidFill>
               <a:latin typeface="Arial"/>
+              <a:ea typeface="Noto Sans CJK SC"/>
             </a:endParaRPr>
           </a:p>
           <a:p>
             <a:pPr marL="432000" indent="-324000">
               <a:lnSpc>
-                <a:spcPct val="100000"/>
-              </a:lnSpc>
-              <a:spcBef>
-                <a:spcPts val="850"/>
-              </a:spcBef>
-              <a:spcAft>
-                <a:spcPts val="567"/>
-              </a:spcAft>
+                <a:spcPct val="150000"/>
+              </a:lnSpc>
               <a:buClr>
                 <a:srgbClr val="000000"/>
               </a:buClr>
@@ -5978,36 +5167,21 @@
                 <a:latin typeface="Roboto"/>
                 <a:ea typeface="Noto Sans CJK SC"/>
               </a:rPr>
-              <a:t>Highest total claim amount and </a:t>
-            </a:r>
-            <a:r>
-              <a:rPr b="0" lang="en-IN" sz="1100" spc="-1" strike="noStrike">
-                <a:solidFill>
-                  <a:srgbClr val="000000"/>
-                </a:solidFill>
-                <a:latin typeface="Roboto"/>
-                <a:ea typeface="Noto Sans CJK SC"/>
-              </a:rPr>
-              <a:t>vehicle claim amount</a:t>
+              <a:t>Highest total claim amount and vehicle claim amount</a:t>
             </a:r>
             <a:endParaRPr b="0" lang="en-IN" sz="1100" spc="-1" strike="noStrike">
               <a:solidFill>
                 <a:srgbClr val="000000"/>
               </a:solidFill>
               <a:latin typeface="Arial"/>
+              <a:ea typeface="Noto Sans CJK SC"/>
             </a:endParaRPr>
           </a:p>
           <a:p>
             <a:pPr marL="432000" indent="-324000">
               <a:lnSpc>
-                <a:spcPct val="100000"/>
-              </a:lnSpc>
-              <a:spcBef>
-                <a:spcPts val="850"/>
-              </a:spcBef>
-              <a:spcAft>
-                <a:spcPts val="567"/>
-              </a:spcAft>
+                <a:spcPct val="150000"/>
+              </a:lnSpc>
               <a:buClr>
                 <a:srgbClr val="000000"/>
               </a:buClr>
@@ -6032,19 +5206,14 @@
                 <a:srgbClr val="000000"/>
               </a:solidFill>
               <a:latin typeface="Arial"/>
+              <a:ea typeface="Noto Sans CJK SC"/>
             </a:endParaRPr>
           </a:p>
           <a:p>
             <a:pPr marL="432000" indent="-324000">
               <a:lnSpc>
-                <a:spcPct val="100000"/>
-              </a:lnSpc>
-              <a:spcBef>
-                <a:spcPts val="850"/>
-              </a:spcBef>
-              <a:spcAft>
-                <a:spcPts val="567"/>
-              </a:spcAft>
+                <a:spcPct val="150000"/>
+              </a:lnSpc>
               <a:buClr>
                 <a:srgbClr val="000000"/>
               </a:buClr>
@@ -6069,19 +5238,14 @@
                 <a:srgbClr val="000000"/>
               </a:solidFill>
               <a:latin typeface="Arial"/>
+              <a:ea typeface="Noto Sans CJK SC"/>
             </a:endParaRPr>
           </a:p>
           <a:p>
             <a:pPr marL="432000" indent="-324000">
               <a:lnSpc>
-                <a:spcPct val="100000"/>
-              </a:lnSpc>
-              <a:spcBef>
-                <a:spcPts val="850"/>
-              </a:spcBef>
-              <a:spcAft>
-                <a:spcPts val="567"/>
-              </a:spcAft>
+                <a:spcPct val="150000"/>
+              </a:lnSpc>
               <a:buClr>
                 <a:srgbClr val="000000"/>
               </a:buClr>
@@ -6106,19 +5270,14 @@
                 <a:srgbClr val="000000"/>
               </a:solidFill>
               <a:latin typeface="Arial"/>
+              <a:ea typeface="Noto Sans CJK SC"/>
             </a:endParaRPr>
           </a:p>
           <a:p>
             <a:pPr marL="432000" indent="-324000">
               <a:lnSpc>
-                <a:spcPct val="100000"/>
-              </a:lnSpc>
-              <a:spcBef>
-                <a:spcPts val="850"/>
-              </a:spcBef>
-              <a:spcAft>
-                <a:spcPts val="567"/>
-              </a:spcAft>
+                <a:spcPct val="150000"/>
+              </a:lnSpc>
               <a:buClr>
                 <a:srgbClr val="000000"/>
               </a:buClr>
@@ -6143,6 +5302,7 @@
                 <a:srgbClr val="000000"/>
               </a:solidFill>
               <a:latin typeface="Arial"/>
+              <a:ea typeface="Noto Sans CJK SC"/>
             </a:endParaRPr>
           </a:p>
         </p:txBody>
@@ -6150,13 +5310,13 @@
       <p:sp>
         <p:nvSpPr>
           <p:cNvPr id="128" name="PlaceHolder 8"/>
-          <p:cNvSpPr txBox="1"/>
+          <p:cNvSpPr/>
           <p:nvPr/>
         </p:nvSpPr>
         <p:spPr>
           <a:xfrm>
             <a:off x="3600000" y="687600"/>
-            <a:ext cx="2879640" cy="4676400"/>
+            <a:ext cx="2879280" cy="4676040"/>
           </a:xfrm>
           <a:prstGeom prst="rect">
             <a:avLst/>
@@ -6175,21 +5335,21 @@
             <a:bevel/>
           </a:ln>
         </p:spPr>
+        <p:style>
+          <a:lnRef idx="0"/>
+          <a:fillRef idx="0"/>
+          <a:effectRef idx="0"/>
+          <a:fontRef idx="minor"/>
+        </p:style>
         <p:txBody>
           <a:bodyPr numCol="1" spcCol="0" lIns="14760" rIns="14760" tIns="14760" bIns="14760" anchor="t">
-            <a:normAutofit fontScale="78333"/>
+            <a:normAutofit fontScale="72222"/>
           </a:bodyPr>
           <a:p>
             <a:pPr>
               <a:lnSpc>
-                <a:spcPct val="100000"/>
-              </a:lnSpc>
-              <a:spcBef>
-                <a:spcPts val="850"/>
-              </a:spcBef>
-              <a:spcAft>
-                <a:spcPts val="567"/>
-              </a:spcAft>
+                <a:spcPct val="150000"/>
+              </a:lnSpc>
               <a:tabLst>
                 <a:tab algn="l" pos="0"/>
               </a:tabLst>
@@ -6208,6 +5368,7 @@
                 <a:srgbClr val="000000"/>
               </a:solidFill>
               <a:latin typeface="Arial"/>
+              <a:ea typeface="Noto Sans CJK SC"/>
             </a:endParaRPr>
           </a:p>
           <a:p>
@@ -6226,40 +5387,21 @@
               </a:tabLst>
             </a:pPr>
             <a:r>
-              <a:rPr b="0" lang="en-IN" sz="1200" spc="-1" strike="noStrike">
+              <a:rPr b="0" lang="en-IN" sz="1300" spc="-1" strike="noStrike">
                 <a:solidFill>
                   <a:srgbClr val="000000"/>
                 </a:solidFill>
                 <a:latin typeface="Roboto"/>
                 <a:ea typeface="Noto Sans CJK SC"/>
               </a:rPr>
-              <a:t>Focus on comprehensive </a:t>
-            </a:r>
-            <a:r>
-              <a:rPr b="0" lang="en-IN" sz="1200" spc="-1" strike="noStrike">
-                <a:solidFill>
-                  <a:srgbClr val="000000"/>
-                </a:solidFill>
-                <a:latin typeface="Roboto"/>
-                <a:ea typeface="Noto Sans CJK SC"/>
-              </a:rPr>
-              <a:t>protection and expert risk </a:t>
-            </a:r>
-            <a:r>
-              <a:rPr b="0" lang="en-IN" sz="1200" spc="-1" strike="noStrike">
-                <a:solidFill>
-                  <a:srgbClr val="000000"/>
-                </a:solidFill>
-                <a:latin typeface="Roboto"/>
-                <a:ea typeface="Noto Sans CJK SC"/>
-              </a:rPr>
-              <a:t>management</a:t>
-            </a:r>
-            <a:endParaRPr b="0" lang="en-IN" sz="1200" spc="-1" strike="noStrike">
-              <a:solidFill>
-                <a:srgbClr val="000000"/>
-              </a:solidFill>
-              <a:latin typeface="Arial"/>
+              <a:t>Focus on comprehensive protection and expert risk management</a:t>
+            </a:r>
+            <a:endParaRPr b="0" lang="en-IN" sz="1300" spc="-1" strike="noStrike">
+              <a:solidFill>
+                <a:srgbClr val="000000"/>
+              </a:solidFill>
+              <a:latin typeface="Arial"/>
+              <a:ea typeface="Noto Sans CJK SC"/>
             </a:endParaRPr>
           </a:p>
           <a:p>
@@ -6278,30 +5420,21 @@
               </a:tabLst>
             </a:pPr>
             <a:r>
-              <a:rPr b="0" lang="en-IN" sz="1200" spc="-1" strike="noStrike">
+              <a:rPr b="0" lang="en-IN" sz="1300" spc="-1" strike="noStrike">
                 <a:solidFill>
                   <a:srgbClr val="000000"/>
                 </a:solidFill>
                 <a:latin typeface="Roboto"/>
                 <a:ea typeface="Noto Sans CJK SC"/>
               </a:rPr>
-              <a:t>Emphasize personalized service </a:t>
-            </a:r>
-            <a:r>
-              <a:rPr b="0" lang="en-IN" sz="1200" spc="-1" strike="noStrike">
-                <a:solidFill>
-                  <a:srgbClr val="000000"/>
-                </a:solidFill>
-                <a:latin typeface="Roboto"/>
-                <a:ea typeface="Noto Sans CJK SC"/>
-              </a:rPr>
-              <a:t>and high-value customer benefits</a:t>
-            </a:r>
-            <a:endParaRPr b="0" lang="en-IN" sz="1200" spc="-1" strike="noStrike">
-              <a:solidFill>
-                <a:srgbClr val="000000"/>
-              </a:solidFill>
-              <a:latin typeface="Arial"/>
+              <a:t>Emphasize personalized service and high-value customer benefits</a:t>
+            </a:r>
+            <a:endParaRPr b="0" lang="en-IN" sz="1300" spc="-1" strike="noStrike">
+              <a:solidFill>
+                <a:srgbClr val="000000"/>
+              </a:solidFill>
+              <a:latin typeface="Arial"/>
+              <a:ea typeface="Noto Sans CJK SC"/>
             </a:endParaRPr>
           </a:p>
           <a:p>
@@ -6331,23 +5464,14 @@
                 <a:latin typeface="Roboto Condensed"/>
                 <a:ea typeface="Noto Sans CJK SC"/>
               </a:rPr>
-              <a:t>Product Development </a:t>
-            </a:r>
-            <a:r>
-              <a:rPr b="1" lang="en-IN" sz="1600" spc="-1" strike="noStrike">
-                <a:solidFill>
-                  <a:srgbClr val="000000"/>
-                </a:solidFill>
-                <a:latin typeface="Roboto Condensed"/>
-                <a:ea typeface="Noto Sans CJK SC"/>
-              </a:rPr>
-              <a:t>Recommendations</a:t>
+              <a:t>Product Development Recommendations</a:t>
             </a:r>
             <a:endParaRPr b="0" lang="en-IN" sz="1600" spc="-1" strike="noStrike">
               <a:solidFill>
                 <a:srgbClr val="000000"/>
               </a:solidFill>
               <a:latin typeface="Arial"/>
+              <a:ea typeface="Noto Sans CJK SC"/>
             </a:endParaRPr>
           </a:p>
           <a:p>
@@ -6366,30 +5490,21 @@
               </a:tabLst>
             </a:pPr>
             <a:r>
-              <a:rPr b="0" lang="en-IN" sz="1200" spc="-1" strike="noStrike">
+              <a:rPr b="0" lang="en-IN" sz="1300" spc="-1" strike="noStrike">
                 <a:solidFill>
                   <a:srgbClr val="000000"/>
                 </a:solidFill>
                 <a:latin typeface="Roboto"/>
                 <a:ea typeface="Noto Sans CJK SC"/>
               </a:rPr>
-              <a:t>Premium packages with extensive </a:t>
-            </a:r>
-            <a:r>
-              <a:rPr b="0" lang="en-IN" sz="1200" spc="-1" strike="noStrike">
-                <a:solidFill>
-                  <a:srgbClr val="000000"/>
-                </a:solidFill>
-                <a:latin typeface="Roboto"/>
-                <a:ea typeface="Noto Sans CJK SC"/>
-              </a:rPr>
-              <a:t>coverage and concierge services</a:t>
-            </a:r>
-            <a:endParaRPr b="0" lang="en-IN" sz="1200" spc="-1" strike="noStrike">
-              <a:solidFill>
-                <a:srgbClr val="000000"/>
-              </a:solidFill>
-              <a:latin typeface="Arial"/>
+              <a:t>Premium packages with extensive coverage and concierge services</a:t>
+            </a:r>
+            <a:endParaRPr b="0" lang="en-IN" sz="1300" spc="-1" strike="noStrike">
+              <a:solidFill>
+                <a:srgbClr val="000000"/>
+              </a:solidFill>
+              <a:latin typeface="Arial"/>
+              <a:ea typeface="Noto Sans CJK SC"/>
             </a:endParaRPr>
           </a:p>
           <a:p>
@@ -6408,30 +5523,21 @@
               </a:tabLst>
             </a:pPr>
             <a:r>
-              <a:rPr b="0" lang="en-IN" sz="1200" spc="-1" strike="noStrike">
+              <a:rPr b="0" lang="en-IN" sz="1300" spc="-1" strike="noStrike">
                 <a:solidFill>
                   <a:srgbClr val="000000"/>
                 </a:solidFill>
                 <a:latin typeface="Roboto"/>
                 <a:ea typeface="Noto Sans CJK SC"/>
               </a:rPr>
-              <a:t>Specialized policies for high-value </a:t>
-            </a:r>
-            <a:r>
-              <a:rPr b="0" lang="en-IN" sz="1200" spc="-1" strike="noStrike">
-                <a:solidFill>
-                  <a:srgbClr val="000000"/>
-                </a:solidFill>
-                <a:latin typeface="Roboto"/>
-                <a:ea typeface="Noto Sans CJK SC"/>
-              </a:rPr>
-              <a:t>vehicles and assets </a:t>
-            </a:r>
-            <a:endParaRPr b="0" lang="en-IN" sz="1200" spc="-1" strike="noStrike">
-              <a:solidFill>
-                <a:srgbClr val="000000"/>
-              </a:solidFill>
-              <a:latin typeface="Arial"/>
+              <a:t>Specialized policies for high-value vehicles and assets </a:t>
+            </a:r>
+            <a:endParaRPr b="0" lang="en-IN" sz="1300" spc="-1" strike="noStrike">
+              <a:solidFill>
+                <a:srgbClr val="000000"/>
+              </a:solidFill>
+              <a:latin typeface="Arial"/>
+              <a:ea typeface="Noto Sans CJK SC"/>
             </a:endParaRPr>
           </a:p>
           <a:p>
@@ -6468,6 +5574,7 @@
                 <a:srgbClr val="000000"/>
               </a:solidFill>
               <a:latin typeface="Arial"/>
+              <a:ea typeface="Noto Sans CJK SC"/>
             </a:endParaRPr>
           </a:p>
           <a:p>
@@ -6486,30 +5593,21 @@
               </a:tabLst>
             </a:pPr>
             <a:r>
-              <a:rPr b="0" lang="en-IN" sz="1200" spc="-1" strike="noStrike">
+              <a:rPr b="0" lang="en-IN" sz="1300" spc="-1" strike="noStrike">
                 <a:solidFill>
                   <a:srgbClr val="000000"/>
                 </a:solidFill>
                 <a:latin typeface="Roboto"/>
                 <a:ea typeface="Noto Sans CJK SC"/>
               </a:rPr>
-              <a:t>High-value home insurance and </a:t>
-            </a:r>
-            <a:r>
-              <a:rPr b="0" lang="en-IN" sz="1200" spc="-1" strike="noStrike">
-                <a:solidFill>
-                  <a:srgbClr val="000000"/>
-                </a:solidFill>
-                <a:latin typeface="Roboto"/>
-                <a:ea typeface="Noto Sans CJK SC"/>
-              </a:rPr>
-              <a:t>umbrella policies</a:t>
-            </a:r>
-            <a:endParaRPr b="0" lang="en-IN" sz="1200" spc="-1" strike="noStrike">
-              <a:solidFill>
-                <a:srgbClr val="000000"/>
-              </a:solidFill>
-              <a:latin typeface="Arial"/>
+              <a:t>High-value home insurance and umbrella policies</a:t>
+            </a:r>
+            <a:endParaRPr b="0" lang="en-IN" sz="1300" spc="-1" strike="noStrike">
+              <a:solidFill>
+                <a:srgbClr val="000000"/>
+              </a:solidFill>
+              <a:latin typeface="Arial"/>
+              <a:ea typeface="Noto Sans CJK SC"/>
             </a:endParaRPr>
           </a:p>
           <a:p>
@@ -6528,30 +5626,21 @@
               </a:tabLst>
             </a:pPr>
             <a:r>
-              <a:rPr b="0" lang="en-IN" sz="1200" spc="-1" strike="noStrike">
+              <a:rPr b="0" lang="en-IN" sz="1300" spc="-1" strike="noStrike">
                 <a:solidFill>
                   <a:srgbClr val="000000"/>
                 </a:solidFill>
                 <a:latin typeface="Roboto"/>
                 <a:ea typeface="Noto Sans CJK SC"/>
               </a:rPr>
-              <a:t>Executive life insurance and </a:t>
-            </a:r>
-            <a:r>
-              <a:rPr b="0" lang="en-IN" sz="1200" spc="-1" strike="noStrike">
-                <a:solidFill>
-                  <a:srgbClr val="000000"/>
-                </a:solidFill>
-                <a:latin typeface="Roboto"/>
-                <a:ea typeface="Noto Sans CJK SC"/>
-              </a:rPr>
-              <a:t>retirement planning services</a:t>
-            </a:r>
-            <a:endParaRPr b="0" lang="en-IN" sz="1200" spc="-1" strike="noStrike">
-              <a:solidFill>
-                <a:srgbClr val="000000"/>
-              </a:solidFill>
-              <a:latin typeface="Arial"/>
+              <a:t>Executive life insurance and retirement planning services</a:t>
+            </a:r>
+            <a:endParaRPr b="0" lang="en-IN" sz="1300" spc="-1" strike="noStrike">
+              <a:solidFill>
+                <a:srgbClr val="000000"/>
+              </a:solidFill>
+              <a:latin typeface="Arial"/>
+              <a:ea typeface="Noto Sans CJK SC"/>
             </a:endParaRPr>
           </a:p>
           <a:p>
@@ -6559,9 +5648,6 @@
               <a:lnSpc>
                 <a:spcPct val="150000"/>
               </a:lnSpc>
-              <a:spcBef>
-                <a:spcPts val="281"/>
-              </a:spcBef>
               <a:tabLst>
                 <a:tab algn="l" pos="0"/>
               </a:tabLst>
@@ -6591,6 +5677,7 @@
                 <a:srgbClr val="000000"/>
               </a:solidFill>
               <a:latin typeface="Arial"/>
+              <a:ea typeface="Noto Sans CJK SC"/>
             </a:endParaRPr>
           </a:p>
           <a:p>
@@ -6609,30 +5696,21 @@
               </a:tabLst>
             </a:pPr>
             <a:r>
-              <a:rPr b="0" lang="en-IN" sz="1200" spc="-1" strike="noStrike">
+              <a:rPr b="0" lang="en-IN" sz="1300" spc="-1" strike="noStrike">
                 <a:solidFill>
                   <a:srgbClr val="000000"/>
                 </a:solidFill>
                 <a:latin typeface="Roboto"/>
                 <a:ea typeface="Noto Sans CJK SC"/>
               </a:rPr>
-              <a:t>Personalized risk assessments and </a:t>
-            </a:r>
-            <a:r>
-              <a:rPr b="0" lang="en-IN" sz="1200" spc="-1" strike="noStrike">
-                <a:solidFill>
-                  <a:srgbClr val="000000"/>
-                </a:solidFill>
-                <a:latin typeface="Roboto"/>
-                <a:ea typeface="Noto Sans CJK SC"/>
-              </a:rPr>
-              <a:t>quarterly coverage reviews</a:t>
-            </a:r>
-            <a:endParaRPr b="0" lang="en-IN" sz="1200" spc="-1" strike="noStrike">
-              <a:solidFill>
-                <a:srgbClr val="000000"/>
-              </a:solidFill>
-              <a:latin typeface="Arial"/>
+              <a:t>Personalized risk assessments and quarterly coverage reviews</a:t>
+            </a:r>
+            <a:endParaRPr b="0" lang="en-IN" sz="1300" spc="-1" strike="noStrike">
+              <a:solidFill>
+                <a:srgbClr val="000000"/>
+              </a:solidFill>
+              <a:latin typeface="Arial"/>
+              <a:ea typeface="Noto Sans CJK SC"/>
             </a:endParaRPr>
           </a:p>
           <a:p>
@@ -6651,14 +5729,14 @@
               </a:tabLst>
             </a:pPr>
             <a:r>
-              <a:rPr b="0" lang="en-IN" sz="1200" spc="-1" strike="noStrike">
+              <a:rPr b="0" lang="en-IN" sz="1300" spc="-1" strike="noStrike">
                 <a:solidFill>
                   <a:srgbClr val="000000"/>
                 </a:solidFill>
                 <a:latin typeface="Roboto"/>
                 <a:ea typeface="Noto Sans CJK SC"/>
               </a:rPr>
-              <a:t>Exclusive events and workshops on </a:t>
+              <a:t>Exclusive events and workshops on wealth</a:t>
             </a:r>
             <a:r>
               <a:rPr b="0" lang="en-IN" sz="1200" spc="-1" strike="noStrike">
@@ -6668,13 +5746,14 @@
                 <a:latin typeface="Roboto"/>
                 <a:ea typeface="Noto Sans CJK SC"/>
               </a:rPr>
-              <a:t>wealth protection</a:t>
+              <a:t> protection</a:t>
             </a:r>
             <a:endParaRPr b="0" lang="en-IN" sz="1200" spc="-1" strike="noStrike">
               <a:solidFill>
                 <a:srgbClr val="000000"/>
               </a:solidFill>
               <a:latin typeface="Arial"/>
+              <a:ea typeface="Noto Sans CJK SC"/>
             </a:endParaRPr>
           </a:p>
         </p:txBody>
@@ -6682,13 +5761,13 @@
       <p:sp>
         <p:nvSpPr>
           <p:cNvPr id="129" name="PlaceHolder 9"/>
-          <p:cNvSpPr txBox="1"/>
+          <p:cNvSpPr/>
           <p:nvPr/>
         </p:nvSpPr>
         <p:spPr>
           <a:xfrm>
             <a:off x="6516000" y="29160"/>
-            <a:ext cx="3204000" cy="540000"/>
+            <a:ext cx="3203640" cy="539640"/>
           </a:xfrm>
           <a:prstGeom prst="rect">
             <a:avLst/>
@@ -6698,6 +5777,12 @@
             <a:noFill/>
           </a:ln>
         </p:spPr>
+        <p:style>
+          <a:lnRef idx="0"/>
+          <a:fillRef idx="0"/>
+          <a:effectRef idx="0"/>
+          <a:fontRef idx="minor"/>
+        </p:style>
         <p:txBody>
           <a:bodyPr lIns="0" rIns="0" tIns="0" bIns="0" anchor="ctr">
             <a:noAutofit/>
@@ -6741,13 +5826,13 @@
       <p:sp>
         <p:nvSpPr>
           <p:cNvPr id="130" name="PlaceHolder 10"/>
-          <p:cNvSpPr txBox="1"/>
+          <p:cNvSpPr/>
           <p:nvPr/>
         </p:nvSpPr>
         <p:spPr>
           <a:xfrm>
             <a:off x="3600000" y="144000"/>
-            <a:ext cx="2880000" cy="396000"/>
+            <a:ext cx="2879640" cy="395640"/>
           </a:xfrm>
           <a:prstGeom prst="rect">
             <a:avLst/>
@@ -6757,6 +5842,12 @@
             <a:noFill/>
           </a:ln>
         </p:spPr>
+        <p:style>
+          <a:lnRef idx="0"/>
+          <a:fillRef idx="0"/>
+          <a:effectRef idx="0"/>
+          <a:fontRef idx="minor"/>
+        </p:style>
         <p:txBody>
           <a:bodyPr lIns="0" rIns="0" tIns="0" bIns="0" anchor="t">
             <a:noAutofit/>
@@ -6791,13 +5882,13 @@
       <p:sp>
         <p:nvSpPr>
           <p:cNvPr id="131" name="PlaceHolder 11"/>
-          <p:cNvSpPr txBox="1"/>
+          <p:cNvSpPr/>
           <p:nvPr/>
         </p:nvSpPr>
         <p:spPr>
           <a:xfrm>
             <a:off x="360000" y="36000"/>
-            <a:ext cx="2880000" cy="540000"/>
+            <a:ext cx="2879640" cy="539640"/>
           </a:xfrm>
           <a:prstGeom prst="rect">
             <a:avLst/>
@@ -6807,6 +5898,12 @@
             <a:noFill/>
           </a:ln>
         </p:spPr>
+        <p:style>
+          <a:lnRef idx="0"/>
+          <a:fillRef idx="0"/>
+          <a:effectRef idx="0"/>
+          <a:fontRef idx="minor"/>
+        </p:style>
         <p:txBody>
           <a:bodyPr lIns="0" rIns="0" tIns="0" bIns="0" anchor="ctr">
             <a:noAutofit/>
@@ -6841,13 +5938,13 @@
       <p:sp>
         <p:nvSpPr>
           <p:cNvPr id="132" name="PlaceHolder 12"/>
-          <p:cNvSpPr txBox="1"/>
+          <p:cNvSpPr/>
           <p:nvPr/>
         </p:nvSpPr>
         <p:spPr>
           <a:xfrm>
             <a:off x="6840000" y="1080000"/>
-            <a:ext cx="2879640" cy="3600000"/>
+            <a:ext cx="2879280" cy="3599640"/>
           </a:xfrm>
           <a:prstGeom prst="rect">
             <a:avLst/>
@@ -6866,21 +5963,21 @@
             <a:bevel/>
           </a:ln>
         </p:spPr>
+        <p:style>
+          <a:lnRef idx="0"/>
+          <a:fillRef idx="0"/>
+          <a:effectRef idx="0"/>
+          <a:fontRef idx="minor"/>
+        </p:style>
         <p:txBody>
           <a:bodyPr numCol="1" spcCol="0" lIns="14760" rIns="14760" tIns="14760" bIns="14760" anchor="t">
-            <a:normAutofit/>
+            <a:normAutofit fontScale="96666"/>
           </a:bodyPr>
           <a:p>
             <a:pPr algn="ctr">
               <a:lnSpc>
-                <a:spcPct val="100000"/>
-              </a:lnSpc>
-              <a:spcBef>
-                <a:spcPts val="850"/>
-              </a:spcBef>
-              <a:spcAft>
-                <a:spcPts val="567"/>
-              </a:spcAft>
+                <a:spcPct val="150000"/>
+              </a:lnSpc>
               <a:tabLst>
                 <a:tab algn="l" pos="0"/>
               </a:tabLst>
@@ -6899,19 +5996,14 @@
                 <a:srgbClr val="000000"/>
               </a:solidFill>
               <a:latin typeface="Arial"/>
+              <a:ea typeface="Noto Sans CJK SC"/>
             </a:endParaRPr>
           </a:p>
           <a:p>
             <a:pPr algn="just">
               <a:lnSpc>
-                <a:spcPct val="100000"/>
-              </a:lnSpc>
-              <a:spcBef>
-                <a:spcPts val="850"/>
-              </a:spcBef>
-              <a:spcAft>
-                <a:spcPts val="567"/>
-              </a:spcAft>
+                <a:spcPct val="150000"/>
+              </a:lnSpc>
               <a:tabLst>
                 <a:tab algn="l" pos="0"/>
               </a:tabLst>
@@ -6933,43 +6025,21 @@
                 <a:latin typeface="Roboto"/>
                 <a:ea typeface="Noto Sans CJK SC"/>
               </a:rPr>
-              <a:t>Refine marketing messages </a:t>
-            </a:r>
-            <a:r>
-              <a:rPr b="0" lang="en-IN" sz="1200" spc="-1" strike="noStrike">
-                <a:solidFill>
-                  <a:srgbClr val="000000"/>
-                </a:solidFill>
-                <a:latin typeface="Roboto"/>
-                <a:ea typeface="Noto Sans CJK SC"/>
-              </a:rPr>
-              <a:t>and channels based on the customer </a:t>
-            </a:r>
-            <a:r>
-              <a:rPr b="0" lang="en-IN" sz="1200" spc="-1" strike="noStrike">
-                <a:solidFill>
-                  <a:srgbClr val="000000"/>
-                </a:solidFill>
-                <a:latin typeface="Roboto"/>
-                <a:ea typeface="Noto Sans CJK SC"/>
-              </a:rPr>
-              <a:t>segment and implications.</a:t>
+              <a:t>Refine marketing messages and channels based on the customer segment and implications.</a:t>
             </a:r>
             <a:endParaRPr b="0" lang="en-IN" sz="1200" spc="-1" strike="noStrike">
               <a:solidFill>
                 <a:srgbClr val="000000"/>
               </a:solidFill>
               <a:latin typeface="Arial"/>
+              <a:ea typeface="Noto Sans CJK SC"/>
             </a:endParaRPr>
           </a:p>
           <a:p>
             <a:pPr algn="just">
-              <a:spcBef>
-                <a:spcPts val="850"/>
-              </a:spcBef>
-              <a:spcAft>
-                <a:spcPts val="567"/>
-              </a:spcAft>
+              <a:lnSpc>
+                <a:spcPct val="150000"/>
+              </a:lnSpc>
               <a:tabLst>
                 <a:tab algn="l" pos="0"/>
               </a:tabLst>
@@ -6980,6 +6050,7 @@
                   <a:srgbClr val="000000"/>
                 </a:solidFill>
                 <a:latin typeface="Roboto Condensed"/>
+                <a:ea typeface="Noto Sans CJK SC"/>
               </a:rPr>
               <a:t>Phase 2: </a:t>
             </a:r>
@@ -6991,33 +6062,21 @@
                 <a:latin typeface="Roboto"/>
                 <a:ea typeface="Noto Sans CJK SC"/>
               </a:rPr>
-              <a:t>Develop and launch tailored </a:t>
-            </a:r>
-            <a:r>
-              <a:rPr b="0" lang="en-IN" sz="1200" spc="-1" strike="noStrike">
-                <a:solidFill>
-                  <a:srgbClr val="000000"/>
-                </a:solidFill>
-                <a:latin typeface="Roboto"/>
-                <a:ea typeface="Noto Sans CJK SC"/>
-              </a:rPr>
-              <a:t>products.</a:t>
+              <a:t>Develop and launch tailored products.</a:t>
             </a:r>
             <a:endParaRPr b="0" lang="en-IN" sz="1200" spc="-1" strike="noStrike">
               <a:solidFill>
                 <a:srgbClr val="000000"/>
               </a:solidFill>
               <a:latin typeface="Arial"/>
+              <a:ea typeface="Noto Sans CJK SC"/>
             </a:endParaRPr>
           </a:p>
           <a:p>
             <a:pPr algn="just">
-              <a:spcBef>
-                <a:spcPts val="850"/>
-              </a:spcBef>
-              <a:spcAft>
-                <a:spcPts val="567"/>
-              </a:spcAft>
+              <a:lnSpc>
+                <a:spcPct val="150000"/>
+              </a:lnSpc>
               <a:tabLst>
                 <a:tab algn="l" pos="0"/>
               </a:tabLst>
@@ -7028,6 +6087,7 @@
                   <a:srgbClr val="000000"/>
                 </a:solidFill>
                 <a:latin typeface="Roboto Condensed"/>
+                <a:ea typeface="Noto Sans CJK SC"/>
               </a:rPr>
               <a:t>Phase 3: </a:t>
             </a:r>
@@ -7039,33 +6099,21 @@
                 <a:latin typeface="Roboto"/>
                 <a:ea typeface="Noto Sans CJK SC"/>
               </a:rPr>
-              <a:t>Implement cross-selling </a:t>
-            </a:r>
-            <a:r>
-              <a:rPr b="0" lang="en-IN" sz="1200" spc="-1" strike="noStrike">
-                <a:solidFill>
-                  <a:srgbClr val="000000"/>
-                </a:solidFill>
-                <a:latin typeface="Roboto"/>
-                <a:ea typeface="Noto Sans CJK SC"/>
-              </a:rPr>
-              <a:t>strategies and loyalty programs.</a:t>
+              <a:t>Implement cross-selling strategies and loyalty programs.</a:t>
             </a:r>
             <a:endParaRPr b="0" lang="en-IN" sz="1200" spc="-1" strike="noStrike">
               <a:solidFill>
                 <a:srgbClr val="000000"/>
               </a:solidFill>
               <a:latin typeface="Arial"/>
+              <a:ea typeface="Noto Sans CJK SC"/>
             </a:endParaRPr>
           </a:p>
           <a:p>
             <a:pPr algn="just">
-              <a:spcBef>
-                <a:spcPts val="850"/>
-              </a:spcBef>
-              <a:spcAft>
-                <a:spcPts val="567"/>
-              </a:spcAft>
+              <a:lnSpc>
+                <a:spcPct val="150000"/>
+              </a:lnSpc>
               <a:tabLst>
                 <a:tab algn="l" pos="0"/>
               </a:tabLst>
@@ -7076,6 +6124,7 @@
                   <a:srgbClr val="000000"/>
                 </a:solidFill>
                 <a:latin typeface="Roboto Condensed"/>
+                <a:ea typeface="Noto Sans CJK SC"/>
               </a:rPr>
               <a:t>Phase 4:</a:t>
             </a:r>
@@ -7097,46 +6146,21 @@
                 <a:latin typeface="Roboto"/>
                 <a:ea typeface="Noto Sans CJK SC"/>
               </a:rPr>
-              <a:t>Enhance customer </a:t>
-            </a:r>
-            <a:r>
-              <a:rPr b="0" lang="en-IN" sz="1200" spc="-1" strike="noStrike">
-                <a:solidFill>
-                  <a:srgbClr val="000000"/>
-                </a:solidFill>
-                <a:latin typeface="Roboto"/>
-                <a:ea typeface="Noto Sans CJK SC"/>
-              </a:rPr>
-              <a:t>engagement platforms and personalized </a:t>
-            </a:r>
-            <a:r>
-              <a:rPr b="0" lang="en-IN" sz="1200" spc="-1" strike="noStrike">
-                <a:solidFill>
-                  <a:srgbClr val="000000"/>
-                </a:solidFill>
-                <a:latin typeface="Roboto"/>
-                <a:ea typeface="Noto Sans CJK SC"/>
-              </a:rPr>
-              <a:t>services.</a:t>
+              <a:t>Enhance customer engagement platforms and personalized services.</a:t>
             </a:r>
             <a:endParaRPr b="0" lang="en-IN" sz="1200" spc="-1" strike="noStrike">
               <a:solidFill>
                 <a:srgbClr val="000000"/>
               </a:solidFill>
               <a:latin typeface="Arial"/>
+              <a:ea typeface="Noto Sans CJK SC"/>
             </a:endParaRPr>
           </a:p>
           <a:p>
             <a:pPr>
               <a:lnSpc>
-                <a:spcPct val="100000"/>
-              </a:lnSpc>
-              <a:spcBef>
-                <a:spcPts val="850"/>
-              </a:spcBef>
-              <a:spcAft>
-                <a:spcPts val="567"/>
-              </a:spcAft>
+                <a:spcPct val="150000"/>
+              </a:lnSpc>
               <a:tabLst>
                 <a:tab algn="l" pos="0"/>
               </a:tabLst>
@@ -7146,14 +6170,24 @@
                 <a:srgbClr val="000000"/>
               </a:solidFill>
               <a:latin typeface="Arial"/>
-            </a:endParaRPr>
-          </a:p>
-          <a:p>
+              <a:ea typeface="Noto Sans CJK SC"/>
+            </a:endParaRPr>
+          </a:p>
+          <a:p>
+            <a:pPr>
+              <a:lnSpc>
+                <a:spcPct val="150000"/>
+              </a:lnSpc>
+              <a:tabLst>
+                <a:tab algn="l" pos="0"/>
+              </a:tabLst>
+            </a:pPr>
             <a:endParaRPr b="0" lang="en-IN" sz="1200" spc="-1" strike="noStrike">
               <a:solidFill>
                 <a:srgbClr val="000000"/>
               </a:solidFill>
               <a:latin typeface="Arial"/>
+              <a:ea typeface="Noto Sans CJK SC"/>
             </a:endParaRPr>
           </a:p>
         </p:txBody>
@@ -7167,7 +6201,7 @@
         <p:spPr>
           <a:xfrm>
             <a:off x="3348000" y="756000"/>
-            <a:ext cx="140400" cy="4568400"/>
+            <a:ext cx="140040" cy="4568040"/>
           </a:xfrm>
           <a:prstGeom prst="rect">
             <a:avLst/>
@@ -7200,6 +6234,11 @@
             <a:noAutofit/>
           </a:bodyPr>
           <a:p>
+            <a:pPr>
+              <a:lnSpc>
+                <a:spcPct val="100000"/>
+              </a:lnSpc>
+            </a:pPr>
             <a:endParaRPr b="1" lang="en-IN" sz="1400" spc="-1" strike="noStrike">
               <a:solidFill>
                 <a:srgbClr val="ffffff"/>
@@ -7222,7 +6261,7 @@
         <p:spPr>
           <a:xfrm>
             <a:off x="6591600" y="756000"/>
-            <a:ext cx="140400" cy="4568400"/>
+            <a:ext cx="140040" cy="4568040"/>
           </a:xfrm>
           <a:prstGeom prst="rect">
             <a:avLst/>
@@ -7255,6 +6294,11 @@
             <a:noAutofit/>
           </a:bodyPr>
           <a:p>
+            <a:pPr>
+              <a:lnSpc>
+                <a:spcPct val="100000"/>
+              </a:lnSpc>
+            </a:pPr>
             <a:endParaRPr b="1" lang="en-IN" sz="1400" spc="-1" strike="noStrike">
               <a:solidFill>
                 <a:srgbClr val="ffffff"/>
@@ -7303,13 +6347,13 @@
       <p:sp>
         <p:nvSpPr>
           <p:cNvPr id="135" name="PlaceHolder 15"/>
-          <p:cNvSpPr txBox="1"/>
+          <p:cNvSpPr/>
           <p:nvPr/>
         </p:nvSpPr>
         <p:spPr>
           <a:xfrm>
             <a:off x="6516000" y="29160"/>
-            <a:ext cx="3204000" cy="540000"/>
+            <a:ext cx="3203640" cy="539640"/>
           </a:xfrm>
           <a:prstGeom prst="rect">
             <a:avLst/>
@@ -7319,6 +6363,12 @@
             <a:noFill/>
           </a:ln>
         </p:spPr>
+        <p:style>
+          <a:lnRef idx="0"/>
+          <a:fillRef idx="0"/>
+          <a:effectRef idx="0"/>
+          <a:fontRef idx="minor"/>
+        </p:style>
         <p:txBody>
           <a:bodyPr lIns="0" rIns="0" tIns="0" bIns="0" anchor="ctr">
             <a:noAutofit/>
@@ -7362,13 +6412,13 @@
       <p:sp>
         <p:nvSpPr>
           <p:cNvPr id="136" name="PlaceHolder 16"/>
-          <p:cNvSpPr txBox="1"/>
+          <p:cNvSpPr/>
           <p:nvPr/>
         </p:nvSpPr>
         <p:spPr>
           <a:xfrm>
             <a:off x="3600000" y="144000"/>
-            <a:ext cx="2880000" cy="396000"/>
+            <a:ext cx="2879640" cy="395640"/>
           </a:xfrm>
           <a:prstGeom prst="rect">
             <a:avLst/>
@@ -7378,6 +6428,12 @@
             <a:noFill/>
           </a:ln>
         </p:spPr>
+        <p:style>
+          <a:lnRef idx="0"/>
+          <a:fillRef idx="0"/>
+          <a:effectRef idx="0"/>
+          <a:fontRef idx="minor"/>
+        </p:style>
         <p:txBody>
           <a:bodyPr lIns="0" rIns="0" tIns="0" bIns="0" anchor="t">
             <a:noAutofit/>
@@ -7412,13 +6468,13 @@
       <p:sp>
         <p:nvSpPr>
           <p:cNvPr id="137" name="PlaceHolder 17"/>
-          <p:cNvSpPr txBox="1"/>
+          <p:cNvSpPr/>
           <p:nvPr/>
         </p:nvSpPr>
         <p:spPr>
           <a:xfrm>
             <a:off x="360000" y="36000"/>
-            <a:ext cx="2880000" cy="540000"/>
+            <a:ext cx="2879640" cy="539640"/>
           </a:xfrm>
           <a:prstGeom prst="rect">
             <a:avLst/>
@@ -7428,6 +6484,12 @@
             <a:noFill/>
           </a:ln>
         </p:spPr>
+        <p:style>
+          <a:lnRef idx="0"/>
+          <a:fillRef idx="0"/>
+          <a:effectRef idx="0"/>
+          <a:fontRef idx="minor"/>
+        </p:style>
         <p:txBody>
           <a:bodyPr lIns="0" rIns="0" tIns="0" bIns="0" anchor="ctr">
             <a:noAutofit/>
@@ -7462,13 +6524,13 @@
       <p:sp>
         <p:nvSpPr>
           <p:cNvPr id="138" name="PlaceHolder 18"/>
-          <p:cNvSpPr txBox="1"/>
+          <p:cNvSpPr/>
           <p:nvPr/>
         </p:nvSpPr>
         <p:spPr>
           <a:xfrm>
             <a:off x="6876360" y="1152000"/>
-            <a:ext cx="2879640" cy="3672000"/>
+            <a:ext cx="2879280" cy="3671640"/>
           </a:xfrm>
           <a:prstGeom prst="rect">
             <a:avLst/>
@@ -7487,21 +6549,21 @@
             <a:bevel/>
           </a:ln>
         </p:spPr>
+        <p:style>
+          <a:lnRef idx="0"/>
+          <a:fillRef idx="0"/>
+          <a:effectRef idx="0"/>
+          <a:fontRef idx="minor"/>
+        </p:style>
         <p:txBody>
           <a:bodyPr numCol="1" spcCol="0" lIns="14760" rIns="14760" tIns="14760" bIns="14760" anchor="t">
-            <a:normAutofit/>
+            <a:normAutofit fontScale="96666"/>
           </a:bodyPr>
           <a:p>
             <a:pPr algn="ctr">
               <a:lnSpc>
-                <a:spcPct val="100000"/>
-              </a:lnSpc>
-              <a:spcBef>
-                <a:spcPts val="850"/>
-              </a:spcBef>
-              <a:spcAft>
-                <a:spcPts val="567"/>
-              </a:spcAft>
+                <a:spcPct val="150000"/>
+              </a:lnSpc>
               <a:tabLst>
                 <a:tab algn="l" pos="0"/>
               </a:tabLst>
@@ -7520,19 +6582,14 @@
                 <a:srgbClr val="000000"/>
               </a:solidFill>
               <a:latin typeface="Arial"/>
+              <a:ea typeface="Noto Sans CJK SC"/>
             </a:endParaRPr>
           </a:p>
           <a:p>
             <a:pPr algn="just">
               <a:lnSpc>
-                <a:spcPct val="100000"/>
-              </a:lnSpc>
-              <a:spcBef>
-                <a:spcPts val="850"/>
-              </a:spcBef>
-              <a:spcAft>
-                <a:spcPts val="567"/>
-              </a:spcAft>
+                <a:spcPct val="150000"/>
+              </a:lnSpc>
               <a:tabLst>
                 <a:tab algn="l" pos="0"/>
               </a:tabLst>
@@ -7554,33 +6611,21 @@
                 <a:latin typeface="Roboto"/>
                 <a:ea typeface="Noto Sans CJK SC"/>
               </a:rPr>
-              <a:t>Refine marketing messages and channels </a:t>
-            </a:r>
-            <a:r>
-              <a:rPr b="0" lang="en-IN" sz="1200" spc="-1" strike="noStrike">
-                <a:solidFill>
-                  <a:srgbClr val="000000"/>
-                </a:solidFill>
-                <a:latin typeface="Roboto"/>
-                <a:ea typeface="Noto Sans CJK SC"/>
-              </a:rPr>
-              <a:t>based on the customer segment and implications.</a:t>
+              <a:t>Refine marketing messages and channels based on the customer segment and implications.</a:t>
             </a:r>
             <a:endParaRPr b="0" lang="en-IN" sz="1200" spc="-1" strike="noStrike">
               <a:solidFill>
                 <a:srgbClr val="000000"/>
               </a:solidFill>
               <a:latin typeface="Arial"/>
+              <a:ea typeface="Noto Sans CJK SC"/>
             </a:endParaRPr>
           </a:p>
           <a:p>
             <a:pPr algn="just">
-              <a:spcBef>
-                <a:spcPts val="850"/>
-              </a:spcBef>
-              <a:spcAft>
-                <a:spcPts val="567"/>
-              </a:spcAft>
+              <a:lnSpc>
+                <a:spcPct val="150000"/>
+              </a:lnSpc>
               <a:tabLst>
                 <a:tab algn="l" pos="0"/>
               </a:tabLst>
@@ -7591,6 +6636,7 @@
                   <a:srgbClr val="000000"/>
                 </a:solidFill>
                 <a:latin typeface="Roboto Condensed"/>
+                <a:ea typeface="Noto Sans CJK SC"/>
               </a:rPr>
               <a:t>Phase 2: </a:t>
             </a:r>
@@ -7609,16 +6655,14 @@
                 <a:srgbClr val="000000"/>
               </a:solidFill>
               <a:latin typeface="Arial"/>
+              <a:ea typeface="Noto Sans CJK SC"/>
             </a:endParaRPr>
           </a:p>
           <a:p>
             <a:pPr algn="just">
-              <a:spcBef>
-                <a:spcPts val="850"/>
-              </a:spcBef>
-              <a:spcAft>
-                <a:spcPts val="567"/>
-              </a:spcAft>
+              <a:lnSpc>
+                <a:spcPct val="150000"/>
+              </a:lnSpc>
               <a:tabLst>
                 <a:tab algn="l" pos="0"/>
               </a:tabLst>
@@ -7629,6 +6673,7 @@
                   <a:srgbClr val="000000"/>
                 </a:solidFill>
                 <a:latin typeface="Roboto Condensed"/>
+                <a:ea typeface="Noto Sans CJK SC"/>
               </a:rPr>
               <a:t>Phase 3: </a:t>
             </a:r>
@@ -7640,33 +6685,21 @@
                 <a:latin typeface="Roboto"/>
                 <a:ea typeface="Noto Sans CJK SC"/>
               </a:rPr>
-              <a:t>Implement cross-selling strategies and </a:t>
-            </a:r>
-            <a:r>
-              <a:rPr b="0" lang="en-IN" sz="1200" spc="-1" strike="noStrike">
-                <a:solidFill>
-                  <a:srgbClr val="000000"/>
-                </a:solidFill>
-                <a:latin typeface="Roboto"/>
-                <a:ea typeface="Noto Sans CJK SC"/>
-              </a:rPr>
-              <a:t>loyalty programs.</a:t>
+              <a:t>Implement cross-selling strategies and loyalty programs.</a:t>
             </a:r>
             <a:endParaRPr b="0" lang="en-IN" sz="1200" spc="-1" strike="noStrike">
               <a:solidFill>
                 <a:srgbClr val="000000"/>
               </a:solidFill>
               <a:latin typeface="Arial"/>
+              <a:ea typeface="Noto Sans CJK SC"/>
             </a:endParaRPr>
           </a:p>
           <a:p>
             <a:pPr algn="just">
-              <a:spcBef>
-                <a:spcPts val="850"/>
-              </a:spcBef>
-              <a:spcAft>
-                <a:spcPts val="567"/>
-              </a:spcAft>
+              <a:lnSpc>
+                <a:spcPct val="150000"/>
+              </a:lnSpc>
               <a:tabLst>
                 <a:tab algn="l" pos="0"/>
               </a:tabLst>
@@ -7677,6 +6710,7 @@
                   <a:srgbClr val="000000"/>
                 </a:solidFill>
                 <a:latin typeface="Roboto Condensed"/>
+                <a:ea typeface="Noto Sans CJK SC"/>
               </a:rPr>
               <a:t>Phase 4:</a:t>
             </a:r>
@@ -7698,36 +6732,21 @@
                 <a:latin typeface="Roboto"/>
                 <a:ea typeface="Noto Sans CJK SC"/>
               </a:rPr>
-              <a:t>Enhance customer engagement platforms </a:t>
-            </a:r>
-            <a:r>
-              <a:rPr b="0" lang="en-IN" sz="1200" spc="-1" strike="noStrike">
-                <a:solidFill>
-                  <a:srgbClr val="000000"/>
-                </a:solidFill>
-                <a:latin typeface="Roboto"/>
-                <a:ea typeface="Noto Sans CJK SC"/>
-              </a:rPr>
-              <a:t>and personalized services.</a:t>
+              <a:t>Enhance customer engagement platforms and personalized services.</a:t>
             </a:r>
             <a:endParaRPr b="0" lang="en-IN" sz="1200" spc="-1" strike="noStrike">
               <a:solidFill>
                 <a:srgbClr val="000000"/>
               </a:solidFill>
               <a:latin typeface="Arial"/>
+              <a:ea typeface="Noto Sans CJK SC"/>
             </a:endParaRPr>
           </a:p>
           <a:p>
             <a:pPr>
               <a:lnSpc>
-                <a:spcPct val="100000"/>
-              </a:lnSpc>
-              <a:spcBef>
-                <a:spcPts val="850"/>
-              </a:spcBef>
-              <a:spcAft>
-                <a:spcPts val="567"/>
-              </a:spcAft>
+                <a:spcPct val="150000"/>
+              </a:lnSpc>
               <a:tabLst>
                 <a:tab algn="l" pos="0"/>
               </a:tabLst>
@@ -7737,14 +6756,24 @@
                 <a:srgbClr val="000000"/>
               </a:solidFill>
               <a:latin typeface="Arial"/>
-            </a:endParaRPr>
-          </a:p>
-          <a:p>
+              <a:ea typeface="Noto Sans CJK SC"/>
+            </a:endParaRPr>
+          </a:p>
+          <a:p>
+            <a:pPr>
+              <a:lnSpc>
+                <a:spcPct val="150000"/>
+              </a:lnSpc>
+              <a:tabLst>
+                <a:tab algn="l" pos="0"/>
+              </a:tabLst>
+            </a:pPr>
             <a:endParaRPr b="0" lang="en-IN" sz="1200" spc="-1" strike="noStrike">
               <a:solidFill>
                 <a:srgbClr val="000000"/>
               </a:solidFill>
               <a:latin typeface="Arial"/>
+              <a:ea typeface="Noto Sans CJK SC"/>
             </a:endParaRPr>
           </a:p>
         </p:txBody>
@@ -7758,7 +6787,7 @@
         <p:spPr>
           <a:xfrm>
             <a:off x="3348000" y="756000"/>
-            <a:ext cx="140400" cy="4568400"/>
+            <a:ext cx="140040" cy="4568040"/>
           </a:xfrm>
           <a:prstGeom prst="rect">
             <a:avLst/>
@@ -7791,6 +6820,11 @@
             <a:noAutofit/>
           </a:bodyPr>
           <a:p>
+            <a:pPr>
+              <a:lnSpc>
+                <a:spcPct val="100000"/>
+              </a:lnSpc>
+            </a:pPr>
             <a:endParaRPr b="1" lang="en-IN" sz="1400" spc="-1" strike="noStrike">
               <a:solidFill>
                 <a:srgbClr val="ffffff"/>
@@ -7813,7 +6847,7 @@
         <p:spPr>
           <a:xfrm>
             <a:off x="6591600" y="756000"/>
-            <a:ext cx="140400" cy="4568400"/>
+            <a:ext cx="140040" cy="4568040"/>
           </a:xfrm>
           <a:prstGeom prst="rect">
             <a:avLst/>
@@ -7846,6 +6880,11 @@
             <a:noAutofit/>
           </a:bodyPr>
           <a:p>
+            <a:pPr>
+              <a:lnSpc>
+                <a:spcPct val="100000"/>
+              </a:lnSpc>
+            </a:pPr>
             <a:endParaRPr b="1" lang="en-IN" sz="1400" spc="-1" strike="noStrike">
               <a:solidFill>
                 <a:srgbClr val="ffffff"/>
@@ -7868,7 +6907,7 @@
         <p:spPr>
           <a:xfrm>
             <a:off x="359640" y="1152000"/>
-            <a:ext cx="2877840" cy="3672000"/>
+            <a:ext cx="2877480" cy="3671640"/>
           </a:xfrm>
           <a:prstGeom prst="rect">
             <a:avLst/>
@@ -7900,14 +6939,8 @@
           <a:p>
             <a:pPr>
               <a:lnSpc>
-                <a:spcPct val="100000"/>
-              </a:lnSpc>
-              <a:spcBef>
-                <a:spcPts val="850"/>
-              </a:spcBef>
-              <a:spcAft>
-                <a:spcPts val="567"/>
-              </a:spcAft>
+                <a:spcPct val="150000"/>
+              </a:lnSpc>
               <a:tabLst>
                 <a:tab algn="l" pos="0"/>
               </a:tabLst>
@@ -7928,9 +6961,18 @@
                 <a:srgbClr val="000000"/>
               </a:solidFill>
               <a:latin typeface="Arial"/>
-            </a:endParaRPr>
-          </a:p>
-          <a:p>
+              <a:ea typeface="Noto Sans CJK SC"/>
+            </a:endParaRPr>
+          </a:p>
+          <a:p>
+            <a:pPr>
+              <a:lnSpc>
+                <a:spcPct val="150000"/>
+              </a:lnSpc>
+              <a:tabLst>
+                <a:tab algn="l" pos="0"/>
+              </a:tabLst>
+            </a:pPr>
             <a:r>
               <a:rPr b="0" lang="en-IN" sz="1050" spc="-1" strike="noStrike">
                 <a:solidFill>
@@ -7966,19 +7008,14 @@
                 <a:srgbClr val="000000"/>
               </a:solidFill>
               <a:latin typeface="Arial"/>
+              <a:ea typeface="Noto Sans CJK SC"/>
             </a:endParaRPr>
           </a:p>
           <a:p>
             <a:pPr marL="432000" indent="-324000">
               <a:lnSpc>
-                <a:spcPct val="100000"/>
-              </a:lnSpc>
-              <a:spcBef>
-                <a:spcPts val="850"/>
-              </a:spcBef>
-              <a:spcAft>
-                <a:spcPts val="567"/>
-              </a:spcAft>
+                <a:spcPct val="150000"/>
+              </a:lnSpc>
               <a:buClr>
                 <a:srgbClr val="000000"/>
               </a:buClr>
@@ -8003,19 +7040,14 @@
                 <a:srgbClr val="000000"/>
               </a:solidFill>
               <a:latin typeface="Arial"/>
+              <a:ea typeface="Noto Sans CJK SC"/>
             </a:endParaRPr>
           </a:p>
           <a:p>
             <a:pPr marL="432000" indent="-324000">
               <a:lnSpc>
-                <a:spcPct val="100000"/>
-              </a:lnSpc>
-              <a:spcBef>
-                <a:spcPts val="850"/>
-              </a:spcBef>
-              <a:spcAft>
-                <a:spcPts val="567"/>
-              </a:spcAft>
+                <a:spcPct val="150000"/>
+              </a:lnSpc>
               <a:buClr>
                 <a:srgbClr val="000000"/>
               </a:buClr>
@@ -8040,19 +7072,14 @@
                 <a:srgbClr val="000000"/>
               </a:solidFill>
               <a:latin typeface="Arial"/>
+              <a:ea typeface="Noto Sans CJK SC"/>
             </a:endParaRPr>
           </a:p>
           <a:p>
             <a:pPr marL="432000" indent="-324000">
               <a:lnSpc>
-                <a:spcPct val="100000"/>
-              </a:lnSpc>
-              <a:spcBef>
-                <a:spcPts val="850"/>
-              </a:spcBef>
-              <a:spcAft>
-                <a:spcPts val="567"/>
-              </a:spcAft>
+                <a:spcPct val="150000"/>
+              </a:lnSpc>
               <a:buClr>
                 <a:srgbClr val="000000"/>
               </a:buClr>
@@ -8077,19 +7104,14 @@
                 <a:srgbClr val="000000"/>
               </a:solidFill>
               <a:latin typeface="Arial"/>
+              <a:ea typeface="Noto Sans CJK SC"/>
             </a:endParaRPr>
           </a:p>
           <a:p>
             <a:pPr marL="432000" indent="-324000">
               <a:lnSpc>
-                <a:spcPct val="100000"/>
-              </a:lnSpc>
-              <a:spcBef>
-                <a:spcPts val="850"/>
-              </a:spcBef>
-              <a:spcAft>
-                <a:spcPts val="567"/>
-              </a:spcAft>
+                <a:spcPct val="150000"/>
+              </a:lnSpc>
               <a:buClr>
                 <a:srgbClr val="000000"/>
               </a:buClr>
@@ -8114,19 +7136,14 @@
                 <a:srgbClr val="000000"/>
               </a:solidFill>
               <a:latin typeface="Arial"/>
+              <a:ea typeface="Noto Sans CJK SC"/>
             </a:endParaRPr>
           </a:p>
           <a:p>
             <a:pPr marL="432000" indent="-324000">
               <a:lnSpc>
-                <a:spcPct val="100000"/>
-              </a:lnSpc>
-              <a:spcBef>
-                <a:spcPts val="850"/>
-              </a:spcBef>
-              <a:spcAft>
-                <a:spcPts val="567"/>
-              </a:spcAft>
+                <a:spcPct val="150000"/>
+              </a:lnSpc>
               <a:buClr>
                 <a:srgbClr val="000000"/>
               </a:buClr>
@@ -8151,6 +7168,7 @@
                 <a:srgbClr val="000000"/>
               </a:solidFill>
               <a:latin typeface="Arial"/>
+              <a:ea typeface="Noto Sans CJK SC"/>
             </a:endParaRPr>
           </a:p>
         </p:txBody>
@@ -8158,13 +7176,13 @@
       <p:sp>
         <p:nvSpPr>
           <p:cNvPr id="142" name="PlaceHolder 13"/>
-          <p:cNvSpPr txBox="1"/>
+          <p:cNvSpPr/>
           <p:nvPr/>
         </p:nvSpPr>
         <p:spPr>
           <a:xfrm>
             <a:off x="3600360" y="720000"/>
-            <a:ext cx="2879640" cy="4676400"/>
+            <a:ext cx="2879280" cy="4676040"/>
           </a:xfrm>
           <a:prstGeom prst="rect">
             <a:avLst/>
@@ -8183,9 +7201,15 @@
             <a:bevel/>
           </a:ln>
         </p:spPr>
+        <p:style>
+          <a:lnRef idx="0"/>
+          <a:fillRef idx="0"/>
+          <a:effectRef idx="0"/>
+          <a:fontRef idx="minor"/>
+        </p:style>
         <p:txBody>
           <a:bodyPr numCol="1" spcCol="0" lIns="6120" rIns="6120" tIns="6120" bIns="6120" anchor="t">
-            <a:normAutofit/>
+            <a:normAutofit fontScale="95555"/>
           </a:bodyPr>
           <a:p>
             <a:pPr>
@@ -8211,6 +7235,7 @@
                 <a:srgbClr val="000000"/>
               </a:solidFill>
               <a:latin typeface="Arial"/>
+              <a:ea typeface="Noto Sans CJK SC"/>
             </a:endParaRPr>
           </a:p>
           <a:p>
@@ -8228,30 +7253,21 @@
               </a:tabLst>
             </a:pPr>
             <a:r>
-              <a:rPr b="0" lang="en-IN" sz="900" spc="-1" strike="noStrike">
+              <a:rPr b="0" lang="en-IN" sz="1000" spc="-1" strike="noStrike">
                 <a:solidFill>
                   <a:srgbClr val="000000"/>
                 </a:solidFill>
                 <a:latin typeface="Roboto"/>
                 <a:ea typeface="Noto Sans CJK SC"/>
               </a:rPr>
-              <a:t>Highlight tech-driven solutions and flexible </a:t>
-            </a:r>
-            <a:r>
-              <a:rPr b="0" lang="en-IN" sz="900" spc="-1" strike="noStrike">
-                <a:solidFill>
-                  <a:srgbClr val="000000"/>
-                </a:solidFill>
-                <a:latin typeface="Roboto"/>
-                <a:ea typeface="Noto Sans CJK SC"/>
-              </a:rPr>
-              <a:t>coverage options</a:t>
-            </a:r>
-            <a:endParaRPr b="0" lang="en-IN" sz="900" spc="-1" strike="noStrike">
-              <a:solidFill>
-                <a:srgbClr val="000000"/>
-              </a:solidFill>
-              <a:latin typeface="Arial"/>
+              <a:t>Highlight tech-driven solutions and flexible coverage options</a:t>
+            </a:r>
+            <a:endParaRPr b="0" lang="en-IN" sz="1000" spc="-1" strike="noStrike">
+              <a:solidFill>
+                <a:srgbClr val="000000"/>
+              </a:solidFill>
+              <a:latin typeface="Arial"/>
+              <a:ea typeface="Noto Sans CJK SC"/>
             </a:endParaRPr>
           </a:p>
           <a:p>
@@ -8269,30 +7285,21 @@
               </a:tabLst>
             </a:pPr>
             <a:r>
-              <a:rPr b="0" lang="en-IN" sz="900" spc="-1" strike="noStrike">
+              <a:rPr b="0" lang="en-IN" sz="1000" spc="-1" strike="noStrike">
                 <a:solidFill>
                   <a:srgbClr val="000000"/>
                 </a:solidFill>
                 <a:latin typeface="Roboto"/>
                 <a:ea typeface="Noto Sans CJK SC"/>
               </a:rPr>
-              <a:t>Showcase value proposition of higher premiums </a:t>
-            </a:r>
-            <a:r>
-              <a:rPr b="0" lang="en-IN" sz="900" spc="-1" strike="noStrike">
-                <a:solidFill>
-                  <a:srgbClr val="000000"/>
-                </a:solidFill>
-                <a:latin typeface="Roboto"/>
-                <a:ea typeface="Noto Sans CJK SC"/>
-              </a:rPr>
-              <a:t>vs. lower claim likelihood </a:t>
-            </a:r>
-            <a:endParaRPr b="0" lang="en-IN" sz="900" spc="-1" strike="noStrike">
-              <a:solidFill>
-                <a:srgbClr val="000000"/>
-              </a:solidFill>
-              <a:latin typeface="Arial"/>
+              <a:t>Showcase value proposition of higher premiums vs. lower claim likelihood </a:t>
+            </a:r>
+            <a:endParaRPr b="0" lang="en-IN" sz="1000" spc="-1" strike="noStrike">
+              <a:solidFill>
+                <a:srgbClr val="000000"/>
+              </a:solidFill>
+              <a:latin typeface="Arial"/>
+              <a:ea typeface="Noto Sans CJK SC"/>
             </a:endParaRPr>
           </a:p>
           <a:p>
@@ -8329,6 +7336,7 @@
                 <a:srgbClr val="000000"/>
               </a:solidFill>
               <a:latin typeface="Arial"/>
+              <a:ea typeface="Noto Sans CJK SC"/>
             </a:endParaRPr>
           </a:p>
           <a:p>
@@ -8346,30 +7354,21 @@
               </a:tabLst>
             </a:pPr>
             <a:r>
-              <a:rPr b="0" lang="en-IN" sz="900" spc="-1" strike="noStrike">
+              <a:rPr b="0" lang="en-IN" sz="1000" spc="-1" strike="noStrike">
                 <a:solidFill>
                   <a:srgbClr val="000000"/>
                 </a:solidFill>
                 <a:latin typeface="Roboto"/>
                 <a:ea typeface="Noto Sans CJK SC"/>
               </a:rPr>
-              <a:t>Usage-based insurance with smartphone </a:t>
-            </a:r>
-            <a:r>
-              <a:rPr b="0" lang="en-IN" sz="900" spc="-1" strike="noStrike">
-                <a:solidFill>
-                  <a:srgbClr val="000000"/>
-                </a:solidFill>
-                <a:latin typeface="Roboto"/>
-                <a:ea typeface="Noto Sans CJK SC"/>
-              </a:rPr>
-              <a:t>integration</a:t>
-            </a:r>
-            <a:endParaRPr b="0" lang="en-IN" sz="900" spc="-1" strike="noStrike">
-              <a:solidFill>
-                <a:srgbClr val="000000"/>
-              </a:solidFill>
-              <a:latin typeface="Arial"/>
+              <a:t>Usage-based insurance with smartphone integration</a:t>
+            </a:r>
+            <a:endParaRPr b="0" lang="en-IN" sz="1000" spc="-1" strike="noStrike">
+              <a:solidFill>
+                <a:srgbClr val="000000"/>
+              </a:solidFill>
+              <a:latin typeface="Arial"/>
+              <a:ea typeface="Noto Sans CJK SC"/>
             </a:endParaRPr>
           </a:p>
           <a:p>
@@ -8387,30 +7386,21 @@
               </a:tabLst>
             </a:pPr>
             <a:r>
-              <a:rPr b="0" lang="en-IN" sz="900" spc="-1" strike="noStrike">
+              <a:rPr b="0" lang="en-IN" sz="1000" spc="-1" strike="noStrike">
                 <a:solidFill>
                   <a:srgbClr val="000000"/>
                 </a:solidFill>
                 <a:latin typeface="Roboto"/>
                 <a:ea typeface="Noto Sans CJK SC"/>
               </a:rPr>
-              <a:t>Bundled policies with lifestyle-specific add-ons </a:t>
-            </a:r>
-            <a:r>
-              <a:rPr b="0" lang="en-IN" sz="900" spc="-1" strike="noStrike">
-                <a:solidFill>
-                  <a:srgbClr val="000000"/>
-                </a:solidFill>
-                <a:latin typeface="Roboto"/>
-                <a:ea typeface="Noto Sans CJK SC"/>
-              </a:rPr>
-              <a:t>(e.g., travel, gadget insurance)</a:t>
-            </a:r>
-            <a:endParaRPr b="0" lang="en-IN" sz="900" spc="-1" strike="noStrike">
-              <a:solidFill>
-                <a:srgbClr val="000000"/>
-              </a:solidFill>
-              <a:latin typeface="Arial"/>
+              <a:t>Bundled policies with lifestyle-specific add-ons (e.g., travel, gadget insurance)</a:t>
+            </a:r>
+            <a:endParaRPr b="0" lang="en-IN" sz="1000" spc="-1" strike="noStrike">
+              <a:solidFill>
+                <a:srgbClr val="000000"/>
+              </a:solidFill>
+              <a:latin typeface="Arial"/>
+              <a:ea typeface="Noto Sans CJK SC"/>
             </a:endParaRPr>
           </a:p>
           <a:p>
@@ -8447,6 +7437,7 @@
                 <a:srgbClr val="000000"/>
               </a:solidFill>
               <a:latin typeface="Arial"/>
+              <a:ea typeface="Noto Sans CJK SC"/>
             </a:endParaRPr>
           </a:p>
           <a:p>
@@ -8464,7 +7455,7 @@
               </a:tabLst>
             </a:pPr>
             <a:r>
-              <a:rPr b="0" lang="en-IN" sz="900" spc="-1" strike="noStrike">
+              <a:rPr b="0" lang="en-IN" sz="1000" spc="-1" strike="noStrike">
                 <a:solidFill>
                   <a:srgbClr val="000000"/>
                 </a:solidFill>
@@ -8473,11 +7464,12 @@
               </a:rPr>
               <a:t>Renters insurance and personal article policies</a:t>
             </a:r>
-            <a:endParaRPr b="0" lang="en-IN" sz="900" spc="-1" strike="noStrike">
-              <a:solidFill>
-                <a:srgbClr val="000000"/>
-              </a:solidFill>
-              <a:latin typeface="Arial"/>
+            <a:endParaRPr b="0" lang="en-IN" sz="1000" spc="-1" strike="noStrike">
+              <a:solidFill>
+                <a:srgbClr val="000000"/>
+              </a:solidFill>
+              <a:latin typeface="Arial"/>
+              <a:ea typeface="Noto Sans CJK SC"/>
             </a:endParaRPr>
           </a:p>
           <a:p>
@@ -8495,7 +7487,7 @@
               </a:tabLst>
             </a:pPr>
             <a:r>
-              <a:rPr b="0" lang="en-IN" sz="900" spc="-1" strike="noStrike">
+              <a:rPr b="0" lang="en-IN" sz="1000" spc="-1" strike="noStrike">
                 <a:solidFill>
                   <a:srgbClr val="000000"/>
                 </a:solidFill>
@@ -8504,11 +7496,12 @@
               </a:rPr>
               <a:t>Travel insurance and short-term vehicle coverage</a:t>
             </a:r>
-            <a:endParaRPr b="0" lang="en-IN" sz="900" spc="-1" strike="noStrike">
-              <a:solidFill>
-                <a:srgbClr val="000000"/>
-              </a:solidFill>
-              <a:latin typeface="Arial"/>
+            <a:endParaRPr b="0" lang="en-IN" sz="1000" spc="-1" strike="noStrike">
+              <a:solidFill>
+                <a:srgbClr val="000000"/>
+              </a:solidFill>
+              <a:latin typeface="Arial"/>
+              <a:ea typeface="Noto Sans CJK SC"/>
             </a:endParaRPr>
           </a:p>
           <a:p>
@@ -8545,6 +7538,7 @@
                 <a:srgbClr val="000000"/>
               </a:solidFill>
               <a:latin typeface="Arial"/>
+              <a:ea typeface="Noto Sans CJK SC"/>
             </a:endParaRPr>
           </a:p>
           <a:p>
@@ -8552,9 +7546,6 @@
               <a:lnSpc>
                 <a:spcPct val="150000"/>
               </a:lnSpc>
-              <a:spcBef>
-                <a:spcPts val="57"/>
-              </a:spcBef>
               <a:buClr>
                 <a:srgbClr val="ffffff"/>
               </a:buClr>
@@ -8565,30 +7556,21 @@
               </a:tabLst>
             </a:pPr>
             <a:r>
-              <a:rPr b="0" lang="en-IN" sz="900" spc="-1" strike="noStrike">
+              <a:rPr b="0" lang="en-IN" sz="1000" spc="-1" strike="noStrike">
                 <a:solidFill>
                   <a:srgbClr val="000000"/>
                 </a:solidFill>
                 <a:latin typeface="Roboto"/>
                 <a:ea typeface="Noto Sans CJK SC"/>
               </a:rPr>
-              <a:t>Gamified mobile app for policy management and </a:t>
-            </a:r>
-            <a:r>
-              <a:rPr b="0" lang="en-IN" sz="900" spc="-1" strike="noStrike">
-                <a:solidFill>
-                  <a:srgbClr val="000000"/>
-                </a:solidFill>
-                <a:latin typeface="Roboto"/>
-                <a:ea typeface="Noto Sans CJK SC"/>
-              </a:rPr>
-              <a:t>safe driving rewards</a:t>
-            </a:r>
-            <a:endParaRPr b="0" lang="en-IN" sz="900" spc="-1" strike="noStrike">
-              <a:solidFill>
-                <a:srgbClr val="000000"/>
-              </a:solidFill>
-              <a:latin typeface="Arial"/>
+              <a:t>Gamified mobile app for policy management and safe driving rewards</a:t>
+            </a:r>
+            <a:endParaRPr b="0" lang="en-IN" sz="1000" spc="-1" strike="noStrike">
+              <a:solidFill>
+                <a:srgbClr val="000000"/>
+              </a:solidFill>
+              <a:latin typeface="Arial"/>
+              <a:ea typeface="Noto Sans CJK SC"/>
             </a:endParaRPr>
           </a:p>
           <a:p>
@@ -8596,9 +7578,6 @@
               <a:lnSpc>
                 <a:spcPct val="150000"/>
               </a:lnSpc>
-              <a:spcBef>
-                <a:spcPts val="57"/>
-              </a:spcBef>
               <a:buClr>
                 <a:srgbClr val="ffffff"/>
               </a:buClr>
@@ -8609,30 +7588,21 @@
               </a:tabLst>
             </a:pPr>
             <a:r>
-              <a:rPr b="0" lang="en-IN" sz="900" spc="-1" strike="noStrike">
+              <a:rPr b="0" lang="en-IN" sz="1000" spc="-1" strike="noStrike">
                 <a:solidFill>
                   <a:srgbClr val="000000"/>
                 </a:solidFill>
                 <a:latin typeface="Roboto"/>
                 <a:ea typeface="Noto Sans CJK SC"/>
               </a:rPr>
-              <a:t>Social media engagement and influencer </a:t>
-            </a:r>
-            <a:r>
-              <a:rPr b="0" lang="en-IN" sz="900" spc="-1" strike="noStrike">
-                <a:solidFill>
-                  <a:srgbClr val="000000"/>
-                </a:solidFill>
-                <a:latin typeface="Roboto"/>
-                <a:ea typeface="Noto Sans CJK SC"/>
-              </a:rPr>
-              <a:t>partnerships</a:t>
-            </a:r>
-            <a:endParaRPr b="0" lang="en-IN" sz="900" spc="-1" strike="noStrike">
-              <a:solidFill>
-                <a:srgbClr val="000000"/>
-              </a:solidFill>
-              <a:latin typeface="Arial"/>
+              <a:t>Social media engagement and influencer partnerships</a:t>
+            </a:r>
+            <a:endParaRPr b="0" lang="en-IN" sz="1000" spc="-1" strike="noStrike">
+              <a:solidFill>
+                <a:srgbClr val="000000"/>
+              </a:solidFill>
+              <a:latin typeface="Arial"/>
+              <a:ea typeface="Noto Sans CJK SC"/>
             </a:endParaRPr>
           </a:p>
         </p:txBody>
@@ -8672,13 +7642,13 @@
       <p:sp>
         <p:nvSpPr>
           <p:cNvPr id="143" name="PlaceHolder 14"/>
-          <p:cNvSpPr txBox="1"/>
+          <p:cNvSpPr/>
           <p:nvPr/>
         </p:nvSpPr>
         <p:spPr>
           <a:xfrm>
             <a:off x="6516000" y="29160"/>
-            <a:ext cx="3204000" cy="540000"/>
+            <a:ext cx="3203640" cy="539640"/>
           </a:xfrm>
           <a:prstGeom prst="rect">
             <a:avLst/>
@@ -8688,6 +7658,12 @@
             <a:noFill/>
           </a:ln>
         </p:spPr>
+        <p:style>
+          <a:lnRef idx="0"/>
+          <a:fillRef idx="0"/>
+          <a:effectRef idx="0"/>
+          <a:fontRef idx="minor"/>
+        </p:style>
         <p:txBody>
           <a:bodyPr lIns="0" rIns="0" tIns="0" bIns="0" anchor="ctr">
             <a:noAutofit/>
@@ -8731,13 +7707,13 @@
       <p:sp>
         <p:nvSpPr>
           <p:cNvPr id="144" name="PlaceHolder 20"/>
-          <p:cNvSpPr txBox="1"/>
+          <p:cNvSpPr/>
           <p:nvPr/>
         </p:nvSpPr>
         <p:spPr>
           <a:xfrm>
             <a:off x="3600000" y="144000"/>
-            <a:ext cx="2880000" cy="396000"/>
+            <a:ext cx="2879640" cy="395640"/>
           </a:xfrm>
           <a:prstGeom prst="rect">
             <a:avLst/>
@@ -8747,6 +7723,12 @@
             <a:noFill/>
           </a:ln>
         </p:spPr>
+        <p:style>
+          <a:lnRef idx="0"/>
+          <a:fillRef idx="0"/>
+          <a:effectRef idx="0"/>
+          <a:fontRef idx="minor"/>
+        </p:style>
         <p:txBody>
           <a:bodyPr lIns="0" rIns="0" tIns="0" bIns="0" anchor="t">
             <a:noAutofit/>
@@ -8781,13 +7763,13 @@
       <p:sp>
         <p:nvSpPr>
           <p:cNvPr id="145" name="PlaceHolder 21"/>
-          <p:cNvSpPr txBox="1"/>
+          <p:cNvSpPr/>
           <p:nvPr/>
         </p:nvSpPr>
         <p:spPr>
           <a:xfrm>
             <a:off x="360000" y="36000"/>
-            <a:ext cx="2880000" cy="540000"/>
+            <a:ext cx="2879640" cy="539640"/>
           </a:xfrm>
           <a:prstGeom prst="rect">
             <a:avLst/>
@@ -8797,6 +7779,12 @@
             <a:noFill/>
           </a:ln>
         </p:spPr>
+        <p:style>
+          <a:lnRef idx="0"/>
+          <a:fillRef idx="0"/>
+          <a:effectRef idx="0"/>
+          <a:fontRef idx="minor"/>
+        </p:style>
         <p:txBody>
           <a:bodyPr lIns="0" rIns="0" tIns="0" bIns="0" anchor="ctr">
             <a:noAutofit/>
@@ -8831,13 +7819,13 @@
       <p:sp>
         <p:nvSpPr>
           <p:cNvPr id="146" name="PlaceHolder 22"/>
-          <p:cNvSpPr txBox="1"/>
+          <p:cNvSpPr/>
           <p:nvPr/>
         </p:nvSpPr>
         <p:spPr>
           <a:xfrm>
             <a:off x="6876360" y="1152000"/>
-            <a:ext cx="2879640" cy="3672000"/>
+            <a:ext cx="2879280" cy="3671640"/>
           </a:xfrm>
           <a:prstGeom prst="rect">
             <a:avLst/>
@@ -8856,21 +7844,21 @@
             <a:bevel/>
           </a:ln>
         </p:spPr>
+        <p:style>
+          <a:lnRef idx="0"/>
+          <a:fillRef idx="0"/>
+          <a:effectRef idx="0"/>
+          <a:fontRef idx="minor"/>
+        </p:style>
         <p:txBody>
           <a:bodyPr numCol="1" spcCol="0" lIns="14760" rIns="14760" tIns="14760" bIns="14760" anchor="t">
-            <a:normAutofit/>
+            <a:normAutofit fontScale="96666"/>
           </a:bodyPr>
           <a:p>
             <a:pPr algn="ctr">
               <a:lnSpc>
-                <a:spcPct val="100000"/>
-              </a:lnSpc>
-              <a:spcBef>
-                <a:spcPts val="850"/>
-              </a:spcBef>
-              <a:spcAft>
-                <a:spcPts val="567"/>
-              </a:spcAft>
+                <a:spcPct val="150000"/>
+              </a:lnSpc>
               <a:tabLst>
                 <a:tab algn="l" pos="0"/>
               </a:tabLst>
@@ -8889,19 +7877,14 @@
                 <a:srgbClr val="000000"/>
               </a:solidFill>
               <a:latin typeface="Arial"/>
+              <a:ea typeface="Noto Sans CJK SC"/>
             </a:endParaRPr>
           </a:p>
           <a:p>
             <a:pPr algn="just">
               <a:lnSpc>
-                <a:spcPct val="100000"/>
-              </a:lnSpc>
-              <a:spcBef>
-                <a:spcPts val="850"/>
-              </a:spcBef>
-              <a:spcAft>
-                <a:spcPts val="567"/>
-              </a:spcAft>
+                <a:spcPct val="150000"/>
+              </a:lnSpc>
               <a:tabLst>
                 <a:tab algn="l" pos="0"/>
               </a:tabLst>
@@ -8930,16 +7913,14 @@
                 <a:srgbClr val="000000"/>
               </a:solidFill>
               <a:latin typeface="Arial"/>
+              <a:ea typeface="Noto Sans CJK SC"/>
             </a:endParaRPr>
           </a:p>
           <a:p>
             <a:pPr algn="just">
-              <a:spcBef>
-                <a:spcPts val="850"/>
-              </a:spcBef>
-              <a:spcAft>
-                <a:spcPts val="567"/>
-              </a:spcAft>
+              <a:lnSpc>
+                <a:spcPct val="150000"/>
+              </a:lnSpc>
               <a:tabLst>
                 <a:tab algn="l" pos="0"/>
               </a:tabLst>
@@ -8950,6 +7931,7 @@
                   <a:srgbClr val="000000"/>
                 </a:solidFill>
                 <a:latin typeface="Roboto Condensed"/>
+                <a:ea typeface="Noto Sans CJK SC"/>
               </a:rPr>
               <a:t>Phase 2: </a:t>
             </a:r>
@@ -8968,16 +7950,14 @@
                 <a:srgbClr val="000000"/>
               </a:solidFill>
               <a:latin typeface="Arial"/>
+              <a:ea typeface="Noto Sans CJK SC"/>
             </a:endParaRPr>
           </a:p>
           <a:p>
             <a:pPr algn="just">
-              <a:spcBef>
-                <a:spcPts val="850"/>
-              </a:spcBef>
-              <a:spcAft>
-                <a:spcPts val="567"/>
-              </a:spcAft>
+              <a:lnSpc>
+                <a:spcPct val="150000"/>
+              </a:lnSpc>
               <a:tabLst>
                 <a:tab algn="l" pos="0"/>
               </a:tabLst>
@@ -8988,6 +7968,7 @@
                   <a:srgbClr val="000000"/>
                 </a:solidFill>
                 <a:latin typeface="Roboto Condensed"/>
+                <a:ea typeface="Noto Sans CJK SC"/>
               </a:rPr>
               <a:t>Phase 3: </a:t>
             </a:r>
@@ -9006,16 +7987,14 @@
                 <a:srgbClr val="000000"/>
               </a:solidFill>
               <a:latin typeface="Arial"/>
+              <a:ea typeface="Noto Sans CJK SC"/>
             </a:endParaRPr>
           </a:p>
           <a:p>
             <a:pPr algn="just">
-              <a:spcBef>
-                <a:spcPts val="850"/>
-              </a:spcBef>
-              <a:spcAft>
-                <a:spcPts val="567"/>
-              </a:spcAft>
+              <a:lnSpc>
+                <a:spcPct val="150000"/>
+              </a:lnSpc>
               <a:tabLst>
                 <a:tab algn="l" pos="0"/>
               </a:tabLst>
@@ -9026,6 +8005,7 @@
                   <a:srgbClr val="000000"/>
                 </a:solidFill>
                 <a:latin typeface="Roboto Condensed"/>
+                <a:ea typeface="Noto Sans CJK SC"/>
               </a:rPr>
               <a:t>Phase 4:</a:t>
             </a:r>
@@ -9054,19 +8034,14 @@
                 <a:srgbClr val="000000"/>
               </a:solidFill>
               <a:latin typeface="Arial"/>
+              <a:ea typeface="Noto Sans CJK SC"/>
             </a:endParaRPr>
           </a:p>
           <a:p>
             <a:pPr>
               <a:lnSpc>
-                <a:spcPct val="100000"/>
-              </a:lnSpc>
-              <a:spcBef>
-                <a:spcPts val="850"/>
-              </a:spcBef>
-              <a:spcAft>
-                <a:spcPts val="567"/>
-              </a:spcAft>
+                <a:spcPct val="150000"/>
+              </a:lnSpc>
               <a:tabLst>
                 <a:tab algn="l" pos="0"/>
               </a:tabLst>
@@ -9076,14 +8051,24 @@
                 <a:srgbClr val="000000"/>
               </a:solidFill>
               <a:latin typeface="Arial"/>
-            </a:endParaRPr>
-          </a:p>
-          <a:p>
+              <a:ea typeface="Noto Sans CJK SC"/>
+            </a:endParaRPr>
+          </a:p>
+          <a:p>
+            <a:pPr>
+              <a:lnSpc>
+                <a:spcPct val="150000"/>
+              </a:lnSpc>
+              <a:tabLst>
+                <a:tab algn="l" pos="0"/>
+              </a:tabLst>
+            </a:pPr>
             <a:endParaRPr b="0" lang="en-IN" sz="1200" spc="-1" strike="noStrike">
               <a:solidFill>
                 <a:srgbClr val="000000"/>
               </a:solidFill>
               <a:latin typeface="Arial"/>
+              <a:ea typeface="Noto Sans CJK SC"/>
             </a:endParaRPr>
           </a:p>
         </p:txBody>
@@ -9097,7 +8082,7 @@
         <p:spPr>
           <a:xfrm>
             <a:off x="3348000" y="756000"/>
-            <a:ext cx="140400" cy="4568400"/>
+            <a:ext cx="140040" cy="4568040"/>
           </a:xfrm>
           <a:prstGeom prst="rect">
             <a:avLst/>
@@ -9130,6 +8115,11 @@
             <a:noAutofit/>
           </a:bodyPr>
           <a:p>
+            <a:pPr>
+              <a:lnSpc>
+                <a:spcPct val="100000"/>
+              </a:lnSpc>
+            </a:pPr>
             <a:endParaRPr b="1" lang="en-IN" sz="1400" spc="-1" strike="noStrike">
               <a:solidFill>
                 <a:srgbClr val="ffffff"/>
@@ -9152,7 +8142,7 @@
         <p:spPr>
           <a:xfrm>
             <a:off x="6591600" y="756000"/>
-            <a:ext cx="140400" cy="4568400"/>
+            <a:ext cx="140040" cy="4568040"/>
           </a:xfrm>
           <a:prstGeom prst="rect">
             <a:avLst/>
@@ -9185,6 +8175,11 @@
             <a:noAutofit/>
           </a:bodyPr>
           <a:p>
+            <a:pPr>
+              <a:lnSpc>
+                <a:spcPct val="100000"/>
+              </a:lnSpc>
+            </a:pPr>
             <a:endParaRPr b="1" lang="en-IN" sz="1400" spc="-1" strike="noStrike">
               <a:solidFill>
                 <a:srgbClr val="ffffff"/>
@@ -9207,7 +8202,7 @@
         <p:spPr>
           <a:xfrm>
             <a:off x="359640" y="1152000"/>
-            <a:ext cx="2877840" cy="3672000"/>
+            <a:ext cx="2877480" cy="3671640"/>
           </a:xfrm>
           <a:prstGeom prst="rect">
             <a:avLst/>
@@ -9239,14 +8234,11 @@
           <a:p>
             <a:pPr>
               <a:lnSpc>
-                <a:spcPct val="100000"/>
+                <a:spcPct val="150000"/>
               </a:lnSpc>
               <a:spcBef>
-                <a:spcPts val="850"/>
+                <a:spcPts val="283"/>
               </a:spcBef>
-              <a:spcAft>
-                <a:spcPts val="567"/>
-              </a:spcAft>
               <a:tabLst>
                 <a:tab algn="l" pos="0"/>
               </a:tabLst>
@@ -9258,18 +8250,27 @@
                 </a:solidFill>
                 <a:uFillTx/>
                 <a:latin typeface="Roboto Condensed"/>
-                <a:ea typeface="Noto Sans CJK SC"/>
-              </a:rPr>
-              <a:t>Young Premium Payers</a:t>
+                <a:ea typeface="DejaVu Sans"/>
+              </a:rPr>
+              <a:t>Balanced Risk Group:</a:t>
             </a:r>
             <a:endParaRPr b="0" lang="en-IN" sz="1600" spc="-1" strike="noStrike">
               <a:solidFill>
                 <a:srgbClr val="000000"/>
               </a:solidFill>
               <a:latin typeface="Arial"/>
-            </a:endParaRPr>
-          </a:p>
-          <a:p>
+              <a:ea typeface="Noto Sans CJK SC"/>
+            </a:endParaRPr>
+          </a:p>
+          <a:p>
+            <a:pPr>
+              <a:lnSpc>
+                <a:spcPct val="150000"/>
+              </a:lnSpc>
+              <a:tabLst>
+                <a:tab algn="l" pos="0"/>
+              </a:tabLst>
+            </a:pPr>
             <a:r>
               <a:rPr b="0" lang="en-IN" sz="1200" spc="-1" strike="noStrike">
                 <a:solidFill>
@@ -9278,7 +8279,7 @@
                 <a:latin typeface="Roboto"/>
                 <a:ea typeface="Noto Sans CJK SC"/>
               </a:rPr>
-              <a:t>This cluster represents a balanced group </a:t>
+              <a:t>             </a:t>
             </a:r>
             <a:r>
               <a:rPr b="0" lang="en-IN" sz="1200" spc="-1" strike="noStrike">
@@ -9288,46 +8289,24 @@
                 <a:latin typeface="Roboto"/>
                 <a:ea typeface="Noto Sans CJK SC"/>
               </a:rPr>
-              <a:t>with moderate risk and claim amounts. </a:t>
-            </a:r>
-            <a:r>
-              <a:rPr b="0" lang="en-IN" sz="1200" spc="-1" strike="noStrike">
-                <a:solidFill>
-                  <a:srgbClr val="000000"/>
-                </a:solidFill>
-                <a:latin typeface="Roboto"/>
-                <a:ea typeface="Noto Sans CJK SC"/>
-              </a:rPr>
-              <a:t>They might be interested in customizable </a:t>
-            </a:r>
-            <a:r>
-              <a:rPr b="0" lang="en-IN" sz="1200" spc="-1" strike="noStrike">
-                <a:solidFill>
-                  <a:srgbClr val="000000"/>
-                </a:solidFill>
-                <a:latin typeface="Roboto"/>
-                <a:ea typeface="Noto Sans CJK SC"/>
-              </a:rPr>
-              <a:t>coverage options and loyalty programs.</a:t>
+              <a:t>This cluster represents a balanced group with moderate risk and claim amounts. They might be interested in customizable coverage options and loyalty programs.</a:t>
             </a:r>
             <a:endParaRPr b="0" lang="en-IN" sz="1200" spc="-1" strike="noStrike">
               <a:solidFill>
                 <a:srgbClr val="000000"/>
               </a:solidFill>
               <a:latin typeface="Arial"/>
+              <a:ea typeface="Noto Sans CJK SC"/>
             </a:endParaRPr>
           </a:p>
           <a:p>
             <a:pPr marL="432000" indent="-324000">
               <a:lnSpc>
-                <a:spcPct val="100000"/>
+                <a:spcPct val="150000"/>
               </a:lnSpc>
               <a:spcBef>
-                <a:spcPts val="850"/>
+                <a:spcPts val="283"/>
               </a:spcBef>
-              <a:spcAft>
-                <a:spcPts val="567"/>
-              </a:spcAft>
               <a:buClr>
                 <a:srgbClr val="000000"/>
               </a:buClr>
@@ -9352,19 +8331,17 @@
                 <a:srgbClr val="000000"/>
               </a:solidFill>
               <a:latin typeface="Arial"/>
+              <a:ea typeface="Noto Sans CJK SC"/>
             </a:endParaRPr>
           </a:p>
           <a:p>
             <a:pPr marL="432000" indent="-324000">
               <a:lnSpc>
-                <a:spcPct val="100000"/>
+                <a:spcPct val="150000"/>
               </a:lnSpc>
               <a:spcBef>
-                <a:spcPts val="850"/>
+                <a:spcPts val="283"/>
               </a:spcBef>
-              <a:spcAft>
-                <a:spcPts val="567"/>
-              </a:spcAft>
               <a:buClr>
                 <a:srgbClr val="000000"/>
               </a:buClr>
@@ -9389,19 +8366,17 @@
                 <a:srgbClr val="000000"/>
               </a:solidFill>
               <a:latin typeface="Arial"/>
+              <a:ea typeface="Noto Sans CJK SC"/>
             </a:endParaRPr>
           </a:p>
           <a:p>
             <a:pPr marL="432000" indent="-324000">
               <a:lnSpc>
-                <a:spcPct val="100000"/>
+                <a:spcPct val="150000"/>
               </a:lnSpc>
               <a:spcBef>
-                <a:spcPts val="850"/>
+                <a:spcPts val="283"/>
               </a:spcBef>
-              <a:spcAft>
-                <a:spcPts val="567"/>
-              </a:spcAft>
               <a:buClr>
                 <a:srgbClr val="000000"/>
               </a:buClr>
@@ -9426,19 +8401,17 @@
                 <a:srgbClr val="000000"/>
               </a:solidFill>
               <a:latin typeface="Arial"/>
+              <a:ea typeface="Noto Sans CJK SC"/>
             </a:endParaRPr>
           </a:p>
           <a:p>
             <a:pPr marL="432000" indent="-324000">
               <a:lnSpc>
-                <a:spcPct val="100000"/>
+                <a:spcPct val="150000"/>
               </a:lnSpc>
               <a:spcBef>
-                <a:spcPts val="850"/>
+                <a:spcPts val="283"/>
               </a:spcBef>
-              <a:spcAft>
-                <a:spcPts val="567"/>
-              </a:spcAft>
               <a:buClr>
                 <a:srgbClr val="000000"/>
               </a:buClr>
@@ -9463,19 +8436,17 @@
                 <a:srgbClr val="000000"/>
               </a:solidFill>
               <a:latin typeface="Arial"/>
+              <a:ea typeface="Noto Sans CJK SC"/>
             </a:endParaRPr>
           </a:p>
           <a:p>
             <a:pPr marL="432000" indent="-324000">
               <a:lnSpc>
-                <a:spcPct val="100000"/>
+                <a:spcPct val="150000"/>
               </a:lnSpc>
               <a:spcBef>
-                <a:spcPts val="850"/>
+                <a:spcPts val="283"/>
               </a:spcBef>
-              <a:spcAft>
-                <a:spcPts val="567"/>
-              </a:spcAft>
               <a:buClr>
                 <a:srgbClr val="000000"/>
               </a:buClr>
@@ -9500,6 +8471,7 @@
                 <a:srgbClr val="000000"/>
               </a:solidFill>
               <a:latin typeface="Arial"/>
+              <a:ea typeface="Noto Sans CJK SC"/>
             </a:endParaRPr>
           </a:p>
         </p:txBody>
@@ -9507,13 +8479,13 @@
       <p:sp>
         <p:nvSpPr>
           <p:cNvPr id="150" name="PlaceHolder 24"/>
-          <p:cNvSpPr txBox="1"/>
+          <p:cNvSpPr/>
           <p:nvPr/>
         </p:nvSpPr>
         <p:spPr>
           <a:xfrm>
             <a:off x="3600360" y="720000"/>
-            <a:ext cx="2879640" cy="4676400"/>
+            <a:ext cx="2879280" cy="4676040"/>
           </a:xfrm>
           <a:prstGeom prst="rect">
             <a:avLst/>
@@ -9532,9 +8504,15 @@
             <a:bevel/>
           </a:ln>
         </p:spPr>
+        <p:style>
+          <a:lnRef idx="0"/>
+          <a:fillRef idx="0"/>
+          <a:effectRef idx="0"/>
+          <a:fontRef idx="minor"/>
+        </p:style>
         <p:txBody>
           <a:bodyPr numCol="1" spcCol="0" lIns="14400" rIns="14400" tIns="14400" bIns="14400" anchor="t">
-            <a:normAutofit/>
+            <a:normAutofit fontScale="96666" lnSpcReduction="10000"/>
           </a:bodyPr>
           <a:p>
             <a:pPr>
@@ -9585,7 +8563,7 @@
               </a:tabLst>
             </a:pPr>
             <a:r>
-              <a:rPr b="0" lang="en-IN" sz="900" spc="-1" strike="noStrike">
+              <a:rPr b="0" lang="en-IN" sz="1000" spc="-1" strike="noStrike">
                 <a:solidFill>
                   <a:srgbClr val="000000"/>
                 </a:solidFill>
@@ -9594,7 +8572,7 @@
               </a:rPr>
               <a:t>Promote balanced, customizable coverage at competiive rates</a:t>
             </a:r>
-            <a:endParaRPr b="0" lang="en-IN" sz="900" spc="-1" strike="noStrike">
+            <a:endParaRPr b="0" lang="en-IN" sz="1000" spc="-1" strike="noStrike">
               <a:solidFill>
                 <a:srgbClr val="000000"/>
               </a:solidFill>
@@ -9616,7 +8594,7 @@
               </a:tabLst>
             </a:pPr>
             <a:r>
-              <a:rPr b="0" lang="en-IN" sz="900" spc="-1" strike="noStrike">
+              <a:rPr b="0" lang="en-IN" sz="1000" spc="-1" strike="noStrike">
                 <a:solidFill>
                   <a:srgbClr val="000000"/>
                 </a:solidFill>
@@ -9625,7 +8603,7 @@
               </a:rPr>
               <a:t>Emphasize loyalty programs and safe driving incentive</a:t>
             </a:r>
-            <a:endParaRPr b="0" lang="en-IN" sz="900" spc="-1" strike="noStrike">
+            <a:endParaRPr b="0" lang="en-IN" sz="1000" spc="-1" strike="noStrike">
               <a:solidFill>
                 <a:srgbClr val="000000"/>
               </a:solidFill>
@@ -9683,7 +8661,7 @@
               </a:tabLst>
             </a:pPr>
             <a:r>
-              <a:rPr b="0" lang="en-IN" sz="900" spc="-1" strike="noStrike">
+              <a:rPr b="0" lang="en-IN" sz="1000" spc="-1" strike="noStrike">
                 <a:solidFill>
                   <a:srgbClr val="000000"/>
                 </a:solidFill>
@@ -9692,7 +8670,7 @@
               </a:rPr>
               <a:t>Modular insurance plans with mix-and-match coverage options</a:t>
             </a:r>
-            <a:endParaRPr b="0" lang="en-IN" sz="900" spc="-1" strike="noStrike">
+            <a:endParaRPr b="0" lang="en-IN" sz="1000" spc="-1" strike="noStrike">
               <a:solidFill>
                 <a:srgbClr val="000000"/>
               </a:solidFill>
@@ -9714,7 +8692,7 @@
               </a:tabLst>
             </a:pPr>
             <a:r>
-              <a:rPr b="0" lang="en-IN" sz="900" spc="-1" strike="noStrike">
+              <a:rPr b="0" lang="en-IN" sz="1000" spc="-1" strike="noStrike">
                 <a:solidFill>
                   <a:srgbClr val="000000"/>
                 </a:solidFill>
@@ -9723,7 +8701,7 @@
               </a:rPr>
               <a:t>Loyalty-driven policies with increasing benefits over time</a:t>
             </a:r>
-            <a:endParaRPr b="0" lang="en-IN" sz="900" spc="-1" strike="noStrike">
+            <a:endParaRPr b="0" lang="en-IN" sz="1000" spc="-1" strike="noStrike">
               <a:solidFill>
                 <a:srgbClr val="000000"/>
               </a:solidFill>
@@ -9781,7 +8759,7 @@
               </a:tabLst>
             </a:pPr>
             <a:r>
-              <a:rPr b="0" lang="en-IN" sz="900" spc="-1" strike="noStrike">
+              <a:rPr b="0" lang="en-IN" sz="1000" spc="-1" strike="noStrike">
                 <a:solidFill>
                   <a:srgbClr val="000000"/>
                 </a:solidFill>
@@ -9790,7 +8768,7 @@
               </a:rPr>
               <a:t>Multi-policy discounts for home and auto bundles</a:t>
             </a:r>
-            <a:endParaRPr b="0" lang="en-IN" sz="900" spc="-1" strike="noStrike">
+            <a:endParaRPr b="0" lang="en-IN" sz="1000" spc="-1" strike="noStrike">
               <a:solidFill>
                 <a:srgbClr val="000000"/>
               </a:solidFill>
@@ -9812,7 +8790,7 @@
               </a:tabLst>
             </a:pPr>
             <a:r>
-              <a:rPr b="0" lang="en-IN" sz="900" spc="-1" strike="noStrike">
+              <a:rPr b="0" lang="en-IN" sz="1000" spc="-1" strike="noStrike">
                 <a:solidFill>
                   <a:srgbClr val="000000"/>
                 </a:solidFill>
@@ -9821,7 +8799,7 @@
               </a:rPr>
               <a:t>Life insurance with flexible terms and coverage</a:t>
             </a:r>
-            <a:endParaRPr b="0" lang="en-IN" sz="900" spc="-1" strike="noStrike">
+            <a:endParaRPr b="0" lang="en-IN" sz="1000" spc="-1" strike="noStrike">
               <a:solidFill>
                 <a:srgbClr val="000000"/>
               </a:solidFill>
@@ -9838,7 +8816,7 @@
               </a:tabLst>
             </a:pPr>
             <a:r>
-              <a:rPr b="1" lang="en-IN" sz="1200" spc="-1" strike="noStrike">
+              <a:rPr b="1" lang="en-IN" sz="1300" spc="-1" strike="noStrike">
                 <a:solidFill>
                   <a:srgbClr val="000000"/>
                 </a:solidFill>
@@ -9848,7 +8826,7 @@
               <a:t> </a:t>
             </a:r>
             <a:r>
-              <a:rPr b="1" lang="en-IN" sz="1200" spc="-1" strike="noStrike">
+              <a:rPr b="1" lang="en-IN" sz="1300" spc="-1" strike="noStrike">
                 <a:solidFill>
                   <a:srgbClr val="000000"/>
                 </a:solidFill>
@@ -9857,7 +8835,7 @@
               </a:rPr>
               <a:t>Customer Engagement Strategies</a:t>
             </a:r>
-            <a:endParaRPr b="0" lang="en-IN" sz="1200" spc="-1" strike="noStrike">
+            <a:endParaRPr b="0" lang="en-IN" sz="1300" spc="-1" strike="noStrike">
               <a:solidFill>
                 <a:srgbClr val="000000"/>
               </a:solidFill>
@@ -9879,26 +8857,16 @@
               </a:tabLst>
             </a:pPr>
             <a:r>
-              <a:rPr b="0" lang="en-IN" sz="900" spc="-1" strike="noStrike">
+              <a:rPr b="0" lang="en-IN" sz="1000" spc="-1" strike="noStrike">
                 <a:solidFill>
                   <a:srgbClr val="000000"/>
                 </a:solidFill>
                 <a:latin typeface="Roboto"/>
                 <a:ea typeface="Noto Sans CJK SC"/>
               </a:rPr>
-              <a:t>Omnichannel communication with option for traditional or digital </a:t>
-            </a:r>
-            <a:r>
-              <a:rPr b="0" lang="en-IN" sz="900" spc="-1" strike="noStrike">
-                <a:solidFill>
-                  <a:srgbClr val="000000"/>
-                </a:solidFill>
-                <a:latin typeface="Roboto"/>
-                <a:ea typeface="Noto Sans CJK SC"/>
-              </a:rPr>
-              <a:t>interaction</a:t>
-            </a:r>
-            <a:endParaRPr b="0" lang="en-IN" sz="900" spc="-1" strike="noStrike">
+              <a:t>Omnichannel communication with option for traditional or digital interaction</a:t>
+            </a:r>
+            <a:endParaRPr b="0" lang="en-IN" sz="1000" spc="-1" strike="noStrike">
               <a:solidFill>
                 <a:srgbClr val="000000"/>
               </a:solidFill>
@@ -9920,26 +8888,16 @@
               </a:tabLst>
             </a:pPr>
             <a:r>
-              <a:rPr b="0" lang="en-IN" sz="900" spc="-1" strike="noStrike">
+              <a:rPr b="0" lang="en-IN" sz="1000" spc="-1" strike="noStrike">
                 <a:solidFill>
                   <a:srgbClr val="000000"/>
                 </a:solidFill>
                 <a:latin typeface="Roboto"/>
                 <a:ea typeface="Noto Sans CJK SC"/>
               </a:rPr>
-              <a:t>Community-based initiatives promoting safe neighborhoods and driving </a:t>
-            </a:r>
-            <a:r>
-              <a:rPr b="0" lang="en-IN" sz="900" spc="-1" strike="noStrike">
-                <a:solidFill>
-                  <a:srgbClr val="000000"/>
-                </a:solidFill>
-                <a:latin typeface="Roboto"/>
-                <a:ea typeface="Noto Sans CJK SC"/>
-              </a:rPr>
-              <a:t>habits</a:t>
-            </a:r>
-            <a:endParaRPr b="0" lang="en-IN" sz="900" spc="-1" strike="noStrike">
+              <a:t>Community-based initiatives promoting safe neighborhoods and driving habits</a:t>
+            </a:r>
+            <a:endParaRPr b="0" lang="en-IN" sz="1000" spc="-1" strike="noStrike">
               <a:solidFill>
                 <a:srgbClr val="000000"/>
               </a:solidFill>
@@ -9993,7 +8951,7 @@
         <p:spPr>
           <a:xfrm>
             <a:off x="0" y="756000"/>
-            <a:ext cx="10076400" cy="716400"/>
+            <a:ext cx="10076040" cy="716040"/>
           </a:xfrm>
           <a:prstGeom prst="rect">
             <a:avLst/>
@@ -10048,7 +9006,7 @@
         <p:spPr>
           <a:xfrm>
             <a:off x="1979280" y="2195640"/>
-            <a:ext cx="5936400" cy="2089800"/>
+            <a:ext cx="5936040" cy="2089440"/>
           </a:xfrm>
           <a:prstGeom prst="rect">
             <a:avLst/>
@@ -10185,15 +9143,15 @@
         <p:spPr>
           <a:xfrm>
             <a:off x="3671640" y="1584000"/>
-            <a:ext cx="2516400" cy="360"/>
+            <a:ext cx="2516040" cy="360"/>
           </a:xfrm>
           <a:custGeom>
             <a:avLst/>
             <a:gdLst>
-              <a:gd name="textAreaLeft" fmla="*/ 0 w 2516400"/>
-              <a:gd name="textAreaRight" fmla="*/ 2520000 w 2516400"/>
+              <a:gd name="textAreaLeft" fmla="*/ 0 w 2516040"/>
+              <a:gd name="textAreaRight" fmla="*/ 2520000 w 2516040"/>
               <a:gd name="textAreaTop" fmla="*/ 0 h 360"/>
-              <a:gd name="textAreaBottom" fmla="*/ 368640 h 360"/>
+              <a:gd name="textAreaBottom" fmla="*/ 737280 h 360"/>
             </a:gdLst>
             <a:ahLst/>
             <a:rect l="textAreaLeft" t="textAreaTop" r="textAreaRight" b="textAreaBottom"/>
@@ -10664,7 +9622,7 @@
         <p:spPr>
           <a:xfrm>
             <a:off x="0" y="0"/>
-            <a:ext cx="10076400" cy="716400"/>
+            <a:ext cx="10076040" cy="716040"/>
           </a:xfrm>
           <a:prstGeom prst="rect">
             <a:avLst/>
@@ -10716,15 +9674,15 @@
         <p:spPr>
           <a:xfrm>
             <a:off x="3419280" y="828000"/>
-            <a:ext cx="3056400" cy="360"/>
+            <a:ext cx="3056040" cy="360"/>
           </a:xfrm>
           <a:custGeom>
             <a:avLst/>
             <a:gdLst>
-              <a:gd name="textAreaLeft" fmla="*/ 0 w 3056400"/>
-              <a:gd name="textAreaRight" fmla="*/ 3060000 w 3056400"/>
+              <a:gd name="textAreaLeft" fmla="*/ 0 w 3056040"/>
+              <a:gd name="textAreaRight" fmla="*/ 3060000 w 3056040"/>
               <a:gd name="textAreaTop" fmla="*/ 0 h 360"/>
-              <a:gd name="textAreaBottom" fmla="*/ 368640 h 360"/>
+              <a:gd name="textAreaBottom" fmla="*/ 737280 h 360"/>
             </a:gdLst>
             <a:ahLst/>
             <a:rect l="textAreaLeft" t="textAreaTop" r="textAreaRight" b="textAreaBottom"/>
@@ -10786,7 +9744,7 @@
         <p:spPr>
           <a:xfrm>
             <a:off x="1511640" y="1187640"/>
-            <a:ext cx="2535840" cy="405360"/>
+            <a:ext cx="2535480" cy="405000"/>
           </a:xfrm>
           <a:prstGeom prst="rect">
             <a:avLst/>
@@ -10852,7 +9810,7 @@
         <p:spPr>
           <a:xfrm>
             <a:off x="1511640" y="1634400"/>
-            <a:ext cx="2535840" cy="1422000"/>
+            <a:ext cx="2535480" cy="1421640"/>
           </a:xfrm>
           <a:prstGeom prst="rect">
             <a:avLst/>
@@ -10918,7 +9876,7 @@
         <p:spPr>
           <a:xfrm>
             <a:off x="5859000" y="1187640"/>
-            <a:ext cx="2535840" cy="405360"/>
+            <a:ext cx="2535480" cy="405000"/>
           </a:xfrm>
           <a:prstGeom prst="rect">
             <a:avLst/>
@@ -10984,7 +9942,7 @@
         <p:spPr>
           <a:xfrm>
             <a:off x="5859000" y="1634400"/>
-            <a:ext cx="2535840" cy="1422000"/>
+            <a:ext cx="2535480" cy="1421640"/>
           </a:xfrm>
           <a:prstGeom prst="rect">
             <a:avLst/>
@@ -11132,7 +10090,7 @@
         <p:spPr>
           <a:xfrm>
             <a:off x="1512720" y="3607560"/>
-            <a:ext cx="2535840" cy="405360"/>
+            <a:ext cx="2535480" cy="405000"/>
           </a:xfrm>
           <a:prstGeom prst="rect">
             <a:avLst/>
@@ -11198,7 +10156,7 @@
         <p:spPr>
           <a:xfrm>
             <a:off x="1512720" y="4053960"/>
-            <a:ext cx="2535840" cy="1421640"/>
+            <a:ext cx="2535480" cy="1421280"/>
           </a:xfrm>
           <a:prstGeom prst="rect">
             <a:avLst/>
@@ -11346,7 +10304,7 @@
         <p:spPr>
           <a:xfrm>
             <a:off x="5859000" y="3607200"/>
-            <a:ext cx="2535840" cy="405360"/>
+            <a:ext cx="2535480" cy="405000"/>
           </a:xfrm>
           <a:prstGeom prst="rect">
             <a:avLst/>
@@ -11412,7 +10370,7 @@
         <p:spPr>
           <a:xfrm>
             <a:off x="5859000" y="4053960"/>
-            <a:ext cx="2535840" cy="1421640"/>
+            <a:ext cx="2535480" cy="1421280"/>
           </a:xfrm>
           <a:prstGeom prst="rect">
             <a:avLst/>
@@ -12190,7 +11148,7 @@
         <p:spPr>
           <a:xfrm>
             <a:off x="0" y="4680"/>
-            <a:ext cx="10076400" cy="598680"/>
+            <a:ext cx="10076040" cy="598320"/>
           </a:xfrm>
           <a:prstGeom prst="rect">
             <a:avLst/>
@@ -12276,7 +11234,7 @@
         <p:spPr>
           <a:xfrm>
             <a:off x="323640" y="3600000"/>
-            <a:ext cx="3273840" cy="1796400"/>
+            <a:ext cx="3273480" cy="1796040"/>
           </a:xfrm>
           <a:prstGeom prst="rect">
             <a:avLst/>
@@ -12483,7 +11441,7 @@
         <p:spPr>
           <a:xfrm>
             <a:off x="3852000" y="647640"/>
-            <a:ext cx="6117480" cy="465840"/>
+            <a:ext cx="6117120" cy="465480"/>
           </a:xfrm>
           <a:prstGeom prst="rect">
             <a:avLst/>
@@ -12541,7 +11499,7 @@
         <p:spPr>
           <a:xfrm>
             <a:off x="3960000" y="1260000"/>
-            <a:ext cx="5757480" cy="4137480"/>
+            <a:ext cx="5757120" cy="4137120"/>
           </a:xfrm>
           <a:prstGeom prst="rect">
             <a:avLst/>
@@ -12570,9 +11528,9 @@
         <p:grpSpPr>
           <a:xfrm>
             <a:off x="613800" y="1170720"/>
-            <a:ext cx="2507400" cy="2242800"/>
+            <a:ext cx="2507040" cy="2242440"/>
             <a:chOff x="613800" y="1170720"/>
-            <a:chExt cx="2507400" cy="2242800"/>
+            <a:chExt cx="2507040" cy="2242440"/>
           </a:xfrm>
         </p:grpSpPr>
         <p:sp>
@@ -12584,15 +11542,15 @@
           <p:spPr>
             <a:xfrm>
               <a:off x="1917000" y="1170720"/>
-              <a:ext cx="1204200" cy="1211760"/>
+              <a:ext cx="1203840" cy="1211400"/>
             </a:xfrm>
             <a:custGeom>
               <a:avLst/>
               <a:gdLst>
-                <a:gd name="textAreaLeft" fmla="*/ 0 w 1204200"/>
-                <a:gd name="textAreaRight" fmla="*/ 1207080 w 1204200"/>
-                <a:gd name="textAreaTop" fmla="*/ 0 h 1211760"/>
-                <a:gd name="textAreaBottom" fmla="*/ 1214640 h 1211760"/>
+                <a:gd name="textAreaLeft" fmla="*/ 0 w 1203840"/>
+                <a:gd name="textAreaRight" fmla="*/ 1207080 w 1203840"/>
+                <a:gd name="textAreaTop" fmla="*/ 0 h 1211400"/>
+                <a:gd name="textAreaBottom" fmla="*/ 1214640 h 1211400"/>
               </a:gdLst>
               <a:ahLst/>
               <a:rect l="textAreaLeft" t="textAreaTop" r="textAreaRight" b="textAreaBottom"/>
@@ -12695,15 +11653,15 @@
           <p:spPr>
             <a:xfrm>
               <a:off x="613800" y="1170720"/>
-              <a:ext cx="1204200" cy="1211760"/>
+              <a:ext cx="1203840" cy="1211400"/>
             </a:xfrm>
             <a:custGeom>
               <a:avLst/>
               <a:gdLst>
-                <a:gd name="textAreaLeft" fmla="*/ 0 w 1204200"/>
-                <a:gd name="textAreaRight" fmla="*/ 1207080 w 1204200"/>
-                <a:gd name="textAreaTop" fmla="*/ 0 h 1211760"/>
-                <a:gd name="textAreaBottom" fmla="*/ 1214640 h 1211760"/>
+                <a:gd name="textAreaLeft" fmla="*/ 0 w 1203840"/>
+                <a:gd name="textAreaRight" fmla="*/ 1207080 w 1203840"/>
+                <a:gd name="textAreaTop" fmla="*/ 0 h 1211400"/>
+                <a:gd name="textAreaBottom" fmla="*/ 1214640 h 1211400"/>
               </a:gdLst>
               <a:ahLst/>
               <a:rect l="textAreaLeft" t="textAreaTop" r="textAreaRight" b="textAreaBottom"/>
@@ -12806,15 +11764,15 @@
           <p:spPr>
             <a:xfrm>
               <a:off x="1262880" y="2201760"/>
-              <a:ext cx="1204560" cy="1211760"/>
+              <a:ext cx="1204200" cy="1211400"/>
             </a:xfrm>
             <a:custGeom>
               <a:avLst/>
               <a:gdLst>
-                <a:gd name="textAreaLeft" fmla="*/ 0 w 1204560"/>
-                <a:gd name="textAreaRight" fmla="*/ 1207440 w 1204560"/>
-                <a:gd name="textAreaTop" fmla="*/ 0 h 1211760"/>
-                <a:gd name="textAreaBottom" fmla="*/ 1214640 h 1211760"/>
+                <a:gd name="textAreaLeft" fmla="*/ 0 w 1204200"/>
+                <a:gd name="textAreaRight" fmla="*/ 1207440 w 1204200"/>
+                <a:gd name="textAreaTop" fmla="*/ 0 h 1211400"/>
+                <a:gd name="textAreaBottom" fmla="*/ 1214640 h 1211400"/>
               </a:gdLst>
               <a:ahLst/>
               <a:rect l="textAreaLeft" t="textAreaTop" r="textAreaRight" b="textAreaBottom"/>
@@ -12918,7 +11876,7 @@
         <p:spPr>
           <a:xfrm>
             <a:off x="27360" y="650520"/>
-            <a:ext cx="3822120" cy="354960"/>
+            <a:ext cx="3821760" cy="354600"/>
           </a:xfrm>
           <a:prstGeom prst="rect">
             <a:avLst/>
@@ -13933,7 +12891,7 @@
         <p:spPr>
           <a:xfrm>
             <a:off x="0" y="0"/>
-            <a:ext cx="10076400" cy="603360"/>
+            <a:ext cx="10076040" cy="603000"/>
           </a:xfrm>
           <a:prstGeom prst="rect">
             <a:avLst/>
@@ -13988,7 +12946,7 @@
         <p:spPr>
           <a:xfrm>
             <a:off x="180000" y="720000"/>
-            <a:ext cx="2877840" cy="2877840"/>
+            <a:ext cx="2877480" cy="2877480"/>
           </a:xfrm>
           <a:prstGeom prst="rect">
             <a:avLst/>
@@ -14277,7 +13235,7 @@
         <p:spPr>
           <a:xfrm>
             <a:off x="3528000" y="2342160"/>
-            <a:ext cx="2877840" cy="2156400"/>
+            <a:ext cx="2877480" cy="2156040"/>
           </a:xfrm>
           <a:prstGeom prst="rect">
             <a:avLst/>
@@ -14535,7 +13493,7 @@
         <p:spPr>
           <a:xfrm>
             <a:off x="7019640" y="3384000"/>
-            <a:ext cx="2877840" cy="2157480"/>
+            <a:ext cx="2877480" cy="2157120"/>
           </a:xfrm>
           <a:prstGeom prst="rect">
             <a:avLst/>
@@ -14793,7 +13751,7 @@
         <p:spPr>
           <a:xfrm>
             <a:off x="3780000" y="722160"/>
-            <a:ext cx="2806200" cy="717840"/>
+            <a:ext cx="2805840" cy="717480"/>
           </a:xfrm>
           <a:prstGeom prst="rect">
             <a:avLst/>
@@ -14847,15 +13805,15 @@
         <p:spPr>
           <a:xfrm>
             <a:off x="3060000" y="1044000"/>
-            <a:ext cx="538560" cy="358200"/>
+            <a:ext cx="538200" cy="357840"/>
           </a:xfrm>
           <a:custGeom>
             <a:avLst/>
             <a:gdLst>
-              <a:gd name="textAreaLeft" fmla="*/ 0 w 538560"/>
-              <a:gd name="textAreaRight" fmla="*/ 540360 w 538560"/>
-              <a:gd name="textAreaTop" fmla="*/ 0 h 358200"/>
-              <a:gd name="textAreaBottom" fmla="*/ 360360 h 358200"/>
+              <a:gd name="textAreaLeft" fmla="*/ 0 w 538200"/>
+              <a:gd name="textAreaRight" fmla="*/ 540360 w 538200"/>
+              <a:gd name="textAreaTop" fmla="*/ 0 h 357840"/>
+              <a:gd name="textAreaBottom" fmla="*/ 360360 h 357840"/>
             </a:gdLst>
             <a:ahLst/>
             <a:rect l="textAreaLeft" t="textAreaTop" r="textAreaRight" b="textAreaBottom"/>
@@ -14935,7 +13893,7 @@
         <p:spPr>
           <a:xfrm>
             <a:off x="180360" y="3816000"/>
-            <a:ext cx="2698200" cy="1472040"/>
+            <a:ext cx="2697840" cy="1471680"/>
           </a:xfrm>
           <a:prstGeom prst="rect">
             <a:avLst/>
@@ -14988,16 +13946,16 @@
         </p:nvSpPr>
         <p:spPr>
           <a:xfrm flipH="1" rot="20308800">
-            <a:off x="2869560" y="3699720"/>
-            <a:ext cx="641160" cy="357480"/>
+            <a:off x="2869560" y="3699360"/>
+            <a:ext cx="640800" cy="357120"/>
           </a:xfrm>
           <a:custGeom>
             <a:avLst/>
             <a:gdLst>
-              <a:gd name="textAreaLeft" fmla="*/ 720 w 641160"/>
-              <a:gd name="textAreaRight" fmla="*/ 643320 w 641160"/>
-              <a:gd name="textAreaTop" fmla="*/ 0 h 357480"/>
-              <a:gd name="textAreaBottom" fmla="*/ 359280 h 357480"/>
+              <a:gd name="textAreaLeft" fmla="*/ 1080 w 640800"/>
+              <a:gd name="textAreaRight" fmla="*/ 643680 w 640800"/>
+              <a:gd name="textAreaTop" fmla="*/ 0 h 357120"/>
+              <a:gd name="textAreaBottom" fmla="*/ 359280 h 357120"/>
             </a:gdLst>
             <a:ahLst/>
             <a:rect l="textAreaLeft" t="textAreaTop" r="textAreaRight" b="textAreaBottom"/>
@@ -15076,16 +14034,16 @@
         </p:nvSpPr>
         <p:spPr>
           <a:xfrm flipH="1" rot="5370600">
-            <a:off x="8002800" y="2864160"/>
-            <a:ext cx="680400" cy="358200"/>
+            <a:off x="8002440" y="2864160"/>
+            <a:ext cx="680040" cy="357840"/>
           </a:xfrm>
           <a:custGeom>
             <a:avLst/>
             <a:gdLst>
-              <a:gd name="textAreaLeft" fmla="*/ -720 w 680400"/>
-              <a:gd name="textAreaRight" fmla="*/ 681840 w 680400"/>
-              <a:gd name="textAreaTop" fmla="*/ 0 h 358200"/>
-              <a:gd name="textAreaBottom" fmla="*/ 360360 h 358200"/>
+              <a:gd name="textAreaLeft" fmla="*/ -1080 w 680040"/>
+              <a:gd name="textAreaRight" fmla="*/ 681480 w 680040"/>
+              <a:gd name="textAreaTop" fmla="*/ 0 h 357840"/>
+              <a:gd name="textAreaBottom" fmla="*/ 360360 h 357840"/>
             </a:gdLst>
             <a:ahLst/>
             <a:rect l="textAreaLeft" t="textAreaTop" r="textAreaRight" b="textAreaBottom"/>
@@ -15165,7 +14123,7 @@
         <p:spPr>
           <a:xfrm>
             <a:off x="7164000" y="1260000"/>
-            <a:ext cx="2282760" cy="1415520"/>
+            <a:ext cx="2282400" cy="1415160"/>
           </a:xfrm>
           <a:prstGeom prst="rect">
             <a:avLst/>
@@ -15916,7 +14874,7 @@
         <p:spPr>
           <a:xfrm>
             <a:off x="0" y="4680"/>
-            <a:ext cx="10076400" cy="598680"/>
+            <a:ext cx="10076040" cy="598320"/>
           </a:xfrm>
           <a:prstGeom prst="rect">
             <a:avLst/>
@@ -15947,25 +14905,7 @@
                 </a:solidFill>
                 <a:latin typeface="Roboto Condensed"/>
               </a:rPr>
-              <a:t>Customer </a:t>
-            </a:r>
-            <a:r>
-              <a:rPr b="0" lang="en-IN" sz="2400" spc="-1" strike="noStrike">
-                <a:solidFill>
-                  <a:srgbClr val="ffffff"/>
-                </a:solidFill>
-                <a:latin typeface="Roboto Condensed"/>
-              </a:rPr>
-              <a:t>Characteristics – Visual </a:t>
-            </a:r>
-            <a:r>
-              <a:rPr b="0" lang="en-IN" sz="2400" spc="-1" strike="noStrike">
-                <a:solidFill>
-                  <a:srgbClr val="ffffff"/>
-                </a:solidFill>
-                <a:latin typeface="Roboto Condensed"/>
-              </a:rPr>
-              <a:t>Observation</a:t>
+              <a:t>Customer Characteristics – Visual Observation</a:t>
             </a:r>
             <a:endParaRPr b="0" lang="en-IN" sz="2400" spc="-1" strike="noStrike">
               <a:solidFill>
@@ -15989,7 +14929,7 @@
         <p:spPr>
           <a:xfrm>
             <a:off x="2880000" y="3240000"/>
-            <a:ext cx="2570400" cy="2409480"/>
+            <a:ext cx="2570040" cy="2409120"/>
           </a:xfrm>
           <a:prstGeom prst="rect">
             <a:avLst/>
@@ -16012,7 +14952,7 @@
         <p:spPr>
           <a:xfrm>
             <a:off x="5616000" y="3240000"/>
-            <a:ext cx="2517480" cy="2409480"/>
+            <a:ext cx="2517120" cy="2409120"/>
           </a:xfrm>
           <a:prstGeom prst="rect">
             <a:avLst/>
@@ -16035,7 +14975,7 @@
         <p:spPr>
           <a:xfrm>
             <a:off x="0" y="3276000"/>
-            <a:ext cx="2697480" cy="2377800"/>
+            <a:ext cx="2697120" cy="2377440"/>
           </a:xfrm>
           <a:prstGeom prst="rect">
             <a:avLst/>
@@ -16058,7 +14998,7 @@
         <p:spPr>
           <a:xfrm>
             <a:off x="0" y="540000"/>
-            <a:ext cx="2697480" cy="2477160"/>
+            <a:ext cx="2697120" cy="2476800"/>
           </a:xfrm>
           <a:prstGeom prst="rect">
             <a:avLst/>
@@ -16081,7 +15021,7 @@
         <p:spPr>
           <a:xfrm>
             <a:off x="2880000" y="605880"/>
-            <a:ext cx="2517480" cy="2420280"/>
+            <a:ext cx="2517120" cy="2419920"/>
           </a:xfrm>
           <a:prstGeom prst="rect">
             <a:avLst/>
@@ -16104,7 +15044,7 @@
         <p:spPr>
           <a:xfrm>
             <a:off x="5652720" y="603720"/>
-            <a:ext cx="2446920" cy="2455920"/>
+            <a:ext cx="2446560" cy="2455560"/>
           </a:xfrm>
           <a:prstGeom prst="rect">
             <a:avLst/>
@@ -16159,7 +15099,7 @@
         <p:spPr>
           <a:xfrm>
             <a:off x="0" y="4680"/>
-            <a:ext cx="10076400" cy="598680"/>
+            <a:ext cx="10076040" cy="598320"/>
           </a:xfrm>
           <a:prstGeom prst="rect">
             <a:avLst/>
@@ -16214,7 +15154,7 @@
         <p:spPr>
           <a:xfrm>
             <a:off x="180000" y="723240"/>
-            <a:ext cx="2879640" cy="4676400"/>
+            <a:ext cx="2879280" cy="4676040"/>
           </a:xfrm>
           <a:prstGeom prst="rect">
             <a:avLst/>
@@ -16242,9 +15182,6 @@
               <a:lnSpc>
                 <a:spcPct val="150000"/>
               </a:lnSpc>
-              <a:spcAft>
-                <a:spcPts val="283"/>
-              </a:spcAft>
               <a:buNone/>
               <a:tabLst>
                 <a:tab algn="l" pos="0"/>
@@ -16265,6 +15202,7 @@
                 <a:srgbClr val="000000"/>
               </a:solidFill>
               <a:latin typeface="Arial"/>
+              <a:ea typeface="Noto Sans CJK SC"/>
             </a:endParaRPr>
           </a:p>
           <a:p>
@@ -16300,6 +15238,7 @@
                 <a:srgbClr val="000000"/>
               </a:solidFill>
               <a:latin typeface="Arial"/>
+              <a:ea typeface="Noto Sans CJK SC"/>
             </a:endParaRPr>
           </a:p>
           <a:p>
@@ -16332,6 +15271,7 @@
                 <a:srgbClr val="000000"/>
               </a:solidFill>
               <a:latin typeface="Arial"/>
+              <a:ea typeface="Noto Sans CJK SC"/>
             </a:endParaRPr>
           </a:p>
           <a:p>
@@ -16364,6 +15304,7 @@
                 <a:srgbClr val="000000"/>
               </a:solidFill>
               <a:latin typeface="Arial"/>
+              <a:ea typeface="Noto Sans CJK SC"/>
             </a:endParaRPr>
           </a:p>
           <a:p>
@@ -16401,6 +15342,7 @@
                 <a:srgbClr val="000000"/>
               </a:solidFill>
               <a:latin typeface="Arial"/>
+              <a:ea typeface="Noto Sans CJK SC"/>
             </a:endParaRPr>
           </a:p>
           <a:p>
@@ -16433,6 +15375,7 @@
                 <a:srgbClr val="000000"/>
               </a:solidFill>
               <a:latin typeface="Arial"/>
+              <a:ea typeface="Noto Sans CJK SC"/>
             </a:endParaRPr>
           </a:p>
           <a:p>
@@ -16465,6 +15408,7 @@
                 <a:srgbClr val="000000"/>
               </a:solidFill>
               <a:latin typeface="Arial"/>
+              <a:ea typeface="Noto Sans CJK SC"/>
             </a:endParaRPr>
           </a:p>
           <a:p>
@@ -16502,6 +15446,7 @@
                 <a:srgbClr val="000000"/>
               </a:solidFill>
               <a:latin typeface="Arial"/>
+              <a:ea typeface="Noto Sans CJK SC"/>
             </a:endParaRPr>
           </a:p>
           <a:p>
@@ -16534,6 +15479,7 @@
                 <a:srgbClr val="000000"/>
               </a:solidFill>
               <a:latin typeface="Arial"/>
+              <a:ea typeface="Noto Sans CJK SC"/>
             </a:endParaRPr>
           </a:p>
           <a:p>
@@ -16566,6 +15512,7 @@
                 <a:srgbClr val="000000"/>
               </a:solidFill>
               <a:latin typeface="Arial"/>
+              <a:ea typeface="Noto Sans CJK SC"/>
             </a:endParaRPr>
           </a:p>
           <a:p>
@@ -16573,9 +15520,6 @@
               <a:lnSpc>
                 <a:spcPct val="150000"/>
               </a:lnSpc>
-              <a:spcBef>
-                <a:spcPts val="281"/>
-              </a:spcBef>
               <a:buNone/>
               <a:tabLst>
                 <a:tab algn="l" pos="0"/>
@@ -16606,6 +15550,7 @@
                 <a:srgbClr val="000000"/>
               </a:solidFill>
               <a:latin typeface="Arial"/>
+              <a:ea typeface="Noto Sans CJK SC"/>
             </a:endParaRPr>
           </a:p>
           <a:p>
@@ -16638,6 +15583,7 @@
                 <a:srgbClr val="000000"/>
               </a:solidFill>
               <a:latin typeface="Arial"/>
+              <a:ea typeface="Noto Sans CJK SC"/>
             </a:endParaRPr>
           </a:p>
           <a:p>
@@ -16670,6 +15616,7 @@
                 <a:srgbClr val="000000"/>
               </a:solidFill>
               <a:latin typeface="Arial"/>
+              <a:ea typeface="Noto Sans CJK SC"/>
             </a:endParaRPr>
           </a:p>
         </p:txBody>
@@ -16683,7 +15630,7 @@
         <p:spPr>
           <a:xfrm>
             <a:off x="3276000" y="720000"/>
-            <a:ext cx="140400" cy="4568400"/>
+            <a:ext cx="140040" cy="4568040"/>
           </a:xfrm>
           <a:prstGeom prst="rect">
             <a:avLst/>
@@ -16747,7 +15694,7 @@
         <p:spPr>
           <a:xfrm>
             <a:off x="3600000" y="720000"/>
-            <a:ext cx="2879640" cy="4676400"/>
+            <a:ext cx="2879280" cy="4676040"/>
           </a:xfrm>
           <a:prstGeom prst="rect">
             <a:avLst/>
@@ -17214,7 +16161,7 @@
         <p:spPr>
           <a:xfrm>
             <a:off x="7020000" y="720000"/>
-            <a:ext cx="2879640" cy="4676400"/>
+            <a:ext cx="2879280" cy="4676040"/>
           </a:xfrm>
           <a:prstGeom prst="rect">
             <a:avLst/>
@@ -17669,7 +16616,7 @@
         <p:spPr>
           <a:xfrm>
             <a:off x="6696000" y="720000"/>
-            <a:ext cx="140400" cy="4568400"/>
+            <a:ext cx="140040" cy="4568040"/>
           </a:xfrm>
           <a:prstGeom prst="rect">
             <a:avLst/>
@@ -18239,7 +17186,7 @@
         <p:spPr>
           <a:xfrm>
             <a:off x="0" y="540000"/>
-            <a:ext cx="10076400" cy="716400"/>
+            <a:ext cx="10076040" cy="716040"/>
           </a:xfrm>
           <a:prstGeom prst="rect">
             <a:avLst/>
@@ -18303,7 +17250,7 @@
         <p:spPr>
           <a:xfrm>
             <a:off x="503640" y="1866240"/>
-            <a:ext cx="4422960" cy="3284640"/>
+            <a:ext cx="4422600" cy="3284280"/>
           </a:xfrm>
           <a:prstGeom prst="rect">
             <a:avLst/>
@@ -18483,7 +17430,7 @@
         <p:spPr>
           <a:xfrm>
             <a:off x="5151960" y="1866240"/>
-            <a:ext cx="4422960" cy="3284640"/>
+            <a:ext cx="4422600" cy="3284280"/>
           </a:xfrm>
           <a:prstGeom prst="rect">
             <a:avLst/>
@@ -18703,7 +17650,7 @@
         <p:spPr>
           <a:xfrm>
             <a:off x="0" y="180000"/>
-            <a:ext cx="5039640" cy="716400"/>
+            <a:ext cx="5039280" cy="716040"/>
           </a:xfrm>
           <a:prstGeom prst="rect">
             <a:avLst/>
@@ -18763,9 +17710,9 @@
         <p:grpSpPr>
           <a:xfrm>
             <a:off x="0" y="1008000"/>
-            <a:ext cx="10002240" cy="3639600"/>
+            <a:ext cx="10001520" cy="3639240"/>
             <a:chOff x="0" y="1008000"/>
-            <a:chExt cx="10002240" cy="3639600"/>
+            <a:chExt cx="10001520" cy="3639240"/>
           </a:xfrm>
         </p:grpSpPr>
         <p:grpSp>
@@ -18777,9 +17724,9 @@
           <p:grpSpPr>
             <a:xfrm>
               <a:off x="3960" y="1014480"/>
-              <a:ext cx="4677120" cy="717120"/>
+              <a:ext cx="4676760" cy="716760"/>
               <a:chOff x="3960" y="1014480"/>
-              <a:chExt cx="4677120" cy="717120"/>
+              <a:chExt cx="4676760" cy="716760"/>
             </a:xfrm>
           </p:grpSpPr>
           <p:sp>
@@ -18791,7 +17738,7 @@
             <p:spPr>
               <a:xfrm>
                 <a:off x="449640" y="1134720"/>
-                <a:ext cx="4231440" cy="476640"/>
+                <a:ext cx="4231080" cy="476280"/>
               </a:xfrm>
               <a:prstGeom prst="roundRect">
                 <a:avLst>
@@ -18865,7 +17812,7 @@
             <p:spPr>
               <a:xfrm>
                 <a:off x="3960" y="1014480"/>
-                <a:ext cx="665640" cy="717120"/>
+                <a:ext cx="665280" cy="716760"/>
               </a:xfrm>
               <a:prstGeom prst="ellipse">
                 <a:avLst/>
@@ -18927,9 +17874,9 @@
           <p:grpSpPr>
             <a:xfrm>
               <a:off x="216000" y="1734480"/>
-              <a:ext cx="4677120" cy="717120"/>
+              <a:ext cx="4676760" cy="716760"/>
               <a:chOff x="216000" y="1734480"/>
-              <a:chExt cx="4677120" cy="717120"/>
+              <a:chExt cx="4676760" cy="716760"/>
             </a:xfrm>
           </p:grpSpPr>
           <p:sp>
@@ -18941,7 +17888,7 @@
             <p:spPr>
               <a:xfrm>
                 <a:off x="434520" y="1851120"/>
-                <a:ext cx="4458600" cy="476640"/>
+                <a:ext cx="4458240" cy="476280"/>
               </a:xfrm>
               <a:prstGeom prst="roundRect">
                 <a:avLst>
@@ -19015,7 +17962,7 @@
             <p:spPr>
               <a:xfrm>
                 <a:off x="216000" y="1734480"/>
-                <a:ext cx="701640" cy="717120"/>
+                <a:ext cx="701280" cy="716760"/>
               </a:xfrm>
               <a:prstGeom prst="ellipse">
                 <a:avLst/>
@@ -19077,9 +18024,9 @@
           <p:grpSpPr>
             <a:xfrm>
               <a:off x="360000" y="2454480"/>
-              <a:ext cx="4317120" cy="717120"/>
+              <a:ext cx="4316760" cy="716760"/>
               <a:chOff x="360000" y="2454480"/>
-              <a:chExt cx="4317120" cy="717120"/>
+              <a:chExt cx="4316760" cy="716760"/>
             </a:xfrm>
           </p:grpSpPr>
           <p:sp>
@@ -19091,7 +18038,7 @@
             <p:spPr>
               <a:xfrm>
                 <a:off x="758160" y="2574360"/>
-                <a:ext cx="3918960" cy="477000"/>
+                <a:ext cx="3918600" cy="476640"/>
               </a:xfrm>
               <a:prstGeom prst="roundRect">
                 <a:avLst>
@@ -19165,7 +18112,7 @@
             <p:spPr>
               <a:xfrm>
                 <a:off x="360000" y="2454480"/>
-                <a:ext cx="616680" cy="717120"/>
+                <a:ext cx="616320" cy="716760"/>
               </a:xfrm>
               <a:prstGeom prst="ellipse">
                 <a:avLst/>
@@ -19227,9 +18174,9 @@
           <p:grpSpPr>
             <a:xfrm>
               <a:off x="216000" y="3204000"/>
-              <a:ext cx="4677120" cy="717120"/>
+              <a:ext cx="4676760" cy="716760"/>
               <a:chOff x="216000" y="3204000"/>
-              <a:chExt cx="4677120" cy="717120"/>
+              <a:chExt cx="4676760" cy="716760"/>
             </a:xfrm>
           </p:grpSpPr>
           <p:sp>
@@ -19241,7 +18188,7 @@
             <p:spPr>
               <a:xfrm>
                 <a:off x="647280" y="3323880"/>
-                <a:ext cx="4245840" cy="477000"/>
+                <a:ext cx="4245480" cy="476640"/>
               </a:xfrm>
               <a:prstGeom prst="roundRect">
                 <a:avLst>
@@ -19315,7 +18262,7 @@
             <p:spPr>
               <a:xfrm>
                 <a:off x="216000" y="3204000"/>
-                <a:ext cx="668160" cy="717120"/>
+                <a:ext cx="667800" cy="716760"/>
               </a:xfrm>
               <a:prstGeom prst="ellipse">
                 <a:avLst/>
@@ -19377,9 +18324,9 @@
           <p:grpSpPr>
             <a:xfrm>
               <a:off x="0" y="3930480"/>
-              <a:ext cx="4677120" cy="717120"/>
+              <a:ext cx="4676760" cy="716760"/>
               <a:chOff x="0" y="3930480"/>
-              <a:chExt cx="4677120" cy="717120"/>
+              <a:chExt cx="4676760" cy="716760"/>
             </a:xfrm>
           </p:grpSpPr>
           <p:sp>
@@ -19391,7 +18338,7 @@
             <p:spPr>
               <a:xfrm>
                 <a:off x="431280" y="4050360"/>
-                <a:ext cx="4245840" cy="477000"/>
+                <a:ext cx="4245480" cy="476640"/>
               </a:xfrm>
               <a:prstGeom prst="roundRect">
                 <a:avLst>
@@ -19465,7 +18412,7 @@
             <p:spPr>
               <a:xfrm>
                 <a:off x="0" y="3930480"/>
-                <a:ext cx="668160" cy="717120"/>
+                <a:ext cx="667800" cy="716760"/>
               </a:xfrm>
               <a:prstGeom prst="ellipse">
                 <a:avLst/>
@@ -19526,10 +18473,10 @@
           </p:nvGrpSpPr>
           <p:grpSpPr>
             <a:xfrm>
-              <a:off x="5324400" y="1008000"/>
-              <a:ext cx="4677840" cy="717120"/>
-              <a:chOff x="5324400" y="1008000"/>
-              <a:chExt cx="4677840" cy="717120"/>
+              <a:off x="5324040" y="1008000"/>
+              <a:ext cx="4677480" cy="716760"/>
+              <a:chOff x="5324040" y="1008000"/>
+              <a:chExt cx="4677480" cy="716760"/>
             </a:xfrm>
           </p:grpSpPr>
           <p:sp>
@@ -19540,8 +18487,8 @@
             </p:nvSpPr>
             <p:spPr>
               <a:xfrm flipH="1">
-                <a:off x="5324400" y="1128240"/>
-                <a:ext cx="4231440" cy="476640"/>
+                <a:off x="5323680" y="1128240"/>
+                <a:ext cx="4231080" cy="476280"/>
               </a:xfrm>
               <a:prstGeom prst="roundRect">
                 <a:avLst>
@@ -19608,7 +18555,7 @@
             <p:spPr>
               <a:xfrm flipH="1">
                 <a:off x="9336240" y="1008000"/>
-                <a:ext cx="665640" cy="717120"/>
+                <a:ext cx="665280" cy="716760"/>
               </a:xfrm>
               <a:prstGeom prst="ellipse">
                 <a:avLst/>
@@ -19669,10 +18616,10 @@
           </p:nvGrpSpPr>
           <p:grpSpPr>
             <a:xfrm>
-              <a:off x="5145120" y="1728000"/>
-              <a:ext cx="4677120" cy="717120"/>
-              <a:chOff x="5145120" y="1728000"/>
-              <a:chExt cx="4677120" cy="717120"/>
+              <a:off x="5144760" y="1728000"/>
+              <a:ext cx="4676760" cy="716760"/>
+              <a:chOff x="5144760" y="1728000"/>
+              <a:chExt cx="4676760" cy="716760"/>
             </a:xfrm>
           </p:grpSpPr>
           <p:sp>
@@ -19684,7 +18631,7 @@
             <p:spPr>
               <a:xfrm flipH="1">
                 <a:off x="5144760" y="1844640"/>
-                <a:ext cx="4458600" cy="476640"/>
+                <a:ext cx="4458240" cy="476280"/>
               </a:xfrm>
               <a:prstGeom prst="roundRect">
                 <a:avLst>
@@ -19751,7 +18698,7 @@
             <p:spPr>
               <a:xfrm flipH="1">
                 <a:off x="9120240" y="1728000"/>
-                <a:ext cx="701640" cy="717120"/>
+                <a:ext cx="701280" cy="716760"/>
               </a:xfrm>
               <a:prstGeom prst="ellipse">
                 <a:avLst/>
@@ -19812,10 +18759,10 @@
           </p:nvGrpSpPr>
           <p:grpSpPr>
             <a:xfrm>
-              <a:off x="5288400" y="2448000"/>
-              <a:ext cx="4317120" cy="717120"/>
-              <a:chOff x="5288400" y="2448000"/>
-              <a:chExt cx="4317120" cy="717120"/>
+              <a:off x="5288040" y="2448000"/>
+              <a:ext cx="4316760" cy="716760"/>
+              <a:chOff x="5288040" y="2448000"/>
+              <a:chExt cx="4316760" cy="716760"/>
             </a:xfrm>
           </p:grpSpPr>
           <p:sp>
@@ -19826,8 +18773,8 @@
             </p:nvSpPr>
             <p:spPr>
               <a:xfrm flipH="1">
-                <a:off x="5288400" y="2567880"/>
-                <a:ext cx="3918960" cy="477000"/>
+                <a:off x="5287680" y="2567880"/>
+                <a:ext cx="3918600" cy="476640"/>
               </a:xfrm>
               <a:prstGeom prst="roundRect">
                 <a:avLst>
@@ -19900,8 +18847,8 @@
             </p:nvSpPr>
             <p:spPr>
               <a:xfrm flipH="1">
-                <a:off x="8989200" y="2448000"/>
-                <a:ext cx="616320" cy="717120"/>
+                <a:off x="8988480" y="2448000"/>
+                <a:ext cx="615960" cy="716760"/>
               </a:xfrm>
               <a:prstGeom prst="ellipse">
                 <a:avLst/>
@@ -19962,10 +18909,10 @@
           </p:nvGrpSpPr>
           <p:grpSpPr>
             <a:xfrm>
-              <a:off x="5180400" y="3161520"/>
-              <a:ext cx="4677120" cy="717120"/>
-              <a:chOff x="5180400" y="3161520"/>
-              <a:chExt cx="4677120" cy="717120"/>
+              <a:off x="5180040" y="3161520"/>
+              <a:ext cx="4676760" cy="716760"/>
+              <a:chOff x="5180040" y="3161520"/>
+              <a:chExt cx="4676760" cy="716760"/>
             </a:xfrm>
           </p:grpSpPr>
           <p:sp>
@@ -19976,8 +18923,8 @@
             </p:nvSpPr>
             <p:spPr>
               <a:xfrm flipH="1">
-                <a:off x="5180400" y="3281400"/>
-                <a:ext cx="4245840" cy="477000"/>
+                <a:off x="5179680" y="3281400"/>
+                <a:ext cx="4245480" cy="476640"/>
               </a:xfrm>
               <a:prstGeom prst="roundRect">
                 <a:avLst>
@@ -20050,8 +18997,8 @@
             </p:nvSpPr>
             <p:spPr>
               <a:xfrm flipH="1">
-                <a:off x="9189360" y="3161520"/>
-                <a:ext cx="668160" cy="717120"/>
+                <a:off x="9188640" y="3161520"/>
+                <a:ext cx="667800" cy="716760"/>
               </a:xfrm>
               <a:prstGeom prst="ellipse">
                 <a:avLst/>
@@ -20112,10 +19059,10 @@
           </p:nvGrpSpPr>
           <p:grpSpPr>
             <a:xfrm>
-              <a:off x="5324400" y="3888000"/>
-              <a:ext cx="4677840" cy="717120"/>
-              <a:chOff x="5324400" y="3888000"/>
-              <a:chExt cx="4677840" cy="717120"/>
+              <a:off x="5324040" y="3888000"/>
+              <a:ext cx="4677480" cy="716760"/>
+              <a:chOff x="5324040" y="3888000"/>
+              <a:chExt cx="4677480" cy="716760"/>
             </a:xfrm>
           </p:grpSpPr>
           <p:sp>
@@ -20126,8 +19073,8 @@
             </p:nvSpPr>
             <p:spPr>
               <a:xfrm flipH="1">
-                <a:off x="5324400" y="4007880"/>
-                <a:ext cx="4245840" cy="477000"/>
+                <a:off x="5323680" y="4007880"/>
+                <a:ext cx="4245480" cy="476640"/>
               </a:xfrm>
               <a:prstGeom prst="roundRect">
                 <a:avLst>
@@ -20201,7 +19148,7 @@
             <p:spPr>
               <a:xfrm flipH="1">
                 <a:off x="9334080" y="3888000"/>
-                <a:ext cx="667800" cy="717120"/>
+                <a:ext cx="667440" cy="716760"/>
               </a:xfrm>
               <a:prstGeom prst="ellipse">
                 <a:avLst/>
@@ -20264,7 +19211,7 @@
         <p:spPr>
           <a:xfrm>
             <a:off x="5647320" y="171360"/>
-            <a:ext cx="3568320" cy="692280"/>
+            <a:ext cx="3567960" cy="691920"/>
           </a:xfrm>
           <a:prstGeom prst="rect">
             <a:avLst/>
@@ -20296,6 +19243,7 @@
                   <a:srgbClr val="ffffff"/>
                 </a:solidFill>
                 <a:latin typeface="Roboto Condensed"/>
+                <a:ea typeface="DejaVu Sans"/>
               </a:rPr>
               <a:t>Expected Outcome</a:t>
             </a:r>

--- a/Data_Driven_Insights.pptx
+++ b/Data_Driven_Insights.pptx
@@ -58,7 +58,7 @@
         <p:spPr>
           <a:xfrm>
             <a:off x="503640" y="226080"/>
-            <a:ext cx="9067320" cy="942480"/>
+            <a:ext cx="9066960" cy="942120"/>
           </a:xfrm>
           <a:prstGeom prst="rect">
             <a:avLst/>
@@ -119,7 +119,7 @@
         <p:txBody>
           <a:bodyPr/>
           <a:p>
-            <a:fld id="{0C7E7AFC-EC4A-45F2-84B5-D6B04C3EFBDE}" type="slidenum">
+            <a:fld id="{CCBB8BE7-CBEB-4953-9F2A-132BCAE97DA9}" type="slidenum">
               <a:t>&lt;#&gt;</a:t>
             </a:fld>
           </a:p>
@@ -181,7 +181,7 @@
         <p:spPr>
           <a:xfrm>
             <a:off x="503640" y="226080"/>
-            <a:ext cx="9067320" cy="942480"/>
+            <a:ext cx="9066960" cy="942120"/>
           </a:xfrm>
           <a:prstGeom prst="rect">
             <a:avLst/>
@@ -328,7 +328,7 @@
         <p:txBody>
           <a:bodyPr/>
           <a:p>
-            <a:fld id="{093EDB48-002E-4011-BB28-D41178F5527F}" type="slidenum">
+            <a:fld id="{611A9A47-4E58-4E49-AD27-20CE018908A5}" type="slidenum">
               <a:t>&lt;#&gt;</a:t>
             </a:fld>
           </a:p>
@@ -411,7 +411,7 @@
         <p:txBody>
           <a:bodyPr/>
           <a:p>
-            <a:fld id="{36876705-CC2F-4B18-A4B7-386C0D4013F5}" type="slidenum">
+            <a:fld id="{CE538A30-4A80-4BF3-A1BC-4A738B8DFAB5}" type="slidenum">
               <a:t>&lt;#&gt;</a:t>
             </a:fld>
           </a:p>
@@ -473,7 +473,7 @@
         <p:spPr>
           <a:xfrm>
             <a:off x="503640" y="226080"/>
-            <a:ext cx="9067320" cy="942480"/>
+            <a:ext cx="9066960" cy="942120"/>
           </a:xfrm>
           <a:prstGeom prst="rect">
             <a:avLst/>
@@ -620,7 +620,7 @@
         <p:txBody>
           <a:bodyPr/>
           <a:p>
-            <a:fld id="{BB033834-8368-45C3-AB24-39E8905A8C55}" type="slidenum">
+            <a:fld id="{C4C8C6D1-0363-4539-8030-9B8FA2D5FA65}" type="slidenum">
               <a:t>&lt;#&gt;</a:t>
             </a:fld>
           </a:p>
@@ -682,7 +682,7 @@
         <p:spPr>
           <a:xfrm>
             <a:off x="503640" y="226080"/>
-            <a:ext cx="9067320" cy="942480"/>
+            <a:ext cx="9066960" cy="942120"/>
           </a:xfrm>
           <a:prstGeom prst="rect">
             <a:avLst/>
@@ -783,7 +783,7 @@
         <p:txBody>
           <a:bodyPr/>
           <a:p>
-            <a:fld id="{748A19BC-8845-4187-A600-B1E8BF6D1ED2}" type="slidenum">
+            <a:fld id="{55B7F38B-1CE5-4273-8199-215B8DC39C44}" type="slidenum">
               <a:t>&lt;#&gt;</a:t>
             </a:fld>
           </a:p>
@@ -845,7 +845,7 @@
         <p:spPr>
           <a:xfrm>
             <a:off x="503640" y="226080"/>
-            <a:ext cx="9067320" cy="942480"/>
+            <a:ext cx="9066960" cy="942120"/>
           </a:xfrm>
           <a:prstGeom prst="rect">
             <a:avLst/>
@@ -894,7 +894,7 @@
         <p:spPr>
           <a:xfrm>
             <a:off x="3447000" y="5164920"/>
-            <a:ext cx="3191040" cy="386640"/>
+            <a:ext cx="3190680" cy="386280"/>
           </a:xfrm>
           <a:prstGeom prst="rect">
             <a:avLst/>
@@ -942,7 +942,7 @@
                 </a:solidFill>
                 <a:latin typeface="Times New Roman"/>
               </a:rPr>
-              <a:t> </a:t>
+              <a:t>&lt;footer&gt;</a:t>
             </a:r>
             <a:endParaRPr b="0" lang="en-IN" sz="1400" spc="-1" strike="noStrike">
               <a:solidFill>
@@ -966,7 +966,7 @@
         <p:spPr>
           <a:xfrm>
             <a:off x="7226640" y="5164920"/>
-            <a:ext cx="2344320" cy="386640"/>
+            <a:ext cx="2343960" cy="386280"/>
           </a:xfrm>
           <a:prstGeom prst="rect">
             <a:avLst/>
@@ -1007,14 +1007,14 @@
                 <a:tab algn="l" pos="0"/>
               </a:tabLst>
             </a:pPr>
-            <a:fld id="{5350F827-359D-4055-8C2B-E49BBDC49301}" type="slidenum">
+            <a:fld id="{DC7DC5B7-42B2-40D0-A91D-939EB484F848}" type="slidenum">
               <a:rPr b="0" lang="en-IN" sz="1400" spc="-1" strike="noStrike">
                 <a:solidFill>
                   <a:srgbClr val="000000"/>
                 </a:solidFill>
                 <a:latin typeface="Times New Roman"/>
               </a:rPr>
-              <a:t>7</a:t>
+              <a:t>&lt;number&gt;</a:t>
             </a:fld>
             <a:endParaRPr b="0" lang="en-IN" sz="1400" spc="-1" strike="noStrike">
               <a:solidFill>
@@ -1038,7 +1038,7 @@
         <p:spPr>
           <a:xfrm>
             <a:off x="503640" y="5164920"/>
-            <a:ext cx="2344320" cy="386640"/>
+            <a:ext cx="2343960" cy="386280"/>
           </a:xfrm>
           <a:prstGeom prst="rect">
             <a:avLst/>
@@ -1074,7 +1074,7 @@
                 </a:solidFill>
                 <a:latin typeface="Times New Roman"/>
               </a:rPr>
-              <a:t> </a:t>
+              <a:t>&lt;date/time&gt;</a:t>
             </a:r>
             <a:endParaRPr b="0" lang="en-IN" sz="1400" spc="-1" strike="noStrike">
               <a:solidFill>
@@ -1349,7 +1349,7 @@
         <p:spPr>
           <a:xfrm>
             <a:off x="503640" y="226080"/>
-            <a:ext cx="9067320" cy="942480"/>
+            <a:ext cx="9066960" cy="942120"/>
           </a:xfrm>
           <a:prstGeom prst="rect">
             <a:avLst/>
@@ -1374,7 +1374,16 @@
                 </a:solidFill>
                 <a:latin typeface="Arial"/>
               </a:rPr>
-              <a:t>Click to edit the title text format</a:t>
+              <a:t>Click to edit the title text </a:t>
+            </a:r>
+            <a:r>
+              <a:rPr b="0" lang="en-IN" sz="1800" spc="-1" strike="noStrike">
+                <a:solidFill>
+                  <a:srgbClr val="000000"/>
+                </a:solidFill>
+                <a:latin typeface="Arial"/>
+              </a:rPr>
+              <a:t>format</a:t>
             </a:r>
             <a:endParaRPr b="0" lang="en-IN" sz="1800" spc="-1" strike="noStrike">
               <a:solidFill>
@@ -1431,16 +1440,7 @@
                 </a:solidFill>
                 <a:latin typeface="Arial"/>
               </a:rPr>
-              <a:t>Click to edit the outline text </a:t>
-            </a:r>
-            <a:r>
-              <a:rPr b="0" lang="en-IN" sz="1800" spc="-1" strike="noStrike">
-                <a:solidFill>
-                  <a:srgbClr val="000000"/>
-                </a:solidFill>
-                <a:latin typeface="Arial"/>
-              </a:rPr>
-              <a:t>format</a:t>
+              <a:t>Click to edit the outline text format</a:t>
             </a:r>
             <a:endParaRPr b="0" lang="en-IN" sz="1800" spc="-1" strike="noStrike">
               <a:solidFill>
@@ -1524,16 +1524,7 @@
                 </a:solidFill>
                 <a:latin typeface="Arial"/>
               </a:rPr>
-              <a:t>Fourth Outline </a:t>
-            </a:r>
-            <a:r>
-              <a:rPr b="0" lang="en-IN" sz="1800" spc="-1" strike="noStrike">
-                <a:solidFill>
-                  <a:srgbClr val="000000"/>
-                </a:solidFill>
-                <a:latin typeface="Arial"/>
-              </a:rPr>
-              <a:t>Level</a:t>
+              <a:t>Fourth Outline Level</a:t>
             </a:r>
             <a:endParaRPr b="0" lang="en-IN" sz="1800" spc="-1" strike="noStrike">
               <a:solidFill>
@@ -1561,25 +1552,7 @@
                 </a:solidFill>
                 <a:latin typeface="Arial"/>
               </a:rPr>
-              <a:t>Fifth </a:t>
-            </a:r>
-            <a:r>
-              <a:rPr b="0" lang="en-IN" sz="1800" spc="-1" strike="noStrike">
-                <a:solidFill>
-                  <a:srgbClr val="000000"/>
-                </a:solidFill>
-                <a:latin typeface="Arial"/>
-              </a:rPr>
-              <a:t>Outline </a:t>
-            </a:r>
-            <a:r>
-              <a:rPr b="0" lang="en-IN" sz="1800" spc="-1" strike="noStrike">
-                <a:solidFill>
-                  <a:srgbClr val="000000"/>
-                </a:solidFill>
-                <a:latin typeface="Arial"/>
-              </a:rPr>
-              <a:t>Level</a:t>
+              <a:t>Fifth Outline Level</a:t>
             </a:r>
             <a:endParaRPr b="0" lang="en-IN" sz="1800" spc="-1" strike="noStrike">
               <a:solidFill>
@@ -1607,52 +1580,7 @@
                 </a:solidFill>
                 <a:latin typeface="Arial"/>
               </a:rPr>
-              <a:t>Six</a:t>
-            </a:r>
-            <a:r>
-              <a:rPr b="0" lang="en-IN" sz="1800" spc="-1" strike="noStrike">
-                <a:solidFill>
-                  <a:srgbClr val="000000"/>
-                </a:solidFill>
-                <a:latin typeface="Arial"/>
-              </a:rPr>
-              <a:t>th </a:t>
-            </a:r>
-            <a:r>
-              <a:rPr b="0" lang="en-IN" sz="1800" spc="-1" strike="noStrike">
-                <a:solidFill>
-                  <a:srgbClr val="000000"/>
-                </a:solidFill>
-                <a:latin typeface="Arial"/>
-              </a:rPr>
-              <a:t>Out</a:t>
-            </a:r>
-            <a:r>
-              <a:rPr b="0" lang="en-IN" sz="1800" spc="-1" strike="noStrike">
-                <a:solidFill>
-                  <a:srgbClr val="000000"/>
-                </a:solidFill>
-                <a:latin typeface="Arial"/>
-              </a:rPr>
-              <a:t>line </a:t>
-            </a:r>
-            <a:r>
-              <a:rPr b="0" lang="en-IN" sz="1800" spc="-1" strike="noStrike">
-                <a:solidFill>
-                  <a:srgbClr val="000000"/>
-                </a:solidFill>
-                <a:latin typeface="Arial"/>
-              </a:rPr>
-              <a:t>Lev</a:t>
-            </a:r>
-            <a:r>
-              <a:rPr b="0" lang="en-IN" sz="1800" spc="-1" strike="noStrike">
-                <a:solidFill>
-                  <a:srgbClr val="000000"/>
-                </a:solidFill>
-                <a:latin typeface="Arial"/>
-              </a:rPr>
-              <a:t>el</a:t>
+              <a:t>Sixth Outline Level</a:t>
             </a:r>
             <a:endParaRPr b="0" lang="en-IN" sz="1800" spc="-1" strike="noStrike">
               <a:solidFill>
@@ -1680,187 +1608,7 @@
                 </a:solidFill>
                 <a:latin typeface="Arial"/>
               </a:rPr>
-              <a:t>S</a:t>
-            </a:r>
-            <a:r>
-              <a:rPr b="0" lang="en-IN" sz="1800" spc="-1" strike="noStrike">
-                <a:solidFill>
-                  <a:srgbClr val="000000"/>
-                </a:solidFill>
-                <a:latin typeface="Arial"/>
-              </a:rPr>
-              <a:t>e</a:t>
-            </a:r>
-            <a:r>
-              <a:rPr b="0" lang="en-IN" sz="1800" spc="-1" strike="noStrike">
-                <a:solidFill>
-                  <a:srgbClr val="000000"/>
-                </a:solidFill>
-                <a:latin typeface="Arial"/>
-              </a:rPr>
-              <a:t>v</a:t>
-            </a:r>
-            <a:r>
-              <a:rPr b="0" lang="en-IN" sz="1800" spc="-1" strike="noStrike">
-                <a:solidFill>
-                  <a:srgbClr val="000000"/>
-                </a:solidFill>
-                <a:latin typeface="Arial"/>
-              </a:rPr>
-              <a:t>e</a:t>
-            </a:r>
-            <a:r>
-              <a:rPr b="0" lang="en-IN" sz="1800" spc="-1" strike="noStrike">
-                <a:solidFill>
-                  <a:srgbClr val="000000"/>
-                </a:solidFill>
-                <a:latin typeface="Arial"/>
-              </a:rPr>
-              <a:t>n</a:t>
-            </a:r>
-            <a:r>
-              <a:rPr b="0" lang="en-IN" sz="1800" spc="-1" strike="noStrike">
-                <a:solidFill>
-                  <a:srgbClr val="000000"/>
-                </a:solidFill>
-                <a:latin typeface="Arial"/>
-              </a:rPr>
-              <a:t>t</a:t>
-            </a:r>
-            <a:r>
-              <a:rPr b="0" lang="en-IN" sz="1800" spc="-1" strike="noStrike">
-                <a:solidFill>
-                  <a:srgbClr val="000000"/>
-                </a:solidFill>
-                <a:latin typeface="Arial"/>
-              </a:rPr>
-              <a:t>h</a:t>
-            </a:r>
-            <a:r>
-              <a:rPr b="0" lang="en-IN" sz="1800" spc="-1" strike="noStrike">
-                <a:solidFill>
-                  <a:srgbClr val="000000"/>
-                </a:solidFill>
-                <a:latin typeface="Arial"/>
-              </a:rPr>
-              <a:t> </a:t>
-            </a:r>
-            <a:r>
-              <a:rPr b="0" lang="en-IN" sz="1800" spc="-1" strike="noStrike">
-                <a:solidFill>
-                  <a:srgbClr val="000000"/>
-                </a:solidFill>
-                <a:latin typeface="Arial"/>
-              </a:rPr>
-              <a:t>O</a:t>
-            </a:r>
-            <a:r>
-              <a:rPr b="0" lang="en-IN" sz="1800" spc="-1" strike="noStrike">
-                <a:solidFill>
-                  <a:srgbClr val="000000"/>
-                </a:solidFill>
-                <a:latin typeface="Arial"/>
-              </a:rPr>
-              <a:t>u</a:t>
-            </a:r>
-            <a:r>
-              <a:rPr b="0" lang="en-IN" sz="1800" spc="-1" strike="noStrike">
-                <a:solidFill>
-                  <a:srgbClr val="000000"/>
-                </a:solidFill>
-                <a:latin typeface="Arial"/>
-              </a:rPr>
-              <a:t>t</a:t>
-            </a:r>
-            <a:r>
-              <a:rPr b="0" lang="en-IN" sz="1800" spc="-1" strike="noStrike">
-                <a:solidFill>
-                  <a:srgbClr val="000000"/>
-                </a:solidFill>
-                <a:latin typeface="Arial"/>
-              </a:rPr>
-              <a:t>l</a:t>
-            </a:r>
-            <a:r>
-              <a:rPr b="0" lang="en-IN" sz="1800" spc="-1" strike="noStrike">
-                <a:solidFill>
-                  <a:srgbClr val="000000"/>
-                </a:solidFill>
-                <a:latin typeface="Arial"/>
-              </a:rPr>
-              <a:t>i</a:t>
-            </a:r>
-            <a:r>
-              <a:rPr b="0" lang="en-IN" sz="1800" spc="-1" strike="noStrike">
-                <a:solidFill>
-                  <a:srgbClr val="000000"/>
-                </a:solidFill>
-                <a:latin typeface="Arial"/>
-              </a:rPr>
-              <a:t>n</a:t>
-            </a:r>
-            <a:r>
-              <a:rPr b="0" lang="en-IN" sz="1800" spc="-1" strike="noStrike">
-                <a:solidFill>
-                  <a:srgbClr val="000000"/>
-                </a:solidFill>
-                <a:latin typeface="Arial"/>
-              </a:rPr>
-              <a:t>e</a:t>
-            </a:r>
-            <a:r>
-              <a:rPr b="0" lang="en-IN" sz="1800" spc="-1" strike="noStrike">
-                <a:solidFill>
-                  <a:srgbClr val="000000"/>
-                </a:solidFill>
-                <a:latin typeface="Arial"/>
-              </a:rPr>
-              <a:t> </a:t>
-            </a:r>
-            <a:r>
-              <a:rPr b="0" lang="en-IN" sz="1800" spc="-1" strike="noStrike">
-                <a:solidFill>
-                  <a:srgbClr val="000000"/>
-                </a:solidFill>
-                <a:latin typeface="Arial"/>
-              </a:rPr>
-              <a:t>L</a:t>
-            </a:r>
-            <a:r>
-              <a:rPr b="0" lang="en-IN" sz="1800" spc="-1" strike="noStrike">
-                <a:solidFill>
-                  <a:srgbClr val="000000"/>
-                </a:solidFill>
-                <a:latin typeface="Arial"/>
-              </a:rPr>
-              <a:t>e</a:t>
-            </a:r>
-            <a:r>
-              <a:rPr b="0" lang="en-IN" sz="1800" spc="-1" strike="noStrike">
-                <a:solidFill>
-                  <a:srgbClr val="000000"/>
-                </a:solidFill>
-                <a:latin typeface="Arial"/>
-              </a:rPr>
-              <a:t>v</a:t>
-            </a:r>
-            <a:r>
-              <a:rPr b="0" lang="en-IN" sz="1800" spc="-1" strike="noStrike">
-                <a:solidFill>
-                  <a:srgbClr val="000000"/>
-                </a:solidFill>
-                <a:latin typeface="Arial"/>
-              </a:rPr>
-              <a:t>e</a:t>
-            </a:r>
-            <a:r>
-              <a:rPr b="0" lang="en-IN" sz="1800" spc="-1" strike="noStrike">
-                <a:solidFill>
-                  <a:srgbClr val="000000"/>
-                </a:solidFill>
-                <a:latin typeface="Arial"/>
-              </a:rPr>
-              <a:t>l</a:t>
+              <a:t>Seventh Outline Level</a:t>
             </a:r>
             <a:endParaRPr b="0" lang="en-IN" sz="1800" spc="-1" strike="noStrike">
               <a:solidFill>
@@ -1917,7 +1665,16 @@
                 </a:solidFill>
                 <a:latin typeface="Arial"/>
               </a:rPr>
-              <a:t>Click to edit the outline text format</a:t>
+              <a:t>Click to edit the outline </a:t>
+            </a:r>
+            <a:r>
+              <a:rPr b="0" lang="en-IN" sz="1800" spc="-1" strike="noStrike">
+                <a:solidFill>
+                  <a:srgbClr val="000000"/>
+                </a:solidFill>
+                <a:latin typeface="Arial"/>
+              </a:rPr>
+              <a:t>text format</a:t>
             </a:r>
             <a:endParaRPr b="0" lang="en-IN" sz="1800" spc="-1" strike="noStrike">
               <a:solidFill>
@@ -1945,7 +1702,16 @@
                 </a:solidFill>
                 <a:latin typeface="Arial"/>
               </a:rPr>
-              <a:t>Second Outline Level</a:t>
+              <a:t>Second Outline </a:t>
+            </a:r>
+            <a:r>
+              <a:rPr b="0" lang="en-IN" sz="1800" spc="-1" strike="noStrike">
+                <a:solidFill>
+                  <a:srgbClr val="000000"/>
+                </a:solidFill>
+                <a:latin typeface="Arial"/>
+              </a:rPr>
+              <a:t>Level</a:t>
             </a:r>
             <a:endParaRPr b="0" lang="en-IN" sz="1800" spc="-1" strike="noStrike">
               <a:solidFill>
@@ -1973,7 +1739,16 @@
                 </a:solidFill>
                 <a:latin typeface="Arial"/>
               </a:rPr>
-              <a:t>Third Outline Level</a:t>
+              <a:t>Third Outline </a:t>
+            </a:r>
+            <a:r>
+              <a:rPr b="0" lang="en-IN" sz="1800" spc="-1" strike="noStrike">
+                <a:solidFill>
+                  <a:srgbClr val="000000"/>
+                </a:solidFill>
+                <a:latin typeface="Arial"/>
+              </a:rPr>
+              <a:t>Level</a:t>
             </a:r>
             <a:endParaRPr b="0" lang="en-IN" sz="1800" spc="-1" strike="noStrike">
               <a:solidFill>
@@ -2001,7 +1776,25 @@
                 </a:solidFill>
                 <a:latin typeface="Arial"/>
               </a:rPr>
-              <a:t>Fourth Outline Level</a:t>
+              <a:t>Fourth </a:t>
+            </a:r>
+            <a:r>
+              <a:rPr b="0" lang="en-IN" sz="1800" spc="-1" strike="noStrike">
+                <a:solidFill>
+                  <a:srgbClr val="000000"/>
+                </a:solidFill>
+                <a:latin typeface="Arial"/>
+              </a:rPr>
+              <a:t>Outline </a:t>
+            </a:r>
+            <a:r>
+              <a:rPr b="0" lang="en-IN" sz="1800" spc="-1" strike="noStrike">
+                <a:solidFill>
+                  <a:srgbClr val="000000"/>
+                </a:solidFill>
+                <a:latin typeface="Arial"/>
+              </a:rPr>
+              <a:t>Level</a:t>
             </a:r>
             <a:endParaRPr b="0" lang="en-IN" sz="1800" spc="-1" strike="noStrike">
               <a:solidFill>
@@ -2029,7 +1822,34 @@
                 </a:solidFill>
                 <a:latin typeface="Arial"/>
               </a:rPr>
-              <a:t>Fifth Outline Level</a:t>
+              <a:t>Fifth </a:t>
+            </a:r>
+            <a:r>
+              <a:rPr b="0" lang="en-IN" sz="1800" spc="-1" strike="noStrike">
+                <a:solidFill>
+                  <a:srgbClr val="000000"/>
+                </a:solidFill>
+                <a:latin typeface="Arial"/>
+              </a:rPr>
+              <a:t>Outlin</a:t>
+            </a:r>
+            <a:r>
+              <a:rPr b="0" lang="en-IN" sz="1800" spc="-1" strike="noStrike">
+                <a:solidFill>
+                  <a:srgbClr val="000000"/>
+                </a:solidFill>
+                <a:latin typeface="Arial"/>
+              </a:rPr>
+              <a:t>e </a:t>
+            </a:r>
+            <a:r>
+              <a:rPr b="0" lang="en-IN" sz="1800" spc="-1" strike="noStrike">
+                <a:solidFill>
+                  <a:srgbClr val="000000"/>
+                </a:solidFill>
+                <a:latin typeface="Arial"/>
+              </a:rPr>
+              <a:t>Level</a:t>
             </a:r>
             <a:endParaRPr b="0" lang="en-IN" sz="1800" spc="-1" strike="noStrike">
               <a:solidFill>
@@ -2057,7 +1877,88 @@
                 </a:solidFill>
                 <a:latin typeface="Arial"/>
               </a:rPr>
-              <a:t>Sixth Outline Level</a:t>
+              <a:t>Si</a:t>
+            </a:r>
+            <a:r>
+              <a:rPr b="0" lang="en-IN" sz="1800" spc="-1" strike="noStrike">
+                <a:solidFill>
+                  <a:srgbClr val="000000"/>
+                </a:solidFill>
+                <a:latin typeface="Arial"/>
+              </a:rPr>
+              <a:t>xt</a:t>
+            </a:r>
+            <a:r>
+              <a:rPr b="0" lang="en-IN" sz="1800" spc="-1" strike="noStrike">
+                <a:solidFill>
+                  <a:srgbClr val="000000"/>
+                </a:solidFill>
+                <a:latin typeface="Arial"/>
+              </a:rPr>
+              <a:t>h </a:t>
+            </a:r>
+            <a:r>
+              <a:rPr b="0" lang="en-IN" sz="1800" spc="-1" strike="noStrike">
+                <a:solidFill>
+                  <a:srgbClr val="000000"/>
+                </a:solidFill>
+                <a:latin typeface="Arial"/>
+              </a:rPr>
+              <a:t>O</a:t>
+            </a:r>
+            <a:r>
+              <a:rPr b="0" lang="en-IN" sz="1800" spc="-1" strike="noStrike">
+                <a:solidFill>
+                  <a:srgbClr val="000000"/>
+                </a:solidFill>
+                <a:latin typeface="Arial"/>
+              </a:rPr>
+              <a:t>utl</a:t>
+            </a:r>
+            <a:r>
+              <a:rPr b="0" lang="en-IN" sz="1800" spc="-1" strike="noStrike">
+                <a:solidFill>
+                  <a:srgbClr val="000000"/>
+                </a:solidFill>
+                <a:latin typeface="Arial"/>
+              </a:rPr>
+              <a:t>in</a:t>
+            </a:r>
+            <a:r>
+              <a:rPr b="0" lang="en-IN" sz="1800" spc="-1" strike="noStrike">
+                <a:solidFill>
+                  <a:srgbClr val="000000"/>
+                </a:solidFill>
+                <a:latin typeface="Arial"/>
+              </a:rPr>
+              <a:t>e </a:t>
+            </a:r>
+            <a:r>
+              <a:rPr b="0" lang="en-IN" sz="1800" spc="-1" strike="noStrike">
+                <a:solidFill>
+                  <a:srgbClr val="000000"/>
+                </a:solidFill>
+                <a:latin typeface="Arial"/>
+              </a:rPr>
+              <a:t>Le</a:t>
+            </a:r>
+            <a:r>
+              <a:rPr b="0" lang="en-IN" sz="1800" spc="-1" strike="noStrike">
+                <a:solidFill>
+                  <a:srgbClr val="000000"/>
+                </a:solidFill>
+                <a:latin typeface="Arial"/>
+              </a:rPr>
+              <a:t>ve</a:t>
+            </a:r>
+            <a:r>
+              <a:rPr b="0" lang="en-IN" sz="1800" spc="-1" strike="noStrike">
+                <a:solidFill>
+                  <a:srgbClr val="000000"/>
+                </a:solidFill>
+                <a:latin typeface="Arial"/>
+              </a:rPr>
+              <a:t>l</a:t>
             </a:r>
             <a:endParaRPr b="0" lang="en-IN" sz="1800" spc="-1" strike="noStrike">
               <a:solidFill>
@@ -2085,7 +1986,187 @@
                 </a:solidFill>
                 <a:latin typeface="Arial"/>
               </a:rPr>
-              <a:t>Seventh Outline Level</a:t>
+              <a:t>S</a:t>
+            </a:r>
+            <a:r>
+              <a:rPr b="0" lang="en-IN" sz="1800" spc="-1" strike="noStrike">
+                <a:solidFill>
+                  <a:srgbClr val="000000"/>
+                </a:solidFill>
+                <a:latin typeface="Arial"/>
+              </a:rPr>
+              <a:t>e</a:t>
+            </a:r>
+            <a:r>
+              <a:rPr b="0" lang="en-IN" sz="1800" spc="-1" strike="noStrike">
+                <a:solidFill>
+                  <a:srgbClr val="000000"/>
+                </a:solidFill>
+                <a:latin typeface="Arial"/>
+              </a:rPr>
+              <a:t>v</a:t>
+            </a:r>
+            <a:r>
+              <a:rPr b="0" lang="en-IN" sz="1800" spc="-1" strike="noStrike">
+                <a:solidFill>
+                  <a:srgbClr val="000000"/>
+                </a:solidFill>
+                <a:latin typeface="Arial"/>
+              </a:rPr>
+              <a:t>e</a:t>
+            </a:r>
+            <a:r>
+              <a:rPr b="0" lang="en-IN" sz="1800" spc="-1" strike="noStrike">
+                <a:solidFill>
+                  <a:srgbClr val="000000"/>
+                </a:solidFill>
+                <a:latin typeface="Arial"/>
+              </a:rPr>
+              <a:t>n</a:t>
+            </a:r>
+            <a:r>
+              <a:rPr b="0" lang="en-IN" sz="1800" spc="-1" strike="noStrike">
+                <a:solidFill>
+                  <a:srgbClr val="000000"/>
+                </a:solidFill>
+                <a:latin typeface="Arial"/>
+              </a:rPr>
+              <a:t>t</a:t>
+            </a:r>
+            <a:r>
+              <a:rPr b="0" lang="en-IN" sz="1800" spc="-1" strike="noStrike">
+                <a:solidFill>
+                  <a:srgbClr val="000000"/>
+                </a:solidFill>
+                <a:latin typeface="Arial"/>
+              </a:rPr>
+              <a:t>h</a:t>
+            </a:r>
+            <a:r>
+              <a:rPr b="0" lang="en-IN" sz="1800" spc="-1" strike="noStrike">
+                <a:solidFill>
+                  <a:srgbClr val="000000"/>
+                </a:solidFill>
+                <a:latin typeface="Arial"/>
+              </a:rPr>
+              <a:t> </a:t>
+            </a:r>
+            <a:r>
+              <a:rPr b="0" lang="en-IN" sz="1800" spc="-1" strike="noStrike">
+                <a:solidFill>
+                  <a:srgbClr val="000000"/>
+                </a:solidFill>
+                <a:latin typeface="Arial"/>
+              </a:rPr>
+              <a:t>O</a:t>
+            </a:r>
+            <a:r>
+              <a:rPr b="0" lang="en-IN" sz="1800" spc="-1" strike="noStrike">
+                <a:solidFill>
+                  <a:srgbClr val="000000"/>
+                </a:solidFill>
+                <a:latin typeface="Arial"/>
+              </a:rPr>
+              <a:t>u</a:t>
+            </a:r>
+            <a:r>
+              <a:rPr b="0" lang="en-IN" sz="1800" spc="-1" strike="noStrike">
+                <a:solidFill>
+                  <a:srgbClr val="000000"/>
+                </a:solidFill>
+                <a:latin typeface="Arial"/>
+              </a:rPr>
+              <a:t>t</a:t>
+            </a:r>
+            <a:r>
+              <a:rPr b="0" lang="en-IN" sz="1800" spc="-1" strike="noStrike">
+                <a:solidFill>
+                  <a:srgbClr val="000000"/>
+                </a:solidFill>
+                <a:latin typeface="Arial"/>
+              </a:rPr>
+              <a:t>l</a:t>
+            </a:r>
+            <a:r>
+              <a:rPr b="0" lang="en-IN" sz="1800" spc="-1" strike="noStrike">
+                <a:solidFill>
+                  <a:srgbClr val="000000"/>
+                </a:solidFill>
+                <a:latin typeface="Arial"/>
+              </a:rPr>
+              <a:t>i</a:t>
+            </a:r>
+            <a:r>
+              <a:rPr b="0" lang="en-IN" sz="1800" spc="-1" strike="noStrike">
+                <a:solidFill>
+                  <a:srgbClr val="000000"/>
+                </a:solidFill>
+                <a:latin typeface="Arial"/>
+              </a:rPr>
+              <a:t>n</a:t>
+            </a:r>
+            <a:r>
+              <a:rPr b="0" lang="en-IN" sz="1800" spc="-1" strike="noStrike">
+                <a:solidFill>
+                  <a:srgbClr val="000000"/>
+                </a:solidFill>
+                <a:latin typeface="Arial"/>
+              </a:rPr>
+              <a:t>e</a:t>
+            </a:r>
+            <a:r>
+              <a:rPr b="0" lang="en-IN" sz="1800" spc="-1" strike="noStrike">
+                <a:solidFill>
+                  <a:srgbClr val="000000"/>
+                </a:solidFill>
+                <a:latin typeface="Arial"/>
+              </a:rPr>
+              <a:t> </a:t>
+            </a:r>
+            <a:r>
+              <a:rPr b="0" lang="en-IN" sz="1800" spc="-1" strike="noStrike">
+                <a:solidFill>
+                  <a:srgbClr val="000000"/>
+                </a:solidFill>
+                <a:latin typeface="Arial"/>
+              </a:rPr>
+              <a:t>L</a:t>
+            </a:r>
+            <a:r>
+              <a:rPr b="0" lang="en-IN" sz="1800" spc="-1" strike="noStrike">
+                <a:solidFill>
+                  <a:srgbClr val="000000"/>
+                </a:solidFill>
+                <a:latin typeface="Arial"/>
+              </a:rPr>
+              <a:t>e</a:t>
+            </a:r>
+            <a:r>
+              <a:rPr b="0" lang="en-IN" sz="1800" spc="-1" strike="noStrike">
+                <a:solidFill>
+                  <a:srgbClr val="000000"/>
+                </a:solidFill>
+                <a:latin typeface="Arial"/>
+              </a:rPr>
+              <a:t>v</a:t>
+            </a:r>
+            <a:r>
+              <a:rPr b="0" lang="en-IN" sz="1800" spc="-1" strike="noStrike">
+                <a:solidFill>
+                  <a:srgbClr val="000000"/>
+                </a:solidFill>
+                <a:latin typeface="Arial"/>
+              </a:rPr>
+              <a:t>e</a:t>
+            </a:r>
+            <a:r>
+              <a:rPr b="0" lang="en-IN" sz="1800" spc="-1" strike="noStrike">
+                <a:solidFill>
+                  <a:srgbClr val="000000"/>
+                </a:solidFill>
+                <a:latin typeface="Arial"/>
+              </a:rPr>
+              <a:t>l</a:t>
             </a:r>
             <a:endParaRPr b="0" lang="en-IN" sz="1800" spc="-1" strike="noStrike">
               <a:solidFill>
@@ -2109,7 +2190,7 @@
         <p:spPr>
           <a:xfrm>
             <a:off x="3447000" y="5164920"/>
-            <a:ext cx="3191040" cy="386640"/>
+            <a:ext cx="3190680" cy="386280"/>
           </a:xfrm>
           <a:prstGeom prst="rect">
             <a:avLst/>
@@ -2181,7 +2262,7 @@
         <p:spPr>
           <a:xfrm>
             <a:off x="7226640" y="5164920"/>
-            <a:ext cx="2344320" cy="386640"/>
+            <a:ext cx="2343960" cy="386280"/>
           </a:xfrm>
           <a:prstGeom prst="rect">
             <a:avLst/>
@@ -2222,7 +2303,7 @@
                 <a:tab algn="l" pos="0"/>
               </a:tabLst>
             </a:pPr>
-            <a:fld id="{4BFF49D4-3914-4E43-8A53-435C349507F1}" type="slidenum">
+            <a:fld id="{C5B88FBB-0A60-4DE7-8EE8-590B32A5A7A2}" type="slidenum">
               <a:rPr b="0" lang="en-IN" sz="1400" spc="-1" strike="noStrike">
                 <a:solidFill>
                   <a:srgbClr val="000000"/>
@@ -2253,7 +2334,7 @@
         <p:spPr>
           <a:xfrm>
             <a:off x="503640" y="5164920"/>
-            <a:ext cx="2344320" cy="386640"/>
+            <a:ext cx="2343960" cy="386280"/>
           </a:xfrm>
           <a:prstGeom prst="rect">
             <a:avLst/>
@@ -2339,7 +2420,7 @@
         <p:spPr>
           <a:xfrm>
             <a:off x="3447000" y="5164920"/>
-            <a:ext cx="3191040" cy="386640"/>
+            <a:ext cx="3190680" cy="386280"/>
           </a:xfrm>
           <a:prstGeom prst="rect">
             <a:avLst/>
@@ -2411,7 +2492,7 @@
         <p:spPr>
           <a:xfrm>
             <a:off x="7226640" y="5164920"/>
-            <a:ext cx="2344320" cy="386640"/>
+            <a:ext cx="2343960" cy="386280"/>
           </a:xfrm>
           <a:prstGeom prst="rect">
             <a:avLst/>
@@ -2452,7 +2533,7 @@
                 <a:tab algn="l" pos="0"/>
               </a:tabLst>
             </a:pPr>
-            <a:fld id="{7C275391-9F0E-4F32-80B1-5A103C292C9A}" type="slidenum">
+            <a:fld id="{8539BCD6-72F4-4315-97D9-220F70236D09}" type="slidenum">
               <a:rPr b="0" lang="en-IN" sz="1400" spc="-1" strike="noStrike">
                 <a:solidFill>
                   <a:srgbClr val="000000"/>
@@ -2483,7 +2564,7 @@
         <p:spPr>
           <a:xfrm>
             <a:off x="503640" y="5164920"/>
-            <a:ext cx="2344320" cy="386640"/>
+            <a:ext cx="2343960" cy="386280"/>
           </a:xfrm>
           <a:prstGeom prst="rect">
             <a:avLst/>
@@ -2843,7 +2924,7 @@
         <p:spPr>
           <a:xfrm>
             <a:off x="503640" y="226080"/>
-            <a:ext cx="9067320" cy="942480"/>
+            <a:ext cx="9066960" cy="942120"/>
           </a:xfrm>
           <a:prstGeom prst="rect">
             <a:avLst/>
@@ -3342,7 +3423,7 @@
         <p:spPr>
           <a:xfrm>
             <a:off x="3447000" y="5164920"/>
-            <a:ext cx="3191040" cy="386640"/>
+            <a:ext cx="3190680" cy="386280"/>
           </a:xfrm>
           <a:prstGeom prst="rect">
             <a:avLst/>
@@ -3414,7 +3495,7 @@
         <p:spPr>
           <a:xfrm>
             <a:off x="7226640" y="5164920"/>
-            <a:ext cx="2344320" cy="386640"/>
+            <a:ext cx="2343960" cy="386280"/>
           </a:xfrm>
           <a:prstGeom prst="rect">
             <a:avLst/>
@@ -3455,7 +3536,7 @@
                 <a:tab algn="l" pos="0"/>
               </a:tabLst>
             </a:pPr>
-            <a:fld id="{9A7CBB99-BF8C-4EC2-8123-D836AD74F7F2}" type="slidenum">
+            <a:fld id="{D268B9F7-FE2B-4742-858C-807181DD215D}" type="slidenum">
               <a:rPr b="0" lang="en-IN" sz="1400" spc="-1" strike="noStrike">
                 <a:solidFill>
                   <a:srgbClr val="000000"/>
@@ -3486,7 +3567,7 @@
         <p:spPr>
           <a:xfrm>
             <a:off x="503640" y="5164920"/>
-            <a:ext cx="2344320" cy="386640"/>
+            <a:ext cx="2343960" cy="386280"/>
           </a:xfrm>
           <a:prstGeom prst="rect">
             <a:avLst/>
@@ -3572,7 +3653,7 @@
         <p:spPr>
           <a:xfrm>
             <a:off x="503640" y="226080"/>
-            <a:ext cx="9067320" cy="942480"/>
+            <a:ext cx="9066960" cy="942120"/>
           </a:xfrm>
           <a:prstGeom prst="rect">
             <a:avLst/>
@@ -3597,7 +3678,16 @@
                 </a:solidFill>
                 <a:latin typeface="Arial"/>
               </a:rPr>
-              <a:t>Click to edit the title text format</a:t>
+              <a:t>Click to edit the title text </a:t>
+            </a:r>
+            <a:r>
+              <a:rPr b="0" lang="en-IN" sz="1800" spc="-1" strike="noStrike">
+                <a:solidFill>
+                  <a:srgbClr val="000000"/>
+                </a:solidFill>
+                <a:latin typeface="Arial"/>
+              </a:rPr>
+              <a:t>format</a:t>
             </a:r>
             <a:endParaRPr b="0" lang="en-IN" sz="1800" spc="-1" strike="noStrike">
               <a:solidFill>
@@ -3621,7 +3711,7 @@
         <p:spPr>
           <a:xfrm>
             <a:off x="3447000" y="5164920"/>
-            <a:ext cx="3191040" cy="386640"/>
+            <a:ext cx="3190680" cy="386280"/>
           </a:xfrm>
           <a:prstGeom prst="rect">
             <a:avLst/>
@@ -3693,7 +3783,7 @@
         <p:spPr>
           <a:xfrm>
             <a:off x="7226640" y="5164920"/>
-            <a:ext cx="2344320" cy="386640"/>
+            <a:ext cx="2343960" cy="386280"/>
           </a:xfrm>
           <a:prstGeom prst="rect">
             <a:avLst/>
@@ -3734,7 +3824,7 @@
                 <a:tab algn="l" pos="0"/>
               </a:tabLst>
             </a:pPr>
-            <a:fld id="{28089FCE-087D-4860-82E1-6136BE5E4C1E}" type="slidenum">
+            <a:fld id="{8E11AE1A-2029-4661-8B16-C390EFA8483F}" type="slidenum">
               <a:rPr b="0" lang="en-IN" sz="1400" spc="-1" strike="noStrike">
                 <a:solidFill>
                   <a:srgbClr val="000000"/>
@@ -3765,7 +3855,7 @@
         <p:spPr>
           <a:xfrm>
             <a:off x="503640" y="5164920"/>
-            <a:ext cx="2344320" cy="386640"/>
+            <a:ext cx="2343960" cy="386280"/>
           </a:xfrm>
           <a:prstGeom prst="rect">
             <a:avLst/>
@@ -4084,7 +4174,7 @@
         <p:spPr>
           <a:xfrm>
             <a:off x="0" y="1738440"/>
-            <a:ext cx="10076040" cy="1243440"/>
+            <a:ext cx="10075680" cy="1243080"/>
           </a:xfrm>
           <a:prstGeom prst="rect">
             <a:avLst/>
@@ -4139,7 +4229,7 @@
         <p:spPr>
           <a:xfrm>
             <a:off x="0" y="2879640"/>
-            <a:ext cx="10076040" cy="1256040"/>
+            <a:ext cx="10075680" cy="1255680"/>
           </a:xfrm>
           <a:prstGeom prst="rect">
             <a:avLst/>
@@ -4190,15 +4280,15 @@
         <p:spPr>
           <a:xfrm>
             <a:off x="1979280" y="3060000"/>
-            <a:ext cx="5936040" cy="360"/>
+            <a:ext cx="5935680" cy="360"/>
           </a:xfrm>
           <a:custGeom>
             <a:avLst/>
             <a:gdLst>
-              <a:gd name="textAreaLeft" fmla="*/ 0 w 5936040"/>
-              <a:gd name="textAreaRight" fmla="*/ 5940000 w 5936040"/>
+              <a:gd name="textAreaLeft" fmla="*/ 0 w 5935680"/>
+              <a:gd name="textAreaRight" fmla="*/ 5940000 w 5935680"/>
               <a:gd name="textAreaTop" fmla="*/ 0 h 360"/>
-              <a:gd name="textAreaBottom" fmla="*/ 737280 h 360"/>
+              <a:gd name="textAreaBottom" fmla="*/ 1474560 h 360"/>
             </a:gdLst>
             <a:ahLst/>
             <a:rect l="textAreaLeft" t="textAreaTop" r="textAreaRight" b="textAreaBottom"/>
@@ -4523,7 +4613,7 @@
         <p:spPr>
           <a:xfrm>
             <a:off x="503640" y="46080"/>
-            <a:ext cx="9067320" cy="942480"/>
+            <a:ext cx="9066960" cy="942120"/>
           </a:xfrm>
           <a:prstGeom prst="rect">
             <a:avLst/>
@@ -4574,7 +4664,7 @@
         <p:spPr>
           <a:xfrm>
             <a:off x="-3960" y="1127160"/>
-            <a:ext cx="5220000" cy="488880"/>
+            <a:ext cx="5219640" cy="488520"/>
           </a:xfrm>
           <a:prstGeom prst="rect">
             <a:avLst/>
@@ -4628,7 +4718,7 @@
         <p:spPr>
           <a:xfrm>
             <a:off x="72000" y="1677600"/>
-            <a:ext cx="9896040" cy="841320"/>
+            <a:ext cx="9895680" cy="840960"/>
           </a:xfrm>
           <a:prstGeom prst="rect">
             <a:avLst/>
@@ -4702,7 +4792,7 @@
         <p:spPr>
           <a:xfrm>
             <a:off x="0" y="2594880"/>
-            <a:ext cx="5036040" cy="565920"/>
+            <a:ext cx="5035680" cy="565560"/>
           </a:xfrm>
           <a:prstGeom prst="rect">
             <a:avLst/>
@@ -4786,7 +4876,7 @@
         <p:spPr>
           <a:xfrm>
             <a:off x="0" y="4483080"/>
-            <a:ext cx="10033920" cy="1002960"/>
+            <a:ext cx="10033560" cy="1002600"/>
           </a:xfrm>
           <a:prstGeom prst="rect">
             <a:avLst/>
@@ -4860,7 +4950,7 @@
         <p:spPr>
           <a:xfrm>
             <a:off x="60480" y="3081600"/>
-            <a:ext cx="10195560" cy="841320"/>
+            <a:ext cx="10195200" cy="840960"/>
           </a:xfrm>
           <a:prstGeom prst="rect">
             <a:avLst/>
@@ -4934,7 +5024,7 @@
         <p:spPr>
           <a:xfrm>
             <a:off x="0" y="3996000"/>
-            <a:ext cx="3776040" cy="488880"/>
+            <a:ext cx="3775680" cy="488520"/>
           </a:xfrm>
           <a:prstGeom prst="rect">
             <a:avLst/>
@@ -5011,16 +5101,41 @@
           <a:chExt cx="0" cy="0"/>
         </a:xfrm>
       </p:grpSpPr>
+      <p:pic>
+        <p:nvPicPr>
+          <p:cNvPr id="127" name="" descr=""/>
+          <p:cNvPicPr/>
+          <p:nvPr/>
+        </p:nvPicPr>
+        <p:blipFill>
+          <a:blip r:embed="rId1">
+            <a:lum bright="70000" contrast="-70000"/>
+          </a:blip>
+          <a:stretch/>
+        </p:blipFill>
+        <p:spPr>
+          <a:xfrm>
+            <a:off x="1080000" y="1970640"/>
+            <a:ext cx="1269360" cy="1269360"/>
+          </a:xfrm>
+          <a:prstGeom prst="rect">
+            <a:avLst/>
+          </a:prstGeom>
+          <a:ln w="0">
+            <a:noFill/>
+          </a:ln>
+        </p:spPr>
+      </p:pic>
       <p:sp>
         <p:nvSpPr>
-          <p:cNvPr id="127" name="PlaceHolder 5"/>
+          <p:cNvPr id="128" name="PlaceHolder 5"/>
           <p:cNvSpPr/>
           <p:nvPr/>
         </p:nvSpPr>
         <p:spPr>
           <a:xfrm>
-            <a:off x="324000" y="1080000"/>
-            <a:ext cx="2877480" cy="3599640"/>
+            <a:off x="324000" y="1404000"/>
+            <a:ext cx="2880000" cy="3060000"/>
           </a:xfrm>
           <a:prstGeom prst="rect">
             <a:avLst/>
@@ -5030,7 +5145,7 @@
               <a:alpha val="92000"/>
             </a:srgbClr>
           </a:solidFill>
-          <a:ln cap="rnd" w="29160">
+          <a:ln cap="rnd" w="36000">
             <a:solidFill>
               <a:srgbClr val="622502">
                 <a:alpha val="90000"/>
@@ -5046,34 +5161,45 @@
           <a:fontRef idx="minor"/>
         </p:style>
         <p:txBody>
-          <a:bodyPr numCol="1" spcCol="0" lIns="14400" rIns="14400" tIns="14400" bIns="14400" anchor="t">
+          <a:bodyPr numCol="1" spcCol="0" lIns="17640" rIns="17640" tIns="17640" bIns="17640" anchor="t">
             <a:normAutofit/>
           </a:bodyPr>
           <a:p>
-            <a:pPr>
-              <a:lnSpc>
-                <a:spcPct val="150000"/>
+            <a:pPr algn="just">
+              <a:lnSpc>
+                <a:spcPct val="100000"/>
               </a:lnSpc>
               <a:tabLst>
                 <a:tab algn="l" pos="0"/>
               </a:tabLst>
             </a:pPr>
             <a:r>
-              <a:rPr b="1" lang="en-IN" sz="1600" spc="-1" strike="noStrike" u="sng">
+              <a:rPr b="1" lang="en-IN" sz="1300" spc="-1" strike="noStrike" u="sng">
                 <a:solidFill>
                   <a:srgbClr val="000000"/>
                 </a:solidFill>
                 <a:uFillTx/>
                 <a:latin typeface="Roboto Condensed"/>
+                <a:ea typeface="DejaVu Sans"/>
+              </a:rPr>
+              <a:t> </a:t>
+            </a:r>
+            <a:r>
+              <a:rPr b="1" lang="en-IN" sz="1300" spc="-1" strike="noStrike" u="sng">
+                <a:solidFill>
+                  <a:srgbClr val="000000"/>
+                </a:solidFill>
+                <a:uFillTx/>
+                <a:latin typeface="Roboto Condensed"/>
+                <a:ea typeface="DejaVu Sans"/>
               </a:rPr>
               <a:t>Mature High-Value Segment</a:t>
             </a:r>
-            <a:endParaRPr b="0" lang="en-IN" sz="1600" spc="-1" strike="noStrike">
-              <a:solidFill>
-                <a:srgbClr val="000000"/>
-              </a:solidFill>
-              <a:latin typeface="Arial"/>
-              <a:ea typeface="Noto Sans CJK SC"/>
+            <a:endParaRPr b="0" lang="en-IN" sz="1300" spc="-1" strike="noStrike">
+              <a:solidFill>
+                <a:srgbClr val="000000"/>
+              </a:solidFill>
+              <a:latin typeface="Arial"/>
             </a:endParaRPr>
           </a:p>
           <a:p>
@@ -5096,25 +5222,40 @@
               <a:t>       </a:t>
             </a:r>
             <a:r>
-              <a:rPr b="0" lang="en-IN" sz="1100" spc="-1" strike="noStrike">
+              <a:rPr b="0" lang="en-IN" sz="1000" spc="-1" strike="noStrike">
                 <a:solidFill>
                   <a:srgbClr val="000000"/>
                 </a:solidFill>
                 <a:latin typeface="Roboto"/>
                 <a:ea typeface="Noto Sans CJK SC"/>
               </a:rPr>
-              <a:t>This cluster represents older, potentially higher-risk customers with more expensive claims. They may benefit from comprehensive coverage options and risk mitigation services.</a:t>
-            </a:r>
-            <a:endParaRPr b="0" lang="en-IN" sz="1100" spc="-1" strike="noStrike">
-              <a:solidFill>
-                <a:srgbClr val="000000"/>
-              </a:solidFill>
-              <a:latin typeface="Arial"/>
-              <a:ea typeface="Noto Sans CJK SC"/>
-            </a:endParaRPr>
-          </a:p>
-          <a:p>
-            <a:pPr marL="432000" indent="-324000">
+              <a:t>This cluster represents older, potentially  higher-risk customers with more expensive claims. They may benefit from comprehensive coverage options and risk mitigation services.</a:t>
+            </a:r>
+            <a:endParaRPr b="0" lang="en-IN" sz="1000" spc="-1" strike="noStrike">
+              <a:solidFill>
+                <a:srgbClr val="000000"/>
+              </a:solidFill>
+              <a:latin typeface="Arial"/>
+            </a:endParaRPr>
+          </a:p>
+          <a:p>
+            <a:pPr>
+              <a:lnSpc>
+                <a:spcPct val="150000"/>
+              </a:lnSpc>
+              <a:tabLst>
+                <a:tab algn="l" pos="0"/>
+              </a:tabLst>
+            </a:pPr>
+            <a:endParaRPr b="0" lang="en-IN" sz="1000" spc="-1" strike="noStrike">
+              <a:solidFill>
+                <a:srgbClr val="000000"/>
+              </a:solidFill>
+              <a:latin typeface="Arial"/>
+            </a:endParaRPr>
+          </a:p>
+          <a:p>
+            <a:pPr marL="432000" indent="-324000" algn="just">
               <a:lnSpc>
                 <a:spcPct val="150000"/>
               </a:lnSpc>
@@ -5128,7 +5269,7 @@
               </a:tabLst>
             </a:pPr>
             <a:r>
-              <a:rPr b="0" lang="en-IN" sz="1100" spc="-1" strike="noStrike">
+              <a:rPr b="0" lang="en-IN" sz="1000" spc="-1" strike="noStrike">
                 <a:solidFill>
                   <a:srgbClr val="000000"/>
                 </a:solidFill>
@@ -5137,16 +5278,15 @@
               </a:rPr>
               <a:t>Oldest average age</a:t>
             </a:r>
-            <a:endParaRPr b="0" lang="en-IN" sz="1100" spc="-1" strike="noStrike">
-              <a:solidFill>
-                <a:srgbClr val="000000"/>
-              </a:solidFill>
-              <a:latin typeface="Arial"/>
-              <a:ea typeface="Noto Sans CJK SC"/>
-            </a:endParaRPr>
-          </a:p>
-          <a:p>
-            <a:pPr marL="432000" indent="-324000">
+            <a:endParaRPr b="0" lang="en-IN" sz="1000" spc="-1" strike="noStrike">
+              <a:solidFill>
+                <a:srgbClr val="000000"/>
+              </a:solidFill>
+              <a:latin typeface="Arial"/>
+            </a:endParaRPr>
+          </a:p>
+          <a:p>
+            <a:pPr marL="432000" indent="-324000" algn="just">
               <a:lnSpc>
                 <a:spcPct val="150000"/>
               </a:lnSpc>
@@ -5160,7 +5300,7 @@
               </a:tabLst>
             </a:pPr>
             <a:r>
-              <a:rPr b="0" lang="en-IN" sz="1100" spc="-1" strike="noStrike">
+              <a:rPr b="0" lang="en-IN" sz="1000" spc="-1" strike="noStrike">
                 <a:solidFill>
                   <a:srgbClr val="000000"/>
                 </a:solidFill>
@@ -5169,16 +5309,15 @@
               </a:rPr>
               <a:t>Highest total claim amount and vehicle claim amount</a:t>
             </a:r>
-            <a:endParaRPr b="0" lang="en-IN" sz="1100" spc="-1" strike="noStrike">
-              <a:solidFill>
-                <a:srgbClr val="000000"/>
-              </a:solidFill>
-              <a:latin typeface="Arial"/>
-              <a:ea typeface="Noto Sans CJK SC"/>
-            </a:endParaRPr>
-          </a:p>
-          <a:p>
-            <a:pPr marL="432000" indent="-324000">
+            <a:endParaRPr b="0" lang="en-IN" sz="1000" spc="-1" strike="noStrike">
+              <a:solidFill>
+                <a:srgbClr val="000000"/>
+              </a:solidFill>
+              <a:latin typeface="Arial"/>
+            </a:endParaRPr>
+          </a:p>
+          <a:p>
+            <a:pPr marL="432000" indent="-324000" algn="just">
               <a:lnSpc>
                 <a:spcPct val="150000"/>
               </a:lnSpc>
@@ -5192,7 +5331,7 @@
               </a:tabLst>
             </a:pPr>
             <a:r>
-              <a:rPr b="0" lang="en-IN" sz="1100" spc="-1" strike="noStrike">
+              <a:rPr b="0" lang="en-IN" sz="1000" spc="-1" strike="noStrike">
                 <a:solidFill>
                   <a:srgbClr val="000000"/>
                 </a:solidFill>
@@ -5201,16 +5340,15 @@
               </a:rPr>
               <a:t>Higher likelihood of bodily injuries</a:t>
             </a:r>
-            <a:endParaRPr b="0" lang="en-IN" sz="1100" spc="-1" strike="noStrike">
-              <a:solidFill>
-                <a:srgbClr val="000000"/>
-              </a:solidFill>
-              <a:latin typeface="Arial"/>
-              <a:ea typeface="Noto Sans CJK SC"/>
-            </a:endParaRPr>
-          </a:p>
-          <a:p>
-            <a:pPr marL="432000" indent="-324000">
+            <a:endParaRPr b="0" lang="en-IN" sz="1000" spc="-1" strike="noStrike">
+              <a:solidFill>
+                <a:srgbClr val="000000"/>
+              </a:solidFill>
+              <a:latin typeface="Arial"/>
+            </a:endParaRPr>
+          </a:p>
+          <a:p>
+            <a:pPr marL="432000" indent="-324000" algn="just">
               <a:lnSpc>
                 <a:spcPct val="150000"/>
               </a:lnSpc>
@@ -5224,7 +5362,7 @@
               </a:tabLst>
             </a:pPr>
             <a:r>
-              <a:rPr b="0" lang="en-IN" sz="1100" spc="-1" strike="noStrike">
+              <a:rPr b="0" lang="en-IN" sz="1000" spc="-1" strike="noStrike">
                 <a:solidFill>
                   <a:srgbClr val="000000"/>
                 </a:solidFill>
@@ -5233,16 +5371,15 @@
               </a:rPr>
               <a:t>Most incidents occur at 10 AM</a:t>
             </a:r>
-            <a:endParaRPr b="0" lang="en-IN" sz="1100" spc="-1" strike="noStrike">
-              <a:solidFill>
-                <a:srgbClr val="000000"/>
-              </a:solidFill>
-              <a:latin typeface="Arial"/>
-              <a:ea typeface="Noto Sans CJK SC"/>
-            </a:endParaRPr>
-          </a:p>
-          <a:p>
-            <a:pPr marL="432000" indent="-324000">
+            <a:endParaRPr b="0" lang="en-IN" sz="1000" spc="-1" strike="noStrike">
+              <a:solidFill>
+                <a:srgbClr val="000000"/>
+              </a:solidFill>
+              <a:latin typeface="Arial"/>
+            </a:endParaRPr>
+          </a:p>
+          <a:p>
+            <a:pPr marL="432000" indent="-324000" algn="just">
               <a:lnSpc>
                 <a:spcPct val="150000"/>
               </a:lnSpc>
@@ -5256,7 +5393,7 @@
               </a:tabLst>
             </a:pPr>
             <a:r>
-              <a:rPr b="0" lang="en-IN" sz="1100" spc="-1" strike="noStrike">
+              <a:rPr b="0" lang="en-IN" sz="1000" spc="-1" strike="noStrike">
                 <a:solidFill>
                   <a:srgbClr val="000000"/>
                 </a:solidFill>
@@ -5265,16 +5402,15 @@
               </a:rPr>
               <a:t>Oldest average vehicle age</a:t>
             </a:r>
-            <a:endParaRPr b="0" lang="en-IN" sz="1100" spc="-1" strike="noStrike">
-              <a:solidFill>
-                <a:srgbClr val="000000"/>
-              </a:solidFill>
-              <a:latin typeface="Arial"/>
-              <a:ea typeface="Noto Sans CJK SC"/>
-            </a:endParaRPr>
-          </a:p>
-          <a:p>
-            <a:pPr marL="432000" indent="-324000">
+            <a:endParaRPr b="0" lang="en-IN" sz="1000" spc="-1" strike="noStrike">
+              <a:solidFill>
+                <a:srgbClr val="000000"/>
+              </a:solidFill>
+              <a:latin typeface="Arial"/>
+            </a:endParaRPr>
+          </a:p>
+          <a:p>
+            <a:pPr marL="432000" indent="-324000" algn="just">
               <a:lnSpc>
                 <a:spcPct val="150000"/>
               </a:lnSpc>
@@ -5288,7 +5424,7 @@
               </a:tabLst>
             </a:pPr>
             <a:r>
-              <a:rPr b="0" lang="en-IN" sz="1100" spc="-1" strike="noStrike">
+              <a:rPr b="0" lang="en-IN" sz="1000" spc="-1" strike="noStrike">
                 <a:solidFill>
                   <a:srgbClr val="000000"/>
                 </a:solidFill>
@@ -5297,26 +5433,75 @@
               </a:rPr>
               <a:t>Multi-car policies</a:t>
             </a:r>
-            <a:endParaRPr b="0" lang="en-IN" sz="1100" spc="-1" strike="noStrike">
-              <a:solidFill>
-                <a:srgbClr val="000000"/>
-              </a:solidFill>
-              <a:latin typeface="Arial"/>
-              <a:ea typeface="Noto Sans CJK SC"/>
+            <a:endParaRPr b="0" lang="en-IN" sz="1000" spc="-1" strike="noStrike">
+              <a:solidFill>
+                <a:srgbClr val="000000"/>
+              </a:solidFill>
+              <a:latin typeface="Arial"/>
             </a:endParaRPr>
           </a:p>
         </p:txBody>
       </p:sp>
+      <p:pic>
+        <p:nvPicPr>
+          <p:cNvPr id="129" name="" descr=""/>
+          <p:cNvPicPr/>
+          <p:nvPr/>
+        </p:nvPicPr>
+        <p:blipFill>
+          <a:blip r:embed="rId2">
+            <a:lum bright="70000" contrast="-70000"/>
+          </a:blip>
+          <a:stretch/>
+        </p:blipFill>
+        <p:spPr>
+          <a:xfrm>
+            <a:off x="3597480" y="720000"/>
+            <a:ext cx="2878920" cy="4680000"/>
+          </a:xfrm>
+          <a:prstGeom prst="rect">
+            <a:avLst/>
+          </a:prstGeom>
+          <a:ln w="36000">
+            <a:noFill/>
+          </a:ln>
+        </p:spPr>
+      </p:pic>
+      <p:pic>
+        <p:nvPicPr>
+          <p:cNvPr id="130" name="" descr=""/>
+          <p:cNvPicPr/>
+          <p:nvPr/>
+        </p:nvPicPr>
+        <p:blipFill>
+          <a:blip r:embed="rId3">
+            <a:lum bright="70000" contrast="-70000"/>
+          </a:blip>
+          <a:stretch/>
+        </p:blipFill>
+        <p:spPr>
+          <a:xfrm>
+            <a:off x="6885000" y="1260000"/>
+            <a:ext cx="2835000" cy="3240000"/>
+          </a:xfrm>
+          <a:prstGeom prst="rect">
+            <a:avLst/>
+          </a:prstGeom>
+          <a:ln w="0">
+            <a:noFill/>
+          </a:ln>
+        </p:spPr>
+      </p:pic>
       <p:sp>
         <p:nvSpPr>
-          <p:cNvPr id="128" name="PlaceHolder 8"/>
+          <p:cNvPr id="131" name="PlaceHolder 8"/>
           <p:cNvSpPr/>
           <p:nvPr/>
         </p:nvSpPr>
         <p:spPr>
           <a:xfrm>
-            <a:off x="3600000" y="687600"/>
-            <a:ext cx="2879280" cy="4676040"/>
+            <a:off x="3597480" y="1080000"/>
+            <a:ext cx="2878920" cy="3924000"/>
           </a:xfrm>
           <a:prstGeom prst="rect">
             <a:avLst/>
@@ -5343,51 +5528,60 @@
         </p:style>
         <p:txBody>
           <a:bodyPr numCol="1" spcCol="0" lIns="14760" rIns="14760" tIns="14760" bIns="14760" anchor="t">
-            <a:normAutofit fontScale="72222"/>
+            <a:normAutofit/>
           </a:bodyPr>
           <a:p>
             <a:pPr>
               <a:lnSpc>
-                <a:spcPct val="150000"/>
+                <a:spcPct val="100000"/>
               </a:lnSpc>
               <a:tabLst>
                 <a:tab algn="l" pos="0"/>
               </a:tabLst>
             </a:pPr>
             <a:r>
-              <a:rPr b="1" lang="en-IN" sz="1600" spc="-1" strike="noStrike">
+              <a:rPr b="1" lang="en-IN" sz="1300" spc="-1" strike="noStrike">
                 <a:solidFill>
                   <a:srgbClr val="000000"/>
                 </a:solidFill>
                 <a:latin typeface="Roboto Condensed"/>
+                <a:ea typeface="DejaVu Sans"/>
+              </a:rPr>
+              <a:t> </a:t>
+            </a:r>
+            <a:r>
+              <a:rPr b="1" lang="en-IN" sz="1300" spc="-1" strike="noStrike">
+                <a:solidFill>
+                  <a:srgbClr val="000000"/>
+                </a:solidFill>
+                <a:latin typeface="Roboto Condensed"/>
+                <a:ea typeface="DejaVu Sans"/>
               </a:rPr>
               <a:t>Tailored Marketing Strategies:</a:t>
             </a:r>
-            <a:endParaRPr b="0" lang="en-IN" sz="1600" spc="-1" strike="noStrike">
-              <a:solidFill>
-                <a:srgbClr val="000000"/>
-              </a:solidFill>
-              <a:latin typeface="Arial"/>
-              <a:ea typeface="Noto Sans CJK SC"/>
-            </a:endParaRPr>
-          </a:p>
-          <a:p>
-            <a:pPr lvl="1" marL="432000" indent="-216000">
+            <a:endParaRPr b="0" lang="en-IN" sz="1300" spc="-1" strike="noStrike">
+              <a:solidFill>
+                <a:srgbClr val="000000"/>
+              </a:solidFill>
+              <a:latin typeface="Arial"/>
+            </a:endParaRPr>
+          </a:p>
+          <a:p>
+            <a:pPr marL="432000" indent="-324000">
               <a:lnSpc>
                 <a:spcPct val="150000"/>
               </a:lnSpc>
               <a:buClr>
-                <a:srgbClr val="ffffff"/>
+                <a:srgbClr val="000000"/>
               </a:buClr>
-              <a:buSzPct val="45000"/>
-              <a:buFont typeface="Wingdings" charset="2"/>
-              <a:buChar char=""/>
+              <a:buFont typeface="Arial"/>
+              <a:buChar char=""/>
               <a:tabLst>
                 <a:tab algn="l" pos="0"/>
               </a:tabLst>
             </a:pPr>
             <a:r>
-              <a:rPr b="0" lang="en-IN" sz="1300" spc="-1" strike="noStrike">
+              <a:rPr b="0" lang="en-IN" sz="1000" spc="-1" strike="noStrike">
                 <a:solidFill>
                   <a:srgbClr val="000000"/>
                 </a:solidFill>
@@ -5396,31 +5590,29 @@
               </a:rPr>
               <a:t>Focus on comprehensive protection and expert risk management</a:t>
             </a:r>
-            <a:endParaRPr b="0" lang="en-IN" sz="1300" spc="-1" strike="noStrike">
-              <a:solidFill>
-                <a:srgbClr val="000000"/>
-              </a:solidFill>
-              <a:latin typeface="Arial"/>
-              <a:ea typeface="Noto Sans CJK SC"/>
-            </a:endParaRPr>
-          </a:p>
-          <a:p>
-            <a:pPr lvl="1" marL="432000" indent="-216000">
+            <a:endParaRPr b="0" lang="en-IN" sz="1000" spc="-1" strike="noStrike">
+              <a:solidFill>
+                <a:srgbClr val="000000"/>
+              </a:solidFill>
+              <a:latin typeface="Arial"/>
+            </a:endParaRPr>
+          </a:p>
+          <a:p>
+            <a:pPr marL="432000" indent="-324000">
               <a:lnSpc>
                 <a:spcPct val="150000"/>
               </a:lnSpc>
               <a:buClr>
-                <a:srgbClr val="ffffff"/>
+                <a:srgbClr val="000000"/>
               </a:buClr>
-              <a:buSzPct val="45000"/>
-              <a:buFont typeface="Wingdings" charset="2"/>
-              <a:buChar char=""/>
+              <a:buFont typeface="Arial"/>
+              <a:buChar char=""/>
               <a:tabLst>
                 <a:tab algn="l" pos="0"/>
               </a:tabLst>
             </a:pPr>
             <a:r>
-              <a:rPr b="0" lang="en-IN" sz="1300" spc="-1" strike="noStrike">
+              <a:rPr b="0" lang="en-IN" sz="1000" spc="-1" strike="noStrike">
                 <a:solidFill>
                   <a:srgbClr val="000000"/>
                 </a:solidFill>
@@ -5429,12 +5621,11 @@
               </a:rPr>
               <a:t>Emphasize personalized service and high-value customer benefits</a:t>
             </a:r>
-            <a:endParaRPr b="0" lang="en-IN" sz="1300" spc="-1" strike="noStrike">
-              <a:solidFill>
-                <a:srgbClr val="000000"/>
-              </a:solidFill>
-              <a:latin typeface="Arial"/>
-              <a:ea typeface="Noto Sans CJK SC"/>
+            <a:endParaRPr b="0" lang="en-IN" sz="1000" spc="-1" strike="noStrike">
+              <a:solidFill>
+                <a:srgbClr val="000000"/>
+              </a:solidFill>
+              <a:latin typeface="Arial"/>
             </a:endParaRPr>
           </a:p>
           <a:p>
@@ -5447,7 +5638,7 @@
               </a:tabLst>
             </a:pPr>
             <a:r>
-              <a:rPr b="1" lang="en-IN" sz="1600" spc="-1" strike="noStrike">
+              <a:rPr b="1" lang="en-IN" sz="1300" spc="-1" strike="noStrike">
                 <a:solidFill>
                   <a:srgbClr val="000000"/>
                 </a:solidFill>
@@ -5457,40 +5648,38 @@
               <a:t> </a:t>
             </a:r>
             <a:r>
-              <a:rPr b="1" lang="en-IN" sz="1600" spc="-1" strike="noStrike">
+              <a:rPr b="1" lang="en-IN" sz="1300" spc="-1" strike="noStrike">
                 <a:solidFill>
                   <a:srgbClr val="000000"/>
                 </a:solidFill>
                 <a:latin typeface="Roboto Condensed"/>
                 <a:ea typeface="Noto Sans CJK SC"/>
               </a:rPr>
-              <a:t>Product Development Recommendations</a:t>
-            </a:r>
-            <a:endParaRPr b="0" lang="en-IN" sz="1600" spc="-1" strike="noStrike">
-              <a:solidFill>
-                <a:srgbClr val="000000"/>
-              </a:solidFill>
-              <a:latin typeface="Arial"/>
-              <a:ea typeface="Noto Sans CJK SC"/>
-            </a:endParaRPr>
-          </a:p>
-          <a:p>
-            <a:pPr lvl="1" marL="432000" indent="-216000">
+              <a:t>Product Development Recommendations:</a:t>
+            </a:r>
+            <a:endParaRPr b="0" lang="en-IN" sz="1300" spc="-1" strike="noStrike">
+              <a:solidFill>
+                <a:srgbClr val="000000"/>
+              </a:solidFill>
+              <a:latin typeface="Arial"/>
+            </a:endParaRPr>
+          </a:p>
+          <a:p>
+            <a:pPr marL="432000" indent="-324000">
               <a:lnSpc>
                 <a:spcPct val="150000"/>
               </a:lnSpc>
               <a:buClr>
-                <a:srgbClr val="ffffff"/>
+                <a:srgbClr val="000000"/>
               </a:buClr>
-              <a:buSzPct val="45000"/>
-              <a:buFont typeface="Wingdings" charset="2"/>
-              <a:buChar char=""/>
+              <a:buFont typeface="Arial"/>
+              <a:buChar char=""/>
               <a:tabLst>
                 <a:tab algn="l" pos="0"/>
               </a:tabLst>
             </a:pPr>
             <a:r>
-              <a:rPr b="0" lang="en-IN" sz="1300" spc="-1" strike="noStrike">
+              <a:rPr b="0" lang="en-IN" sz="1000" spc="-1" strike="noStrike">
                 <a:solidFill>
                   <a:srgbClr val="000000"/>
                 </a:solidFill>
@@ -5499,31 +5688,29 @@
               </a:rPr>
               <a:t>Premium packages with extensive coverage and concierge services</a:t>
             </a:r>
-            <a:endParaRPr b="0" lang="en-IN" sz="1300" spc="-1" strike="noStrike">
-              <a:solidFill>
-                <a:srgbClr val="000000"/>
-              </a:solidFill>
-              <a:latin typeface="Arial"/>
-              <a:ea typeface="Noto Sans CJK SC"/>
-            </a:endParaRPr>
-          </a:p>
-          <a:p>
-            <a:pPr lvl="1" marL="432000" indent="-216000">
+            <a:endParaRPr b="0" lang="en-IN" sz="1000" spc="-1" strike="noStrike">
+              <a:solidFill>
+                <a:srgbClr val="000000"/>
+              </a:solidFill>
+              <a:latin typeface="Arial"/>
+            </a:endParaRPr>
+          </a:p>
+          <a:p>
+            <a:pPr marL="432000" indent="-324000">
               <a:lnSpc>
                 <a:spcPct val="150000"/>
               </a:lnSpc>
               <a:buClr>
-                <a:srgbClr val="ffffff"/>
+                <a:srgbClr val="000000"/>
               </a:buClr>
-              <a:buSzPct val="45000"/>
-              <a:buFont typeface="Wingdings" charset="2"/>
-              <a:buChar char=""/>
+              <a:buFont typeface="Arial"/>
+              <a:buChar char=""/>
               <a:tabLst>
                 <a:tab algn="l" pos="0"/>
               </a:tabLst>
             </a:pPr>
             <a:r>
-              <a:rPr b="0" lang="en-IN" sz="1300" spc="-1" strike="noStrike">
+              <a:rPr b="0" lang="en-IN" sz="1000" spc="-1" strike="noStrike">
                 <a:solidFill>
                   <a:srgbClr val="000000"/>
                 </a:solidFill>
@@ -5532,12 +5719,11 @@
               </a:rPr>
               <a:t>Specialized policies for high-value vehicles and assets </a:t>
             </a:r>
-            <a:endParaRPr b="0" lang="en-IN" sz="1300" spc="-1" strike="noStrike">
-              <a:solidFill>
-                <a:srgbClr val="000000"/>
-              </a:solidFill>
-              <a:latin typeface="Arial"/>
-              <a:ea typeface="Noto Sans CJK SC"/>
+            <a:endParaRPr b="0" lang="en-IN" sz="1000" spc="-1" strike="noStrike">
+              <a:solidFill>
+                <a:srgbClr val="000000"/>
+              </a:solidFill>
+              <a:latin typeface="Arial"/>
             </a:endParaRPr>
           </a:p>
           <a:p>
@@ -5550,7 +5736,7 @@
               </a:tabLst>
             </a:pPr>
             <a:r>
-              <a:rPr b="1" lang="en-IN" sz="1600" spc="-1" strike="noStrike">
+              <a:rPr b="1" lang="en-IN" sz="1300" spc="-1" strike="noStrike">
                 <a:solidFill>
                   <a:srgbClr val="000000"/>
                 </a:solidFill>
@@ -5560,40 +5746,38 @@
               <a:t> </a:t>
             </a:r>
             <a:r>
-              <a:rPr b="1" lang="en-IN" sz="1600" spc="-1" strike="noStrike">
+              <a:rPr b="1" lang="en-IN" sz="1300" spc="-1" strike="noStrike">
                 <a:solidFill>
                   <a:srgbClr val="000000"/>
                 </a:solidFill>
                 <a:latin typeface="Roboto Condensed"/>
                 <a:ea typeface="Noto Sans CJK SC"/>
               </a:rPr>
-              <a:t>Cross-Selling Opportunities</a:t>
-            </a:r>
-            <a:endParaRPr b="0" lang="en-IN" sz="1600" spc="-1" strike="noStrike">
-              <a:solidFill>
-                <a:srgbClr val="000000"/>
-              </a:solidFill>
-              <a:latin typeface="Arial"/>
-              <a:ea typeface="Noto Sans CJK SC"/>
-            </a:endParaRPr>
-          </a:p>
-          <a:p>
-            <a:pPr lvl="1" marL="432000" indent="-216000">
+              <a:t>Cross-Selling Opportunities:</a:t>
+            </a:r>
+            <a:endParaRPr b="0" lang="en-IN" sz="1300" spc="-1" strike="noStrike">
+              <a:solidFill>
+                <a:srgbClr val="000000"/>
+              </a:solidFill>
+              <a:latin typeface="Arial"/>
+            </a:endParaRPr>
+          </a:p>
+          <a:p>
+            <a:pPr marL="432000" indent="-324000">
               <a:lnSpc>
                 <a:spcPct val="150000"/>
               </a:lnSpc>
               <a:buClr>
-                <a:srgbClr val="ffffff"/>
+                <a:srgbClr val="000000"/>
               </a:buClr>
-              <a:buSzPct val="45000"/>
-              <a:buFont typeface="Wingdings" charset="2"/>
-              <a:buChar char=""/>
+              <a:buFont typeface="Arial"/>
+              <a:buChar char=""/>
               <a:tabLst>
                 <a:tab algn="l" pos="0"/>
               </a:tabLst>
             </a:pPr>
             <a:r>
-              <a:rPr b="0" lang="en-IN" sz="1300" spc="-1" strike="noStrike">
+              <a:rPr b="0" lang="en-IN" sz="1000" spc="-1" strike="noStrike">
                 <a:solidFill>
                   <a:srgbClr val="000000"/>
                 </a:solidFill>
@@ -5602,31 +5786,29 @@
               </a:rPr>
               <a:t>High-value home insurance and umbrella policies</a:t>
             </a:r>
-            <a:endParaRPr b="0" lang="en-IN" sz="1300" spc="-1" strike="noStrike">
-              <a:solidFill>
-                <a:srgbClr val="000000"/>
-              </a:solidFill>
-              <a:latin typeface="Arial"/>
-              <a:ea typeface="Noto Sans CJK SC"/>
-            </a:endParaRPr>
-          </a:p>
-          <a:p>
-            <a:pPr lvl="1" marL="432000" indent="-216000">
+            <a:endParaRPr b="0" lang="en-IN" sz="1000" spc="-1" strike="noStrike">
+              <a:solidFill>
+                <a:srgbClr val="000000"/>
+              </a:solidFill>
+              <a:latin typeface="Arial"/>
+            </a:endParaRPr>
+          </a:p>
+          <a:p>
+            <a:pPr marL="432000" indent="-324000">
               <a:lnSpc>
                 <a:spcPct val="150000"/>
               </a:lnSpc>
               <a:buClr>
-                <a:srgbClr val="ffffff"/>
+                <a:srgbClr val="000000"/>
               </a:buClr>
-              <a:buSzPct val="45000"/>
-              <a:buFont typeface="Wingdings" charset="2"/>
-              <a:buChar char=""/>
+              <a:buFont typeface="Arial"/>
+              <a:buChar char=""/>
               <a:tabLst>
                 <a:tab algn="l" pos="0"/>
               </a:tabLst>
             </a:pPr>
             <a:r>
-              <a:rPr b="0" lang="en-IN" sz="1300" spc="-1" strike="noStrike">
+              <a:rPr b="0" lang="en-IN" sz="1000" spc="-1" strike="noStrike">
                 <a:solidFill>
                   <a:srgbClr val="000000"/>
                 </a:solidFill>
@@ -5635,12 +5817,11 @@
               </a:rPr>
               <a:t>Executive life insurance and retirement planning services</a:t>
             </a:r>
-            <a:endParaRPr b="0" lang="en-IN" sz="1300" spc="-1" strike="noStrike">
-              <a:solidFill>
-                <a:srgbClr val="000000"/>
-              </a:solidFill>
-              <a:latin typeface="Arial"/>
-              <a:ea typeface="Noto Sans CJK SC"/>
+            <a:endParaRPr b="0" lang="en-IN" sz="1000" spc="-1" strike="noStrike">
+              <a:solidFill>
+                <a:srgbClr val="000000"/>
+              </a:solidFill>
+              <a:latin typeface="Arial"/>
             </a:endParaRPr>
           </a:p>
           <a:p>
@@ -5662,112 +5843,25 @@
               </a:rPr>
               <a:t> </a:t>
             </a:r>
-            <a:r>
-              <a:rPr b="1" lang="en-IN" sz="1600" spc="-1" strike="noStrike">
-                <a:solidFill>
-                  <a:srgbClr val="000000"/>
-                </a:solidFill>
-                <a:latin typeface="Roboto Condensed"/>
-                <a:ea typeface="Noto Sans CJK SC"/>
-              </a:rPr>
-              <a:t>Customer Engagement Strategies</a:t>
-            </a:r>
             <a:endParaRPr b="0" lang="en-IN" sz="1600" spc="-1" strike="noStrike">
               <a:solidFill>
                 <a:srgbClr val="000000"/>
               </a:solidFill>
               <a:latin typeface="Arial"/>
-              <a:ea typeface="Noto Sans CJK SC"/>
-            </a:endParaRPr>
-          </a:p>
-          <a:p>
-            <a:pPr lvl="1" marL="432000" indent="-216000">
-              <a:lnSpc>
-                <a:spcPct val="150000"/>
-              </a:lnSpc>
-              <a:buClr>
-                <a:srgbClr val="ffffff"/>
-              </a:buClr>
-              <a:buSzPct val="45000"/>
-              <a:buFont typeface="Wingdings" charset="2"/>
-              <a:buChar char=""/>
-              <a:tabLst>
-                <a:tab algn="l" pos="0"/>
-              </a:tabLst>
-            </a:pPr>
-            <a:r>
-              <a:rPr b="0" lang="en-IN" sz="1300" spc="-1" strike="noStrike">
-                <a:solidFill>
-                  <a:srgbClr val="000000"/>
-                </a:solidFill>
-                <a:latin typeface="Roboto"/>
-                <a:ea typeface="Noto Sans CJK SC"/>
-              </a:rPr>
-              <a:t>Personalized risk assessments and quarterly coverage reviews</a:t>
-            </a:r>
-            <a:endParaRPr b="0" lang="en-IN" sz="1300" spc="-1" strike="noStrike">
-              <a:solidFill>
-                <a:srgbClr val="000000"/>
-              </a:solidFill>
-              <a:latin typeface="Arial"/>
-              <a:ea typeface="Noto Sans CJK SC"/>
-            </a:endParaRPr>
-          </a:p>
-          <a:p>
-            <a:pPr lvl="1" marL="432000" indent="-216000">
-              <a:lnSpc>
-                <a:spcPct val="150000"/>
-              </a:lnSpc>
-              <a:buClr>
-                <a:srgbClr val="ffffff"/>
-              </a:buClr>
-              <a:buSzPct val="45000"/>
-              <a:buFont typeface="Wingdings" charset="2"/>
-              <a:buChar char=""/>
-              <a:tabLst>
-                <a:tab algn="l" pos="0"/>
-              </a:tabLst>
-            </a:pPr>
-            <a:r>
-              <a:rPr b="0" lang="en-IN" sz="1300" spc="-1" strike="noStrike">
-                <a:solidFill>
-                  <a:srgbClr val="000000"/>
-                </a:solidFill>
-                <a:latin typeface="Roboto"/>
-                <a:ea typeface="Noto Sans CJK SC"/>
-              </a:rPr>
-              <a:t>Exclusive events and workshops on wealth</a:t>
-            </a:r>
-            <a:r>
-              <a:rPr b="0" lang="en-IN" sz="1200" spc="-1" strike="noStrike">
-                <a:solidFill>
-                  <a:srgbClr val="000000"/>
-                </a:solidFill>
-                <a:latin typeface="Roboto"/>
-                <a:ea typeface="Noto Sans CJK SC"/>
-              </a:rPr>
-              <a:t> protection</a:t>
-            </a:r>
-            <a:endParaRPr b="0" lang="en-IN" sz="1200" spc="-1" strike="noStrike">
-              <a:solidFill>
-                <a:srgbClr val="000000"/>
-              </a:solidFill>
-              <a:latin typeface="Arial"/>
-              <a:ea typeface="Noto Sans CJK SC"/>
             </a:endParaRPr>
           </a:p>
         </p:txBody>
       </p:sp>
       <p:sp>
         <p:nvSpPr>
-          <p:cNvPr id="129" name="PlaceHolder 9"/>
+          <p:cNvPr id="132" name="PlaceHolder 9"/>
           <p:cNvSpPr/>
           <p:nvPr/>
         </p:nvSpPr>
         <p:spPr>
           <a:xfrm>
-            <a:off x="6516000" y="29160"/>
-            <a:ext cx="3203640" cy="539640"/>
+            <a:off x="6588000" y="65160"/>
+            <a:ext cx="3203280" cy="539280"/>
           </a:xfrm>
           <a:prstGeom prst="rect">
             <a:avLst/>
@@ -5797,24 +5891,26 @@
               </a:tabLst>
             </a:pPr>
             <a:r>
-              <a:rPr b="0" lang="en-IN" sz="2200" spc="-1" strike="noStrike">
+              <a:rPr b="1" lang="en-IN" sz="1800" spc="-1" strike="noStrike">
                 <a:solidFill>
                   <a:srgbClr val="ffffff"/>
                 </a:solidFill>
                 <a:latin typeface="Roboto Condensed"/>
+                <a:ea typeface="DejaVu Sans"/>
               </a:rPr>
               <a:t>   </a:t>
             </a:r>
             <a:r>
-              <a:rPr b="0" lang="en-IN" sz="2200" spc="-1" strike="noStrike">
+              <a:rPr b="1" lang="en-IN" sz="1800" spc="-1" strike="noStrike">
                 <a:solidFill>
                   <a:srgbClr val="ffffff"/>
                 </a:solidFill>
                 <a:latin typeface="Roboto Condensed"/>
+                <a:ea typeface="DejaVu Sans"/>
               </a:rPr>
               <a:t>Implementation Roadmap</a:t>
             </a:r>
-            <a:endParaRPr b="0" lang="en-IN" sz="2200" spc="-1" strike="noStrike">
+            <a:endParaRPr b="1" lang="en-IN" sz="1800" spc="-1" strike="noStrike">
               <a:solidFill>
                 <a:srgbClr val="ffffff"/>
               </a:solidFill>
@@ -5825,14 +5921,14 @@
       </p:sp>
       <p:sp>
         <p:nvSpPr>
-          <p:cNvPr id="130" name="PlaceHolder 10"/>
+          <p:cNvPr id="133" name="PlaceHolder 10"/>
           <p:cNvSpPr/>
           <p:nvPr/>
         </p:nvSpPr>
         <p:spPr>
           <a:xfrm>
             <a:off x="3600000" y="144000"/>
-            <a:ext cx="2879640" cy="395640"/>
+            <a:ext cx="2879280" cy="395280"/>
           </a:xfrm>
           <a:prstGeom prst="rect">
             <a:avLst/>
@@ -5862,15 +5958,16 @@
               </a:tabLst>
             </a:pPr>
             <a:r>
-              <a:rPr b="0" lang="en-IN" sz="2200" spc="-1" strike="noStrike">
+              <a:rPr b="1" lang="en-IN" sz="1800" spc="-1" strike="noStrike">
                 <a:solidFill>
                   <a:srgbClr val="ffffff"/>
                 </a:solidFill>
                 <a:latin typeface="Roboto Condensed"/>
+                <a:ea typeface="DejaVu Sans"/>
               </a:rPr>
               <a:t>Business Implications</a:t>
             </a:r>
-            <a:endParaRPr b="0" lang="en-IN" sz="2200" spc="-1" strike="noStrike">
+            <a:endParaRPr b="1" lang="en-IN" sz="1800" spc="-1" strike="noStrike">
               <a:solidFill>
                 <a:srgbClr val="ffffff"/>
               </a:solidFill>
@@ -5881,14 +5978,14 @@
       </p:sp>
       <p:sp>
         <p:nvSpPr>
-          <p:cNvPr id="131" name="PlaceHolder 11"/>
+          <p:cNvPr id="134" name="PlaceHolder 11"/>
           <p:cNvSpPr/>
           <p:nvPr/>
         </p:nvSpPr>
         <p:spPr>
           <a:xfrm>
             <a:off x="360000" y="36000"/>
-            <a:ext cx="2879640" cy="539640"/>
+            <a:ext cx="2879280" cy="539280"/>
           </a:xfrm>
           <a:prstGeom prst="rect">
             <a:avLst/>
@@ -5913,20 +6010,27 @@
               <a:lnSpc>
                 <a:spcPct val="100000"/>
               </a:lnSpc>
+              <a:spcBef>
+                <a:spcPts val="1191"/>
+              </a:spcBef>
+              <a:spcAft>
+                <a:spcPts val="992"/>
+              </a:spcAft>
               <a:tabLst>
                 <a:tab algn="l" pos="0"/>
               </a:tabLst>
             </a:pPr>
             <a:r>
-              <a:rPr b="0" lang="en-IN" sz="2200" spc="-1" strike="noStrike">
+              <a:rPr b="1" lang="en-IN" sz="1800" spc="-1" strike="noStrike">
                 <a:solidFill>
                   <a:srgbClr val="ffffff"/>
                 </a:solidFill>
                 <a:latin typeface="Roboto Condensed"/>
-              </a:rPr>
-              <a:t>Customer Chatracteristics</a:t>
-            </a:r>
-            <a:endParaRPr b="0" lang="en-IN" sz="2200" spc="-1" strike="noStrike">
+                <a:ea typeface="DejaVu Sans"/>
+              </a:rPr>
+              <a:t>Customer Characteristics</a:t>
+            </a:r>
+            <a:endParaRPr b="1" lang="en-IN" sz="1800" spc="-1" strike="noStrike">
               <a:solidFill>
                 <a:srgbClr val="ffffff"/>
               </a:solidFill>
@@ -5935,16 +6039,16 @@
           </a:p>
         </p:txBody>
       </p:sp>
-      <p:sp>
+      <p:sp useBgFill="1">
         <p:nvSpPr>
-          <p:cNvPr id="132" name="PlaceHolder 12"/>
+          <p:cNvPr id="135" name="PlaceHolder 12"/>
           <p:cNvSpPr/>
           <p:nvPr/>
         </p:nvSpPr>
         <p:spPr>
           <a:xfrm>
-            <a:off x="6840000" y="1080000"/>
-            <a:ext cx="2879280" cy="3599640"/>
+            <a:off x="6885000" y="1260000"/>
+            <a:ext cx="2878920" cy="3240000"/>
           </a:xfrm>
           <a:prstGeom prst="rect">
             <a:avLst/>
@@ -5971,109 +6075,108 @@
         </p:style>
         <p:txBody>
           <a:bodyPr numCol="1" spcCol="0" lIns="14760" rIns="14760" tIns="14760" bIns="14760" anchor="t">
-            <a:normAutofit fontScale="96666"/>
+            <a:normAutofit/>
           </a:bodyPr>
           <a:p>
-            <a:pPr algn="ctr">
-              <a:lnSpc>
-                <a:spcPct val="150000"/>
+            <a:pPr>
+              <a:lnSpc>
+                <a:spcPct val="100000"/>
               </a:lnSpc>
               <a:tabLst>
                 <a:tab algn="l" pos="0"/>
               </a:tabLst>
             </a:pPr>
             <a:r>
-              <a:rPr b="1" lang="en-IN" sz="1800" spc="-1" strike="noStrike">
+              <a:rPr b="1" lang="en-IN" sz="1300" spc="-1" strike="noStrike">
                 <a:solidFill>
                   <a:srgbClr val="000000"/>
                 </a:solidFill>
                 <a:latin typeface="Roboto Condensed"/>
-              </a:rPr>
-              <a:t>Roadmap</a:t>
-            </a:r>
-            <a:endParaRPr b="0" lang="en-IN" sz="1800" spc="-1" strike="noStrike">
-              <a:solidFill>
-                <a:srgbClr val="000000"/>
-              </a:solidFill>
-              <a:latin typeface="Arial"/>
-              <a:ea typeface="Noto Sans CJK SC"/>
-            </a:endParaRPr>
-          </a:p>
-          <a:p>
-            <a:pPr algn="just">
+                <a:ea typeface="Noto Sans CJK SC"/>
+              </a:rPr>
+              <a:t> </a:t>
+            </a:r>
+            <a:r>
+              <a:rPr b="1" lang="en-IN" sz="1300" spc="-1" strike="noStrike">
+                <a:solidFill>
+                  <a:srgbClr val="000000"/>
+                </a:solidFill>
+                <a:latin typeface="Roboto Condensed"/>
+                <a:ea typeface="Noto Sans CJK SC"/>
+              </a:rPr>
+              <a:t>Customer Engagement Strategies:</a:t>
+            </a:r>
+            <a:endParaRPr b="0" lang="en-IN" sz="1300" spc="-1" strike="noStrike">
+              <a:solidFill>
+                <a:srgbClr val="000000"/>
+              </a:solidFill>
+              <a:latin typeface="Arial"/>
+            </a:endParaRPr>
+          </a:p>
+          <a:p>
+            <a:pPr marL="432000" indent="-324000">
               <a:lnSpc>
                 <a:spcPct val="150000"/>
               </a:lnSpc>
+              <a:buClr>
+                <a:srgbClr val="000000"/>
+              </a:buClr>
+              <a:buFont typeface="Arial"/>
+              <a:buChar char=""/>
               <a:tabLst>
                 <a:tab algn="l" pos="0"/>
               </a:tabLst>
             </a:pPr>
             <a:r>
-              <a:rPr b="1" lang="en-IN" sz="1600" spc="-1" strike="noStrike">
-                <a:solidFill>
-                  <a:srgbClr val="000000"/>
-                </a:solidFill>
-                <a:latin typeface="Roboto Condensed"/>
-              </a:rPr>
-              <a:t>Phase 1: </a:t>
-            </a:r>
-            <a:r>
-              <a:rPr b="0" lang="en-IN" sz="1200" spc="-1" strike="noStrike">
+              <a:rPr b="0" lang="en-IN" sz="1000" spc="-1" strike="noStrike">
                 <a:solidFill>
                   <a:srgbClr val="000000"/>
                 </a:solidFill>
                 <a:latin typeface="Roboto"/>
                 <a:ea typeface="Noto Sans CJK SC"/>
               </a:rPr>
-              <a:t>Refine marketing messages and channels based on the customer segment and implications.</a:t>
-            </a:r>
-            <a:endParaRPr b="0" lang="en-IN" sz="1200" spc="-1" strike="noStrike">
-              <a:solidFill>
-                <a:srgbClr val="000000"/>
-              </a:solidFill>
-              <a:latin typeface="Arial"/>
-              <a:ea typeface="Noto Sans CJK SC"/>
-            </a:endParaRPr>
-          </a:p>
-          <a:p>
-            <a:pPr algn="just">
+              <a:t>Personalized risk assessments and quarterly coverage reviews</a:t>
+            </a:r>
+            <a:endParaRPr b="0" lang="en-IN" sz="1000" spc="-1" strike="noStrike">
+              <a:solidFill>
+                <a:srgbClr val="000000"/>
+              </a:solidFill>
+              <a:latin typeface="Arial"/>
+            </a:endParaRPr>
+          </a:p>
+          <a:p>
+            <a:pPr marL="432000" indent="-324000">
               <a:lnSpc>
                 <a:spcPct val="150000"/>
               </a:lnSpc>
+              <a:buClr>
+                <a:srgbClr val="000000"/>
+              </a:buClr>
+              <a:buFont typeface="Arial"/>
+              <a:buChar char=""/>
               <a:tabLst>
                 <a:tab algn="l" pos="0"/>
               </a:tabLst>
             </a:pPr>
             <a:r>
-              <a:rPr b="1" lang="en-IN" sz="1600" spc="-1" strike="noStrike">
-                <a:solidFill>
-                  <a:srgbClr val="000000"/>
-                </a:solidFill>
-                <a:latin typeface="Roboto Condensed"/>
-                <a:ea typeface="Noto Sans CJK SC"/>
-              </a:rPr>
-              <a:t>Phase 2: </a:t>
-            </a:r>
-            <a:r>
-              <a:rPr b="0" lang="en-IN" sz="1200" spc="-1" strike="noStrike">
+              <a:rPr b="0" lang="en-IN" sz="1000" spc="-1" strike="noStrike">
                 <a:solidFill>
                   <a:srgbClr val="000000"/>
                 </a:solidFill>
                 <a:latin typeface="Roboto"/>
                 <a:ea typeface="Noto Sans CJK SC"/>
               </a:rPr>
-              <a:t>Develop and launch tailored products.</a:t>
-            </a:r>
-            <a:endParaRPr b="0" lang="en-IN" sz="1200" spc="-1" strike="noStrike">
-              <a:solidFill>
-                <a:srgbClr val="000000"/>
-              </a:solidFill>
-              <a:latin typeface="Arial"/>
-              <a:ea typeface="Noto Sans CJK SC"/>
-            </a:endParaRPr>
-          </a:p>
-          <a:p>
-            <a:pPr algn="just">
+              <a:t>Exclusive events and workshops on wealth protection</a:t>
+            </a:r>
+            <a:endParaRPr b="0" lang="en-IN" sz="1000" spc="-1" strike="noStrike">
+              <a:solidFill>
+                <a:srgbClr val="000000"/>
+              </a:solidFill>
+              <a:latin typeface="Arial"/>
+            </a:endParaRPr>
+          </a:p>
+          <a:p>
+            <a:pPr>
               <a:lnSpc>
                 <a:spcPct val="150000"/>
               </a:lnSpc>
@@ -6082,126 +6185,200 @@
               </a:tabLst>
             </a:pPr>
             <a:r>
-              <a:rPr b="1" lang="en-IN" sz="1600" spc="-1" strike="noStrike">
+              <a:rPr b="1" lang="en-IN" sz="1300" spc="-1" strike="noStrike">
                 <a:solidFill>
                   <a:srgbClr val="000000"/>
                 </a:solidFill>
                 <a:latin typeface="Roboto Condensed"/>
-                <a:ea typeface="Noto Sans CJK SC"/>
-              </a:rPr>
-              <a:t>Phase 3: </a:t>
-            </a:r>
-            <a:r>
-              <a:rPr b="0" lang="en-IN" sz="1200" spc="-1" strike="noStrike">
-                <a:solidFill>
-                  <a:srgbClr val="000000"/>
-                </a:solidFill>
-                <a:latin typeface="Roboto"/>
-                <a:ea typeface="Noto Sans CJK SC"/>
-              </a:rPr>
-              <a:t>Implement cross-selling strategies and loyalty programs.</a:t>
-            </a:r>
-            <a:endParaRPr b="0" lang="en-IN" sz="1200" spc="-1" strike="noStrike">
-              <a:solidFill>
-                <a:srgbClr val="000000"/>
-              </a:solidFill>
-              <a:latin typeface="Arial"/>
-              <a:ea typeface="Noto Sans CJK SC"/>
-            </a:endParaRPr>
-          </a:p>
-          <a:p>
-            <a:pPr algn="just">
+                <a:ea typeface="DejaVu Sans"/>
+              </a:rPr>
+              <a:t> </a:t>
+            </a:r>
+            <a:r>
+              <a:rPr b="1" lang="en-IN" sz="1300" spc="-1" strike="noStrike">
+                <a:solidFill>
+                  <a:srgbClr val="000000"/>
+                </a:solidFill>
+                <a:latin typeface="Roboto Condensed"/>
+                <a:ea typeface="DejaVu Sans"/>
+              </a:rPr>
+              <a:t>Roadmap:</a:t>
+            </a:r>
+            <a:endParaRPr b="0" lang="en-IN" sz="1300" spc="-1" strike="noStrike">
+              <a:solidFill>
+                <a:srgbClr val="000000"/>
+              </a:solidFill>
+              <a:latin typeface="Arial"/>
+            </a:endParaRPr>
+          </a:p>
+          <a:p>
+            <a:pPr marL="378000" indent="-270000">
               <a:lnSpc>
                 <a:spcPct val="150000"/>
               </a:lnSpc>
+              <a:buClr>
+                <a:srgbClr val="000000"/>
+              </a:buClr>
+              <a:buFont typeface="Arial"/>
+              <a:buChar char=""/>
               <a:tabLst>
                 <a:tab algn="l" pos="0"/>
               </a:tabLst>
             </a:pPr>
             <a:r>
-              <a:rPr b="1" lang="en-IN" sz="1600" spc="-1" strike="noStrike">
-                <a:solidFill>
-                  <a:srgbClr val="000000"/>
-                </a:solidFill>
-                <a:latin typeface="Roboto Condensed"/>
-                <a:ea typeface="Noto Sans CJK SC"/>
-              </a:rPr>
-              <a:t>Phase 4:</a:t>
-            </a:r>
-            <a:r>
-              <a:rPr b="0" lang="en-IN" sz="2400" spc="-1" strike="noStrike">
-                <a:solidFill>
-                  <a:srgbClr val="000000"/>
-                </a:solidFill>
-                <a:latin typeface="Times New Roman"/>
-                <a:ea typeface="Arial"/>
-              </a:rPr>
-              <a:t> </a:t>
-            </a:r>
-            <a:r>
-              <a:rPr b="0" lang="en-IN" sz="1200" spc="-1" strike="noStrike">
+              <a:rPr b="0" lang="en-IN" sz="1000" spc="-1" strike="noStrike">
                 <a:solidFill>
                   <a:srgbClr val="000000"/>
                 </a:solidFill>
                 <a:latin typeface="Roboto"/>
                 <a:ea typeface="Noto Sans CJK SC"/>
               </a:rPr>
-              <a:t>Enhance customer engagement platforms and personalized services.</a:t>
-            </a:r>
-            <a:endParaRPr b="0" lang="en-IN" sz="1200" spc="-1" strike="noStrike">
-              <a:solidFill>
-                <a:srgbClr val="000000"/>
-              </a:solidFill>
-              <a:latin typeface="Arial"/>
-              <a:ea typeface="Noto Sans CJK SC"/>
-            </a:endParaRPr>
-          </a:p>
-          <a:p>
-            <a:pPr>
+              <a:t>Refine marketing messages  and channels based on the customer segment and implications</a:t>
+            </a:r>
+            <a:endParaRPr b="0" lang="en-IN" sz="1000" spc="-1" strike="noStrike">
+              <a:solidFill>
+                <a:srgbClr val="000000"/>
+              </a:solidFill>
+              <a:latin typeface="Arial"/>
+            </a:endParaRPr>
+          </a:p>
+          <a:p>
+            <a:pPr marL="378000" indent="-270000">
               <a:lnSpc>
                 <a:spcPct val="150000"/>
               </a:lnSpc>
+              <a:buClr>
+                <a:srgbClr val="000000"/>
+              </a:buClr>
+              <a:buFont typeface="Arial"/>
+              <a:buChar char=""/>
               <a:tabLst>
                 <a:tab algn="l" pos="0"/>
               </a:tabLst>
             </a:pPr>
-            <a:endParaRPr b="0" lang="en-IN" sz="1800" spc="-1" strike="noStrike">
-              <a:solidFill>
-                <a:srgbClr val="000000"/>
-              </a:solidFill>
-              <a:latin typeface="Arial"/>
-              <a:ea typeface="Noto Sans CJK SC"/>
-            </a:endParaRPr>
-          </a:p>
-          <a:p>
-            <a:pPr>
+            <a:r>
+              <a:rPr b="0" lang="en-IN" sz="1000" spc="-1" strike="noStrike">
+                <a:solidFill>
+                  <a:srgbClr val="000000"/>
+                </a:solidFill>
+                <a:latin typeface="Roboto"/>
+                <a:ea typeface="Noto Sans CJK SC"/>
+              </a:rPr>
+              <a:t>Develop and launch tailored products</a:t>
+            </a:r>
+            <a:endParaRPr b="0" lang="en-IN" sz="1000" spc="-1" strike="noStrike">
+              <a:solidFill>
+                <a:srgbClr val="000000"/>
+              </a:solidFill>
+              <a:latin typeface="Arial"/>
+            </a:endParaRPr>
+          </a:p>
+          <a:p>
+            <a:pPr marL="378000" indent="-270000">
               <a:lnSpc>
                 <a:spcPct val="150000"/>
               </a:lnSpc>
+              <a:buClr>
+                <a:srgbClr val="000000"/>
+              </a:buClr>
+              <a:buFont typeface="Arial"/>
+              <a:buChar char=""/>
               <a:tabLst>
                 <a:tab algn="l" pos="0"/>
               </a:tabLst>
             </a:pPr>
+            <a:r>
+              <a:rPr b="0" lang="en-IN" sz="1000" spc="-1" strike="noStrike">
+                <a:solidFill>
+                  <a:srgbClr val="000000"/>
+                </a:solidFill>
+                <a:latin typeface="Roboto"/>
+                <a:ea typeface="Noto Sans CJK SC"/>
+              </a:rPr>
+              <a:t>Implement cross-selling strategies and loyalty programs.</a:t>
+            </a:r>
+            <a:endParaRPr b="0" lang="en-IN" sz="1000" spc="-1" strike="noStrike">
+              <a:solidFill>
+                <a:srgbClr val="000000"/>
+              </a:solidFill>
+              <a:latin typeface="Arial"/>
+            </a:endParaRPr>
+          </a:p>
+          <a:p>
+            <a:pPr marL="378000" indent="-270000">
+              <a:lnSpc>
+                <a:spcPct val="150000"/>
+              </a:lnSpc>
+              <a:buClr>
+                <a:srgbClr val="000000"/>
+              </a:buClr>
+              <a:buFont typeface="Arial"/>
+              <a:buChar char=""/>
+              <a:tabLst>
+                <a:tab algn="l" pos="0"/>
+              </a:tabLst>
+            </a:pPr>
+            <a:r>
+              <a:rPr b="0" lang="en-IN" sz="1000" spc="-1" strike="noStrike">
+                <a:solidFill>
+                  <a:srgbClr val="000000"/>
+                </a:solidFill>
+                <a:latin typeface="Roboto"/>
+                <a:ea typeface="Noto Sans CJK SC"/>
+              </a:rPr>
+              <a:t>Enhance customer engagement platforms and personalized services.</a:t>
+            </a:r>
+            <a:endParaRPr b="0" lang="en-IN" sz="1000" spc="-1" strike="noStrike">
+              <a:solidFill>
+                <a:srgbClr val="000000"/>
+              </a:solidFill>
+              <a:latin typeface="Arial"/>
+            </a:endParaRPr>
+          </a:p>
+          <a:p>
+            <a:pPr>
+              <a:lnSpc>
+                <a:spcPct val="150000"/>
+              </a:lnSpc>
+              <a:tabLst>
+                <a:tab algn="l" pos="0"/>
+              </a:tabLst>
+            </a:pPr>
+            <a:endParaRPr b="0" lang="en-IN" sz="1800" spc="-1" strike="noStrike">
+              <a:solidFill>
+                <a:srgbClr val="000000"/>
+              </a:solidFill>
+              <a:latin typeface="Arial"/>
+            </a:endParaRPr>
+          </a:p>
+          <a:p>
+            <a:pPr>
+              <a:lnSpc>
+                <a:spcPct val="150000"/>
+              </a:lnSpc>
+              <a:tabLst>
+                <a:tab algn="l" pos="0"/>
+              </a:tabLst>
+            </a:pPr>
             <a:endParaRPr b="0" lang="en-IN" sz="1200" spc="-1" strike="noStrike">
               <a:solidFill>
                 <a:srgbClr val="000000"/>
               </a:solidFill>
               <a:latin typeface="Arial"/>
-              <a:ea typeface="Noto Sans CJK SC"/>
             </a:endParaRPr>
           </a:p>
         </p:txBody>
       </p:sp>
       <p:sp>
         <p:nvSpPr>
-          <p:cNvPr id="133" name=""/>
+          <p:cNvPr id="136" name=""/>
           <p:cNvSpPr/>
           <p:nvPr/>
         </p:nvSpPr>
         <p:spPr>
           <a:xfrm>
             <a:off x="3348000" y="756000"/>
-            <a:ext cx="140040" cy="4568040"/>
+            <a:ext cx="139680" cy="4567680"/>
           </a:xfrm>
           <a:prstGeom prst="rect">
             <a:avLst/>
@@ -6254,14 +6431,14 @@
       </p:sp>
       <p:sp>
         <p:nvSpPr>
-          <p:cNvPr id="134" name=""/>
+          <p:cNvPr id="137" name=""/>
           <p:cNvSpPr/>
           <p:nvPr/>
         </p:nvSpPr>
         <p:spPr>
           <a:xfrm>
             <a:off x="6591600" y="756000"/>
-            <a:ext cx="140040" cy="4568040"/>
+            <a:ext cx="139680" cy="4567680"/>
           </a:xfrm>
           <a:prstGeom prst="rect">
             <a:avLst/>
@@ -6312,6 +6489,144 @@
           </a:p>
         </p:txBody>
       </p:sp>
+      <p:pic>
+        <p:nvPicPr>
+          <p:cNvPr id="138" name="" descr=""/>
+          <p:cNvPicPr/>
+          <p:nvPr/>
+        </p:nvPicPr>
+        <p:blipFill>
+          <a:blip r:embed="rId4"/>
+          <a:stretch/>
+        </p:blipFill>
+        <p:spPr>
+          <a:xfrm>
+            <a:off x="3518640" y="108000"/>
+            <a:ext cx="549360" cy="393480"/>
+          </a:xfrm>
+          <a:prstGeom prst="rect">
+            <a:avLst/>
+          </a:prstGeom>
+          <a:ln w="0">
+            <a:noFill/>
+          </a:ln>
+        </p:spPr>
+      </p:pic>
+      <p:pic>
+        <p:nvPicPr>
+          <p:cNvPr id="139" name="" descr=""/>
+          <p:cNvPicPr/>
+          <p:nvPr/>
+        </p:nvPicPr>
+        <p:blipFill>
+          <a:blip r:embed="rId5"/>
+          <a:stretch/>
+        </p:blipFill>
+        <p:spPr>
+          <a:xfrm>
+            <a:off x="6002640" y="108360"/>
+            <a:ext cx="549360" cy="393480"/>
+          </a:xfrm>
+          <a:prstGeom prst="rect">
+            <a:avLst/>
+          </a:prstGeom>
+          <a:ln w="0">
+            <a:noFill/>
+          </a:ln>
+        </p:spPr>
+      </p:pic>
+      <p:pic>
+        <p:nvPicPr>
+          <p:cNvPr id="140" name="" descr=""/>
+          <p:cNvPicPr/>
+          <p:nvPr/>
+        </p:nvPicPr>
+        <p:blipFill>
+          <a:blip r:embed="rId6"/>
+          <a:stretch/>
+        </p:blipFill>
+        <p:spPr>
+          <a:xfrm>
+            <a:off x="6756840" y="194400"/>
+            <a:ext cx="309600" cy="309600"/>
+          </a:xfrm>
+          <a:prstGeom prst="rect">
+            <a:avLst/>
+          </a:prstGeom>
+          <a:ln w="0">
+            <a:noFill/>
+          </a:ln>
+        </p:spPr>
+      </p:pic>
+      <p:pic>
+        <p:nvPicPr>
+          <p:cNvPr id="141" name="" descr=""/>
+          <p:cNvPicPr/>
+          <p:nvPr/>
+        </p:nvPicPr>
+        <p:blipFill>
+          <a:blip r:embed="rId7"/>
+          <a:stretch/>
+        </p:blipFill>
+        <p:spPr>
+          <a:xfrm>
+            <a:off x="9468000" y="216000"/>
+            <a:ext cx="309600" cy="309600"/>
+          </a:xfrm>
+          <a:prstGeom prst="rect">
+            <a:avLst/>
+          </a:prstGeom>
+          <a:ln w="0">
+            <a:noFill/>
+          </a:ln>
+        </p:spPr>
+      </p:pic>
+      <p:pic>
+        <p:nvPicPr>
+          <p:cNvPr id="142" name="" descr=""/>
+          <p:cNvPicPr/>
+          <p:nvPr/>
+        </p:nvPicPr>
+        <p:blipFill>
+          <a:blip r:embed="rId8"/>
+          <a:stretch/>
+        </p:blipFill>
+        <p:spPr>
+          <a:xfrm>
+            <a:off x="216000" y="144000"/>
+            <a:ext cx="360000" cy="360000"/>
+          </a:xfrm>
+          <a:prstGeom prst="rect">
+            <a:avLst/>
+          </a:prstGeom>
+          <a:ln w="0">
+            <a:noFill/>
+          </a:ln>
+        </p:spPr>
+      </p:pic>
+      <p:pic>
+        <p:nvPicPr>
+          <p:cNvPr id="143" name="" descr=""/>
+          <p:cNvPicPr/>
+          <p:nvPr/>
+        </p:nvPicPr>
+        <p:blipFill>
+          <a:blip r:embed="rId9"/>
+          <a:stretch/>
+        </p:blipFill>
+        <p:spPr>
+          <a:xfrm>
+            <a:off x="3024000" y="144000"/>
+            <a:ext cx="360000" cy="360000"/>
+          </a:xfrm>
+          <a:prstGeom prst="rect">
+            <a:avLst/>
+          </a:prstGeom>
+          <a:ln w="0">
+            <a:noFill/>
+          </a:ln>
+        </p:spPr>
+      </p:pic>
     </p:spTree>
   </p:cSld>
   <p:transition spd="slow">
@@ -6344,23 +6659,57 @@
           <a:chExt cx="0" cy="0"/>
         </a:xfrm>
       </p:grpSpPr>
+      <p:pic>
+        <p:nvPicPr>
+          <p:cNvPr id="144" name="" descr=""/>
+          <p:cNvPicPr/>
+          <p:nvPr/>
+        </p:nvPicPr>
+        <p:blipFill>
+          <a:blip r:embed="rId1">
+            <a:lum bright="70000" contrast="-70000"/>
+          </a:blip>
+          <a:stretch/>
+        </p:blipFill>
+        <p:spPr>
+          <a:xfrm>
+            <a:off x="1080000" y="1970640"/>
+            <a:ext cx="1269360" cy="1269360"/>
+          </a:xfrm>
+          <a:prstGeom prst="rect">
+            <a:avLst/>
+          </a:prstGeom>
+          <a:ln w="0">
+            <a:noFill/>
+          </a:ln>
+        </p:spPr>
+      </p:pic>
       <p:sp>
         <p:nvSpPr>
-          <p:cNvPr id="135" name="PlaceHolder 15"/>
+          <p:cNvPr id="145" name="PlaceHolder 25"/>
           <p:cNvSpPr/>
           <p:nvPr/>
         </p:nvSpPr>
         <p:spPr>
           <a:xfrm>
-            <a:off x="6516000" y="29160"/>
-            <a:ext cx="3203640" cy="539640"/>
+            <a:off x="324000" y="1404000"/>
+            <a:ext cx="2880000" cy="3060000"/>
           </a:xfrm>
           <a:prstGeom prst="rect">
             <a:avLst/>
           </a:prstGeom>
-          <a:noFill/>
-          <a:ln w="0">
-            <a:noFill/>
+          <a:solidFill>
+            <a:srgbClr val="f5ddd9">
+              <a:alpha val="92000"/>
+            </a:srgbClr>
+          </a:solidFill>
+          <a:ln cap="rnd" w="36000">
+            <a:solidFill>
+              <a:srgbClr val="622502">
+                <a:alpha val="90000"/>
+              </a:srgbClr>
+            </a:solidFill>
+            <a:bevel/>
           </a:ln>
         </p:spPr>
         <p:style>
@@ -6370,167 +6719,345 @@
           <a:fontRef idx="minor"/>
         </p:style>
         <p:txBody>
-          <a:bodyPr lIns="0" rIns="0" tIns="0" bIns="0" anchor="ctr">
-            <a:noAutofit/>
+          <a:bodyPr numCol="1" spcCol="0" lIns="17640" rIns="17640" tIns="17640" bIns="17640" anchor="t">
+            <a:normAutofit/>
           </a:bodyPr>
           <a:p>
-            <a:pPr algn="ctr">
-              <a:lnSpc>
-                <a:spcPct val="100000"/>
+            <a:pPr>
+              <a:lnSpc>
+                <a:spcPct val="150000"/>
               </a:lnSpc>
               <a:tabLst>
                 <a:tab algn="l" pos="0"/>
               </a:tabLst>
             </a:pPr>
             <a:r>
-              <a:rPr b="0" lang="en-IN" sz="2200" spc="-1" strike="noStrike">
-                <a:solidFill>
-                  <a:srgbClr val="ffffff"/>
-                </a:solidFill>
+              <a:rPr b="1" lang="en-IN" sz="1300" spc="-1" strike="noStrike" u="sng">
+                <a:solidFill>
+                  <a:srgbClr val="000000"/>
+                </a:solidFill>
+                <a:uFillTx/>
                 <a:latin typeface="Roboto Condensed"/>
+                <a:ea typeface="Noto Sans CJK SC"/>
+              </a:rPr>
+              <a:t>Young Premium Payers</a:t>
+            </a:r>
+            <a:endParaRPr b="0" lang="en-IN" sz="1300" spc="-1" strike="noStrike">
+              <a:solidFill>
+                <a:srgbClr val="000000"/>
+              </a:solidFill>
+              <a:latin typeface="Arial"/>
+            </a:endParaRPr>
+          </a:p>
+          <a:p>
+            <a:pPr>
+              <a:lnSpc>
+                <a:spcPct val="150000"/>
+              </a:lnSpc>
+              <a:tabLst>
+                <a:tab algn="l" pos="0"/>
+              </a:tabLst>
+            </a:pPr>
+            <a:r>
+              <a:rPr b="0" lang="en-IN" sz="1100" spc="-1" strike="noStrike">
+                <a:solidFill>
+                  <a:srgbClr val="000000"/>
+                </a:solidFill>
+                <a:latin typeface="Roboto"/>
+                <a:ea typeface="Noto Sans CJK SC"/>
+              </a:rPr>
+              <a:t>    </a:t>
+            </a:r>
+            <a:r>
+              <a:rPr b="0" lang="en-IN" sz="1000" spc="-1" strike="noStrike">
+                <a:solidFill>
+                  <a:srgbClr val="000000"/>
+                </a:solidFill>
+                <a:latin typeface="Roboto"/>
+                <a:ea typeface="Noto Sans CJK SC"/>
               </a:rPr>
               <a:t>   </a:t>
             </a:r>
             <a:r>
-              <a:rPr b="0" lang="en-IN" sz="2200" spc="-1" strike="noStrike">
-                <a:solidFill>
-                  <a:srgbClr val="ffffff"/>
-                </a:solidFill>
-                <a:latin typeface="Roboto Condensed"/>
-              </a:rPr>
-              <a:t>Implementation Roadmap</a:t>
-            </a:r>
-            <a:endParaRPr b="0" lang="en-IN" sz="2200" spc="-1" strike="noStrike">
-              <a:solidFill>
-                <a:srgbClr val="ffffff"/>
+              <a:rPr b="0" lang="en-IN" sz="1000" spc="-1" strike="noStrike">
+                <a:solidFill>
+                  <a:srgbClr val="000000"/>
+                </a:solidFill>
+                <a:latin typeface="Roboto"/>
+                <a:ea typeface="Noto Sans CJK SC"/>
+              </a:rPr>
+              <a:t>This cluster consists of younger policyholders </a:t>
+            </a:r>
+            <a:r>
+              <a:rPr b="0" lang="en-IN" sz="1000" spc="-1" strike="noStrike">
+                <a:solidFill>
+                  <a:srgbClr val="000000"/>
+                </a:solidFill>
+                <a:latin typeface="Roboto"/>
+                <a:ea typeface="Noto Sans CJK SC"/>
+              </a:rPr>
+              <a:t>paying higher premiums but with lower claim </a:t>
+            </a:r>
+            <a:r>
+              <a:rPr b="0" lang="en-IN" sz="1000" spc="-1" strike="noStrike">
+                <a:solidFill>
+                  <a:srgbClr val="000000"/>
+                </a:solidFill>
+                <a:latin typeface="Roboto"/>
+                <a:ea typeface="Noto Sans CJK SC"/>
+              </a:rPr>
+              <a:t>amounts. They might be interested in usage-ba`sed </a:t>
+            </a:r>
+            <a:r>
+              <a:rPr b="0" lang="en-IN" sz="1000" spc="-1" strike="noStrike">
+                <a:solidFill>
+                  <a:srgbClr val="000000"/>
+                </a:solidFill>
+                <a:latin typeface="Roboto"/>
+                <a:ea typeface="Noto Sans CJK SC"/>
+              </a:rPr>
+              <a:t>insurance or rewards programs for safe driving.</a:t>
+            </a:r>
+            <a:endParaRPr b="0" lang="en-IN" sz="1000" spc="-1" strike="noStrike">
+              <a:solidFill>
+                <a:srgbClr val="000000"/>
+              </a:solidFill>
+              <a:latin typeface="Arial"/>
+            </a:endParaRPr>
+          </a:p>
+          <a:p>
+            <a:pPr>
+              <a:lnSpc>
+                <a:spcPct val="150000"/>
+              </a:lnSpc>
+              <a:tabLst>
+                <a:tab algn="l" pos="0"/>
+              </a:tabLst>
+            </a:pPr>
+            <a:endParaRPr b="0" lang="en-IN" sz="1000" spc="-1" strike="noStrike">
+              <a:solidFill>
+                <a:srgbClr val="000000"/>
+              </a:solidFill>
+              <a:latin typeface="Arial"/>
+            </a:endParaRPr>
+          </a:p>
+          <a:p>
+            <a:pPr marL="432000" indent="-324000">
+              <a:lnSpc>
+                <a:spcPct val="150000"/>
+              </a:lnSpc>
+              <a:buClr>
+                <a:srgbClr val="000000"/>
+              </a:buClr>
+              <a:buFont typeface="Arial"/>
+              <a:buChar char=""/>
+              <a:tabLst>
+                <a:tab algn="l" pos="0"/>
+              </a:tabLst>
+            </a:pPr>
+            <a:r>
+              <a:rPr b="0" lang="en-IN" sz="1000" spc="-1" strike="noStrike">
+                <a:solidFill>
+                  <a:srgbClr val="000000"/>
+                </a:solidFill>
+                <a:latin typeface="Roboto"/>
+                <a:ea typeface="Noto Sans CJK SC"/>
+              </a:rPr>
+              <a:t>Youngest average age</a:t>
+            </a:r>
+            <a:endParaRPr b="0" lang="en-IN" sz="1000" spc="-1" strike="noStrike">
+              <a:solidFill>
+                <a:srgbClr val="000000"/>
+              </a:solidFill>
+              <a:latin typeface="Arial"/>
+            </a:endParaRPr>
+          </a:p>
+          <a:p>
+            <a:pPr marL="432000" indent="-324000">
+              <a:lnSpc>
+                <a:spcPct val="150000"/>
+              </a:lnSpc>
+              <a:buClr>
+                <a:srgbClr val="000000"/>
+              </a:buClr>
+              <a:buFont typeface="Arial"/>
+              <a:buChar char=""/>
+              <a:tabLst>
+                <a:tab algn="l" pos="0"/>
+              </a:tabLst>
+            </a:pPr>
+            <a:r>
+              <a:rPr b="0" lang="en-IN" sz="1000" spc="-1" strike="noStrike">
+                <a:solidFill>
+                  <a:srgbClr val="000000"/>
+                </a:solidFill>
+                <a:latin typeface="Roboto"/>
+                <a:ea typeface="Noto Sans CJK SC"/>
+              </a:rPr>
+              <a:t>Highest policy annual premium</a:t>
+            </a:r>
+            <a:endParaRPr b="0" lang="en-IN" sz="1000" spc="-1" strike="noStrike">
+              <a:solidFill>
+                <a:srgbClr val="000000"/>
+              </a:solidFill>
+              <a:latin typeface="Arial"/>
+            </a:endParaRPr>
+          </a:p>
+          <a:p>
+            <a:pPr marL="432000" indent="-324000">
+              <a:lnSpc>
+                <a:spcPct val="150000"/>
+              </a:lnSpc>
+              <a:buClr>
+                <a:srgbClr val="000000"/>
+              </a:buClr>
+              <a:buFont typeface="Arial"/>
+              <a:buChar char=""/>
+              <a:tabLst>
+                <a:tab algn="l" pos="0"/>
+              </a:tabLst>
+            </a:pPr>
+            <a:r>
+              <a:rPr b="0" lang="en-IN" sz="1000" spc="-1" strike="noStrike">
+                <a:solidFill>
+                  <a:srgbClr val="000000"/>
+                </a:solidFill>
+                <a:latin typeface="Roboto"/>
+                <a:ea typeface="Noto Sans CJK SC"/>
+              </a:rPr>
+              <a:t>Lowest total claim amount</a:t>
+            </a:r>
+            <a:endParaRPr b="0" lang="en-IN" sz="1000" spc="-1" strike="noStrike">
+              <a:solidFill>
+                <a:srgbClr val="000000"/>
+              </a:solidFill>
+              <a:latin typeface="Arial"/>
+            </a:endParaRPr>
+          </a:p>
+          <a:p>
+            <a:pPr marL="432000" indent="-324000">
+              <a:lnSpc>
+                <a:spcPct val="150000"/>
+              </a:lnSpc>
+              <a:buClr>
+                <a:srgbClr val="000000"/>
+              </a:buClr>
+              <a:buFont typeface="Arial"/>
+              <a:buChar char=""/>
+              <a:tabLst>
+                <a:tab algn="l" pos="0"/>
+              </a:tabLst>
+            </a:pPr>
+            <a:r>
+              <a:rPr b="0" lang="en-IN" sz="1000" spc="-1" strike="noStrike">
+                <a:solidFill>
+                  <a:srgbClr val="000000"/>
+                </a:solidFill>
+                <a:latin typeface="Roboto"/>
+                <a:ea typeface="Noto Sans CJK SC"/>
+              </a:rPr>
+              <a:t>Most incidents occur at 5 PM</a:t>
+            </a:r>
+            <a:endParaRPr b="0" lang="en-IN" sz="1000" spc="-1" strike="noStrike">
+              <a:solidFill>
+                <a:srgbClr val="000000"/>
+              </a:solidFill>
+              <a:latin typeface="Arial"/>
+            </a:endParaRPr>
+          </a:p>
+          <a:p>
+            <a:pPr marL="432000" indent="-324000">
+              <a:lnSpc>
+                <a:spcPct val="150000"/>
+              </a:lnSpc>
+              <a:buClr>
+                <a:srgbClr val="000000"/>
+              </a:buClr>
+              <a:buFont typeface="Arial"/>
+              <a:buChar char=""/>
+              <a:tabLst>
+                <a:tab algn="l" pos="0"/>
+              </a:tabLst>
+            </a:pPr>
+            <a:r>
+              <a:rPr b="0" lang="en-IN" sz="1000" spc="-1" strike="noStrike">
+                <a:solidFill>
+                  <a:srgbClr val="000000"/>
+                </a:solidFill>
+                <a:latin typeface="Roboto"/>
+                <a:ea typeface="Noto Sans CJK SC"/>
+              </a:rPr>
+              <a:t>Mid-range vehicle age Singl-car policies</a:t>
+            </a:r>
+            <a:endParaRPr b="0" lang="en-IN" sz="1000" spc="-1" strike="noStrike">
+              <a:solidFill>
+                <a:srgbClr val="000000"/>
               </a:solidFill>
               <a:latin typeface="Arial"/>
             </a:endParaRPr>
           </a:p>
         </p:txBody>
       </p:sp>
+      <p:pic>
+        <p:nvPicPr>
+          <p:cNvPr id="146" name="" descr=""/>
+          <p:cNvPicPr/>
+          <p:nvPr/>
+        </p:nvPicPr>
+        <p:blipFill>
+          <a:blip r:embed="rId2">
+            <a:lum bright="70000" contrast="-70000"/>
+          </a:blip>
+          <a:stretch/>
+        </p:blipFill>
+        <p:spPr>
+          <a:xfrm>
+            <a:off x="3597480" y="720000"/>
+            <a:ext cx="2878920" cy="4680000"/>
+          </a:xfrm>
+          <a:prstGeom prst="rect">
+            <a:avLst/>
+          </a:prstGeom>
+          <a:ln w="36000">
+            <a:noFill/>
+          </a:ln>
+        </p:spPr>
+      </p:pic>
+      <p:pic>
+        <p:nvPicPr>
+          <p:cNvPr id="147" name="" descr=""/>
+          <p:cNvPicPr/>
+          <p:nvPr/>
+        </p:nvPicPr>
+        <p:blipFill>
+          <a:blip r:embed="rId3">
+            <a:lum bright="70000" contrast="-70000"/>
+          </a:blip>
+          <a:stretch/>
+        </p:blipFill>
+        <p:spPr>
+          <a:xfrm>
+            <a:off x="6885000" y="1260000"/>
+            <a:ext cx="2835000" cy="3240000"/>
+          </a:xfrm>
+          <a:prstGeom prst="rect">
+            <a:avLst/>
+          </a:prstGeom>
+          <a:ln w="0">
+            <a:noFill/>
+          </a:ln>
+        </p:spPr>
+      </p:pic>
       <p:sp>
         <p:nvSpPr>
-          <p:cNvPr id="136" name="PlaceHolder 16"/>
+          <p:cNvPr id="148" name="PlaceHolder 26"/>
           <p:cNvSpPr/>
           <p:nvPr/>
         </p:nvSpPr>
         <p:spPr>
           <a:xfrm>
-            <a:off x="3600000" y="144000"/>
-            <a:ext cx="2879640" cy="395640"/>
-          </a:xfrm>
-          <a:prstGeom prst="rect">
-            <a:avLst/>
-          </a:prstGeom>
-          <a:noFill/>
-          <a:ln w="0">
-            <a:noFill/>
-          </a:ln>
-        </p:spPr>
-        <p:style>
-          <a:lnRef idx="0"/>
-          <a:fillRef idx="0"/>
-          <a:effectRef idx="0"/>
-          <a:fontRef idx="minor"/>
-        </p:style>
-        <p:txBody>
-          <a:bodyPr lIns="0" rIns="0" tIns="0" bIns="0" anchor="t">
-            <a:noAutofit/>
-          </a:bodyPr>
-          <a:p>
-            <a:pPr algn="ctr">
-              <a:lnSpc>
-                <a:spcPct val="100000"/>
-              </a:lnSpc>
-              <a:tabLst>
-                <a:tab algn="l" pos="0"/>
-              </a:tabLst>
-            </a:pPr>
-            <a:r>
-              <a:rPr b="0" lang="en-IN" sz="2200" spc="-1" strike="noStrike">
-                <a:solidFill>
-                  <a:srgbClr val="ffffff"/>
-                </a:solidFill>
-                <a:latin typeface="Roboto Condensed"/>
-              </a:rPr>
-              <a:t>Business Implications</a:t>
-            </a:r>
-            <a:endParaRPr b="0" lang="en-IN" sz="2200" spc="-1" strike="noStrike">
-              <a:solidFill>
-                <a:srgbClr val="ffffff"/>
-              </a:solidFill>
-              <a:latin typeface="Arial"/>
-            </a:endParaRPr>
-          </a:p>
-        </p:txBody>
-      </p:sp>
-      <p:sp>
-        <p:nvSpPr>
-          <p:cNvPr id="137" name="PlaceHolder 17"/>
-          <p:cNvSpPr/>
-          <p:nvPr/>
-        </p:nvSpPr>
-        <p:spPr>
-          <a:xfrm>
-            <a:off x="360000" y="36000"/>
-            <a:ext cx="2879640" cy="539640"/>
-          </a:xfrm>
-          <a:prstGeom prst="rect">
-            <a:avLst/>
-          </a:prstGeom>
-          <a:noFill/>
-          <a:ln w="0">
-            <a:noFill/>
-          </a:ln>
-        </p:spPr>
-        <p:style>
-          <a:lnRef idx="0"/>
-          <a:fillRef idx="0"/>
-          <a:effectRef idx="0"/>
-          <a:fontRef idx="minor"/>
-        </p:style>
-        <p:txBody>
-          <a:bodyPr lIns="0" rIns="0" tIns="0" bIns="0" anchor="ctr">
-            <a:noAutofit/>
-          </a:bodyPr>
-          <a:p>
-            <a:pPr algn="ctr">
-              <a:lnSpc>
-                <a:spcPct val="100000"/>
-              </a:lnSpc>
-              <a:tabLst>
-                <a:tab algn="l" pos="0"/>
-              </a:tabLst>
-            </a:pPr>
-            <a:r>
-              <a:rPr b="0" lang="en-IN" sz="2200" spc="-1" strike="noStrike">
-                <a:solidFill>
-                  <a:srgbClr val="ffffff"/>
-                </a:solidFill>
-                <a:latin typeface="Roboto Condensed"/>
-              </a:rPr>
-              <a:t>Customer Chatracteristics</a:t>
-            </a:r>
-            <a:endParaRPr b="0" lang="en-IN" sz="2200" spc="-1" strike="noStrike">
-              <a:solidFill>
-                <a:srgbClr val="ffffff"/>
-              </a:solidFill>
-              <a:latin typeface="Arial"/>
-            </a:endParaRPr>
-          </a:p>
-        </p:txBody>
-      </p:sp>
-      <p:sp>
-        <p:nvSpPr>
-          <p:cNvPr id="138" name="PlaceHolder 18"/>
-          <p:cNvSpPr/>
-          <p:nvPr/>
-        </p:nvSpPr>
-        <p:spPr>
-          <a:xfrm>
-            <a:off x="6876360" y="1152000"/>
-            <a:ext cx="2879280" cy="3671640"/>
+            <a:off x="3597480" y="1080000"/>
+            <a:ext cx="2878920" cy="3924000"/>
           </a:xfrm>
           <a:prstGeom prst="rect">
             <a:avLst/>
@@ -6557,109 +7084,108 @@
         </p:style>
         <p:txBody>
           <a:bodyPr numCol="1" spcCol="0" lIns="14760" rIns="14760" tIns="14760" bIns="14760" anchor="t">
-            <a:normAutofit fontScale="96666"/>
+            <a:normAutofit/>
           </a:bodyPr>
           <a:p>
-            <a:pPr algn="ctr">
-              <a:lnSpc>
-                <a:spcPct val="150000"/>
+            <a:pPr>
+              <a:lnSpc>
+                <a:spcPct val="100000"/>
               </a:lnSpc>
               <a:tabLst>
                 <a:tab algn="l" pos="0"/>
               </a:tabLst>
             </a:pPr>
             <a:r>
-              <a:rPr b="1" lang="en-IN" sz="1800" spc="-1" strike="noStrike">
+              <a:rPr b="1" lang="en-IN" sz="1300" spc="-1" strike="noStrike">
                 <a:solidFill>
                   <a:srgbClr val="000000"/>
                 </a:solidFill>
                 <a:latin typeface="Roboto Condensed"/>
-              </a:rPr>
-              <a:t>Roadmap</a:t>
-            </a:r>
-            <a:endParaRPr b="0" lang="en-IN" sz="1800" spc="-1" strike="noStrike">
-              <a:solidFill>
-                <a:srgbClr val="000000"/>
-              </a:solidFill>
-              <a:latin typeface="Arial"/>
-              <a:ea typeface="Noto Sans CJK SC"/>
-            </a:endParaRPr>
-          </a:p>
-          <a:p>
-            <a:pPr algn="just">
+                <a:ea typeface="DejaVu Sans"/>
+              </a:rPr>
+              <a:t> </a:t>
+            </a:r>
+            <a:r>
+              <a:rPr b="1" lang="en-IN" sz="1300" spc="-1" strike="noStrike">
+                <a:solidFill>
+                  <a:srgbClr val="000000"/>
+                </a:solidFill>
+                <a:latin typeface="Roboto Condensed"/>
+                <a:ea typeface="DejaVu Sans"/>
+              </a:rPr>
+              <a:t>Tailored Marketing Strategies:</a:t>
+            </a:r>
+            <a:endParaRPr b="0" lang="en-IN" sz="1300" spc="-1" strike="noStrike">
+              <a:solidFill>
+                <a:srgbClr val="000000"/>
+              </a:solidFill>
+              <a:latin typeface="Arial"/>
+            </a:endParaRPr>
+          </a:p>
+          <a:p>
+            <a:pPr marL="432000" indent="-324000">
               <a:lnSpc>
                 <a:spcPct val="150000"/>
               </a:lnSpc>
+              <a:buClr>
+                <a:srgbClr val="000000"/>
+              </a:buClr>
+              <a:buFont typeface="Arial"/>
+              <a:buChar char=""/>
               <a:tabLst>
                 <a:tab algn="l" pos="0"/>
               </a:tabLst>
             </a:pPr>
             <a:r>
-              <a:rPr b="1" lang="en-IN" sz="1600" spc="-1" strike="noStrike">
-                <a:solidFill>
-                  <a:srgbClr val="000000"/>
-                </a:solidFill>
-                <a:latin typeface="Roboto Condensed"/>
-              </a:rPr>
-              <a:t>Phase 1: </a:t>
-            </a:r>
-            <a:r>
-              <a:rPr b="0" lang="en-IN" sz="1200" spc="-1" strike="noStrike">
+              <a:rPr b="0" lang="en-IN" sz="1000" spc="-1" strike="noStrike">
                 <a:solidFill>
                   <a:srgbClr val="000000"/>
                 </a:solidFill>
                 <a:latin typeface="Roboto"/>
                 <a:ea typeface="Noto Sans CJK SC"/>
               </a:rPr>
-              <a:t>Refine marketing messages and channels based on the customer segment and implications.</a:t>
-            </a:r>
-            <a:endParaRPr b="0" lang="en-IN" sz="1200" spc="-1" strike="noStrike">
-              <a:solidFill>
-                <a:srgbClr val="000000"/>
-              </a:solidFill>
-              <a:latin typeface="Arial"/>
-              <a:ea typeface="Noto Sans CJK SC"/>
-            </a:endParaRPr>
-          </a:p>
-          <a:p>
-            <a:pPr algn="just">
+              <a:t>Highlight tech-driven solutions and flexible coverage options</a:t>
+            </a:r>
+            <a:endParaRPr b="0" lang="en-IN" sz="1000" spc="-1" strike="noStrike">
+              <a:solidFill>
+                <a:srgbClr val="000000"/>
+              </a:solidFill>
+              <a:latin typeface="Arial"/>
+            </a:endParaRPr>
+          </a:p>
+          <a:p>
+            <a:pPr marL="432000" indent="-324000">
               <a:lnSpc>
                 <a:spcPct val="150000"/>
               </a:lnSpc>
+              <a:buClr>
+                <a:srgbClr val="000000"/>
+              </a:buClr>
+              <a:buFont typeface="Arial"/>
+              <a:buChar char=""/>
               <a:tabLst>
                 <a:tab algn="l" pos="0"/>
               </a:tabLst>
             </a:pPr>
             <a:r>
-              <a:rPr b="1" lang="en-IN" sz="1600" spc="-1" strike="noStrike">
-                <a:solidFill>
-                  <a:srgbClr val="000000"/>
-                </a:solidFill>
-                <a:latin typeface="Roboto Condensed"/>
-                <a:ea typeface="Noto Sans CJK SC"/>
-              </a:rPr>
-              <a:t>Phase 2: </a:t>
-            </a:r>
-            <a:r>
-              <a:rPr b="0" lang="en-IN" sz="1200" spc="-1" strike="noStrike">
+              <a:rPr b="0" lang="en-IN" sz="1000" spc="-1" strike="noStrike">
                 <a:solidFill>
                   <a:srgbClr val="000000"/>
                 </a:solidFill>
                 <a:latin typeface="Roboto"/>
                 <a:ea typeface="Noto Sans CJK SC"/>
               </a:rPr>
-              <a:t>Develop and launch tailored products.</a:t>
-            </a:r>
-            <a:endParaRPr b="0" lang="en-IN" sz="1200" spc="-1" strike="noStrike">
-              <a:solidFill>
-                <a:srgbClr val="000000"/>
-              </a:solidFill>
-              <a:latin typeface="Arial"/>
-              <a:ea typeface="Noto Sans CJK SC"/>
-            </a:endParaRPr>
-          </a:p>
-          <a:p>
-            <a:pPr algn="just">
+              <a:t>Showcase value proposition of higher premiums vs. lower claim likelihood </a:t>
+            </a:r>
+            <a:endParaRPr b="0" lang="en-IN" sz="1000" spc="-1" strike="noStrike">
+              <a:solidFill>
+                <a:srgbClr val="000000"/>
+              </a:solidFill>
+              <a:latin typeface="Arial"/>
+            </a:endParaRPr>
+          </a:p>
+          <a:p>
+            <a:pPr>
               <a:lnSpc>
                 <a:spcPct val="150000"/>
               </a:lnSpc>
@@ -6668,95 +7194,92 @@
               </a:tabLst>
             </a:pPr>
             <a:r>
-              <a:rPr b="1" lang="en-IN" sz="1600" spc="-1" strike="noStrike">
+              <a:rPr b="1" lang="en-IN" sz="1300" spc="-1" strike="noStrike">
                 <a:solidFill>
                   <a:srgbClr val="000000"/>
                 </a:solidFill>
                 <a:latin typeface="Roboto Condensed"/>
                 <a:ea typeface="Noto Sans CJK SC"/>
               </a:rPr>
-              <a:t>Phase 3: </a:t>
-            </a:r>
-            <a:r>
-              <a:rPr b="0" lang="en-IN" sz="1200" spc="-1" strike="noStrike">
-                <a:solidFill>
-                  <a:srgbClr val="000000"/>
-                </a:solidFill>
-                <a:latin typeface="Roboto"/>
+              <a:t> </a:t>
+            </a:r>
+            <a:r>
+              <a:rPr b="1" lang="en-IN" sz="1300" spc="-1" strike="noStrike">
+                <a:solidFill>
+                  <a:srgbClr val="000000"/>
+                </a:solidFill>
+                <a:latin typeface="Roboto Condensed"/>
                 <a:ea typeface="Noto Sans CJK SC"/>
               </a:rPr>
-              <a:t>Implement cross-selling strategies and loyalty programs.</a:t>
-            </a:r>
-            <a:endParaRPr b="0" lang="en-IN" sz="1200" spc="-1" strike="noStrike">
-              <a:solidFill>
-                <a:srgbClr val="000000"/>
-              </a:solidFill>
-              <a:latin typeface="Arial"/>
-              <a:ea typeface="Noto Sans CJK SC"/>
-            </a:endParaRPr>
-          </a:p>
-          <a:p>
-            <a:pPr algn="just">
+              <a:t>Product Development Recommendations:</a:t>
+            </a:r>
+            <a:endParaRPr b="0" lang="en-IN" sz="1300" spc="-1" strike="noStrike">
+              <a:solidFill>
+                <a:srgbClr val="000000"/>
+              </a:solidFill>
+              <a:latin typeface="Arial"/>
+            </a:endParaRPr>
+          </a:p>
+          <a:p>
+            <a:pPr marL="432000" indent="-324000">
               <a:lnSpc>
                 <a:spcPct val="150000"/>
               </a:lnSpc>
+              <a:buClr>
+                <a:srgbClr val="000000"/>
+              </a:buClr>
+              <a:buFont typeface="Arial"/>
+              <a:buChar char=""/>
               <a:tabLst>
                 <a:tab algn="l" pos="0"/>
               </a:tabLst>
             </a:pPr>
             <a:r>
-              <a:rPr b="1" lang="en-IN" sz="1600" spc="-1" strike="noStrike">
-                <a:solidFill>
-                  <a:srgbClr val="000000"/>
-                </a:solidFill>
-                <a:latin typeface="Roboto Condensed"/>
-                <a:ea typeface="Noto Sans CJK SC"/>
-              </a:rPr>
-              <a:t>Phase 4:</a:t>
-            </a:r>
-            <a:r>
-              <a:rPr b="0" lang="en-IN" sz="2400" spc="-1" strike="noStrike">
-                <a:solidFill>
-                  <a:srgbClr val="000000"/>
-                </a:solidFill>
-                <a:latin typeface="Times New Roman"/>
-                <a:ea typeface="Arial"/>
-              </a:rPr>
-              <a:t> </a:t>
-            </a:r>
-            <a:r>
-              <a:rPr b="0" lang="en-IN" sz="1200" spc="-1" strike="noStrike">
+              <a:rPr b="0" lang="en-IN" sz="1000" spc="-1" strike="noStrike">
                 <a:solidFill>
                   <a:srgbClr val="000000"/>
                 </a:solidFill>
                 <a:latin typeface="Roboto"/>
                 <a:ea typeface="Noto Sans CJK SC"/>
               </a:rPr>
-              <a:t>Enhance customer engagement platforms and personalized services.</a:t>
-            </a:r>
-            <a:endParaRPr b="0" lang="en-IN" sz="1200" spc="-1" strike="noStrike">
-              <a:solidFill>
-                <a:srgbClr val="000000"/>
-              </a:solidFill>
-              <a:latin typeface="Arial"/>
-              <a:ea typeface="Noto Sans CJK SC"/>
-            </a:endParaRPr>
-          </a:p>
-          <a:p>
-            <a:pPr>
+              <a:t>Usage-based insurance with smartphone integration</a:t>
+            </a:r>
+            <a:endParaRPr b="0" lang="en-IN" sz="1000" spc="-1" strike="noStrike">
+              <a:solidFill>
+                <a:srgbClr val="000000"/>
+              </a:solidFill>
+              <a:latin typeface="Arial"/>
+            </a:endParaRPr>
+          </a:p>
+          <a:p>
+            <a:pPr marL="432000" indent="-324000">
               <a:lnSpc>
                 <a:spcPct val="150000"/>
               </a:lnSpc>
+              <a:buClr>
+                <a:srgbClr val="000000"/>
+              </a:buClr>
+              <a:buFont typeface="Arial"/>
+              <a:buChar char=""/>
               <a:tabLst>
                 <a:tab algn="l" pos="0"/>
               </a:tabLst>
             </a:pPr>
-            <a:endParaRPr b="0" lang="en-IN" sz="1200" spc="-1" strike="noStrike">
-              <a:solidFill>
-                <a:srgbClr val="000000"/>
-              </a:solidFill>
-              <a:latin typeface="Arial"/>
-              <a:ea typeface="Noto Sans CJK SC"/>
+            <a:r>
+              <a:rPr b="0" lang="en-IN" sz="1000" spc="-1" strike="noStrike">
+                <a:solidFill>
+                  <a:srgbClr val="000000"/>
+                </a:solidFill>
+                <a:latin typeface="Roboto"/>
+                <a:ea typeface="Noto Sans CJK SC"/>
+              </a:rPr>
+              <a:t>Bundled policies with lifestyle-specific add-ons (e.g., travel, gadget insurance)</a:t>
+            </a:r>
+            <a:endParaRPr b="0" lang="en-IN" sz="1000" spc="-1" strike="noStrike">
+              <a:solidFill>
+                <a:srgbClr val="000000"/>
+              </a:solidFill>
+              <a:latin typeface="Arial"/>
             </a:endParaRPr>
           </a:p>
           <a:p>
@@ -6768,26 +7291,650 @@
                 <a:tab algn="l" pos="0"/>
               </a:tabLst>
             </a:pPr>
-            <a:endParaRPr b="0" lang="en-IN" sz="1200" spc="-1" strike="noStrike">
-              <a:solidFill>
-                <a:srgbClr val="000000"/>
-              </a:solidFill>
-              <a:latin typeface="Arial"/>
-              <a:ea typeface="Noto Sans CJK SC"/>
+            <a:r>
+              <a:rPr b="1" lang="en-IN" sz="1300" spc="-1" strike="noStrike">
+                <a:solidFill>
+                  <a:srgbClr val="000000"/>
+                </a:solidFill>
+                <a:latin typeface="Roboto Condensed"/>
+                <a:ea typeface="Noto Sans CJK SC"/>
+              </a:rPr>
+              <a:t> </a:t>
+            </a:r>
+            <a:r>
+              <a:rPr b="1" lang="en-IN" sz="1300" spc="-1" strike="noStrike">
+                <a:solidFill>
+                  <a:srgbClr val="000000"/>
+                </a:solidFill>
+                <a:latin typeface="Roboto Condensed"/>
+                <a:ea typeface="Noto Sans CJK SC"/>
+              </a:rPr>
+              <a:t>Cross-Selling Opportunities:</a:t>
+            </a:r>
+            <a:endParaRPr b="0" lang="en-IN" sz="1300" spc="-1" strike="noStrike">
+              <a:solidFill>
+                <a:srgbClr val="000000"/>
+              </a:solidFill>
+              <a:latin typeface="Arial"/>
+            </a:endParaRPr>
+          </a:p>
+          <a:p>
+            <a:pPr marL="432000" indent="-324000">
+              <a:lnSpc>
+                <a:spcPct val="150000"/>
+              </a:lnSpc>
+              <a:buClr>
+                <a:srgbClr val="000000"/>
+              </a:buClr>
+              <a:buFont typeface="Arial"/>
+              <a:buChar char=""/>
+              <a:tabLst>
+                <a:tab algn="l" pos="0"/>
+              </a:tabLst>
+            </a:pPr>
+            <a:r>
+              <a:rPr b="0" lang="en-IN" sz="1000" spc="-1" strike="noStrike">
+                <a:solidFill>
+                  <a:srgbClr val="000000"/>
+                </a:solidFill>
+                <a:latin typeface="Roboto"/>
+                <a:ea typeface="Noto Sans CJK SC"/>
+              </a:rPr>
+              <a:t>Renters insurance and personal article policies</a:t>
+            </a:r>
+            <a:endParaRPr b="0" lang="en-IN" sz="1000" spc="-1" strike="noStrike">
+              <a:solidFill>
+                <a:srgbClr val="000000"/>
+              </a:solidFill>
+              <a:latin typeface="Arial"/>
+            </a:endParaRPr>
+          </a:p>
+          <a:p>
+            <a:pPr marL="432000" indent="-324000">
+              <a:lnSpc>
+                <a:spcPct val="150000"/>
+              </a:lnSpc>
+              <a:buClr>
+                <a:srgbClr val="000000"/>
+              </a:buClr>
+              <a:buFont typeface="Arial"/>
+              <a:buChar char=""/>
+              <a:tabLst>
+                <a:tab algn="l" pos="0"/>
+              </a:tabLst>
+            </a:pPr>
+            <a:r>
+              <a:rPr b="0" lang="en-IN" sz="1000" spc="-1" strike="noStrike">
+                <a:solidFill>
+                  <a:srgbClr val="000000"/>
+                </a:solidFill>
+                <a:latin typeface="Roboto"/>
+                <a:ea typeface="Noto Sans CJK SC"/>
+              </a:rPr>
+              <a:t>Travel insurance and short-term vehicle coverage</a:t>
+            </a:r>
+            <a:endParaRPr b="0" lang="en-IN" sz="1000" spc="-1" strike="noStrike">
+              <a:solidFill>
+                <a:srgbClr val="000000"/>
+              </a:solidFill>
+              <a:latin typeface="Arial"/>
+            </a:endParaRPr>
+          </a:p>
+          <a:p>
+            <a:pPr>
+              <a:lnSpc>
+                <a:spcPct val="150000"/>
+              </a:lnSpc>
+              <a:tabLst>
+                <a:tab algn="l" pos="0"/>
+              </a:tabLst>
+            </a:pPr>
+            <a:r>
+              <a:rPr b="1" lang="en-IN" sz="1600" spc="-1" strike="noStrike">
+                <a:solidFill>
+                  <a:srgbClr val="000000"/>
+                </a:solidFill>
+                <a:latin typeface="Roboto Condensed"/>
+                <a:ea typeface="Noto Sans CJK SC"/>
+              </a:rPr>
+              <a:t> </a:t>
+            </a:r>
+            <a:endParaRPr b="0" lang="en-IN" sz="1600" spc="-1" strike="noStrike">
+              <a:solidFill>
+                <a:srgbClr val="000000"/>
+              </a:solidFill>
+              <a:latin typeface="Arial"/>
             </a:endParaRPr>
           </a:p>
         </p:txBody>
       </p:sp>
       <p:sp>
         <p:nvSpPr>
-          <p:cNvPr id="139" name=""/>
+          <p:cNvPr id="149" name="PlaceHolder 27"/>
+          <p:cNvSpPr/>
+          <p:nvPr/>
+        </p:nvSpPr>
+        <p:spPr>
+          <a:xfrm>
+            <a:off x="6588000" y="65160"/>
+            <a:ext cx="3203280" cy="539280"/>
+          </a:xfrm>
+          <a:prstGeom prst="rect">
+            <a:avLst/>
+          </a:prstGeom>
+          <a:noFill/>
+          <a:ln w="0">
+            <a:noFill/>
+          </a:ln>
+        </p:spPr>
+        <p:style>
+          <a:lnRef idx="0"/>
+          <a:fillRef idx="0"/>
+          <a:effectRef idx="0"/>
+          <a:fontRef idx="minor"/>
+        </p:style>
+        <p:txBody>
+          <a:bodyPr lIns="0" rIns="0" tIns="0" bIns="0" anchor="ctr">
+            <a:noAutofit/>
+          </a:bodyPr>
+          <a:p>
+            <a:pPr algn="ctr">
+              <a:lnSpc>
+                <a:spcPct val="100000"/>
+              </a:lnSpc>
+              <a:tabLst>
+                <a:tab algn="l" pos="0"/>
+              </a:tabLst>
+            </a:pPr>
+            <a:r>
+              <a:rPr b="1" lang="en-IN" sz="1800" spc="-1" strike="noStrike">
+                <a:solidFill>
+                  <a:srgbClr val="ffffff"/>
+                </a:solidFill>
+                <a:latin typeface="Roboto Condensed"/>
+                <a:ea typeface="DejaVu Sans"/>
+              </a:rPr>
+              <a:t>   </a:t>
+            </a:r>
+            <a:r>
+              <a:rPr b="1" lang="en-IN" sz="1800" spc="-1" strike="noStrike">
+                <a:solidFill>
+                  <a:srgbClr val="ffffff"/>
+                </a:solidFill>
+                <a:latin typeface="Roboto Condensed"/>
+                <a:ea typeface="DejaVu Sans"/>
+              </a:rPr>
+              <a:t>Implementation Roadmap</a:t>
+            </a:r>
+            <a:endParaRPr b="1" lang="en-IN" sz="1800" spc="-1" strike="noStrike">
+              <a:solidFill>
+                <a:srgbClr val="ffffff"/>
+              </a:solidFill>
+              <a:latin typeface="Arial"/>
+            </a:endParaRPr>
+          </a:p>
+        </p:txBody>
+      </p:sp>
+      <p:sp>
+        <p:nvSpPr>
+          <p:cNvPr id="150" name="PlaceHolder 28"/>
+          <p:cNvSpPr/>
+          <p:nvPr/>
+        </p:nvSpPr>
+        <p:spPr>
+          <a:xfrm>
+            <a:off x="3600000" y="144000"/>
+            <a:ext cx="2879280" cy="395280"/>
+          </a:xfrm>
+          <a:prstGeom prst="rect">
+            <a:avLst/>
+          </a:prstGeom>
+          <a:noFill/>
+          <a:ln w="0">
+            <a:noFill/>
+          </a:ln>
+        </p:spPr>
+        <p:style>
+          <a:lnRef idx="0"/>
+          <a:fillRef idx="0"/>
+          <a:effectRef idx="0"/>
+          <a:fontRef idx="minor"/>
+        </p:style>
+        <p:txBody>
+          <a:bodyPr lIns="0" rIns="0" tIns="0" bIns="0" anchor="t">
+            <a:noAutofit/>
+          </a:bodyPr>
+          <a:p>
+            <a:pPr algn="ctr">
+              <a:lnSpc>
+                <a:spcPct val="100000"/>
+              </a:lnSpc>
+              <a:tabLst>
+                <a:tab algn="l" pos="0"/>
+              </a:tabLst>
+            </a:pPr>
+            <a:r>
+              <a:rPr b="1" lang="en-IN" sz="1800" spc="-1" strike="noStrike">
+                <a:solidFill>
+                  <a:srgbClr val="ffffff"/>
+                </a:solidFill>
+                <a:latin typeface="Roboto Condensed"/>
+                <a:ea typeface="DejaVu Sans"/>
+              </a:rPr>
+              <a:t>Business Implications</a:t>
+            </a:r>
+            <a:endParaRPr b="1" lang="en-IN" sz="1800" spc="-1" strike="noStrike">
+              <a:solidFill>
+                <a:srgbClr val="ffffff"/>
+              </a:solidFill>
+              <a:latin typeface="Arial"/>
+            </a:endParaRPr>
+          </a:p>
+        </p:txBody>
+      </p:sp>
+      <p:sp>
+        <p:nvSpPr>
+          <p:cNvPr id="151" name="PlaceHolder 29"/>
+          <p:cNvSpPr/>
+          <p:nvPr/>
+        </p:nvSpPr>
+        <p:spPr>
+          <a:xfrm>
+            <a:off x="360000" y="36000"/>
+            <a:ext cx="2879280" cy="539280"/>
+          </a:xfrm>
+          <a:prstGeom prst="rect">
+            <a:avLst/>
+          </a:prstGeom>
+          <a:noFill/>
+          <a:ln w="0">
+            <a:noFill/>
+          </a:ln>
+        </p:spPr>
+        <p:style>
+          <a:lnRef idx="0"/>
+          <a:fillRef idx="0"/>
+          <a:effectRef idx="0"/>
+          <a:fontRef idx="minor"/>
+        </p:style>
+        <p:txBody>
+          <a:bodyPr lIns="0" rIns="0" tIns="0" bIns="0" anchor="ctr">
+            <a:noAutofit/>
+          </a:bodyPr>
+          <a:p>
+            <a:pPr algn="ctr">
+              <a:lnSpc>
+                <a:spcPct val="100000"/>
+              </a:lnSpc>
+              <a:spcBef>
+                <a:spcPts val="1191"/>
+              </a:spcBef>
+              <a:spcAft>
+                <a:spcPts val="992"/>
+              </a:spcAft>
+              <a:tabLst>
+                <a:tab algn="l" pos="0"/>
+              </a:tabLst>
+            </a:pPr>
+            <a:r>
+              <a:rPr b="1" lang="en-IN" sz="1800" spc="-1" strike="noStrike">
+                <a:solidFill>
+                  <a:srgbClr val="ffffff"/>
+                </a:solidFill>
+                <a:latin typeface="Roboto Condensed"/>
+                <a:ea typeface="DejaVu Sans"/>
+              </a:rPr>
+              <a:t>Customer Characteristics</a:t>
+            </a:r>
+            <a:endParaRPr b="1" lang="en-IN" sz="1800" spc="-1" strike="noStrike">
+              <a:solidFill>
+                <a:srgbClr val="ffffff"/>
+              </a:solidFill>
+              <a:latin typeface="Arial"/>
+            </a:endParaRPr>
+          </a:p>
+        </p:txBody>
+      </p:sp>
+      <p:sp useBgFill="1">
+        <p:nvSpPr>
+          <p:cNvPr id="152" name="PlaceHolder 30"/>
+          <p:cNvSpPr/>
+          <p:nvPr/>
+        </p:nvSpPr>
+        <p:spPr>
+          <a:xfrm>
+            <a:off x="6885000" y="1260000"/>
+            <a:ext cx="2878920" cy="3240000"/>
+          </a:xfrm>
+          <a:prstGeom prst="rect">
+            <a:avLst/>
+          </a:prstGeom>
+          <a:solidFill>
+            <a:srgbClr val="f5ddd9">
+              <a:alpha val="92000"/>
+            </a:srgbClr>
+          </a:solidFill>
+          <a:ln cap="rnd" w="29160">
+            <a:solidFill>
+              <a:srgbClr val="622502">
+                <a:alpha val="90000"/>
+              </a:srgbClr>
+            </a:solidFill>
+            <a:bevel/>
+          </a:ln>
+        </p:spPr>
+        <p:style>
+          <a:lnRef idx="0"/>
+          <a:fillRef idx="0"/>
+          <a:effectRef idx="0"/>
+          <a:fontRef idx="minor"/>
+        </p:style>
+        <p:txBody>
+          <a:bodyPr numCol="1" spcCol="0" lIns="14760" rIns="14760" tIns="14760" bIns="14760" anchor="t">
+            <a:normAutofit/>
+          </a:bodyPr>
+          <a:p>
+            <a:pPr>
+              <a:lnSpc>
+                <a:spcPct val="100000"/>
+              </a:lnSpc>
+              <a:tabLst>
+                <a:tab algn="l" pos="0"/>
+              </a:tabLst>
+            </a:pPr>
+            <a:r>
+              <a:rPr b="1" lang="en-IN" sz="1300" spc="-1" strike="noStrike">
+                <a:solidFill>
+                  <a:srgbClr val="000000"/>
+                </a:solidFill>
+                <a:latin typeface="Roboto Condensed"/>
+                <a:ea typeface="Noto Sans CJK SC"/>
+              </a:rPr>
+              <a:t> </a:t>
+            </a:r>
+            <a:r>
+              <a:rPr b="1" lang="en-IN" sz="1300" spc="-1" strike="noStrike">
+                <a:solidFill>
+                  <a:srgbClr val="000000"/>
+                </a:solidFill>
+                <a:latin typeface="Roboto Condensed"/>
+                <a:ea typeface="Noto Sans CJK SC"/>
+              </a:rPr>
+              <a:t>Customer Engagement Strategies:</a:t>
+            </a:r>
+            <a:endParaRPr b="0" lang="en-IN" sz="1300" spc="-1" strike="noStrike">
+              <a:solidFill>
+                <a:srgbClr val="000000"/>
+              </a:solidFill>
+              <a:latin typeface="Arial"/>
+            </a:endParaRPr>
+          </a:p>
+          <a:p>
+            <a:pPr marL="432000" indent="-324000">
+              <a:lnSpc>
+                <a:spcPct val="150000"/>
+              </a:lnSpc>
+              <a:buClr>
+                <a:srgbClr val="000000"/>
+              </a:buClr>
+              <a:buFont typeface="Arial"/>
+              <a:buChar char=""/>
+              <a:tabLst>
+                <a:tab algn="l" pos="0"/>
+              </a:tabLst>
+            </a:pPr>
+            <a:r>
+              <a:rPr b="0" lang="en-IN" sz="1000" spc="-1" strike="noStrike">
+                <a:solidFill>
+                  <a:srgbClr val="000000"/>
+                </a:solidFill>
+                <a:latin typeface="Roboto"/>
+                <a:ea typeface="Noto Sans CJK SC"/>
+              </a:rPr>
+              <a:t>Gamified mobile app for policy management and safe driving rewards</a:t>
+            </a:r>
+            <a:endParaRPr b="0" lang="en-IN" sz="1000" spc="-1" strike="noStrike">
+              <a:solidFill>
+                <a:srgbClr val="000000"/>
+              </a:solidFill>
+              <a:latin typeface="Arial"/>
+            </a:endParaRPr>
+          </a:p>
+          <a:p>
+            <a:pPr marL="432000" indent="-324000">
+              <a:lnSpc>
+                <a:spcPct val="150000"/>
+              </a:lnSpc>
+              <a:buClr>
+                <a:srgbClr val="000000"/>
+              </a:buClr>
+              <a:buFont typeface="Arial"/>
+              <a:buChar char=""/>
+              <a:tabLst>
+                <a:tab algn="l" pos="0"/>
+              </a:tabLst>
+            </a:pPr>
+            <a:r>
+              <a:rPr b="0" lang="en-IN" sz="1000" spc="-1" strike="noStrike">
+                <a:solidFill>
+                  <a:srgbClr val="000000"/>
+                </a:solidFill>
+                <a:latin typeface="Roboto"/>
+                <a:ea typeface="Noto Sans CJK SC"/>
+              </a:rPr>
+              <a:t>Social media engagement and influencer partnerships</a:t>
+            </a:r>
+            <a:endParaRPr b="0" lang="en-IN" sz="1000" spc="-1" strike="noStrike">
+              <a:solidFill>
+                <a:srgbClr val="000000"/>
+              </a:solidFill>
+              <a:latin typeface="Arial"/>
+            </a:endParaRPr>
+          </a:p>
+          <a:p>
+            <a:pPr>
+              <a:lnSpc>
+                <a:spcPct val="150000"/>
+              </a:lnSpc>
+              <a:tabLst>
+                <a:tab algn="l" pos="0"/>
+              </a:tabLst>
+            </a:pPr>
+            <a:r>
+              <a:rPr b="1" lang="en-IN" sz="1300" spc="-1" strike="noStrike">
+                <a:solidFill>
+                  <a:srgbClr val="000000"/>
+                </a:solidFill>
+                <a:latin typeface="Roboto Condensed"/>
+                <a:ea typeface="DejaVu Sans"/>
+              </a:rPr>
+              <a:t> </a:t>
+            </a:r>
+            <a:r>
+              <a:rPr b="1" lang="en-IN" sz="1300" spc="-1" strike="noStrike">
+                <a:solidFill>
+                  <a:srgbClr val="000000"/>
+                </a:solidFill>
+                <a:latin typeface="Roboto Condensed"/>
+                <a:ea typeface="DejaVu Sans"/>
+              </a:rPr>
+              <a:t>Roadmap:</a:t>
+            </a:r>
+            <a:endParaRPr b="0" lang="en-IN" sz="1300" spc="-1" strike="noStrike">
+              <a:solidFill>
+                <a:srgbClr val="000000"/>
+              </a:solidFill>
+              <a:latin typeface="Arial"/>
+            </a:endParaRPr>
+          </a:p>
+          <a:p>
+            <a:pPr marL="378000" indent="-270000">
+              <a:lnSpc>
+                <a:spcPct val="150000"/>
+              </a:lnSpc>
+              <a:buClr>
+                <a:srgbClr val="000000"/>
+              </a:buClr>
+              <a:buFont typeface="Arial"/>
+              <a:buChar char=""/>
+              <a:tabLst>
+                <a:tab algn="l" pos="0"/>
+              </a:tabLst>
+            </a:pPr>
+            <a:r>
+              <a:rPr b="0" lang="en-IN" sz="1000" spc="-1" strike="noStrike">
+                <a:solidFill>
+                  <a:srgbClr val="000000"/>
+                </a:solidFill>
+                <a:latin typeface="Roboto"/>
+                <a:ea typeface="Noto Sans CJK SC"/>
+              </a:rPr>
+              <a:t>Refine marketing messages  and channels based on the customer segment and implications</a:t>
+            </a:r>
+            <a:endParaRPr b="0" lang="en-IN" sz="1000" spc="-1" strike="noStrike">
+              <a:solidFill>
+                <a:srgbClr val="000000"/>
+              </a:solidFill>
+              <a:latin typeface="Arial"/>
+            </a:endParaRPr>
+          </a:p>
+          <a:p>
+            <a:pPr marL="378000" indent="-270000">
+              <a:lnSpc>
+                <a:spcPct val="150000"/>
+              </a:lnSpc>
+              <a:buClr>
+                <a:srgbClr val="000000"/>
+              </a:buClr>
+              <a:buFont typeface="Arial"/>
+              <a:buChar char=""/>
+              <a:tabLst>
+                <a:tab algn="l" pos="0"/>
+              </a:tabLst>
+            </a:pPr>
+            <a:r>
+              <a:rPr b="0" lang="en-IN" sz="1000" spc="-1" strike="noStrike">
+                <a:solidFill>
+                  <a:srgbClr val="000000"/>
+                </a:solidFill>
+                <a:latin typeface="Roboto"/>
+                <a:ea typeface="Noto Sans CJK SC"/>
+              </a:rPr>
+              <a:t>Develop and launch tailored products</a:t>
+            </a:r>
+            <a:endParaRPr b="0" lang="en-IN" sz="1000" spc="-1" strike="noStrike">
+              <a:solidFill>
+                <a:srgbClr val="000000"/>
+              </a:solidFill>
+              <a:latin typeface="Arial"/>
+            </a:endParaRPr>
+          </a:p>
+          <a:p>
+            <a:pPr marL="378000" indent="-270000">
+              <a:lnSpc>
+                <a:spcPct val="150000"/>
+              </a:lnSpc>
+              <a:buClr>
+                <a:srgbClr val="000000"/>
+              </a:buClr>
+              <a:buFont typeface="Arial"/>
+              <a:buChar char=""/>
+              <a:tabLst>
+                <a:tab algn="l" pos="0"/>
+              </a:tabLst>
+            </a:pPr>
+            <a:r>
+              <a:rPr b="0" lang="en-IN" sz="1000" spc="-1" strike="noStrike">
+                <a:solidFill>
+                  <a:srgbClr val="000000"/>
+                </a:solidFill>
+                <a:latin typeface="Roboto"/>
+                <a:ea typeface="Noto Sans CJK SC"/>
+              </a:rPr>
+              <a:t>Implement cross-selling strategies and loyalty programs.</a:t>
+            </a:r>
+            <a:endParaRPr b="0" lang="en-IN" sz="1000" spc="-1" strike="noStrike">
+              <a:solidFill>
+                <a:srgbClr val="000000"/>
+              </a:solidFill>
+              <a:latin typeface="Arial"/>
+            </a:endParaRPr>
+          </a:p>
+          <a:p>
+            <a:pPr marL="378000" indent="-270000">
+              <a:lnSpc>
+                <a:spcPct val="150000"/>
+              </a:lnSpc>
+              <a:buClr>
+                <a:srgbClr val="000000"/>
+              </a:buClr>
+              <a:buFont typeface="Arial"/>
+              <a:buChar char=""/>
+              <a:tabLst>
+                <a:tab algn="l" pos="0"/>
+              </a:tabLst>
+            </a:pPr>
+            <a:r>
+              <a:rPr b="0" lang="en-IN" sz="1000" spc="-1" strike="noStrike">
+                <a:solidFill>
+                  <a:srgbClr val="000000"/>
+                </a:solidFill>
+                <a:latin typeface="Roboto"/>
+                <a:ea typeface="Noto Sans CJK SC"/>
+              </a:rPr>
+              <a:t>Enhance customer engagement platforms and personalized services.</a:t>
+            </a:r>
+            <a:endParaRPr b="0" lang="en-IN" sz="1000" spc="-1" strike="noStrike">
+              <a:solidFill>
+                <a:srgbClr val="000000"/>
+              </a:solidFill>
+              <a:latin typeface="Arial"/>
+            </a:endParaRPr>
+          </a:p>
+          <a:p>
+            <a:pPr>
+              <a:lnSpc>
+                <a:spcPct val="150000"/>
+              </a:lnSpc>
+              <a:tabLst>
+                <a:tab algn="l" pos="0"/>
+              </a:tabLst>
+            </a:pPr>
+            <a:endParaRPr b="0" lang="en-IN" sz="1800" spc="-1" strike="noStrike">
+              <a:solidFill>
+                <a:srgbClr val="000000"/>
+              </a:solidFill>
+              <a:latin typeface="Arial"/>
+            </a:endParaRPr>
+          </a:p>
+          <a:p>
+            <a:pPr>
+              <a:lnSpc>
+                <a:spcPct val="150000"/>
+              </a:lnSpc>
+              <a:tabLst>
+                <a:tab algn="l" pos="0"/>
+              </a:tabLst>
+            </a:pPr>
+            <a:endParaRPr b="0" lang="en-IN" sz="1200" spc="-1" strike="noStrike">
+              <a:solidFill>
+                <a:srgbClr val="000000"/>
+              </a:solidFill>
+              <a:latin typeface="Arial"/>
+            </a:endParaRPr>
+          </a:p>
+        </p:txBody>
+      </p:sp>
+      <p:sp>
+        <p:nvSpPr>
+          <p:cNvPr id="153" name=""/>
           <p:cNvSpPr/>
           <p:nvPr/>
         </p:nvSpPr>
         <p:spPr>
           <a:xfrm>
             <a:off x="3348000" y="756000"/>
-            <a:ext cx="140040" cy="4568040"/>
+            <a:ext cx="139680" cy="4567680"/>
           </a:xfrm>
           <a:prstGeom prst="rect">
             <a:avLst/>
@@ -6820,11 +7967,6 @@
             <a:noAutofit/>
           </a:bodyPr>
           <a:p>
-            <a:pPr>
-              <a:lnSpc>
-                <a:spcPct val="100000"/>
-              </a:lnSpc>
-            </a:pPr>
             <a:endParaRPr b="1" lang="en-IN" sz="1400" spc="-1" strike="noStrike">
               <a:solidFill>
                 <a:srgbClr val="ffffff"/>
@@ -6840,14 +7982,14 @@
       </p:sp>
       <p:sp>
         <p:nvSpPr>
-          <p:cNvPr id="140" name=""/>
+          <p:cNvPr id="154" name=""/>
           <p:cNvSpPr/>
           <p:nvPr/>
         </p:nvSpPr>
         <p:spPr>
           <a:xfrm>
             <a:off x="6591600" y="756000"/>
-            <a:ext cx="140040" cy="4568040"/>
+            <a:ext cx="139680" cy="4567680"/>
           </a:xfrm>
           <a:prstGeom prst="rect">
             <a:avLst/>
@@ -6880,11 +8022,6 @@
             <a:noAutofit/>
           </a:bodyPr>
           <a:p>
-            <a:pPr>
-              <a:lnSpc>
-                <a:spcPct val="100000"/>
-              </a:lnSpc>
-            </a:pPr>
             <a:endParaRPr b="1" lang="en-IN" sz="1400" spc="-1" strike="noStrike">
               <a:solidFill>
                 <a:srgbClr val="ffffff"/>
@@ -6898,715 +8035,144 @@
           </a:p>
         </p:txBody>
       </p:sp>
-      <p:sp>
-        <p:nvSpPr>
-          <p:cNvPr id="141" name="PlaceHolder 19"/>
-          <p:cNvSpPr/>
+      <p:pic>
+        <p:nvPicPr>
+          <p:cNvPr id="155" name="" descr=""/>
+          <p:cNvPicPr/>
           <p:nvPr/>
-        </p:nvSpPr>
+        </p:nvPicPr>
+        <p:blipFill>
+          <a:blip r:embed="rId4"/>
+          <a:stretch/>
+        </p:blipFill>
         <p:spPr>
           <a:xfrm>
-            <a:off x="359640" y="1152000"/>
-            <a:ext cx="2877480" cy="3671640"/>
+            <a:off x="3518640" y="108000"/>
+            <a:ext cx="549360" cy="393480"/>
           </a:xfrm>
           <a:prstGeom prst="rect">
             <a:avLst/>
           </a:prstGeom>
-          <a:solidFill>
-            <a:srgbClr val="f5ddd9">
-              <a:alpha val="92000"/>
-            </a:srgbClr>
-          </a:solidFill>
-          <a:ln cap="rnd" w="29160">
-            <a:solidFill>
-              <a:srgbClr val="622502">
-                <a:alpha val="90000"/>
-              </a:srgbClr>
-            </a:solidFill>
-            <a:bevel/>
+          <a:ln w="0">
+            <a:noFill/>
           </a:ln>
         </p:spPr>
-        <p:style>
-          <a:lnRef idx="0"/>
-          <a:fillRef idx="0"/>
-          <a:effectRef idx="0"/>
-          <a:fontRef idx="minor"/>
-        </p:style>
-        <p:txBody>
-          <a:bodyPr numCol="1" spcCol="0" lIns="14400" rIns="14400" tIns="14400" bIns="14400" anchor="t">
-            <a:normAutofit/>
-          </a:bodyPr>
-          <a:p>
-            <a:pPr>
-              <a:lnSpc>
-                <a:spcPct val="150000"/>
-              </a:lnSpc>
-              <a:tabLst>
-                <a:tab algn="l" pos="0"/>
-              </a:tabLst>
-            </a:pPr>
-            <a:r>
-              <a:rPr b="1" lang="en-IN" sz="1600" spc="-1" strike="noStrike" u="sng">
-                <a:solidFill>
-                  <a:srgbClr val="000000"/>
-                </a:solidFill>
-                <a:uFillTx/>
-                <a:latin typeface="Roboto Condensed"/>
-                <a:ea typeface="Noto Sans CJK SC"/>
-              </a:rPr>
-              <a:t>Young Premium Payers</a:t>
-            </a:r>
-            <a:endParaRPr b="0" lang="en-IN" sz="1600" spc="-1" strike="noStrike">
-              <a:solidFill>
-                <a:srgbClr val="000000"/>
-              </a:solidFill>
-              <a:latin typeface="Arial"/>
-              <a:ea typeface="Noto Sans CJK SC"/>
-            </a:endParaRPr>
-          </a:p>
-          <a:p>
-            <a:pPr>
-              <a:lnSpc>
-                <a:spcPct val="150000"/>
-              </a:lnSpc>
-              <a:tabLst>
-                <a:tab algn="l" pos="0"/>
-              </a:tabLst>
-            </a:pPr>
-            <a:r>
-              <a:rPr b="0" lang="en-IN" sz="1050" spc="-1" strike="noStrike">
-                <a:solidFill>
-                  <a:srgbClr val="000000"/>
-                </a:solidFill>
-                <a:latin typeface="Roboto"/>
-                <a:ea typeface="Noto Sans CJK SC"/>
-              </a:rPr>
-              <a:t>  </a:t>
-            </a:r>
-            <a:r>
-              <a:rPr b="0" lang="en-IN" sz="1200" spc="-1" strike="noStrike">
-                <a:solidFill>
-                  <a:srgbClr val="000000"/>
-                </a:solidFill>
-                <a:latin typeface="Roboto"/>
-                <a:ea typeface="Noto Sans CJK SC"/>
-              </a:rPr>
-              <a:t>        </a:t>
-            </a:r>
-            <a:r>
-              <a:rPr b="0" lang="en-IN" sz="1200" spc="-1" strike="noStrike">
-                <a:solidFill>
-                  <a:srgbClr val="000000"/>
-                </a:solidFill>
-                <a:latin typeface="Roboto"/>
-                <a:ea typeface="Noto Sans CJK SC"/>
-              </a:rPr>
-              <a:t>This cluster consists of younger policyholders paying higher premiums but with lower claim amounts. They might be interested in usage-ba`sed insurance or rewards programs for safe driving.</a:t>
-            </a:r>
-            <a:endParaRPr b="0" lang="en-IN" sz="1200" spc="-1" strike="noStrike">
-              <a:solidFill>
-                <a:srgbClr val="000000"/>
-              </a:solidFill>
-              <a:latin typeface="Arial"/>
-              <a:ea typeface="Noto Sans CJK SC"/>
-            </a:endParaRPr>
-          </a:p>
-          <a:p>
-            <a:pPr marL="432000" indent="-324000">
-              <a:lnSpc>
-                <a:spcPct val="150000"/>
-              </a:lnSpc>
-              <a:buClr>
-                <a:srgbClr val="000000"/>
-              </a:buClr>
-              <a:buFont typeface="Arial"/>
-              <a:buChar char=""/>
-              <a:tabLst>
-                <a:tab algn="l" pos="0"/>
-              </a:tabLst>
-            </a:pPr>
-            <a:r>
-              <a:rPr b="0" lang="en-IN" sz="1200" spc="-1" strike="noStrike">
-                <a:solidFill>
-                  <a:srgbClr val="000000"/>
-                </a:solidFill>
-                <a:latin typeface="Roboto"/>
-                <a:ea typeface="Noto Sans CJK SC"/>
-              </a:rPr>
-              <a:t>Youngest average age</a:t>
-            </a:r>
-            <a:endParaRPr b="0" lang="en-IN" sz="1200" spc="-1" strike="noStrike">
-              <a:solidFill>
-                <a:srgbClr val="000000"/>
-              </a:solidFill>
-              <a:latin typeface="Arial"/>
-              <a:ea typeface="Noto Sans CJK SC"/>
-            </a:endParaRPr>
-          </a:p>
-          <a:p>
-            <a:pPr marL="432000" indent="-324000">
-              <a:lnSpc>
-                <a:spcPct val="150000"/>
-              </a:lnSpc>
-              <a:buClr>
-                <a:srgbClr val="000000"/>
-              </a:buClr>
-              <a:buFont typeface="Arial"/>
-              <a:buChar char=""/>
-              <a:tabLst>
-                <a:tab algn="l" pos="0"/>
-              </a:tabLst>
-            </a:pPr>
-            <a:r>
-              <a:rPr b="0" lang="en-IN" sz="1200" spc="-1" strike="noStrike">
-                <a:solidFill>
-                  <a:srgbClr val="000000"/>
-                </a:solidFill>
-                <a:latin typeface="Roboto"/>
-                <a:ea typeface="Noto Sans CJK SC"/>
-              </a:rPr>
-              <a:t>Highest policy annual premium</a:t>
-            </a:r>
-            <a:endParaRPr b="0" lang="en-IN" sz="1200" spc="-1" strike="noStrike">
-              <a:solidFill>
-                <a:srgbClr val="000000"/>
-              </a:solidFill>
-              <a:latin typeface="Arial"/>
-              <a:ea typeface="Noto Sans CJK SC"/>
-            </a:endParaRPr>
-          </a:p>
-          <a:p>
-            <a:pPr marL="432000" indent="-324000">
-              <a:lnSpc>
-                <a:spcPct val="150000"/>
-              </a:lnSpc>
-              <a:buClr>
-                <a:srgbClr val="000000"/>
-              </a:buClr>
-              <a:buFont typeface="Arial"/>
-              <a:buChar char=""/>
-              <a:tabLst>
-                <a:tab algn="l" pos="0"/>
-              </a:tabLst>
-            </a:pPr>
-            <a:r>
-              <a:rPr b="0" lang="en-IN" sz="1200" spc="-1" strike="noStrike">
-                <a:solidFill>
-                  <a:srgbClr val="000000"/>
-                </a:solidFill>
-                <a:latin typeface="Roboto"/>
-                <a:ea typeface="Noto Sans CJK SC"/>
-              </a:rPr>
-              <a:t>Lowest total claim amount</a:t>
-            </a:r>
-            <a:endParaRPr b="0" lang="en-IN" sz="1200" spc="-1" strike="noStrike">
-              <a:solidFill>
-                <a:srgbClr val="000000"/>
-              </a:solidFill>
-              <a:latin typeface="Arial"/>
-              <a:ea typeface="Noto Sans CJK SC"/>
-            </a:endParaRPr>
-          </a:p>
-          <a:p>
-            <a:pPr marL="432000" indent="-324000">
-              <a:lnSpc>
-                <a:spcPct val="150000"/>
-              </a:lnSpc>
-              <a:buClr>
-                <a:srgbClr val="000000"/>
-              </a:buClr>
-              <a:buFont typeface="Arial"/>
-              <a:buChar char=""/>
-              <a:tabLst>
-                <a:tab algn="l" pos="0"/>
-              </a:tabLst>
-            </a:pPr>
-            <a:r>
-              <a:rPr b="0" lang="en-IN" sz="1200" spc="-1" strike="noStrike">
-                <a:solidFill>
-                  <a:srgbClr val="000000"/>
-                </a:solidFill>
-                <a:latin typeface="Roboto"/>
-                <a:ea typeface="Noto Sans CJK SC"/>
-              </a:rPr>
-              <a:t>Most incidents occur at 5 PM</a:t>
-            </a:r>
-            <a:endParaRPr b="0" lang="en-IN" sz="1200" spc="-1" strike="noStrike">
-              <a:solidFill>
-                <a:srgbClr val="000000"/>
-              </a:solidFill>
-              <a:latin typeface="Arial"/>
-              <a:ea typeface="Noto Sans CJK SC"/>
-            </a:endParaRPr>
-          </a:p>
-          <a:p>
-            <a:pPr marL="432000" indent="-324000">
-              <a:lnSpc>
-                <a:spcPct val="150000"/>
-              </a:lnSpc>
-              <a:buClr>
-                <a:srgbClr val="000000"/>
-              </a:buClr>
-              <a:buFont typeface="Arial"/>
-              <a:buChar char=""/>
-              <a:tabLst>
-                <a:tab algn="l" pos="0"/>
-              </a:tabLst>
-            </a:pPr>
-            <a:r>
-              <a:rPr b="0" lang="en-IN" sz="1200" spc="-1" strike="noStrike">
-                <a:solidFill>
-                  <a:srgbClr val="000000"/>
-                </a:solidFill>
-                <a:latin typeface="Roboto"/>
-                <a:ea typeface="Noto Sans CJK SC"/>
-              </a:rPr>
-              <a:t>Mid-range vehicle age Singl-car policies</a:t>
-            </a:r>
-            <a:endParaRPr b="0" lang="en-IN" sz="1200" spc="-1" strike="noStrike">
-              <a:solidFill>
-                <a:srgbClr val="000000"/>
-              </a:solidFill>
-              <a:latin typeface="Arial"/>
-              <a:ea typeface="Noto Sans CJK SC"/>
-            </a:endParaRPr>
-          </a:p>
-        </p:txBody>
-      </p:sp>
-      <p:sp>
-        <p:nvSpPr>
-          <p:cNvPr id="142" name="PlaceHolder 13"/>
-          <p:cNvSpPr/>
+      </p:pic>
+      <p:pic>
+        <p:nvPicPr>
+          <p:cNvPr id="156" name="" descr=""/>
+          <p:cNvPicPr/>
           <p:nvPr/>
-        </p:nvSpPr>
+        </p:nvPicPr>
+        <p:blipFill>
+          <a:blip r:embed="rId5"/>
+          <a:stretch/>
+        </p:blipFill>
         <p:spPr>
           <a:xfrm>
-            <a:off x="3600360" y="720000"/>
-            <a:ext cx="2879280" cy="4676040"/>
+            <a:off x="6002640" y="108360"/>
+            <a:ext cx="549360" cy="393480"/>
           </a:xfrm>
           <a:prstGeom prst="rect">
             <a:avLst/>
           </a:prstGeom>
-          <a:solidFill>
-            <a:srgbClr val="f5ddd9">
-              <a:alpha val="92000"/>
-            </a:srgbClr>
-          </a:solidFill>
-          <a:ln cap="rnd" w="12600">
-            <a:solidFill>
-              <a:srgbClr val="622502">
-                <a:alpha val="90000"/>
-              </a:srgbClr>
-            </a:solidFill>
-            <a:bevel/>
+          <a:ln w="0">
+            <a:noFill/>
           </a:ln>
         </p:spPr>
-        <p:style>
-          <a:lnRef idx="0"/>
-          <a:fillRef idx="0"/>
-          <a:effectRef idx="0"/>
-          <a:fontRef idx="minor"/>
-        </p:style>
-        <p:txBody>
-          <a:bodyPr numCol="1" spcCol="0" lIns="6120" rIns="6120" tIns="6120" bIns="6120" anchor="t">
-            <a:normAutofit fontScale="95555"/>
-          </a:bodyPr>
-          <a:p>
-            <a:pPr>
-              <a:lnSpc>
-                <a:spcPct val="150000"/>
-              </a:lnSpc>
-              <a:tabLst>
-                <a:tab algn="l" pos="0"/>
-              </a:tabLst>
-            </a:pPr>
-            <a:r>
-              <a:rPr b="1" lang="en-IN" sz="1200" spc="-1" strike="noStrike">
-                <a:solidFill>
-                  <a:srgbClr val="000000"/>
-                </a:solidFill>
-                <a:latin typeface="Roboto Condensed"/>
-                <a:ea typeface="Noto Sans CJK SC"/>
-              </a:rPr>
-              <a:t>Tailored Marketing Strategies:</a:t>
-            </a:r>
-            <a:endParaRPr b="0" lang="en-IN" sz="1200" spc="-1" strike="noStrike">
-              <a:solidFill>
-                <a:srgbClr val="000000"/>
-              </a:solidFill>
-              <a:latin typeface="Arial"/>
-              <a:ea typeface="Noto Sans CJK SC"/>
-            </a:endParaRPr>
-          </a:p>
-          <a:p>
-            <a:pPr marL="360000" indent="-216000">
-              <a:lnSpc>
-                <a:spcPct val="150000"/>
-              </a:lnSpc>
-              <a:buClr>
-                <a:srgbClr val="ffffff"/>
-              </a:buClr>
-              <a:buFont typeface="Symbol"/>
-              <a:buChar char=""/>
-              <a:tabLst>
-                <a:tab algn="l" pos="0"/>
-              </a:tabLst>
-            </a:pPr>
-            <a:r>
-              <a:rPr b="0" lang="en-IN" sz="1000" spc="-1" strike="noStrike">
-                <a:solidFill>
-                  <a:srgbClr val="000000"/>
-                </a:solidFill>
-                <a:latin typeface="Roboto"/>
-                <a:ea typeface="Noto Sans CJK SC"/>
-              </a:rPr>
-              <a:t>Highlight tech-driven solutions and flexible coverage options</a:t>
-            </a:r>
-            <a:endParaRPr b="0" lang="en-IN" sz="1000" spc="-1" strike="noStrike">
-              <a:solidFill>
-                <a:srgbClr val="000000"/>
-              </a:solidFill>
-              <a:latin typeface="Arial"/>
-              <a:ea typeface="Noto Sans CJK SC"/>
-            </a:endParaRPr>
-          </a:p>
-          <a:p>
-            <a:pPr marL="360000" indent="-216000">
-              <a:lnSpc>
-                <a:spcPct val="150000"/>
-              </a:lnSpc>
-              <a:buClr>
-                <a:srgbClr val="ffffff"/>
-              </a:buClr>
-              <a:buFont typeface="Symbol"/>
-              <a:buChar char=""/>
-              <a:tabLst>
-                <a:tab algn="l" pos="0"/>
-              </a:tabLst>
-            </a:pPr>
-            <a:r>
-              <a:rPr b="0" lang="en-IN" sz="1000" spc="-1" strike="noStrike">
-                <a:solidFill>
-                  <a:srgbClr val="000000"/>
-                </a:solidFill>
-                <a:latin typeface="Roboto"/>
-                <a:ea typeface="Noto Sans CJK SC"/>
-              </a:rPr>
-              <a:t>Showcase value proposition of higher premiums vs. lower claim likelihood </a:t>
-            </a:r>
-            <a:endParaRPr b="0" lang="en-IN" sz="1000" spc="-1" strike="noStrike">
-              <a:solidFill>
-                <a:srgbClr val="000000"/>
-              </a:solidFill>
-              <a:latin typeface="Arial"/>
-              <a:ea typeface="Noto Sans CJK SC"/>
-            </a:endParaRPr>
-          </a:p>
-          <a:p>
-            <a:pPr>
-              <a:lnSpc>
-                <a:spcPct val="150000"/>
-              </a:lnSpc>
-              <a:tabLst>
-                <a:tab algn="l" pos="0"/>
-              </a:tabLst>
-            </a:pPr>
-            <a:r>
-              <a:rPr b="1" lang="en-IN" sz="1150" spc="-1" strike="noStrike">
-                <a:solidFill>
-                  <a:srgbClr val="000000"/>
-                </a:solidFill>
-                <a:latin typeface="Roboto Condensed"/>
-                <a:ea typeface="Noto Sans CJK SC"/>
-              </a:rPr>
-              <a:t> </a:t>
-            </a:r>
-            <a:r>
-              <a:rPr b="1" lang="en-IN" sz="1150" spc="-1" strike="noStrike">
-                <a:solidFill>
-                  <a:srgbClr val="000000"/>
-                </a:solidFill>
-                <a:latin typeface="Roboto Condensed"/>
-                <a:ea typeface="Noto Sans CJK SC"/>
-              </a:rPr>
-              <a:t>Product Development Recommendations</a:t>
-            </a:r>
-            <a:endParaRPr b="0" lang="en-IN" sz="1150" spc="-1" strike="noStrike">
-              <a:solidFill>
-                <a:srgbClr val="000000"/>
-              </a:solidFill>
-              <a:latin typeface="Arial"/>
-              <a:ea typeface="Noto Sans CJK SC"/>
-            </a:endParaRPr>
-          </a:p>
-          <a:p>
-            <a:pPr marL="360000" indent="-216000">
-              <a:lnSpc>
-                <a:spcPct val="150000"/>
-              </a:lnSpc>
-              <a:buClr>
-                <a:srgbClr val="ffffff"/>
-              </a:buClr>
-              <a:buFont typeface="Symbol"/>
-              <a:buChar char=""/>
-              <a:tabLst>
-                <a:tab algn="l" pos="0"/>
-              </a:tabLst>
-            </a:pPr>
-            <a:r>
-              <a:rPr b="0" lang="en-IN" sz="1000" spc="-1" strike="noStrike">
-                <a:solidFill>
-                  <a:srgbClr val="000000"/>
-                </a:solidFill>
-                <a:latin typeface="Roboto"/>
-                <a:ea typeface="Noto Sans CJK SC"/>
-              </a:rPr>
-              <a:t>Usage-based insurance with smartphone integration</a:t>
-            </a:r>
-            <a:endParaRPr b="0" lang="en-IN" sz="1000" spc="-1" strike="noStrike">
-              <a:solidFill>
-                <a:srgbClr val="000000"/>
-              </a:solidFill>
-              <a:latin typeface="Arial"/>
-              <a:ea typeface="Noto Sans CJK SC"/>
-            </a:endParaRPr>
-          </a:p>
-          <a:p>
-            <a:pPr marL="360000" indent="-216000">
-              <a:lnSpc>
-                <a:spcPct val="150000"/>
-              </a:lnSpc>
-              <a:buClr>
-                <a:srgbClr val="ffffff"/>
-              </a:buClr>
-              <a:buFont typeface="Symbol"/>
-              <a:buChar char=""/>
-              <a:tabLst>
-                <a:tab algn="l" pos="0"/>
-              </a:tabLst>
-            </a:pPr>
-            <a:r>
-              <a:rPr b="0" lang="en-IN" sz="1000" spc="-1" strike="noStrike">
-                <a:solidFill>
-                  <a:srgbClr val="000000"/>
-                </a:solidFill>
-                <a:latin typeface="Roboto"/>
-                <a:ea typeface="Noto Sans CJK SC"/>
-              </a:rPr>
-              <a:t>Bundled policies with lifestyle-specific add-ons (e.g., travel, gadget insurance)</a:t>
-            </a:r>
-            <a:endParaRPr b="0" lang="en-IN" sz="1000" spc="-1" strike="noStrike">
-              <a:solidFill>
-                <a:srgbClr val="000000"/>
-              </a:solidFill>
-              <a:latin typeface="Arial"/>
-              <a:ea typeface="Noto Sans CJK SC"/>
-            </a:endParaRPr>
-          </a:p>
-          <a:p>
-            <a:pPr>
-              <a:lnSpc>
-                <a:spcPct val="150000"/>
-              </a:lnSpc>
-              <a:tabLst>
-                <a:tab algn="l" pos="0"/>
-              </a:tabLst>
-            </a:pPr>
-            <a:r>
-              <a:rPr b="1" lang="en-IN" sz="1150" spc="-1" strike="noStrike">
-                <a:solidFill>
-                  <a:srgbClr val="000000"/>
-                </a:solidFill>
-                <a:latin typeface="Roboto Condensed"/>
-                <a:ea typeface="Noto Sans CJK SC"/>
-              </a:rPr>
-              <a:t> </a:t>
-            </a:r>
-            <a:r>
-              <a:rPr b="1" lang="en-IN" sz="1150" spc="-1" strike="noStrike">
-                <a:solidFill>
-                  <a:srgbClr val="000000"/>
-                </a:solidFill>
-                <a:latin typeface="Roboto Condensed"/>
-                <a:ea typeface="Noto Sans CJK SC"/>
-              </a:rPr>
-              <a:t>Cross-Selling Opportunities</a:t>
-            </a:r>
-            <a:endParaRPr b="0" lang="en-IN" sz="1150" spc="-1" strike="noStrike">
-              <a:solidFill>
-                <a:srgbClr val="000000"/>
-              </a:solidFill>
-              <a:latin typeface="Arial"/>
-              <a:ea typeface="Noto Sans CJK SC"/>
-            </a:endParaRPr>
-          </a:p>
-          <a:p>
-            <a:pPr marL="360000" indent="-216000">
-              <a:lnSpc>
-                <a:spcPct val="150000"/>
-              </a:lnSpc>
-              <a:buClr>
-                <a:srgbClr val="ffffff"/>
-              </a:buClr>
-              <a:buFont typeface="Symbol"/>
-              <a:buChar char=""/>
-              <a:tabLst>
-                <a:tab algn="l" pos="0"/>
-              </a:tabLst>
-            </a:pPr>
-            <a:r>
-              <a:rPr b="0" lang="en-IN" sz="1000" spc="-1" strike="noStrike">
-                <a:solidFill>
-                  <a:srgbClr val="000000"/>
-                </a:solidFill>
-                <a:latin typeface="Roboto"/>
-                <a:ea typeface="Noto Sans CJK SC"/>
-              </a:rPr>
-              <a:t>Renters insurance and personal article policies</a:t>
-            </a:r>
-            <a:endParaRPr b="0" lang="en-IN" sz="1000" spc="-1" strike="noStrike">
-              <a:solidFill>
-                <a:srgbClr val="000000"/>
-              </a:solidFill>
-              <a:latin typeface="Arial"/>
-              <a:ea typeface="Noto Sans CJK SC"/>
-            </a:endParaRPr>
-          </a:p>
-          <a:p>
-            <a:pPr marL="360000" indent="-216000">
-              <a:lnSpc>
-                <a:spcPct val="150000"/>
-              </a:lnSpc>
-              <a:buClr>
-                <a:srgbClr val="ffffff"/>
-              </a:buClr>
-              <a:buFont typeface="Symbol"/>
-              <a:buChar char=""/>
-              <a:tabLst>
-                <a:tab algn="l" pos="0"/>
-              </a:tabLst>
-            </a:pPr>
-            <a:r>
-              <a:rPr b="0" lang="en-IN" sz="1000" spc="-1" strike="noStrike">
-                <a:solidFill>
-                  <a:srgbClr val="000000"/>
-                </a:solidFill>
-                <a:latin typeface="Roboto"/>
-                <a:ea typeface="Noto Sans CJK SC"/>
-              </a:rPr>
-              <a:t>Travel insurance and short-term vehicle coverage</a:t>
-            </a:r>
-            <a:endParaRPr b="0" lang="en-IN" sz="1000" spc="-1" strike="noStrike">
-              <a:solidFill>
-                <a:srgbClr val="000000"/>
-              </a:solidFill>
-              <a:latin typeface="Arial"/>
-              <a:ea typeface="Noto Sans CJK SC"/>
-            </a:endParaRPr>
-          </a:p>
-          <a:p>
-            <a:pPr>
-              <a:lnSpc>
-                <a:spcPct val="150000"/>
-              </a:lnSpc>
-              <a:tabLst>
-                <a:tab algn="l" pos="0"/>
-              </a:tabLst>
-            </a:pPr>
-            <a:r>
-              <a:rPr b="1" lang="en-IN" sz="1150" spc="-1" strike="noStrike">
-                <a:solidFill>
-                  <a:srgbClr val="000000"/>
-                </a:solidFill>
-                <a:latin typeface="Roboto Condensed"/>
-                <a:ea typeface="Noto Sans CJK SC"/>
-              </a:rPr>
-              <a:t> </a:t>
-            </a:r>
-            <a:r>
-              <a:rPr b="1" lang="en-IN" sz="1150" spc="-1" strike="noStrike">
-                <a:solidFill>
-                  <a:srgbClr val="000000"/>
-                </a:solidFill>
-                <a:latin typeface="Roboto Condensed"/>
-                <a:ea typeface="Noto Sans CJK SC"/>
-              </a:rPr>
-              <a:t>Customer Engagement Strategies</a:t>
-            </a:r>
-            <a:endParaRPr b="0" lang="en-IN" sz="1150" spc="-1" strike="noStrike">
-              <a:solidFill>
-                <a:srgbClr val="000000"/>
-              </a:solidFill>
-              <a:latin typeface="Arial"/>
-              <a:ea typeface="Noto Sans CJK SC"/>
-            </a:endParaRPr>
-          </a:p>
-          <a:p>
-            <a:pPr marL="360000" indent="-216000">
-              <a:lnSpc>
-                <a:spcPct val="150000"/>
-              </a:lnSpc>
-              <a:buClr>
-                <a:srgbClr val="ffffff"/>
-              </a:buClr>
-              <a:buFont typeface="Symbol"/>
-              <a:buChar char=""/>
-              <a:tabLst>
-                <a:tab algn="l" pos="0"/>
-              </a:tabLst>
-            </a:pPr>
-            <a:r>
-              <a:rPr b="0" lang="en-IN" sz="1000" spc="-1" strike="noStrike">
-                <a:solidFill>
-                  <a:srgbClr val="000000"/>
-                </a:solidFill>
-                <a:latin typeface="Roboto"/>
-                <a:ea typeface="Noto Sans CJK SC"/>
-              </a:rPr>
-              <a:t>Gamified mobile app for policy management and safe driving rewards</a:t>
-            </a:r>
-            <a:endParaRPr b="0" lang="en-IN" sz="1000" spc="-1" strike="noStrike">
-              <a:solidFill>
-                <a:srgbClr val="000000"/>
-              </a:solidFill>
-              <a:latin typeface="Arial"/>
-              <a:ea typeface="Noto Sans CJK SC"/>
-            </a:endParaRPr>
-          </a:p>
-          <a:p>
-            <a:pPr marL="360000" indent="-216000">
-              <a:lnSpc>
-                <a:spcPct val="150000"/>
-              </a:lnSpc>
-              <a:buClr>
-                <a:srgbClr val="ffffff"/>
-              </a:buClr>
-              <a:buFont typeface="Symbol"/>
-              <a:buChar char=""/>
-              <a:tabLst>
-                <a:tab algn="l" pos="0"/>
-              </a:tabLst>
-            </a:pPr>
-            <a:r>
-              <a:rPr b="0" lang="en-IN" sz="1000" spc="-1" strike="noStrike">
-                <a:solidFill>
-                  <a:srgbClr val="000000"/>
-                </a:solidFill>
-                <a:latin typeface="Roboto"/>
-                <a:ea typeface="Noto Sans CJK SC"/>
-              </a:rPr>
-              <a:t>Social media engagement and influencer partnerships</a:t>
-            </a:r>
-            <a:endParaRPr b="0" lang="en-IN" sz="1000" spc="-1" strike="noStrike">
-              <a:solidFill>
-                <a:srgbClr val="000000"/>
-              </a:solidFill>
-              <a:latin typeface="Arial"/>
-              <a:ea typeface="Noto Sans CJK SC"/>
-            </a:endParaRPr>
-          </a:p>
-        </p:txBody>
-      </p:sp>
+      </p:pic>
+      <p:pic>
+        <p:nvPicPr>
+          <p:cNvPr id="157" name="" descr=""/>
+          <p:cNvPicPr/>
+          <p:nvPr/>
+        </p:nvPicPr>
+        <p:blipFill>
+          <a:blip r:embed="rId6"/>
+          <a:stretch/>
+        </p:blipFill>
+        <p:spPr>
+          <a:xfrm>
+            <a:off x="6756840" y="194400"/>
+            <a:ext cx="309600" cy="309600"/>
+          </a:xfrm>
+          <a:prstGeom prst="rect">
+            <a:avLst/>
+          </a:prstGeom>
+          <a:ln w="0">
+            <a:noFill/>
+          </a:ln>
+        </p:spPr>
+      </p:pic>
+      <p:pic>
+        <p:nvPicPr>
+          <p:cNvPr id="158" name="" descr=""/>
+          <p:cNvPicPr/>
+          <p:nvPr/>
+        </p:nvPicPr>
+        <p:blipFill>
+          <a:blip r:embed="rId7"/>
+          <a:stretch/>
+        </p:blipFill>
+        <p:spPr>
+          <a:xfrm>
+            <a:off x="9468000" y="216000"/>
+            <a:ext cx="309600" cy="309600"/>
+          </a:xfrm>
+          <a:prstGeom prst="rect">
+            <a:avLst/>
+          </a:prstGeom>
+          <a:ln w="0">
+            <a:noFill/>
+          </a:ln>
+        </p:spPr>
+      </p:pic>
+      <p:pic>
+        <p:nvPicPr>
+          <p:cNvPr id="159" name="" descr=""/>
+          <p:cNvPicPr/>
+          <p:nvPr/>
+        </p:nvPicPr>
+        <p:blipFill>
+          <a:blip r:embed="rId8"/>
+          <a:stretch/>
+        </p:blipFill>
+        <p:spPr>
+          <a:xfrm>
+            <a:off x="216000" y="144000"/>
+            <a:ext cx="360000" cy="360000"/>
+          </a:xfrm>
+          <a:prstGeom prst="rect">
+            <a:avLst/>
+          </a:prstGeom>
+          <a:ln w="0">
+            <a:noFill/>
+          </a:ln>
+        </p:spPr>
+      </p:pic>
+      <p:pic>
+        <p:nvPicPr>
+          <p:cNvPr id="160" name="" descr=""/>
+          <p:cNvPicPr/>
+          <p:nvPr/>
+        </p:nvPicPr>
+        <p:blipFill>
+          <a:blip r:embed="rId9"/>
+          <a:stretch/>
+        </p:blipFill>
+        <p:spPr>
+          <a:xfrm>
+            <a:off x="3024000" y="144000"/>
+            <a:ext cx="360000" cy="360000"/>
+          </a:xfrm>
+          <a:prstGeom prst="rect">
+            <a:avLst/>
+          </a:prstGeom>
+          <a:ln w="0">
+            <a:noFill/>
+          </a:ln>
+        </p:spPr>
+      </p:pic>
     </p:spTree>
   </p:cSld>
   <p:transition spd="slow">
@@ -7639,23 +8205,57 @@
           <a:chExt cx="0" cy="0"/>
         </a:xfrm>
       </p:grpSpPr>
+      <p:pic>
+        <p:nvPicPr>
+          <p:cNvPr id="161" name="" descr=""/>
+          <p:cNvPicPr/>
+          <p:nvPr/>
+        </p:nvPicPr>
+        <p:blipFill>
+          <a:blip r:embed="rId1">
+            <a:lum bright="70000" contrast="-70000"/>
+          </a:blip>
+          <a:stretch/>
+        </p:blipFill>
+        <p:spPr>
+          <a:xfrm>
+            <a:off x="1080000" y="1970640"/>
+            <a:ext cx="1269360" cy="1269360"/>
+          </a:xfrm>
+          <a:prstGeom prst="rect">
+            <a:avLst/>
+          </a:prstGeom>
+          <a:ln w="0">
+            <a:noFill/>
+          </a:ln>
+        </p:spPr>
+      </p:pic>
       <p:sp>
         <p:nvSpPr>
-          <p:cNvPr id="143" name="PlaceHolder 14"/>
+          <p:cNvPr id="162" name="PlaceHolder 13"/>
           <p:cNvSpPr/>
           <p:nvPr/>
         </p:nvSpPr>
         <p:spPr>
           <a:xfrm>
-            <a:off x="6516000" y="29160"/>
-            <a:ext cx="3203640" cy="539640"/>
+            <a:off x="324000" y="1404000"/>
+            <a:ext cx="2880000" cy="3060000"/>
           </a:xfrm>
           <a:prstGeom prst="rect">
             <a:avLst/>
           </a:prstGeom>
-          <a:noFill/>
-          <a:ln w="0">
-            <a:noFill/>
+          <a:solidFill>
+            <a:srgbClr val="f5ddd9">
+              <a:alpha val="92000"/>
+            </a:srgbClr>
+          </a:solidFill>
+          <a:ln cap="rnd" w="36000">
+            <a:solidFill>
+              <a:srgbClr val="622502">
+                <a:alpha val="90000"/>
+              </a:srgbClr>
+            </a:solidFill>
+            <a:bevel/>
           </a:ln>
         </p:spPr>
         <p:style>
@@ -7665,167 +8265,341 @@
           <a:fontRef idx="minor"/>
         </p:style>
         <p:txBody>
-          <a:bodyPr lIns="0" rIns="0" tIns="0" bIns="0" anchor="ctr">
-            <a:noAutofit/>
+          <a:bodyPr numCol="1" spcCol="0" lIns="17640" rIns="17640" tIns="17640" bIns="17640" anchor="t">
+            <a:normAutofit/>
           </a:bodyPr>
           <a:p>
-            <a:pPr algn="ctr">
-              <a:lnSpc>
-                <a:spcPct val="100000"/>
+            <a:pPr>
+              <a:lnSpc>
+                <a:spcPct val="150000"/>
               </a:lnSpc>
               <a:tabLst>
                 <a:tab algn="l" pos="0"/>
               </a:tabLst>
             </a:pPr>
             <a:r>
-              <a:rPr b="0" lang="en-IN" sz="2200" spc="-1" strike="noStrike">
-                <a:solidFill>
-                  <a:srgbClr val="ffffff"/>
-                </a:solidFill>
+              <a:rPr b="1" lang="en-IN" sz="1300" spc="-1" strike="noStrike" u="sng">
+                <a:solidFill>
+                  <a:srgbClr val="000000"/>
+                </a:solidFill>
+                <a:uFillTx/>
                 <a:latin typeface="Roboto Condensed"/>
+                <a:ea typeface="Noto Sans CJK SC"/>
+              </a:rPr>
+              <a:t> </a:t>
+            </a:r>
+            <a:r>
+              <a:rPr b="1" lang="en-IN" sz="1300" spc="-1" strike="noStrike" u="sng">
+                <a:solidFill>
+                  <a:srgbClr val="000000"/>
+                </a:solidFill>
+                <a:uFillTx/>
+                <a:latin typeface="Roboto Condensed"/>
+                <a:ea typeface="Noto Sans CJK SC"/>
+              </a:rPr>
+              <a:t>Balanced Risk Group:</a:t>
+            </a:r>
+            <a:endParaRPr b="0" lang="en-IN" sz="1300" spc="-1" strike="noStrike">
+              <a:solidFill>
+                <a:srgbClr val="000000"/>
+              </a:solidFill>
+              <a:latin typeface="Arial"/>
+            </a:endParaRPr>
+          </a:p>
+          <a:p>
+            <a:pPr>
+              <a:lnSpc>
+                <a:spcPct val="150000"/>
+              </a:lnSpc>
+              <a:tabLst>
+                <a:tab algn="l" pos="0"/>
+              </a:tabLst>
+            </a:pPr>
+            <a:r>
+              <a:rPr b="0" lang="en-IN" sz="1100" spc="-1" strike="noStrike">
+                <a:solidFill>
+                  <a:srgbClr val="000000"/>
+                </a:solidFill>
+                <a:latin typeface="Roboto"/>
+                <a:ea typeface="Noto Sans CJK SC"/>
+              </a:rPr>
+              <a:t>    </a:t>
+            </a:r>
+            <a:r>
+              <a:rPr b="0" lang="en-IN" sz="1000" spc="-1" strike="noStrike">
+                <a:solidFill>
+                  <a:srgbClr val="000000"/>
+                </a:solidFill>
+                <a:latin typeface="Roboto"/>
+                <a:ea typeface="Noto Sans CJK SC"/>
               </a:rPr>
               <a:t>   </a:t>
             </a:r>
             <a:r>
-              <a:rPr b="0" lang="en-IN" sz="2200" spc="-1" strike="noStrike">
-                <a:solidFill>
-                  <a:srgbClr val="ffffff"/>
-                </a:solidFill>
-                <a:latin typeface="Roboto Condensed"/>
-              </a:rPr>
-              <a:t>Implementation Roadmap</a:t>
-            </a:r>
-            <a:endParaRPr b="0" lang="en-IN" sz="2200" spc="-1" strike="noStrike">
-              <a:solidFill>
-                <a:srgbClr val="ffffff"/>
+              <a:rPr b="0" lang="en-IN" sz="1000" spc="-1" strike="noStrike">
+                <a:solidFill>
+                  <a:srgbClr val="000000"/>
+                </a:solidFill>
+                <a:latin typeface="Roboto"/>
+                <a:ea typeface="Noto Sans CJK SC"/>
+              </a:rPr>
+              <a:t>This cluster represents a balanced group with moderate risk and claim amounts. They might be interested in customizable coverage options and loyalty programs.</a:t>
+            </a:r>
+            <a:endParaRPr b="0" lang="en-IN" sz="1000" spc="-1" strike="noStrike">
+              <a:solidFill>
+                <a:srgbClr val="000000"/>
+              </a:solidFill>
+              <a:latin typeface="Arial"/>
+            </a:endParaRPr>
+          </a:p>
+          <a:p>
+            <a:pPr>
+              <a:lnSpc>
+                <a:spcPct val="150000"/>
+              </a:lnSpc>
+              <a:tabLst>
+                <a:tab algn="l" pos="0"/>
+              </a:tabLst>
+            </a:pPr>
+            <a:endParaRPr b="0" lang="en-IN" sz="1000" spc="-1" strike="noStrike">
+              <a:solidFill>
+                <a:srgbClr val="000000"/>
+              </a:solidFill>
+              <a:latin typeface="Arial"/>
+            </a:endParaRPr>
+          </a:p>
+          <a:p>
+            <a:pPr marL="432000" indent="-324000">
+              <a:lnSpc>
+                <a:spcPct val="150000"/>
+              </a:lnSpc>
+              <a:spcBef>
+                <a:spcPts val="283"/>
+              </a:spcBef>
+              <a:buClr>
+                <a:srgbClr val="000000"/>
+              </a:buClr>
+              <a:buFont typeface="Arial"/>
+              <a:buChar char=""/>
+              <a:tabLst>
+                <a:tab algn="l" pos="0"/>
+              </a:tabLst>
+            </a:pPr>
+            <a:r>
+              <a:rPr b="0" lang="en-IN" sz="1000" spc="-1" strike="noStrike">
+                <a:solidFill>
+                  <a:srgbClr val="000000"/>
+                </a:solidFill>
+                <a:latin typeface="Roboto"/>
+                <a:ea typeface="Noto Sans CJK SC"/>
+              </a:rPr>
+              <a:t>Oldest average age</a:t>
+            </a:r>
+            <a:endParaRPr b="0" lang="en-IN" sz="1000" spc="-1" strike="noStrike">
+              <a:solidFill>
+                <a:srgbClr val="000000"/>
+              </a:solidFill>
+              <a:latin typeface="Arial"/>
+            </a:endParaRPr>
+          </a:p>
+          <a:p>
+            <a:pPr marL="432000" indent="-324000">
+              <a:lnSpc>
+                <a:spcPct val="150000"/>
+              </a:lnSpc>
+              <a:spcBef>
+                <a:spcPts val="283"/>
+              </a:spcBef>
+              <a:buClr>
+                <a:srgbClr val="000000"/>
+              </a:buClr>
+              <a:buFont typeface="Arial"/>
+              <a:buChar char=""/>
+              <a:tabLst>
+                <a:tab algn="l" pos="0"/>
+              </a:tabLst>
+            </a:pPr>
+            <a:r>
+              <a:rPr b="0" lang="en-IN" sz="1000" spc="-1" strike="noStrike">
+                <a:solidFill>
+                  <a:srgbClr val="000000"/>
+                </a:solidFill>
+                <a:latin typeface="Roboto"/>
+                <a:ea typeface="Noto Sans CJK SC"/>
+              </a:rPr>
+              <a:t>Lowest policy annual premium</a:t>
+            </a:r>
+            <a:endParaRPr b="0" lang="en-IN" sz="1000" spc="-1" strike="noStrike">
+              <a:solidFill>
+                <a:srgbClr val="000000"/>
+              </a:solidFill>
+              <a:latin typeface="Arial"/>
+            </a:endParaRPr>
+          </a:p>
+          <a:p>
+            <a:pPr marL="432000" indent="-324000">
+              <a:lnSpc>
+                <a:spcPct val="150000"/>
+              </a:lnSpc>
+              <a:spcBef>
+                <a:spcPts val="283"/>
+              </a:spcBef>
+              <a:buClr>
+                <a:srgbClr val="000000"/>
+              </a:buClr>
+              <a:buFont typeface="Arial"/>
+              <a:buChar char=""/>
+              <a:tabLst>
+                <a:tab algn="l" pos="0"/>
+              </a:tabLst>
+            </a:pPr>
+            <a:r>
+              <a:rPr b="0" lang="en-IN" sz="1000" spc="-1" strike="noStrike">
+                <a:solidFill>
+                  <a:srgbClr val="000000"/>
+                </a:solidFill>
+                <a:latin typeface="Roboto"/>
+                <a:ea typeface="Noto Sans CJK SC"/>
+              </a:rPr>
+              <a:t>Moderate total claim amount</a:t>
+            </a:r>
+            <a:endParaRPr b="0" lang="en-IN" sz="1000" spc="-1" strike="noStrike">
+              <a:solidFill>
+                <a:srgbClr val="000000"/>
+              </a:solidFill>
+              <a:latin typeface="Arial"/>
+            </a:endParaRPr>
+          </a:p>
+          <a:p>
+            <a:pPr marL="432000" indent="-324000">
+              <a:lnSpc>
+                <a:spcPct val="150000"/>
+              </a:lnSpc>
+              <a:spcBef>
+                <a:spcPts val="283"/>
+              </a:spcBef>
+              <a:buClr>
+                <a:srgbClr val="000000"/>
+              </a:buClr>
+              <a:buFont typeface="Arial"/>
+              <a:buChar char=""/>
+              <a:tabLst>
+                <a:tab algn="l" pos="0"/>
+              </a:tabLst>
+            </a:pPr>
+            <a:r>
+              <a:rPr b="0" lang="en-IN" sz="1000" spc="-1" strike="noStrike">
+                <a:solidFill>
+                  <a:srgbClr val="000000"/>
+                </a:solidFill>
+                <a:latin typeface="Roboto"/>
+                <a:ea typeface="Noto Sans CJK SC"/>
+              </a:rPr>
+              <a:t>Most incidents occur at 4 AM</a:t>
+            </a:r>
+            <a:endParaRPr b="0" lang="en-IN" sz="1000" spc="-1" strike="noStrike">
+              <a:solidFill>
+                <a:srgbClr val="000000"/>
+              </a:solidFill>
+              <a:latin typeface="Arial"/>
+            </a:endParaRPr>
+          </a:p>
+          <a:p>
+            <a:pPr marL="432000" indent="-324000">
+              <a:lnSpc>
+                <a:spcPct val="150000"/>
+              </a:lnSpc>
+              <a:spcBef>
+                <a:spcPts val="283"/>
+              </a:spcBef>
+              <a:buClr>
+                <a:srgbClr val="000000"/>
+              </a:buClr>
+              <a:buFont typeface="Arial"/>
+              <a:buChar char=""/>
+              <a:tabLst>
+                <a:tab algn="l" pos="0"/>
+              </a:tabLst>
+            </a:pPr>
+            <a:r>
+              <a:rPr b="0" lang="en-IN" sz="1000" spc="-1" strike="noStrike">
+                <a:solidFill>
+                  <a:srgbClr val="000000"/>
+                </a:solidFill>
+                <a:latin typeface="Roboto"/>
+                <a:ea typeface="Noto Sans CJK SC"/>
+              </a:rPr>
+              <a:t>Newest average vehicle age</a:t>
+            </a:r>
+            <a:endParaRPr b="0" lang="en-IN" sz="1000" spc="-1" strike="noStrike">
+              <a:solidFill>
+                <a:srgbClr val="000000"/>
               </a:solidFill>
               <a:latin typeface="Arial"/>
             </a:endParaRPr>
           </a:p>
         </p:txBody>
       </p:sp>
+      <p:pic>
+        <p:nvPicPr>
+          <p:cNvPr id="163" name="" descr=""/>
+          <p:cNvPicPr/>
+          <p:nvPr/>
+        </p:nvPicPr>
+        <p:blipFill>
+          <a:blip r:embed="rId2">
+            <a:lum bright="70000" contrast="-70000"/>
+          </a:blip>
+          <a:stretch/>
+        </p:blipFill>
+        <p:spPr>
+          <a:xfrm>
+            <a:off x="3597480" y="720000"/>
+            <a:ext cx="2878920" cy="4680000"/>
+          </a:xfrm>
+          <a:prstGeom prst="rect">
+            <a:avLst/>
+          </a:prstGeom>
+          <a:ln w="36000">
+            <a:noFill/>
+          </a:ln>
+        </p:spPr>
+      </p:pic>
+      <p:pic>
+        <p:nvPicPr>
+          <p:cNvPr id="164" name="" descr=""/>
+          <p:cNvPicPr/>
+          <p:nvPr/>
+        </p:nvPicPr>
+        <p:blipFill>
+          <a:blip r:embed="rId3">
+            <a:lum bright="70000" contrast="-70000"/>
+          </a:blip>
+          <a:stretch/>
+        </p:blipFill>
+        <p:spPr>
+          <a:xfrm>
+            <a:off x="6885000" y="1260000"/>
+            <a:ext cx="2835000" cy="3240000"/>
+          </a:xfrm>
+          <a:prstGeom prst="rect">
+            <a:avLst/>
+          </a:prstGeom>
+          <a:ln w="0">
+            <a:noFill/>
+          </a:ln>
+        </p:spPr>
+      </p:pic>
       <p:sp>
         <p:nvSpPr>
-          <p:cNvPr id="144" name="PlaceHolder 20"/>
+          <p:cNvPr id="165" name="PlaceHolder 15"/>
           <p:cNvSpPr/>
           <p:nvPr/>
         </p:nvSpPr>
         <p:spPr>
           <a:xfrm>
-            <a:off x="3600000" y="144000"/>
-            <a:ext cx="2879640" cy="395640"/>
-          </a:xfrm>
-          <a:prstGeom prst="rect">
-            <a:avLst/>
-          </a:prstGeom>
-          <a:noFill/>
-          <a:ln w="0">
-            <a:noFill/>
-          </a:ln>
-        </p:spPr>
-        <p:style>
-          <a:lnRef idx="0"/>
-          <a:fillRef idx="0"/>
-          <a:effectRef idx="0"/>
-          <a:fontRef idx="minor"/>
-        </p:style>
-        <p:txBody>
-          <a:bodyPr lIns="0" rIns="0" tIns="0" bIns="0" anchor="t">
-            <a:noAutofit/>
-          </a:bodyPr>
-          <a:p>
-            <a:pPr algn="ctr">
-              <a:lnSpc>
-                <a:spcPct val="100000"/>
-              </a:lnSpc>
-              <a:tabLst>
-                <a:tab algn="l" pos="0"/>
-              </a:tabLst>
-            </a:pPr>
-            <a:r>
-              <a:rPr b="0" lang="en-IN" sz="2200" spc="-1" strike="noStrike">
-                <a:solidFill>
-                  <a:srgbClr val="ffffff"/>
-                </a:solidFill>
-                <a:latin typeface="Roboto Condensed"/>
-              </a:rPr>
-              <a:t>Business Implications</a:t>
-            </a:r>
-            <a:endParaRPr b="0" lang="en-IN" sz="2200" spc="-1" strike="noStrike">
-              <a:solidFill>
-                <a:srgbClr val="ffffff"/>
-              </a:solidFill>
-              <a:latin typeface="Arial"/>
-            </a:endParaRPr>
-          </a:p>
-        </p:txBody>
-      </p:sp>
-      <p:sp>
-        <p:nvSpPr>
-          <p:cNvPr id="145" name="PlaceHolder 21"/>
-          <p:cNvSpPr/>
-          <p:nvPr/>
-        </p:nvSpPr>
-        <p:spPr>
-          <a:xfrm>
-            <a:off x="360000" y="36000"/>
-            <a:ext cx="2879640" cy="539640"/>
-          </a:xfrm>
-          <a:prstGeom prst="rect">
-            <a:avLst/>
-          </a:prstGeom>
-          <a:noFill/>
-          <a:ln w="0">
-            <a:noFill/>
-          </a:ln>
-        </p:spPr>
-        <p:style>
-          <a:lnRef idx="0"/>
-          <a:fillRef idx="0"/>
-          <a:effectRef idx="0"/>
-          <a:fontRef idx="minor"/>
-        </p:style>
-        <p:txBody>
-          <a:bodyPr lIns="0" rIns="0" tIns="0" bIns="0" anchor="ctr">
-            <a:noAutofit/>
-          </a:bodyPr>
-          <a:p>
-            <a:pPr algn="ctr">
-              <a:lnSpc>
-                <a:spcPct val="100000"/>
-              </a:lnSpc>
-              <a:tabLst>
-                <a:tab algn="l" pos="0"/>
-              </a:tabLst>
-            </a:pPr>
-            <a:r>
-              <a:rPr b="0" lang="en-IN" sz="2200" spc="-1" strike="noStrike">
-                <a:solidFill>
-                  <a:srgbClr val="ffffff"/>
-                </a:solidFill>
-                <a:latin typeface="Roboto Condensed"/>
-              </a:rPr>
-              <a:t>Customer Chatracteristics</a:t>
-            </a:r>
-            <a:endParaRPr b="0" lang="en-IN" sz="2200" spc="-1" strike="noStrike">
-              <a:solidFill>
-                <a:srgbClr val="ffffff"/>
-              </a:solidFill>
-              <a:latin typeface="Arial"/>
-            </a:endParaRPr>
-          </a:p>
-        </p:txBody>
-      </p:sp>
-      <p:sp>
-        <p:nvSpPr>
-          <p:cNvPr id="146" name="PlaceHolder 22"/>
-          <p:cNvSpPr/>
-          <p:nvPr/>
-        </p:nvSpPr>
-        <p:spPr>
-          <a:xfrm>
-            <a:off x="6876360" y="1152000"/>
-            <a:ext cx="2879280" cy="3671640"/>
+            <a:off x="3597480" y="1080000"/>
+            <a:ext cx="2878920" cy="3924000"/>
           </a:xfrm>
           <a:prstGeom prst="rect">
             <a:avLst/>
@@ -7852,109 +8626,108 @@
         </p:style>
         <p:txBody>
           <a:bodyPr numCol="1" spcCol="0" lIns="14760" rIns="14760" tIns="14760" bIns="14760" anchor="t">
-            <a:normAutofit fontScale="96666"/>
+            <a:normAutofit/>
           </a:bodyPr>
           <a:p>
-            <a:pPr algn="ctr">
-              <a:lnSpc>
-                <a:spcPct val="150000"/>
+            <a:pPr>
+              <a:lnSpc>
+                <a:spcPct val="100000"/>
               </a:lnSpc>
               <a:tabLst>
                 <a:tab algn="l" pos="0"/>
               </a:tabLst>
             </a:pPr>
             <a:r>
-              <a:rPr b="1" lang="en-IN" sz="1800" spc="-1" strike="noStrike">
+              <a:rPr b="1" lang="en-IN" sz="1300" spc="-1" strike="noStrike">
                 <a:solidFill>
                   <a:srgbClr val="000000"/>
                 </a:solidFill>
                 <a:latin typeface="Roboto Condensed"/>
-              </a:rPr>
-              <a:t>Roadmap</a:t>
-            </a:r>
-            <a:endParaRPr b="0" lang="en-IN" sz="1800" spc="-1" strike="noStrike">
-              <a:solidFill>
-                <a:srgbClr val="000000"/>
-              </a:solidFill>
-              <a:latin typeface="Arial"/>
-              <a:ea typeface="Noto Sans CJK SC"/>
-            </a:endParaRPr>
-          </a:p>
-          <a:p>
-            <a:pPr algn="just">
+                <a:ea typeface="DejaVu Sans"/>
+              </a:rPr>
+              <a:t> </a:t>
+            </a:r>
+            <a:r>
+              <a:rPr b="1" lang="en-IN" sz="1300" spc="-1" strike="noStrike">
+                <a:solidFill>
+                  <a:srgbClr val="000000"/>
+                </a:solidFill>
+                <a:latin typeface="Roboto Condensed"/>
+                <a:ea typeface="DejaVu Sans"/>
+              </a:rPr>
+              <a:t>Tailored Marketing Strategies:</a:t>
+            </a:r>
+            <a:endParaRPr b="0" lang="en-IN" sz="1300" spc="-1" strike="noStrike">
+              <a:solidFill>
+                <a:srgbClr val="000000"/>
+              </a:solidFill>
+              <a:latin typeface="Arial"/>
+            </a:endParaRPr>
+          </a:p>
+          <a:p>
+            <a:pPr marL="432000" indent="-324000">
               <a:lnSpc>
                 <a:spcPct val="150000"/>
               </a:lnSpc>
+              <a:buClr>
+                <a:srgbClr val="000000"/>
+              </a:buClr>
+              <a:buFont typeface="Arial"/>
+              <a:buChar char=""/>
               <a:tabLst>
                 <a:tab algn="l" pos="0"/>
               </a:tabLst>
             </a:pPr>
             <a:r>
-              <a:rPr b="1" lang="en-IN" sz="1600" spc="-1" strike="noStrike">
-                <a:solidFill>
-                  <a:srgbClr val="000000"/>
-                </a:solidFill>
-                <a:latin typeface="Roboto Condensed"/>
-              </a:rPr>
-              <a:t>Phase 1: </a:t>
-            </a:r>
-            <a:r>
-              <a:rPr b="0" lang="en-IN" sz="1200" spc="-1" strike="noStrike">
+              <a:rPr b="0" lang="en-IN" sz="1000" spc="-1" strike="noStrike">
                 <a:solidFill>
                   <a:srgbClr val="000000"/>
                 </a:solidFill>
                 <a:latin typeface="Roboto"/>
                 <a:ea typeface="Noto Sans CJK SC"/>
               </a:rPr>
-              <a:t>Refine marketing messages and channels based on the customer segment and implications.</a:t>
-            </a:r>
-            <a:endParaRPr b="0" lang="en-IN" sz="1200" spc="-1" strike="noStrike">
-              <a:solidFill>
-                <a:srgbClr val="000000"/>
-              </a:solidFill>
-              <a:latin typeface="Arial"/>
-              <a:ea typeface="Noto Sans CJK SC"/>
-            </a:endParaRPr>
-          </a:p>
-          <a:p>
-            <a:pPr algn="just">
+              <a:t>Promote balanced, customizable coverage at competiive rates</a:t>
+            </a:r>
+            <a:endParaRPr b="0" lang="en-IN" sz="1000" spc="-1" strike="noStrike">
+              <a:solidFill>
+                <a:srgbClr val="000000"/>
+              </a:solidFill>
+              <a:latin typeface="Arial"/>
+            </a:endParaRPr>
+          </a:p>
+          <a:p>
+            <a:pPr marL="432000" indent="-324000">
               <a:lnSpc>
                 <a:spcPct val="150000"/>
               </a:lnSpc>
+              <a:buClr>
+                <a:srgbClr val="000000"/>
+              </a:buClr>
+              <a:buFont typeface="Arial"/>
+              <a:buChar char=""/>
               <a:tabLst>
                 <a:tab algn="l" pos="0"/>
               </a:tabLst>
             </a:pPr>
             <a:r>
-              <a:rPr b="1" lang="en-IN" sz="1600" spc="-1" strike="noStrike">
-                <a:solidFill>
-                  <a:srgbClr val="000000"/>
-                </a:solidFill>
-                <a:latin typeface="Roboto Condensed"/>
-                <a:ea typeface="Noto Sans CJK SC"/>
-              </a:rPr>
-              <a:t>Phase 2: </a:t>
-            </a:r>
-            <a:r>
-              <a:rPr b="0" lang="en-IN" sz="1200" spc="-1" strike="noStrike">
+              <a:rPr b="0" lang="en-IN" sz="1000" spc="-1" strike="noStrike">
                 <a:solidFill>
                   <a:srgbClr val="000000"/>
                 </a:solidFill>
                 <a:latin typeface="Roboto"/>
                 <a:ea typeface="Noto Sans CJK SC"/>
               </a:rPr>
-              <a:t>Develop and launch tailored products.</a:t>
-            </a:r>
-            <a:endParaRPr b="0" lang="en-IN" sz="1200" spc="-1" strike="noStrike">
-              <a:solidFill>
-                <a:srgbClr val="000000"/>
-              </a:solidFill>
-              <a:latin typeface="Arial"/>
-              <a:ea typeface="Noto Sans CJK SC"/>
-            </a:endParaRPr>
-          </a:p>
-          <a:p>
-            <a:pPr algn="just">
+              <a:t>Emphasize loyalty programs and safe driving incentive</a:t>
+            </a:r>
+            <a:endParaRPr b="0" lang="en-IN" sz="1000" spc="-1" strike="noStrike">
+              <a:solidFill>
+                <a:srgbClr val="000000"/>
+              </a:solidFill>
+              <a:latin typeface="Arial"/>
+            </a:endParaRPr>
+          </a:p>
+          <a:p>
+            <a:pPr>
               <a:lnSpc>
                 <a:spcPct val="150000"/>
               </a:lnSpc>
@@ -7963,95 +8736,92 @@
               </a:tabLst>
             </a:pPr>
             <a:r>
-              <a:rPr b="1" lang="en-IN" sz="1600" spc="-1" strike="noStrike">
+              <a:rPr b="1" lang="en-IN" sz="1300" spc="-1" strike="noStrike">
                 <a:solidFill>
                   <a:srgbClr val="000000"/>
                 </a:solidFill>
                 <a:latin typeface="Roboto Condensed"/>
                 <a:ea typeface="Noto Sans CJK SC"/>
               </a:rPr>
-              <a:t>Phase 3: </a:t>
-            </a:r>
-            <a:r>
-              <a:rPr b="0" lang="en-IN" sz="1200" spc="-1" strike="noStrike">
-                <a:solidFill>
-                  <a:srgbClr val="000000"/>
-                </a:solidFill>
-                <a:latin typeface="Roboto"/>
+              <a:t> </a:t>
+            </a:r>
+            <a:r>
+              <a:rPr b="1" lang="en-IN" sz="1300" spc="-1" strike="noStrike">
+                <a:solidFill>
+                  <a:srgbClr val="000000"/>
+                </a:solidFill>
+                <a:latin typeface="Roboto Condensed"/>
                 <a:ea typeface="Noto Sans CJK SC"/>
               </a:rPr>
-              <a:t>Implement cross-selling strategies and loyalty programs.</a:t>
-            </a:r>
-            <a:endParaRPr b="0" lang="en-IN" sz="1200" spc="-1" strike="noStrike">
-              <a:solidFill>
-                <a:srgbClr val="000000"/>
-              </a:solidFill>
-              <a:latin typeface="Arial"/>
-              <a:ea typeface="Noto Sans CJK SC"/>
-            </a:endParaRPr>
-          </a:p>
-          <a:p>
-            <a:pPr algn="just">
+              <a:t>Product Development Recommendations:</a:t>
+            </a:r>
+            <a:endParaRPr b="0" lang="en-IN" sz="1300" spc="-1" strike="noStrike">
+              <a:solidFill>
+                <a:srgbClr val="000000"/>
+              </a:solidFill>
+              <a:latin typeface="Arial"/>
+            </a:endParaRPr>
+          </a:p>
+          <a:p>
+            <a:pPr marL="432000" indent="-324000">
               <a:lnSpc>
                 <a:spcPct val="150000"/>
               </a:lnSpc>
+              <a:buClr>
+                <a:srgbClr val="000000"/>
+              </a:buClr>
+              <a:buFont typeface="Arial"/>
+              <a:buChar char=""/>
               <a:tabLst>
                 <a:tab algn="l" pos="0"/>
               </a:tabLst>
             </a:pPr>
             <a:r>
-              <a:rPr b="1" lang="en-IN" sz="1600" spc="-1" strike="noStrike">
-                <a:solidFill>
-                  <a:srgbClr val="000000"/>
-                </a:solidFill>
-                <a:latin typeface="Roboto Condensed"/>
-                <a:ea typeface="Noto Sans CJK SC"/>
-              </a:rPr>
-              <a:t>Phase 4:</a:t>
-            </a:r>
-            <a:r>
-              <a:rPr b="0" lang="en-IN" sz="2400" spc="-1" strike="noStrike">
-                <a:solidFill>
-                  <a:srgbClr val="000000"/>
-                </a:solidFill>
-                <a:latin typeface="Times New Roman"/>
-                <a:ea typeface="Arial"/>
-              </a:rPr>
-              <a:t> </a:t>
-            </a:r>
-            <a:r>
-              <a:rPr b="0" lang="en-IN" sz="1200" spc="-1" strike="noStrike">
+              <a:rPr b="0" lang="en-IN" sz="1000" spc="-1" strike="noStrike">
                 <a:solidFill>
                   <a:srgbClr val="000000"/>
                 </a:solidFill>
                 <a:latin typeface="Roboto"/>
                 <a:ea typeface="Noto Sans CJK SC"/>
               </a:rPr>
-              <a:t>Enhance customer engagement platforms and personalized services.</a:t>
-            </a:r>
-            <a:endParaRPr b="0" lang="en-IN" sz="1200" spc="-1" strike="noStrike">
-              <a:solidFill>
-                <a:srgbClr val="000000"/>
-              </a:solidFill>
-              <a:latin typeface="Arial"/>
-              <a:ea typeface="Noto Sans CJK SC"/>
-            </a:endParaRPr>
-          </a:p>
-          <a:p>
-            <a:pPr>
+              <a:t>Modular insurance plans with mix-and-match coverage options</a:t>
+            </a:r>
+            <a:endParaRPr b="0" lang="en-IN" sz="1000" spc="-1" strike="noStrike">
+              <a:solidFill>
+                <a:srgbClr val="000000"/>
+              </a:solidFill>
+              <a:latin typeface="Arial"/>
+            </a:endParaRPr>
+          </a:p>
+          <a:p>
+            <a:pPr marL="432000" indent="-324000">
               <a:lnSpc>
                 <a:spcPct val="150000"/>
               </a:lnSpc>
+              <a:buClr>
+                <a:srgbClr val="000000"/>
+              </a:buClr>
+              <a:buFont typeface="Arial"/>
+              <a:buChar char=""/>
               <a:tabLst>
                 <a:tab algn="l" pos="0"/>
               </a:tabLst>
             </a:pPr>
-            <a:endParaRPr b="0" lang="en-IN" sz="1200" spc="-1" strike="noStrike">
-              <a:solidFill>
-                <a:srgbClr val="000000"/>
-              </a:solidFill>
-              <a:latin typeface="Arial"/>
-              <a:ea typeface="Noto Sans CJK SC"/>
+            <a:r>
+              <a:rPr b="0" lang="en-IN" sz="1000" spc="-1" strike="noStrike">
+                <a:solidFill>
+                  <a:srgbClr val="000000"/>
+                </a:solidFill>
+                <a:latin typeface="Roboto"/>
+                <a:ea typeface="Noto Sans CJK SC"/>
+              </a:rPr>
+              <a:t>Loyalty-driven policies with increasing benefits over time</a:t>
+            </a:r>
+            <a:endParaRPr b="0" lang="en-IN" sz="1000" spc="-1" strike="noStrike">
+              <a:solidFill>
+                <a:srgbClr val="000000"/>
+              </a:solidFill>
+              <a:latin typeface="Arial"/>
             </a:endParaRPr>
           </a:p>
           <a:p>
@@ -8063,26 +8833,650 @@
                 <a:tab algn="l" pos="0"/>
               </a:tabLst>
             </a:pPr>
-            <a:endParaRPr b="0" lang="en-IN" sz="1200" spc="-1" strike="noStrike">
-              <a:solidFill>
-                <a:srgbClr val="000000"/>
-              </a:solidFill>
-              <a:latin typeface="Arial"/>
-              <a:ea typeface="Noto Sans CJK SC"/>
+            <a:r>
+              <a:rPr b="1" lang="en-IN" sz="1300" spc="-1" strike="noStrike">
+                <a:solidFill>
+                  <a:srgbClr val="000000"/>
+                </a:solidFill>
+                <a:latin typeface="Roboto Condensed"/>
+                <a:ea typeface="Noto Sans CJK SC"/>
+              </a:rPr>
+              <a:t> </a:t>
+            </a:r>
+            <a:r>
+              <a:rPr b="1" lang="en-IN" sz="1300" spc="-1" strike="noStrike">
+                <a:solidFill>
+                  <a:srgbClr val="000000"/>
+                </a:solidFill>
+                <a:latin typeface="Roboto Condensed"/>
+                <a:ea typeface="Noto Sans CJK SC"/>
+              </a:rPr>
+              <a:t>Cross-Selling Opportunities:</a:t>
+            </a:r>
+            <a:endParaRPr b="0" lang="en-IN" sz="1300" spc="-1" strike="noStrike">
+              <a:solidFill>
+                <a:srgbClr val="000000"/>
+              </a:solidFill>
+              <a:latin typeface="Arial"/>
+            </a:endParaRPr>
+          </a:p>
+          <a:p>
+            <a:pPr marL="432000" indent="-324000">
+              <a:lnSpc>
+                <a:spcPct val="150000"/>
+              </a:lnSpc>
+              <a:buClr>
+                <a:srgbClr val="000000"/>
+              </a:buClr>
+              <a:buFont typeface="Arial"/>
+              <a:buChar char=""/>
+              <a:tabLst>
+                <a:tab algn="l" pos="0"/>
+              </a:tabLst>
+            </a:pPr>
+            <a:r>
+              <a:rPr b="0" lang="en-IN" sz="1000" spc="-1" strike="noStrike">
+                <a:solidFill>
+                  <a:srgbClr val="000000"/>
+                </a:solidFill>
+                <a:latin typeface="Roboto"/>
+                <a:ea typeface="Noto Sans CJK SC"/>
+              </a:rPr>
+              <a:t>Multi-policy discounts for home and auto bundles</a:t>
+            </a:r>
+            <a:endParaRPr b="0" lang="en-IN" sz="1000" spc="-1" strike="noStrike">
+              <a:solidFill>
+                <a:srgbClr val="000000"/>
+              </a:solidFill>
+              <a:latin typeface="Arial"/>
+            </a:endParaRPr>
+          </a:p>
+          <a:p>
+            <a:pPr marL="432000" indent="-324000">
+              <a:lnSpc>
+                <a:spcPct val="150000"/>
+              </a:lnSpc>
+              <a:buClr>
+                <a:srgbClr val="000000"/>
+              </a:buClr>
+              <a:buFont typeface="Arial"/>
+              <a:buChar char=""/>
+              <a:tabLst>
+                <a:tab algn="l" pos="0"/>
+              </a:tabLst>
+            </a:pPr>
+            <a:r>
+              <a:rPr b="0" lang="en-IN" sz="1000" spc="-1" strike="noStrike">
+                <a:solidFill>
+                  <a:srgbClr val="000000"/>
+                </a:solidFill>
+                <a:latin typeface="Roboto"/>
+                <a:ea typeface="Noto Sans CJK SC"/>
+              </a:rPr>
+              <a:t>Life insurance with flexible terms and coverage</a:t>
+            </a:r>
+            <a:endParaRPr b="0" lang="en-IN" sz="1000" spc="-1" strike="noStrike">
+              <a:solidFill>
+                <a:srgbClr val="000000"/>
+              </a:solidFill>
+              <a:latin typeface="Arial"/>
+            </a:endParaRPr>
+          </a:p>
+          <a:p>
+            <a:pPr>
+              <a:lnSpc>
+                <a:spcPct val="150000"/>
+              </a:lnSpc>
+              <a:tabLst>
+                <a:tab algn="l" pos="0"/>
+              </a:tabLst>
+            </a:pPr>
+            <a:r>
+              <a:rPr b="1" lang="en-IN" sz="1600" spc="-1" strike="noStrike">
+                <a:solidFill>
+                  <a:srgbClr val="000000"/>
+                </a:solidFill>
+                <a:latin typeface="Roboto Condensed"/>
+                <a:ea typeface="Noto Sans CJK SC"/>
+              </a:rPr>
+              <a:t> </a:t>
+            </a:r>
+            <a:endParaRPr b="0" lang="en-IN" sz="1600" spc="-1" strike="noStrike">
+              <a:solidFill>
+                <a:srgbClr val="000000"/>
+              </a:solidFill>
+              <a:latin typeface="Arial"/>
             </a:endParaRPr>
           </a:p>
         </p:txBody>
       </p:sp>
       <p:sp>
         <p:nvSpPr>
-          <p:cNvPr id="147" name=""/>
+          <p:cNvPr id="166" name="PlaceHolder 16"/>
+          <p:cNvSpPr/>
+          <p:nvPr/>
+        </p:nvSpPr>
+        <p:spPr>
+          <a:xfrm>
+            <a:off x="6588000" y="65160"/>
+            <a:ext cx="3203280" cy="539280"/>
+          </a:xfrm>
+          <a:prstGeom prst="rect">
+            <a:avLst/>
+          </a:prstGeom>
+          <a:noFill/>
+          <a:ln w="0">
+            <a:noFill/>
+          </a:ln>
+        </p:spPr>
+        <p:style>
+          <a:lnRef idx="0"/>
+          <a:fillRef idx="0"/>
+          <a:effectRef idx="0"/>
+          <a:fontRef idx="minor"/>
+        </p:style>
+        <p:txBody>
+          <a:bodyPr lIns="0" rIns="0" tIns="0" bIns="0" anchor="ctr">
+            <a:noAutofit/>
+          </a:bodyPr>
+          <a:p>
+            <a:pPr algn="ctr">
+              <a:lnSpc>
+                <a:spcPct val="100000"/>
+              </a:lnSpc>
+              <a:tabLst>
+                <a:tab algn="l" pos="0"/>
+              </a:tabLst>
+            </a:pPr>
+            <a:r>
+              <a:rPr b="1" lang="en-IN" sz="1800" spc="-1" strike="noStrike">
+                <a:solidFill>
+                  <a:srgbClr val="ffffff"/>
+                </a:solidFill>
+                <a:latin typeface="Roboto Condensed"/>
+                <a:ea typeface="DejaVu Sans"/>
+              </a:rPr>
+              <a:t>   </a:t>
+            </a:r>
+            <a:r>
+              <a:rPr b="1" lang="en-IN" sz="1800" spc="-1" strike="noStrike">
+                <a:solidFill>
+                  <a:srgbClr val="ffffff"/>
+                </a:solidFill>
+                <a:latin typeface="Roboto Condensed"/>
+                <a:ea typeface="DejaVu Sans"/>
+              </a:rPr>
+              <a:t>Implementation Roadmap</a:t>
+            </a:r>
+            <a:endParaRPr b="1" lang="en-IN" sz="1800" spc="-1" strike="noStrike">
+              <a:solidFill>
+                <a:srgbClr val="ffffff"/>
+              </a:solidFill>
+              <a:latin typeface="Arial"/>
+            </a:endParaRPr>
+          </a:p>
+        </p:txBody>
+      </p:sp>
+      <p:sp>
+        <p:nvSpPr>
+          <p:cNvPr id="167" name="PlaceHolder 17"/>
+          <p:cNvSpPr/>
+          <p:nvPr/>
+        </p:nvSpPr>
+        <p:spPr>
+          <a:xfrm>
+            <a:off x="3600000" y="144000"/>
+            <a:ext cx="2879280" cy="395280"/>
+          </a:xfrm>
+          <a:prstGeom prst="rect">
+            <a:avLst/>
+          </a:prstGeom>
+          <a:noFill/>
+          <a:ln w="0">
+            <a:noFill/>
+          </a:ln>
+        </p:spPr>
+        <p:style>
+          <a:lnRef idx="0"/>
+          <a:fillRef idx="0"/>
+          <a:effectRef idx="0"/>
+          <a:fontRef idx="minor"/>
+        </p:style>
+        <p:txBody>
+          <a:bodyPr lIns="0" rIns="0" tIns="0" bIns="0" anchor="t">
+            <a:noAutofit/>
+          </a:bodyPr>
+          <a:p>
+            <a:pPr algn="ctr">
+              <a:lnSpc>
+                <a:spcPct val="100000"/>
+              </a:lnSpc>
+              <a:tabLst>
+                <a:tab algn="l" pos="0"/>
+              </a:tabLst>
+            </a:pPr>
+            <a:r>
+              <a:rPr b="1" lang="en-IN" sz="1800" spc="-1" strike="noStrike">
+                <a:solidFill>
+                  <a:srgbClr val="ffffff"/>
+                </a:solidFill>
+                <a:latin typeface="Roboto Condensed"/>
+                <a:ea typeface="DejaVu Sans"/>
+              </a:rPr>
+              <a:t>Business Implications</a:t>
+            </a:r>
+            <a:endParaRPr b="1" lang="en-IN" sz="1800" spc="-1" strike="noStrike">
+              <a:solidFill>
+                <a:srgbClr val="ffffff"/>
+              </a:solidFill>
+              <a:latin typeface="Arial"/>
+            </a:endParaRPr>
+          </a:p>
+        </p:txBody>
+      </p:sp>
+      <p:sp>
+        <p:nvSpPr>
+          <p:cNvPr id="168" name="PlaceHolder 18"/>
+          <p:cNvSpPr/>
+          <p:nvPr/>
+        </p:nvSpPr>
+        <p:spPr>
+          <a:xfrm>
+            <a:off x="360000" y="36000"/>
+            <a:ext cx="2879280" cy="539280"/>
+          </a:xfrm>
+          <a:prstGeom prst="rect">
+            <a:avLst/>
+          </a:prstGeom>
+          <a:noFill/>
+          <a:ln w="0">
+            <a:noFill/>
+          </a:ln>
+        </p:spPr>
+        <p:style>
+          <a:lnRef idx="0"/>
+          <a:fillRef idx="0"/>
+          <a:effectRef idx="0"/>
+          <a:fontRef idx="minor"/>
+        </p:style>
+        <p:txBody>
+          <a:bodyPr lIns="0" rIns="0" tIns="0" bIns="0" anchor="ctr">
+            <a:noAutofit/>
+          </a:bodyPr>
+          <a:p>
+            <a:pPr algn="ctr">
+              <a:lnSpc>
+                <a:spcPct val="100000"/>
+              </a:lnSpc>
+              <a:spcBef>
+                <a:spcPts val="1191"/>
+              </a:spcBef>
+              <a:spcAft>
+                <a:spcPts val="992"/>
+              </a:spcAft>
+              <a:tabLst>
+                <a:tab algn="l" pos="0"/>
+              </a:tabLst>
+            </a:pPr>
+            <a:r>
+              <a:rPr b="1" lang="en-IN" sz="1800" spc="-1" strike="noStrike">
+                <a:solidFill>
+                  <a:srgbClr val="ffffff"/>
+                </a:solidFill>
+                <a:latin typeface="Roboto Condensed"/>
+                <a:ea typeface="DejaVu Sans"/>
+              </a:rPr>
+              <a:t>Customer Characteristics</a:t>
+            </a:r>
+            <a:endParaRPr b="1" lang="en-IN" sz="1800" spc="-1" strike="noStrike">
+              <a:solidFill>
+                <a:srgbClr val="ffffff"/>
+              </a:solidFill>
+              <a:latin typeface="Arial"/>
+            </a:endParaRPr>
+          </a:p>
+        </p:txBody>
+      </p:sp>
+      <p:sp useBgFill="1">
+        <p:nvSpPr>
+          <p:cNvPr id="169" name="PlaceHolder 19"/>
+          <p:cNvSpPr/>
+          <p:nvPr/>
+        </p:nvSpPr>
+        <p:spPr>
+          <a:xfrm>
+            <a:off x="6885000" y="1260000"/>
+            <a:ext cx="2878920" cy="3240000"/>
+          </a:xfrm>
+          <a:prstGeom prst="rect">
+            <a:avLst/>
+          </a:prstGeom>
+          <a:solidFill>
+            <a:srgbClr val="f5ddd9">
+              <a:alpha val="92000"/>
+            </a:srgbClr>
+          </a:solidFill>
+          <a:ln cap="rnd" w="29160">
+            <a:solidFill>
+              <a:srgbClr val="622502">
+                <a:alpha val="90000"/>
+              </a:srgbClr>
+            </a:solidFill>
+            <a:bevel/>
+          </a:ln>
+        </p:spPr>
+        <p:style>
+          <a:lnRef idx="0"/>
+          <a:fillRef idx="0"/>
+          <a:effectRef idx="0"/>
+          <a:fontRef idx="minor"/>
+        </p:style>
+        <p:txBody>
+          <a:bodyPr numCol="1" spcCol="0" lIns="14760" rIns="14760" tIns="14760" bIns="14760" anchor="t">
+            <a:normAutofit/>
+          </a:bodyPr>
+          <a:p>
+            <a:pPr>
+              <a:lnSpc>
+                <a:spcPct val="100000"/>
+              </a:lnSpc>
+              <a:tabLst>
+                <a:tab algn="l" pos="0"/>
+              </a:tabLst>
+            </a:pPr>
+            <a:r>
+              <a:rPr b="1" lang="en-IN" sz="1300" spc="-1" strike="noStrike">
+                <a:solidFill>
+                  <a:srgbClr val="000000"/>
+                </a:solidFill>
+                <a:latin typeface="Roboto Condensed"/>
+                <a:ea typeface="Noto Sans CJK SC"/>
+              </a:rPr>
+              <a:t> </a:t>
+            </a:r>
+            <a:r>
+              <a:rPr b="1" lang="en-IN" sz="1300" spc="-1" strike="noStrike">
+                <a:solidFill>
+                  <a:srgbClr val="000000"/>
+                </a:solidFill>
+                <a:latin typeface="Roboto Condensed"/>
+                <a:ea typeface="Noto Sans CJK SC"/>
+              </a:rPr>
+              <a:t>Customer Engagement Strategies:</a:t>
+            </a:r>
+            <a:endParaRPr b="0" lang="en-IN" sz="1300" spc="-1" strike="noStrike">
+              <a:solidFill>
+                <a:srgbClr val="000000"/>
+              </a:solidFill>
+              <a:latin typeface="Arial"/>
+            </a:endParaRPr>
+          </a:p>
+          <a:p>
+            <a:pPr marL="432000" indent="-324000">
+              <a:lnSpc>
+                <a:spcPct val="150000"/>
+              </a:lnSpc>
+              <a:buClr>
+                <a:srgbClr val="000000"/>
+              </a:buClr>
+              <a:buFont typeface="Arial"/>
+              <a:buChar char=""/>
+              <a:tabLst>
+                <a:tab algn="l" pos="0"/>
+              </a:tabLst>
+            </a:pPr>
+            <a:r>
+              <a:rPr b="0" lang="en-IN" sz="1000" spc="-1" strike="noStrike">
+                <a:solidFill>
+                  <a:srgbClr val="000000"/>
+                </a:solidFill>
+                <a:latin typeface="Roboto"/>
+                <a:ea typeface="Noto Sans CJK SC"/>
+              </a:rPr>
+              <a:t>Omnichannel communication with option for traditional or digital interaction</a:t>
+            </a:r>
+            <a:endParaRPr b="0" lang="en-IN" sz="1000" spc="-1" strike="noStrike">
+              <a:solidFill>
+                <a:srgbClr val="000000"/>
+              </a:solidFill>
+              <a:latin typeface="Arial"/>
+            </a:endParaRPr>
+          </a:p>
+          <a:p>
+            <a:pPr marL="432000" indent="-324000">
+              <a:lnSpc>
+                <a:spcPct val="150000"/>
+              </a:lnSpc>
+              <a:buClr>
+                <a:srgbClr val="000000"/>
+              </a:buClr>
+              <a:buFont typeface="Arial"/>
+              <a:buChar char=""/>
+              <a:tabLst>
+                <a:tab algn="l" pos="0"/>
+              </a:tabLst>
+            </a:pPr>
+            <a:r>
+              <a:rPr b="0" lang="en-IN" sz="1000" spc="-1" strike="noStrike">
+                <a:solidFill>
+                  <a:srgbClr val="000000"/>
+                </a:solidFill>
+                <a:latin typeface="Roboto"/>
+                <a:ea typeface="Noto Sans CJK SC"/>
+              </a:rPr>
+              <a:t>Community-based initiatives promoting safe neighborhoods and driving habits</a:t>
+            </a:r>
+            <a:endParaRPr b="0" lang="en-IN" sz="1000" spc="-1" strike="noStrike">
+              <a:solidFill>
+                <a:srgbClr val="000000"/>
+              </a:solidFill>
+              <a:latin typeface="Arial"/>
+            </a:endParaRPr>
+          </a:p>
+          <a:p>
+            <a:pPr>
+              <a:lnSpc>
+                <a:spcPct val="150000"/>
+              </a:lnSpc>
+              <a:tabLst>
+                <a:tab algn="l" pos="0"/>
+              </a:tabLst>
+            </a:pPr>
+            <a:r>
+              <a:rPr b="1" lang="en-IN" sz="1300" spc="-1" strike="noStrike">
+                <a:solidFill>
+                  <a:srgbClr val="000000"/>
+                </a:solidFill>
+                <a:latin typeface="Roboto Condensed"/>
+                <a:ea typeface="DejaVu Sans"/>
+              </a:rPr>
+              <a:t> </a:t>
+            </a:r>
+            <a:r>
+              <a:rPr b="1" lang="en-IN" sz="1300" spc="-1" strike="noStrike">
+                <a:solidFill>
+                  <a:srgbClr val="000000"/>
+                </a:solidFill>
+                <a:latin typeface="Roboto Condensed"/>
+                <a:ea typeface="DejaVu Sans"/>
+              </a:rPr>
+              <a:t>Roadmap:</a:t>
+            </a:r>
+            <a:endParaRPr b="0" lang="en-IN" sz="1300" spc="-1" strike="noStrike">
+              <a:solidFill>
+                <a:srgbClr val="000000"/>
+              </a:solidFill>
+              <a:latin typeface="Arial"/>
+            </a:endParaRPr>
+          </a:p>
+          <a:p>
+            <a:pPr marL="378000" indent="-270000">
+              <a:lnSpc>
+                <a:spcPct val="150000"/>
+              </a:lnSpc>
+              <a:buClr>
+                <a:srgbClr val="000000"/>
+              </a:buClr>
+              <a:buFont typeface="Arial"/>
+              <a:buChar char=""/>
+              <a:tabLst>
+                <a:tab algn="l" pos="0"/>
+              </a:tabLst>
+            </a:pPr>
+            <a:r>
+              <a:rPr b="0" lang="en-IN" sz="1000" spc="-1" strike="noStrike">
+                <a:solidFill>
+                  <a:srgbClr val="000000"/>
+                </a:solidFill>
+                <a:latin typeface="Roboto"/>
+                <a:ea typeface="Noto Sans CJK SC"/>
+              </a:rPr>
+              <a:t>Refine marketing messages  and channels based on the customer segment and implications</a:t>
+            </a:r>
+            <a:endParaRPr b="0" lang="en-IN" sz="1000" spc="-1" strike="noStrike">
+              <a:solidFill>
+                <a:srgbClr val="000000"/>
+              </a:solidFill>
+              <a:latin typeface="Arial"/>
+            </a:endParaRPr>
+          </a:p>
+          <a:p>
+            <a:pPr marL="378000" indent="-270000">
+              <a:lnSpc>
+                <a:spcPct val="150000"/>
+              </a:lnSpc>
+              <a:buClr>
+                <a:srgbClr val="000000"/>
+              </a:buClr>
+              <a:buFont typeface="Arial"/>
+              <a:buChar char=""/>
+              <a:tabLst>
+                <a:tab algn="l" pos="0"/>
+              </a:tabLst>
+            </a:pPr>
+            <a:r>
+              <a:rPr b="0" lang="en-IN" sz="1000" spc="-1" strike="noStrike">
+                <a:solidFill>
+                  <a:srgbClr val="000000"/>
+                </a:solidFill>
+                <a:latin typeface="Roboto"/>
+                <a:ea typeface="Noto Sans CJK SC"/>
+              </a:rPr>
+              <a:t>Develop and launch tailored products</a:t>
+            </a:r>
+            <a:endParaRPr b="0" lang="en-IN" sz="1000" spc="-1" strike="noStrike">
+              <a:solidFill>
+                <a:srgbClr val="000000"/>
+              </a:solidFill>
+              <a:latin typeface="Arial"/>
+            </a:endParaRPr>
+          </a:p>
+          <a:p>
+            <a:pPr marL="378000" indent="-270000">
+              <a:lnSpc>
+                <a:spcPct val="150000"/>
+              </a:lnSpc>
+              <a:buClr>
+                <a:srgbClr val="000000"/>
+              </a:buClr>
+              <a:buFont typeface="Arial"/>
+              <a:buChar char=""/>
+              <a:tabLst>
+                <a:tab algn="l" pos="0"/>
+              </a:tabLst>
+            </a:pPr>
+            <a:r>
+              <a:rPr b="0" lang="en-IN" sz="1000" spc="-1" strike="noStrike">
+                <a:solidFill>
+                  <a:srgbClr val="000000"/>
+                </a:solidFill>
+                <a:latin typeface="Roboto"/>
+                <a:ea typeface="Noto Sans CJK SC"/>
+              </a:rPr>
+              <a:t>Implement cross-selling strategies and loyalty programs.</a:t>
+            </a:r>
+            <a:endParaRPr b="0" lang="en-IN" sz="1000" spc="-1" strike="noStrike">
+              <a:solidFill>
+                <a:srgbClr val="000000"/>
+              </a:solidFill>
+              <a:latin typeface="Arial"/>
+            </a:endParaRPr>
+          </a:p>
+          <a:p>
+            <a:pPr marL="378000" indent="-270000">
+              <a:lnSpc>
+                <a:spcPct val="150000"/>
+              </a:lnSpc>
+              <a:buClr>
+                <a:srgbClr val="000000"/>
+              </a:buClr>
+              <a:buFont typeface="Arial"/>
+              <a:buChar char=""/>
+              <a:tabLst>
+                <a:tab algn="l" pos="0"/>
+              </a:tabLst>
+            </a:pPr>
+            <a:r>
+              <a:rPr b="0" lang="en-IN" sz="1000" spc="-1" strike="noStrike">
+                <a:solidFill>
+                  <a:srgbClr val="000000"/>
+                </a:solidFill>
+                <a:latin typeface="Roboto"/>
+                <a:ea typeface="Noto Sans CJK SC"/>
+              </a:rPr>
+              <a:t>Enhance customer engagement platforms and personalized services.</a:t>
+            </a:r>
+            <a:endParaRPr b="0" lang="en-IN" sz="1000" spc="-1" strike="noStrike">
+              <a:solidFill>
+                <a:srgbClr val="000000"/>
+              </a:solidFill>
+              <a:latin typeface="Arial"/>
+            </a:endParaRPr>
+          </a:p>
+          <a:p>
+            <a:pPr>
+              <a:lnSpc>
+                <a:spcPct val="150000"/>
+              </a:lnSpc>
+              <a:tabLst>
+                <a:tab algn="l" pos="0"/>
+              </a:tabLst>
+            </a:pPr>
+            <a:endParaRPr b="0" lang="en-IN" sz="1800" spc="-1" strike="noStrike">
+              <a:solidFill>
+                <a:srgbClr val="000000"/>
+              </a:solidFill>
+              <a:latin typeface="Arial"/>
+            </a:endParaRPr>
+          </a:p>
+          <a:p>
+            <a:pPr>
+              <a:lnSpc>
+                <a:spcPct val="150000"/>
+              </a:lnSpc>
+              <a:tabLst>
+                <a:tab algn="l" pos="0"/>
+              </a:tabLst>
+            </a:pPr>
+            <a:endParaRPr b="0" lang="en-IN" sz="1200" spc="-1" strike="noStrike">
+              <a:solidFill>
+                <a:srgbClr val="000000"/>
+              </a:solidFill>
+              <a:latin typeface="Arial"/>
+            </a:endParaRPr>
+          </a:p>
+        </p:txBody>
+      </p:sp>
+      <p:sp>
+        <p:nvSpPr>
+          <p:cNvPr id="170" name=""/>
           <p:cNvSpPr/>
           <p:nvPr/>
         </p:nvSpPr>
         <p:spPr>
           <a:xfrm>
             <a:off x="3348000" y="756000"/>
-            <a:ext cx="140040" cy="4568040"/>
+            <a:ext cx="139680" cy="4567680"/>
           </a:xfrm>
           <a:prstGeom prst="rect">
             <a:avLst/>
@@ -8115,11 +9509,6 @@
             <a:noAutofit/>
           </a:bodyPr>
           <a:p>
-            <a:pPr>
-              <a:lnSpc>
-                <a:spcPct val="100000"/>
-              </a:lnSpc>
-            </a:pPr>
             <a:endParaRPr b="1" lang="en-IN" sz="1400" spc="-1" strike="noStrike">
               <a:solidFill>
                 <a:srgbClr val="ffffff"/>
@@ -8135,14 +9524,14 @@
       </p:sp>
       <p:sp>
         <p:nvSpPr>
-          <p:cNvPr id="148" name=""/>
+          <p:cNvPr id="171" name=""/>
           <p:cNvSpPr/>
           <p:nvPr/>
         </p:nvSpPr>
         <p:spPr>
           <a:xfrm>
             <a:off x="6591600" y="756000"/>
-            <a:ext cx="140040" cy="4568040"/>
+            <a:ext cx="139680" cy="4567680"/>
           </a:xfrm>
           <a:prstGeom prst="rect">
             <a:avLst/>
@@ -8175,11 +9564,6 @@
             <a:noAutofit/>
           </a:bodyPr>
           <a:p>
-            <a:pPr>
-              <a:lnSpc>
-                <a:spcPct val="100000"/>
-              </a:lnSpc>
-            </a:pPr>
             <a:endParaRPr b="1" lang="en-IN" sz="1400" spc="-1" strike="noStrike">
               <a:solidFill>
                 <a:srgbClr val="ffffff"/>
@@ -8193,719 +9577,144 @@
           </a:p>
         </p:txBody>
       </p:sp>
-      <p:sp>
-        <p:nvSpPr>
-          <p:cNvPr id="149" name="PlaceHolder 23"/>
-          <p:cNvSpPr/>
+      <p:pic>
+        <p:nvPicPr>
+          <p:cNvPr id="172" name="" descr=""/>
+          <p:cNvPicPr/>
           <p:nvPr/>
-        </p:nvSpPr>
+        </p:nvPicPr>
+        <p:blipFill>
+          <a:blip r:embed="rId4"/>
+          <a:stretch/>
+        </p:blipFill>
         <p:spPr>
           <a:xfrm>
-            <a:off x="359640" y="1152000"/>
-            <a:ext cx="2877480" cy="3671640"/>
+            <a:off x="3518640" y="108000"/>
+            <a:ext cx="549360" cy="393480"/>
           </a:xfrm>
           <a:prstGeom prst="rect">
             <a:avLst/>
           </a:prstGeom>
-          <a:solidFill>
-            <a:srgbClr val="f5ddd9">
-              <a:alpha val="92000"/>
-            </a:srgbClr>
-          </a:solidFill>
-          <a:ln cap="rnd" w="29160">
-            <a:solidFill>
-              <a:srgbClr val="622502">
-                <a:alpha val="90000"/>
-              </a:srgbClr>
-            </a:solidFill>
-            <a:bevel/>
+          <a:ln w="0">
+            <a:noFill/>
           </a:ln>
         </p:spPr>
-        <p:style>
-          <a:lnRef idx="0"/>
-          <a:fillRef idx="0"/>
-          <a:effectRef idx="0"/>
-          <a:fontRef idx="minor"/>
-        </p:style>
-        <p:txBody>
-          <a:bodyPr numCol="1" spcCol="0" lIns="14400" rIns="14400" tIns="14400" bIns="14400" anchor="t">
-            <a:normAutofit/>
-          </a:bodyPr>
-          <a:p>
-            <a:pPr>
-              <a:lnSpc>
-                <a:spcPct val="150000"/>
-              </a:lnSpc>
-              <a:spcBef>
-                <a:spcPts val="283"/>
-              </a:spcBef>
-              <a:tabLst>
-                <a:tab algn="l" pos="0"/>
-              </a:tabLst>
-            </a:pPr>
-            <a:r>
-              <a:rPr b="1" lang="en-IN" sz="1600" spc="-1" strike="noStrike" u="sng">
-                <a:solidFill>
-                  <a:srgbClr val="000000"/>
-                </a:solidFill>
-                <a:uFillTx/>
-                <a:latin typeface="Roboto Condensed"/>
-                <a:ea typeface="DejaVu Sans"/>
-              </a:rPr>
-              <a:t>Balanced Risk Group:</a:t>
-            </a:r>
-            <a:endParaRPr b="0" lang="en-IN" sz="1600" spc="-1" strike="noStrike">
-              <a:solidFill>
-                <a:srgbClr val="000000"/>
-              </a:solidFill>
-              <a:latin typeface="Arial"/>
-              <a:ea typeface="Noto Sans CJK SC"/>
-            </a:endParaRPr>
-          </a:p>
-          <a:p>
-            <a:pPr>
-              <a:lnSpc>
-                <a:spcPct val="150000"/>
-              </a:lnSpc>
-              <a:tabLst>
-                <a:tab algn="l" pos="0"/>
-              </a:tabLst>
-            </a:pPr>
-            <a:r>
-              <a:rPr b="0" lang="en-IN" sz="1200" spc="-1" strike="noStrike">
-                <a:solidFill>
-                  <a:srgbClr val="000000"/>
-                </a:solidFill>
-                <a:latin typeface="Roboto"/>
-                <a:ea typeface="Noto Sans CJK SC"/>
-              </a:rPr>
-              <a:t>             </a:t>
-            </a:r>
-            <a:r>
-              <a:rPr b="0" lang="en-IN" sz="1200" spc="-1" strike="noStrike">
-                <a:solidFill>
-                  <a:srgbClr val="000000"/>
-                </a:solidFill>
-                <a:latin typeface="Roboto"/>
-                <a:ea typeface="Noto Sans CJK SC"/>
-              </a:rPr>
-              <a:t>This cluster represents a balanced group with moderate risk and claim amounts. They might be interested in customizable coverage options and loyalty programs.</a:t>
-            </a:r>
-            <a:endParaRPr b="0" lang="en-IN" sz="1200" spc="-1" strike="noStrike">
-              <a:solidFill>
-                <a:srgbClr val="000000"/>
-              </a:solidFill>
-              <a:latin typeface="Arial"/>
-              <a:ea typeface="Noto Sans CJK SC"/>
-            </a:endParaRPr>
-          </a:p>
-          <a:p>
-            <a:pPr marL="432000" indent="-324000">
-              <a:lnSpc>
-                <a:spcPct val="150000"/>
-              </a:lnSpc>
-              <a:spcBef>
-                <a:spcPts val="283"/>
-              </a:spcBef>
-              <a:buClr>
-                <a:srgbClr val="000000"/>
-              </a:buClr>
-              <a:buFont typeface="Arial"/>
-              <a:buChar char=""/>
-              <a:tabLst>
-                <a:tab algn="l" pos="0"/>
-              </a:tabLst>
-            </a:pPr>
-            <a:r>
-              <a:rPr b="0" lang="en-IN" sz="1200" spc="-1" strike="noStrike">
-                <a:solidFill>
-                  <a:srgbClr val="000000"/>
-                </a:solidFill>
-                <a:latin typeface="Roboto"/>
-                <a:ea typeface="Noto Sans CJK SC"/>
-              </a:rPr>
-              <a:t>Oldest average age</a:t>
-            </a:r>
-            <a:endParaRPr b="0" lang="en-IN" sz="1200" spc="-1" strike="noStrike">
-              <a:solidFill>
-                <a:srgbClr val="000000"/>
-              </a:solidFill>
-              <a:latin typeface="Arial"/>
-              <a:ea typeface="Noto Sans CJK SC"/>
-            </a:endParaRPr>
-          </a:p>
-          <a:p>
-            <a:pPr marL="432000" indent="-324000">
-              <a:lnSpc>
-                <a:spcPct val="150000"/>
-              </a:lnSpc>
-              <a:spcBef>
-                <a:spcPts val="283"/>
-              </a:spcBef>
-              <a:buClr>
-                <a:srgbClr val="000000"/>
-              </a:buClr>
-              <a:buFont typeface="Arial"/>
-              <a:buChar char=""/>
-              <a:tabLst>
-                <a:tab algn="l" pos="0"/>
-              </a:tabLst>
-            </a:pPr>
-            <a:r>
-              <a:rPr b="0" lang="en-IN" sz="1200" spc="-1" strike="noStrike">
-                <a:solidFill>
-                  <a:srgbClr val="000000"/>
-                </a:solidFill>
-                <a:latin typeface="Roboto"/>
-                <a:ea typeface="Noto Sans CJK SC"/>
-              </a:rPr>
-              <a:t>Lowest policy annual premium</a:t>
-            </a:r>
-            <a:endParaRPr b="0" lang="en-IN" sz="1200" spc="-1" strike="noStrike">
-              <a:solidFill>
-                <a:srgbClr val="000000"/>
-              </a:solidFill>
-              <a:latin typeface="Arial"/>
-              <a:ea typeface="Noto Sans CJK SC"/>
-            </a:endParaRPr>
-          </a:p>
-          <a:p>
-            <a:pPr marL="432000" indent="-324000">
-              <a:lnSpc>
-                <a:spcPct val="150000"/>
-              </a:lnSpc>
-              <a:spcBef>
-                <a:spcPts val="283"/>
-              </a:spcBef>
-              <a:buClr>
-                <a:srgbClr val="000000"/>
-              </a:buClr>
-              <a:buFont typeface="Arial"/>
-              <a:buChar char=""/>
-              <a:tabLst>
-                <a:tab algn="l" pos="0"/>
-              </a:tabLst>
-            </a:pPr>
-            <a:r>
-              <a:rPr b="0" lang="en-IN" sz="1200" spc="-1" strike="noStrike">
-                <a:solidFill>
-                  <a:srgbClr val="000000"/>
-                </a:solidFill>
-                <a:latin typeface="Roboto"/>
-                <a:ea typeface="Noto Sans CJK SC"/>
-              </a:rPr>
-              <a:t>Moderate total claim amount</a:t>
-            </a:r>
-            <a:endParaRPr b="0" lang="en-IN" sz="1200" spc="-1" strike="noStrike">
-              <a:solidFill>
-                <a:srgbClr val="000000"/>
-              </a:solidFill>
-              <a:latin typeface="Arial"/>
-              <a:ea typeface="Noto Sans CJK SC"/>
-            </a:endParaRPr>
-          </a:p>
-          <a:p>
-            <a:pPr marL="432000" indent="-324000">
-              <a:lnSpc>
-                <a:spcPct val="150000"/>
-              </a:lnSpc>
-              <a:spcBef>
-                <a:spcPts val="283"/>
-              </a:spcBef>
-              <a:buClr>
-                <a:srgbClr val="000000"/>
-              </a:buClr>
-              <a:buFont typeface="Arial"/>
-              <a:buChar char=""/>
-              <a:tabLst>
-                <a:tab algn="l" pos="0"/>
-              </a:tabLst>
-            </a:pPr>
-            <a:r>
-              <a:rPr b="0" lang="en-IN" sz="1200" spc="-1" strike="noStrike">
-                <a:solidFill>
-                  <a:srgbClr val="000000"/>
-                </a:solidFill>
-                <a:latin typeface="Roboto"/>
-                <a:ea typeface="Noto Sans CJK SC"/>
-              </a:rPr>
-              <a:t>Most incidents occur at 4 AM</a:t>
-            </a:r>
-            <a:endParaRPr b="0" lang="en-IN" sz="1200" spc="-1" strike="noStrike">
-              <a:solidFill>
-                <a:srgbClr val="000000"/>
-              </a:solidFill>
-              <a:latin typeface="Arial"/>
-              <a:ea typeface="Noto Sans CJK SC"/>
-            </a:endParaRPr>
-          </a:p>
-          <a:p>
-            <a:pPr marL="432000" indent="-324000">
-              <a:lnSpc>
-                <a:spcPct val="150000"/>
-              </a:lnSpc>
-              <a:spcBef>
-                <a:spcPts val="283"/>
-              </a:spcBef>
-              <a:buClr>
-                <a:srgbClr val="000000"/>
-              </a:buClr>
-              <a:buFont typeface="Arial"/>
-              <a:buChar char=""/>
-              <a:tabLst>
-                <a:tab algn="l" pos="0"/>
-              </a:tabLst>
-            </a:pPr>
-            <a:r>
-              <a:rPr b="0" lang="en-IN" sz="1200" spc="-1" strike="noStrike">
-                <a:solidFill>
-                  <a:srgbClr val="000000"/>
-                </a:solidFill>
-                <a:latin typeface="Roboto"/>
-                <a:ea typeface="Noto Sans CJK SC"/>
-              </a:rPr>
-              <a:t>Newest average vehicle age</a:t>
-            </a:r>
-            <a:endParaRPr b="0" lang="en-IN" sz="1200" spc="-1" strike="noStrike">
-              <a:solidFill>
-                <a:srgbClr val="000000"/>
-              </a:solidFill>
-              <a:latin typeface="Arial"/>
-              <a:ea typeface="Noto Sans CJK SC"/>
-            </a:endParaRPr>
-          </a:p>
-        </p:txBody>
-      </p:sp>
-      <p:sp>
-        <p:nvSpPr>
-          <p:cNvPr id="150" name="PlaceHolder 24"/>
-          <p:cNvSpPr/>
+      </p:pic>
+      <p:pic>
+        <p:nvPicPr>
+          <p:cNvPr id="173" name="" descr=""/>
+          <p:cNvPicPr/>
           <p:nvPr/>
-        </p:nvSpPr>
+        </p:nvPicPr>
+        <p:blipFill>
+          <a:blip r:embed="rId5"/>
+          <a:stretch/>
+        </p:blipFill>
         <p:spPr>
           <a:xfrm>
-            <a:off x="3600360" y="720000"/>
-            <a:ext cx="2879280" cy="4676040"/>
+            <a:off x="6002640" y="108360"/>
+            <a:ext cx="549360" cy="393480"/>
           </a:xfrm>
           <a:prstGeom prst="rect">
             <a:avLst/>
           </a:prstGeom>
-          <a:solidFill>
-            <a:srgbClr val="f5ddd9">
-              <a:alpha val="92000"/>
-            </a:srgbClr>
-          </a:solidFill>
-          <a:ln cap="rnd" w="29160">
-            <a:solidFill>
-              <a:srgbClr val="622502">
-                <a:alpha val="90000"/>
-              </a:srgbClr>
-            </a:solidFill>
-            <a:bevel/>
+          <a:ln w="0">
+            <a:noFill/>
           </a:ln>
         </p:spPr>
-        <p:style>
-          <a:lnRef idx="0"/>
-          <a:fillRef idx="0"/>
-          <a:effectRef idx="0"/>
-          <a:fontRef idx="minor"/>
-        </p:style>
-        <p:txBody>
-          <a:bodyPr numCol="1" spcCol="0" lIns="14400" rIns="14400" tIns="14400" bIns="14400" anchor="t">
-            <a:normAutofit fontScale="96666" lnSpcReduction="10000"/>
-          </a:bodyPr>
-          <a:p>
-            <a:pPr>
-              <a:lnSpc>
-                <a:spcPct val="150000"/>
-              </a:lnSpc>
-              <a:tabLst>
-                <a:tab algn="l" pos="0"/>
-              </a:tabLst>
-            </a:pPr>
-            <a:r>
-              <a:rPr b="1" lang="en-IN" sz="1200" spc="-1" strike="noStrike">
-                <a:solidFill>
-                  <a:srgbClr val="000000"/>
-                </a:solidFill>
-                <a:latin typeface="Roboto Condensed"/>
-              </a:rPr>
-              <a:t> </a:t>
-            </a:r>
-            <a:r>
-              <a:rPr b="1" lang="en-IN" sz="1200" spc="-1" strike="noStrike">
-                <a:solidFill>
-                  <a:srgbClr val="000000"/>
-                </a:solidFill>
-                <a:latin typeface="Roboto Condensed"/>
-              </a:rPr>
-              <a:t>Tailored Marketing Strategies:</a:t>
-            </a:r>
-            <a:endParaRPr b="0" lang="en-IN" sz="1200" spc="-1" strike="noStrike">
-              <a:solidFill>
-                <a:srgbClr val="000000"/>
-              </a:solidFill>
-              <a:latin typeface="Arial"/>
-            </a:endParaRPr>
-          </a:p>
-          <a:p>
-            <a:pPr marL="360000" indent="-216000">
-              <a:lnSpc>
-                <a:spcPct val="150000"/>
-              </a:lnSpc>
-              <a:buClr>
-                <a:srgbClr val="ffffff"/>
-              </a:buClr>
-              <a:buFont typeface="Symbol"/>
-              <a:buChar char=""/>
-              <a:tabLst>
-                <a:tab algn="l" pos="0"/>
-              </a:tabLst>
-            </a:pPr>
-            <a:r>
-              <a:rPr b="0" lang="en-IN" sz="1000" spc="-1" strike="noStrike">
-                <a:solidFill>
-                  <a:srgbClr val="000000"/>
-                </a:solidFill>
-                <a:latin typeface="Roboto"/>
-                <a:ea typeface="Noto Sans CJK SC"/>
-              </a:rPr>
-              <a:t>Promote balanced, customizable coverage at competiive rates</a:t>
-            </a:r>
-            <a:endParaRPr b="0" lang="en-IN" sz="1000" spc="-1" strike="noStrike">
-              <a:solidFill>
-                <a:srgbClr val="000000"/>
-              </a:solidFill>
-              <a:latin typeface="Arial"/>
-            </a:endParaRPr>
-          </a:p>
-          <a:p>
-            <a:pPr marL="360000" indent="-216000">
-              <a:lnSpc>
-                <a:spcPct val="150000"/>
-              </a:lnSpc>
-              <a:buClr>
-                <a:srgbClr val="ffffff"/>
-              </a:buClr>
-              <a:buFont typeface="Symbol"/>
-              <a:buChar char=""/>
-              <a:tabLst>
-                <a:tab algn="l" pos="0"/>
-              </a:tabLst>
-            </a:pPr>
-            <a:r>
-              <a:rPr b="0" lang="en-IN" sz="1000" spc="-1" strike="noStrike">
-                <a:solidFill>
-                  <a:srgbClr val="000000"/>
-                </a:solidFill>
-                <a:latin typeface="Roboto"/>
-                <a:ea typeface="Noto Sans CJK SC"/>
-              </a:rPr>
-              <a:t>Emphasize loyalty programs and safe driving incentive</a:t>
-            </a:r>
-            <a:endParaRPr b="0" lang="en-IN" sz="1000" spc="-1" strike="noStrike">
-              <a:solidFill>
-                <a:srgbClr val="000000"/>
-              </a:solidFill>
-              <a:latin typeface="Arial"/>
-            </a:endParaRPr>
-          </a:p>
-          <a:p>
-            <a:pPr>
-              <a:lnSpc>
-                <a:spcPct val="150000"/>
-              </a:lnSpc>
-              <a:tabLst>
-                <a:tab algn="l" pos="0"/>
-              </a:tabLst>
-            </a:pPr>
-            <a:r>
-              <a:rPr b="1" lang="en-IN" sz="1200" spc="-1" strike="noStrike">
-                <a:solidFill>
-                  <a:srgbClr val="000000"/>
-                </a:solidFill>
-                <a:latin typeface="Roboto Condensed"/>
-                <a:ea typeface="Noto Sans CJK SC"/>
-              </a:rPr>
-              <a:t> </a:t>
-            </a:r>
-            <a:r>
-              <a:rPr b="1" lang="en-IN" sz="1200" spc="-1" strike="noStrike">
-                <a:solidFill>
-                  <a:srgbClr val="000000"/>
-                </a:solidFill>
-                <a:latin typeface="Roboto Condensed"/>
-                <a:ea typeface="Noto Sans CJK SC"/>
-              </a:rPr>
-              <a:t>Product Development Recommendations</a:t>
-            </a:r>
-            <a:endParaRPr b="0" lang="en-IN" sz="1200" spc="-1" strike="noStrike">
-              <a:solidFill>
-                <a:srgbClr val="000000"/>
-              </a:solidFill>
-              <a:latin typeface="Arial"/>
-            </a:endParaRPr>
-          </a:p>
-          <a:p>
-            <a:pPr marL="360000" indent="-216000">
-              <a:lnSpc>
-                <a:spcPct val="150000"/>
-              </a:lnSpc>
-              <a:buClr>
-                <a:srgbClr val="ffffff"/>
-              </a:buClr>
-              <a:buFont typeface="Symbol"/>
-              <a:buChar char=""/>
-              <a:tabLst>
-                <a:tab algn="l" pos="0"/>
-              </a:tabLst>
-            </a:pPr>
-            <a:r>
-              <a:rPr b="0" lang="en-IN" sz="1000" spc="-1" strike="noStrike">
-                <a:solidFill>
-                  <a:srgbClr val="000000"/>
-                </a:solidFill>
-                <a:latin typeface="Roboto"/>
-                <a:ea typeface="Noto Sans CJK SC"/>
-              </a:rPr>
-              <a:t>Modular insurance plans with mix-and-match coverage options</a:t>
-            </a:r>
-            <a:endParaRPr b="0" lang="en-IN" sz="1000" spc="-1" strike="noStrike">
-              <a:solidFill>
-                <a:srgbClr val="000000"/>
-              </a:solidFill>
-              <a:latin typeface="Arial"/>
-            </a:endParaRPr>
-          </a:p>
-          <a:p>
-            <a:pPr marL="360000" indent="-216000">
-              <a:lnSpc>
-                <a:spcPct val="150000"/>
-              </a:lnSpc>
-              <a:buClr>
-                <a:srgbClr val="ffffff"/>
-              </a:buClr>
-              <a:buFont typeface="Symbol"/>
-              <a:buChar char=""/>
-              <a:tabLst>
-                <a:tab algn="l" pos="0"/>
-              </a:tabLst>
-            </a:pPr>
-            <a:r>
-              <a:rPr b="0" lang="en-IN" sz="1000" spc="-1" strike="noStrike">
-                <a:solidFill>
-                  <a:srgbClr val="000000"/>
-                </a:solidFill>
-                <a:latin typeface="Roboto"/>
-                <a:ea typeface="Noto Sans CJK SC"/>
-              </a:rPr>
-              <a:t>Loyalty-driven policies with increasing benefits over time</a:t>
-            </a:r>
-            <a:endParaRPr b="0" lang="en-IN" sz="1000" spc="-1" strike="noStrike">
-              <a:solidFill>
-                <a:srgbClr val="000000"/>
-              </a:solidFill>
-              <a:latin typeface="Arial"/>
-            </a:endParaRPr>
-          </a:p>
-          <a:p>
-            <a:pPr>
-              <a:lnSpc>
-                <a:spcPct val="150000"/>
-              </a:lnSpc>
-              <a:tabLst>
-                <a:tab algn="l" pos="0"/>
-              </a:tabLst>
-            </a:pPr>
-            <a:r>
-              <a:rPr b="1" lang="en-IN" sz="1200" spc="-1" strike="noStrike">
-                <a:solidFill>
-                  <a:srgbClr val="000000"/>
-                </a:solidFill>
-                <a:latin typeface="Roboto Condensed"/>
-                <a:ea typeface="Noto Sans CJK SC"/>
-              </a:rPr>
-              <a:t> </a:t>
-            </a:r>
-            <a:r>
-              <a:rPr b="1" lang="en-IN" sz="1200" spc="-1" strike="noStrike">
-                <a:solidFill>
-                  <a:srgbClr val="000000"/>
-                </a:solidFill>
-                <a:latin typeface="Roboto Condensed"/>
-                <a:ea typeface="Noto Sans CJK SC"/>
-              </a:rPr>
-              <a:t>Cross-Selling Opportunities</a:t>
-            </a:r>
-            <a:endParaRPr b="0" lang="en-IN" sz="1200" spc="-1" strike="noStrike">
-              <a:solidFill>
-                <a:srgbClr val="000000"/>
-              </a:solidFill>
-              <a:latin typeface="Arial"/>
-            </a:endParaRPr>
-          </a:p>
-          <a:p>
-            <a:pPr marL="360000" indent="-216000">
-              <a:lnSpc>
-                <a:spcPct val="150000"/>
-              </a:lnSpc>
-              <a:buClr>
-                <a:srgbClr val="ffffff"/>
-              </a:buClr>
-              <a:buFont typeface="Symbol"/>
-              <a:buChar char=""/>
-              <a:tabLst>
-                <a:tab algn="l" pos="0"/>
-              </a:tabLst>
-            </a:pPr>
-            <a:r>
-              <a:rPr b="0" lang="en-IN" sz="1000" spc="-1" strike="noStrike">
-                <a:solidFill>
-                  <a:srgbClr val="000000"/>
-                </a:solidFill>
-                <a:latin typeface="Roboto"/>
-                <a:ea typeface="Noto Sans CJK SC"/>
-              </a:rPr>
-              <a:t>Multi-policy discounts for home and auto bundles</a:t>
-            </a:r>
-            <a:endParaRPr b="0" lang="en-IN" sz="1000" spc="-1" strike="noStrike">
-              <a:solidFill>
-                <a:srgbClr val="000000"/>
-              </a:solidFill>
-              <a:latin typeface="Arial"/>
-            </a:endParaRPr>
-          </a:p>
-          <a:p>
-            <a:pPr marL="360000" indent="-216000">
-              <a:lnSpc>
-                <a:spcPct val="150000"/>
-              </a:lnSpc>
-              <a:buClr>
-                <a:srgbClr val="ffffff"/>
-              </a:buClr>
-              <a:buFont typeface="Symbol"/>
-              <a:buChar char=""/>
-              <a:tabLst>
-                <a:tab algn="l" pos="0"/>
-              </a:tabLst>
-            </a:pPr>
-            <a:r>
-              <a:rPr b="0" lang="en-IN" sz="1000" spc="-1" strike="noStrike">
-                <a:solidFill>
-                  <a:srgbClr val="000000"/>
-                </a:solidFill>
-                <a:latin typeface="Roboto"/>
-                <a:ea typeface="Noto Sans CJK SC"/>
-              </a:rPr>
-              <a:t>Life insurance with flexible terms and coverage</a:t>
-            </a:r>
-            <a:endParaRPr b="0" lang="en-IN" sz="1000" spc="-1" strike="noStrike">
-              <a:solidFill>
-                <a:srgbClr val="000000"/>
-              </a:solidFill>
-              <a:latin typeface="Arial"/>
-            </a:endParaRPr>
-          </a:p>
-          <a:p>
-            <a:pPr>
-              <a:lnSpc>
-                <a:spcPct val="150000"/>
-              </a:lnSpc>
-              <a:tabLst>
-                <a:tab algn="l" pos="0"/>
-              </a:tabLst>
-            </a:pPr>
-            <a:r>
-              <a:rPr b="1" lang="en-IN" sz="1300" spc="-1" strike="noStrike">
-                <a:solidFill>
-                  <a:srgbClr val="000000"/>
-                </a:solidFill>
-                <a:latin typeface="Roboto Condensed"/>
-                <a:ea typeface="Noto Sans CJK SC"/>
-              </a:rPr>
-              <a:t> </a:t>
-            </a:r>
-            <a:r>
-              <a:rPr b="1" lang="en-IN" sz="1300" spc="-1" strike="noStrike">
-                <a:solidFill>
-                  <a:srgbClr val="000000"/>
-                </a:solidFill>
-                <a:latin typeface="Roboto Condensed"/>
-                <a:ea typeface="Noto Sans CJK SC"/>
-              </a:rPr>
-              <a:t>Customer Engagement Strategies</a:t>
-            </a:r>
-            <a:endParaRPr b="0" lang="en-IN" sz="1300" spc="-1" strike="noStrike">
-              <a:solidFill>
-                <a:srgbClr val="000000"/>
-              </a:solidFill>
-              <a:latin typeface="Arial"/>
-            </a:endParaRPr>
-          </a:p>
-          <a:p>
-            <a:pPr marL="360000" indent="-216000">
-              <a:lnSpc>
-                <a:spcPct val="150000"/>
-              </a:lnSpc>
-              <a:buClr>
-                <a:srgbClr val="ffffff"/>
-              </a:buClr>
-              <a:buFont typeface="Symbol"/>
-              <a:buChar char=""/>
-              <a:tabLst>
-                <a:tab algn="l" pos="0"/>
-              </a:tabLst>
-            </a:pPr>
-            <a:r>
-              <a:rPr b="0" lang="en-IN" sz="1000" spc="-1" strike="noStrike">
-                <a:solidFill>
-                  <a:srgbClr val="000000"/>
-                </a:solidFill>
-                <a:latin typeface="Roboto"/>
-                <a:ea typeface="Noto Sans CJK SC"/>
-              </a:rPr>
-              <a:t>Omnichannel communication with option for traditional or digital interaction</a:t>
-            </a:r>
-            <a:endParaRPr b="0" lang="en-IN" sz="1000" spc="-1" strike="noStrike">
-              <a:solidFill>
-                <a:srgbClr val="000000"/>
-              </a:solidFill>
-              <a:latin typeface="Arial"/>
-            </a:endParaRPr>
-          </a:p>
-          <a:p>
-            <a:pPr marL="360000" indent="-216000">
-              <a:lnSpc>
-                <a:spcPct val="150000"/>
-              </a:lnSpc>
-              <a:buClr>
-                <a:srgbClr val="ffffff"/>
-              </a:buClr>
-              <a:buFont typeface="Symbol"/>
-              <a:buChar char=""/>
-              <a:tabLst>
-                <a:tab algn="l" pos="0"/>
-              </a:tabLst>
-            </a:pPr>
-            <a:r>
-              <a:rPr b="0" lang="en-IN" sz="1000" spc="-1" strike="noStrike">
-                <a:solidFill>
-                  <a:srgbClr val="000000"/>
-                </a:solidFill>
-                <a:latin typeface="Roboto"/>
-                <a:ea typeface="Noto Sans CJK SC"/>
-              </a:rPr>
-              <a:t>Community-based initiatives promoting safe neighborhoods and driving habits</a:t>
-            </a:r>
-            <a:endParaRPr b="0" lang="en-IN" sz="1000" spc="-1" strike="noStrike">
-              <a:solidFill>
-                <a:srgbClr val="000000"/>
-              </a:solidFill>
-              <a:latin typeface="Arial"/>
-            </a:endParaRPr>
-          </a:p>
-        </p:txBody>
-      </p:sp>
+      </p:pic>
+      <p:pic>
+        <p:nvPicPr>
+          <p:cNvPr id="174" name="" descr=""/>
+          <p:cNvPicPr/>
+          <p:nvPr/>
+        </p:nvPicPr>
+        <p:blipFill>
+          <a:blip r:embed="rId6"/>
+          <a:stretch/>
+        </p:blipFill>
+        <p:spPr>
+          <a:xfrm>
+            <a:off x="6756840" y="194400"/>
+            <a:ext cx="309600" cy="309600"/>
+          </a:xfrm>
+          <a:prstGeom prst="rect">
+            <a:avLst/>
+          </a:prstGeom>
+          <a:ln w="0">
+            <a:noFill/>
+          </a:ln>
+        </p:spPr>
+      </p:pic>
+      <p:pic>
+        <p:nvPicPr>
+          <p:cNvPr id="175" name="" descr=""/>
+          <p:cNvPicPr/>
+          <p:nvPr/>
+        </p:nvPicPr>
+        <p:blipFill>
+          <a:blip r:embed="rId7"/>
+          <a:stretch/>
+        </p:blipFill>
+        <p:spPr>
+          <a:xfrm>
+            <a:off x="9468000" y="216000"/>
+            <a:ext cx="309600" cy="309600"/>
+          </a:xfrm>
+          <a:prstGeom prst="rect">
+            <a:avLst/>
+          </a:prstGeom>
+          <a:ln w="0">
+            <a:noFill/>
+          </a:ln>
+        </p:spPr>
+      </p:pic>
+      <p:pic>
+        <p:nvPicPr>
+          <p:cNvPr id="176" name="" descr=""/>
+          <p:cNvPicPr/>
+          <p:nvPr/>
+        </p:nvPicPr>
+        <p:blipFill>
+          <a:blip r:embed="rId8"/>
+          <a:stretch/>
+        </p:blipFill>
+        <p:spPr>
+          <a:xfrm>
+            <a:off x="216000" y="144000"/>
+            <a:ext cx="360000" cy="360000"/>
+          </a:xfrm>
+          <a:prstGeom prst="rect">
+            <a:avLst/>
+          </a:prstGeom>
+          <a:ln w="0">
+            <a:noFill/>
+          </a:ln>
+        </p:spPr>
+      </p:pic>
+      <p:pic>
+        <p:nvPicPr>
+          <p:cNvPr id="177" name="" descr=""/>
+          <p:cNvPicPr/>
+          <p:nvPr/>
+        </p:nvPicPr>
+        <p:blipFill>
+          <a:blip r:embed="rId9"/>
+          <a:stretch/>
+        </p:blipFill>
+        <p:spPr>
+          <a:xfrm>
+            <a:off x="3024000" y="144000"/>
+            <a:ext cx="360000" cy="360000"/>
+          </a:xfrm>
+          <a:prstGeom prst="rect">
+            <a:avLst/>
+          </a:prstGeom>
+          <a:ln w="0">
+            <a:noFill/>
+          </a:ln>
+        </p:spPr>
+      </p:pic>
     </p:spTree>
   </p:cSld>
   <p:transition spd="slow">
@@ -8951,7 +9760,7 @@
         <p:spPr>
           <a:xfrm>
             <a:off x="0" y="756000"/>
-            <a:ext cx="10076040" cy="716040"/>
+            <a:ext cx="10075680" cy="715680"/>
           </a:xfrm>
           <a:prstGeom prst="rect">
             <a:avLst/>
@@ -9006,7 +9815,7 @@
         <p:spPr>
           <a:xfrm>
             <a:off x="1979280" y="2195640"/>
-            <a:ext cx="5936040" cy="2089440"/>
+            <a:ext cx="5935680" cy="2089080"/>
           </a:xfrm>
           <a:prstGeom prst="rect">
             <a:avLst/>
@@ -9143,15 +9952,15 @@
         <p:spPr>
           <a:xfrm>
             <a:off x="3671640" y="1584000"/>
-            <a:ext cx="2516040" cy="360"/>
+            <a:ext cx="2515680" cy="360"/>
           </a:xfrm>
           <a:custGeom>
             <a:avLst/>
             <a:gdLst>
-              <a:gd name="textAreaLeft" fmla="*/ 0 w 2516040"/>
-              <a:gd name="textAreaRight" fmla="*/ 2520000 w 2516040"/>
+              <a:gd name="textAreaLeft" fmla="*/ 0 w 2515680"/>
+              <a:gd name="textAreaRight" fmla="*/ 2520000 w 2515680"/>
               <a:gd name="textAreaTop" fmla="*/ 0 h 360"/>
-              <a:gd name="textAreaBottom" fmla="*/ 737280 h 360"/>
+              <a:gd name="textAreaBottom" fmla="*/ 1474560 h 360"/>
             </a:gdLst>
             <a:ahLst/>
             <a:rect l="textAreaLeft" t="textAreaTop" r="textAreaRight" b="textAreaBottom"/>
@@ -9622,7 +10431,7 @@
         <p:spPr>
           <a:xfrm>
             <a:off x="0" y="0"/>
-            <a:ext cx="10076040" cy="716040"/>
+            <a:ext cx="10075680" cy="715680"/>
           </a:xfrm>
           <a:prstGeom prst="rect">
             <a:avLst/>
@@ -9674,15 +10483,15 @@
         <p:spPr>
           <a:xfrm>
             <a:off x="3419280" y="828000"/>
-            <a:ext cx="3056040" cy="360"/>
+            <a:ext cx="3055680" cy="360"/>
           </a:xfrm>
           <a:custGeom>
             <a:avLst/>
             <a:gdLst>
-              <a:gd name="textAreaLeft" fmla="*/ 0 w 3056040"/>
-              <a:gd name="textAreaRight" fmla="*/ 3060000 w 3056040"/>
+              <a:gd name="textAreaLeft" fmla="*/ 0 w 3055680"/>
+              <a:gd name="textAreaRight" fmla="*/ 3060000 w 3055680"/>
               <a:gd name="textAreaTop" fmla="*/ 0 h 360"/>
-              <a:gd name="textAreaBottom" fmla="*/ 737280 h 360"/>
+              <a:gd name="textAreaBottom" fmla="*/ 1474560 h 360"/>
             </a:gdLst>
             <a:ahLst/>
             <a:rect l="textAreaLeft" t="textAreaTop" r="textAreaRight" b="textAreaBottom"/>
@@ -9744,7 +10553,7 @@
         <p:spPr>
           <a:xfrm>
             <a:off x="1511640" y="1187640"/>
-            <a:ext cx="2535480" cy="405000"/>
+            <a:ext cx="2535120" cy="404640"/>
           </a:xfrm>
           <a:prstGeom prst="rect">
             <a:avLst/>
@@ -9810,7 +10619,7 @@
         <p:spPr>
           <a:xfrm>
             <a:off x="1511640" y="1634400"/>
-            <a:ext cx="2535480" cy="1421640"/>
+            <a:ext cx="2535120" cy="1421280"/>
           </a:xfrm>
           <a:prstGeom prst="rect">
             <a:avLst/>
@@ -9876,7 +10685,7 @@
         <p:spPr>
           <a:xfrm>
             <a:off x="5859000" y="1187640"/>
-            <a:ext cx="2535480" cy="405000"/>
+            <a:ext cx="2535120" cy="404640"/>
           </a:xfrm>
           <a:prstGeom prst="rect">
             <a:avLst/>
@@ -9942,7 +10751,7 @@
         <p:spPr>
           <a:xfrm>
             <a:off x="5859000" y="1634400"/>
-            <a:ext cx="2535480" cy="1421640"/>
+            <a:ext cx="2535120" cy="1421280"/>
           </a:xfrm>
           <a:prstGeom prst="rect">
             <a:avLst/>
@@ -10090,7 +10899,7 @@
         <p:spPr>
           <a:xfrm>
             <a:off x="1512720" y="3607560"/>
-            <a:ext cx="2535480" cy="405000"/>
+            <a:ext cx="2535120" cy="404640"/>
           </a:xfrm>
           <a:prstGeom prst="rect">
             <a:avLst/>
@@ -10156,7 +10965,7 @@
         <p:spPr>
           <a:xfrm>
             <a:off x="1512720" y="4053960"/>
-            <a:ext cx="2535480" cy="1421280"/>
+            <a:ext cx="2535120" cy="1420920"/>
           </a:xfrm>
           <a:prstGeom prst="rect">
             <a:avLst/>
@@ -10304,7 +11113,7 @@
         <p:spPr>
           <a:xfrm>
             <a:off x="5859000" y="3607200"/>
-            <a:ext cx="2535480" cy="405000"/>
+            <a:ext cx="2535120" cy="404640"/>
           </a:xfrm>
           <a:prstGeom prst="rect">
             <a:avLst/>
@@ -10370,7 +11179,7 @@
         <p:spPr>
           <a:xfrm>
             <a:off x="5859000" y="4053960"/>
-            <a:ext cx="2535480" cy="1421280"/>
+            <a:ext cx="2535120" cy="1420920"/>
           </a:xfrm>
           <a:prstGeom prst="rect">
             <a:avLst/>
@@ -11148,7 +11957,7 @@
         <p:spPr>
           <a:xfrm>
             <a:off x="0" y="4680"/>
-            <a:ext cx="10076040" cy="598320"/>
+            <a:ext cx="10075680" cy="597960"/>
           </a:xfrm>
           <a:prstGeom prst="rect">
             <a:avLst/>
@@ -11234,7 +12043,7 @@
         <p:spPr>
           <a:xfrm>
             <a:off x="323640" y="3600000"/>
-            <a:ext cx="3273480" cy="1796040"/>
+            <a:ext cx="3273120" cy="1795680"/>
           </a:xfrm>
           <a:prstGeom prst="rect">
             <a:avLst/>
@@ -11441,7 +12250,7 @@
         <p:spPr>
           <a:xfrm>
             <a:off x="3852000" y="647640"/>
-            <a:ext cx="6117120" cy="465480"/>
+            <a:ext cx="6116760" cy="465120"/>
           </a:xfrm>
           <a:prstGeom prst="rect">
             <a:avLst/>
@@ -11499,7 +12308,7 @@
         <p:spPr>
           <a:xfrm>
             <a:off x="3960000" y="1260000"/>
-            <a:ext cx="5757120" cy="4137120"/>
+            <a:ext cx="5756760" cy="4136760"/>
           </a:xfrm>
           <a:prstGeom prst="rect">
             <a:avLst/>
@@ -11528,9 +12337,9 @@
         <p:grpSpPr>
           <a:xfrm>
             <a:off x="613800" y="1170720"/>
-            <a:ext cx="2507040" cy="2242440"/>
+            <a:ext cx="2506680" cy="2242080"/>
             <a:chOff x="613800" y="1170720"/>
-            <a:chExt cx="2507040" cy="2242440"/>
+            <a:chExt cx="2506680" cy="2242080"/>
           </a:xfrm>
         </p:grpSpPr>
         <p:sp>
@@ -11542,15 +12351,15 @@
           <p:spPr>
             <a:xfrm>
               <a:off x="1917000" y="1170720"/>
-              <a:ext cx="1203840" cy="1211400"/>
+              <a:ext cx="1203480" cy="1211040"/>
             </a:xfrm>
             <a:custGeom>
               <a:avLst/>
               <a:gdLst>
-                <a:gd name="textAreaLeft" fmla="*/ 0 w 1203840"/>
-                <a:gd name="textAreaRight" fmla="*/ 1207080 w 1203840"/>
-                <a:gd name="textAreaTop" fmla="*/ 0 h 1211400"/>
-                <a:gd name="textAreaBottom" fmla="*/ 1214640 h 1211400"/>
+                <a:gd name="textAreaLeft" fmla="*/ 0 w 1203480"/>
+                <a:gd name="textAreaRight" fmla="*/ 1207080 w 1203480"/>
+                <a:gd name="textAreaTop" fmla="*/ 0 h 1211040"/>
+                <a:gd name="textAreaBottom" fmla="*/ 1214640 h 1211040"/>
               </a:gdLst>
               <a:ahLst/>
               <a:rect l="textAreaLeft" t="textAreaTop" r="textAreaRight" b="textAreaBottom"/>
@@ -11653,15 +12462,15 @@
           <p:spPr>
             <a:xfrm>
               <a:off x="613800" y="1170720"/>
-              <a:ext cx="1203840" cy="1211400"/>
+              <a:ext cx="1203480" cy="1211040"/>
             </a:xfrm>
             <a:custGeom>
               <a:avLst/>
               <a:gdLst>
-                <a:gd name="textAreaLeft" fmla="*/ 0 w 1203840"/>
-                <a:gd name="textAreaRight" fmla="*/ 1207080 w 1203840"/>
-                <a:gd name="textAreaTop" fmla="*/ 0 h 1211400"/>
-                <a:gd name="textAreaBottom" fmla="*/ 1214640 h 1211400"/>
+                <a:gd name="textAreaLeft" fmla="*/ 0 w 1203480"/>
+                <a:gd name="textAreaRight" fmla="*/ 1207080 w 1203480"/>
+                <a:gd name="textAreaTop" fmla="*/ 0 h 1211040"/>
+                <a:gd name="textAreaBottom" fmla="*/ 1214640 h 1211040"/>
               </a:gdLst>
               <a:ahLst/>
               <a:rect l="textAreaLeft" t="textAreaTop" r="textAreaRight" b="textAreaBottom"/>
@@ -11764,15 +12573,15 @@
           <p:spPr>
             <a:xfrm>
               <a:off x="1262880" y="2201760"/>
-              <a:ext cx="1204200" cy="1211400"/>
+              <a:ext cx="1203840" cy="1211040"/>
             </a:xfrm>
             <a:custGeom>
               <a:avLst/>
               <a:gdLst>
-                <a:gd name="textAreaLeft" fmla="*/ 0 w 1204200"/>
-                <a:gd name="textAreaRight" fmla="*/ 1207440 w 1204200"/>
-                <a:gd name="textAreaTop" fmla="*/ 0 h 1211400"/>
-                <a:gd name="textAreaBottom" fmla="*/ 1214640 h 1211400"/>
+                <a:gd name="textAreaLeft" fmla="*/ 0 w 1203840"/>
+                <a:gd name="textAreaRight" fmla="*/ 1207440 w 1203840"/>
+                <a:gd name="textAreaTop" fmla="*/ 0 h 1211040"/>
+                <a:gd name="textAreaBottom" fmla="*/ 1214640 h 1211040"/>
               </a:gdLst>
               <a:ahLst/>
               <a:rect l="textAreaLeft" t="textAreaTop" r="textAreaRight" b="textAreaBottom"/>
@@ -11876,7 +12685,7 @@
         <p:spPr>
           <a:xfrm>
             <a:off x="27360" y="650520"/>
-            <a:ext cx="3821760" cy="354600"/>
+            <a:ext cx="3821400" cy="354240"/>
           </a:xfrm>
           <a:prstGeom prst="rect">
             <a:avLst/>
@@ -12891,7 +13700,7 @@
         <p:spPr>
           <a:xfrm>
             <a:off x="0" y="0"/>
-            <a:ext cx="10076040" cy="603000"/>
+            <a:ext cx="10075680" cy="602640"/>
           </a:xfrm>
           <a:prstGeom prst="rect">
             <a:avLst/>
@@ -12946,7 +13755,7 @@
         <p:spPr>
           <a:xfrm>
             <a:off x="180000" y="720000"/>
-            <a:ext cx="2877480" cy="2877480"/>
+            <a:ext cx="2877120" cy="2877120"/>
           </a:xfrm>
           <a:prstGeom prst="rect">
             <a:avLst/>
@@ -13235,7 +14044,7 @@
         <p:spPr>
           <a:xfrm>
             <a:off x="3528000" y="2342160"/>
-            <a:ext cx="2877480" cy="2156040"/>
+            <a:ext cx="2877120" cy="2155680"/>
           </a:xfrm>
           <a:prstGeom prst="rect">
             <a:avLst/>
@@ -13493,7 +14302,7 @@
         <p:spPr>
           <a:xfrm>
             <a:off x="7019640" y="3384000"/>
-            <a:ext cx="2877480" cy="2157120"/>
+            <a:ext cx="2877120" cy="2156760"/>
           </a:xfrm>
           <a:prstGeom prst="rect">
             <a:avLst/>
@@ -13751,7 +14560,7 @@
         <p:spPr>
           <a:xfrm>
             <a:off x="3780000" y="722160"/>
-            <a:ext cx="2805840" cy="717480"/>
+            <a:ext cx="2805480" cy="717120"/>
           </a:xfrm>
           <a:prstGeom prst="rect">
             <a:avLst/>
@@ -13805,15 +14614,15 @@
         <p:spPr>
           <a:xfrm>
             <a:off x="3060000" y="1044000"/>
-            <a:ext cx="538200" cy="357840"/>
+            <a:ext cx="537840" cy="357480"/>
           </a:xfrm>
           <a:custGeom>
             <a:avLst/>
             <a:gdLst>
-              <a:gd name="textAreaLeft" fmla="*/ 0 w 538200"/>
-              <a:gd name="textAreaRight" fmla="*/ 540360 w 538200"/>
-              <a:gd name="textAreaTop" fmla="*/ 0 h 357840"/>
-              <a:gd name="textAreaBottom" fmla="*/ 360360 h 357840"/>
+              <a:gd name="textAreaLeft" fmla="*/ 0 w 537840"/>
+              <a:gd name="textAreaRight" fmla="*/ 540360 w 537840"/>
+              <a:gd name="textAreaTop" fmla="*/ 0 h 357480"/>
+              <a:gd name="textAreaBottom" fmla="*/ 360360 h 357480"/>
             </a:gdLst>
             <a:ahLst/>
             <a:rect l="textAreaLeft" t="textAreaTop" r="textAreaRight" b="textAreaBottom"/>
@@ -13893,7 +14702,7 @@
         <p:spPr>
           <a:xfrm>
             <a:off x="180360" y="3816000"/>
-            <a:ext cx="2697840" cy="1471680"/>
+            <a:ext cx="2697480" cy="1471320"/>
           </a:xfrm>
           <a:prstGeom prst="rect">
             <a:avLst/>
@@ -13946,16 +14755,16 @@
         </p:nvSpPr>
         <p:spPr>
           <a:xfrm flipH="1" rot="20308800">
-            <a:off x="2869560" y="3699360"/>
-            <a:ext cx="640800" cy="357120"/>
+            <a:off x="2868840" y="3699000"/>
+            <a:ext cx="640440" cy="356760"/>
           </a:xfrm>
           <a:custGeom>
             <a:avLst/>
             <a:gdLst>
-              <a:gd name="textAreaLeft" fmla="*/ 1080 w 640800"/>
-              <a:gd name="textAreaRight" fmla="*/ 643680 w 640800"/>
-              <a:gd name="textAreaTop" fmla="*/ 0 h 357120"/>
-              <a:gd name="textAreaBottom" fmla="*/ 359280 h 357120"/>
+              <a:gd name="textAreaLeft" fmla="*/ 1080 w 640440"/>
+              <a:gd name="textAreaRight" fmla="*/ 643680 w 640440"/>
+              <a:gd name="textAreaTop" fmla="*/ 0 h 356760"/>
+              <a:gd name="textAreaBottom" fmla="*/ 359280 h 356760"/>
             </a:gdLst>
             <a:ahLst/>
             <a:rect l="textAreaLeft" t="textAreaTop" r="textAreaRight" b="textAreaBottom"/>
@@ -14034,16 +14843,16 @@
         </p:nvSpPr>
         <p:spPr>
           <a:xfrm flipH="1" rot="5370600">
-            <a:off x="8002440" y="2864160"/>
-            <a:ext cx="680040" cy="357840"/>
+            <a:off x="8001360" y="2864160"/>
+            <a:ext cx="679680" cy="357480"/>
           </a:xfrm>
           <a:custGeom>
             <a:avLst/>
             <a:gdLst>
-              <a:gd name="textAreaLeft" fmla="*/ -1080 w 680040"/>
-              <a:gd name="textAreaRight" fmla="*/ 681480 w 680040"/>
-              <a:gd name="textAreaTop" fmla="*/ 0 h 357840"/>
-              <a:gd name="textAreaBottom" fmla="*/ 360360 h 357840"/>
+              <a:gd name="textAreaLeft" fmla="*/ -1080 w 679680"/>
+              <a:gd name="textAreaRight" fmla="*/ 681480 w 679680"/>
+              <a:gd name="textAreaTop" fmla="*/ 0 h 357480"/>
+              <a:gd name="textAreaBottom" fmla="*/ 360360 h 357480"/>
             </a:gdLst>
             <a:ahLst/>
             <a:rect l="textAreaLeft" t="textAreaTop" r="textAreaRight" b="textAreaBottom"/>
@@ -14123,7 +14932,7 @@
         <p:spPr>
           <a:xfrm>
             <a:off x="7164000" y="1260000"/>
-            <a:ext cx="2282400" cy="1415160"/>
+            <a:ext cx="2282040" cy="1414800"/>
           </a:xfrm>
           <a:prstGeom prst="rect">
             <a:avLst/>
@@ -14874,7 +15683,7 @@
         <p:spPr>
           <a:xfrm>
             <a:off x="0" y="4680"/>
-            <a:ext cx="10076040" cy="598320"/>
+            <a:ext cx="10075680" cy="597960"/>
           </a:xfrm>
           <a:prstGeom prst="rect">
             <a:avLst/>
@@ -14929,7 +15738,7 @@
         <p:spPr>
           <a:xfrm>
             <a:off x="2880000" y="3240000"/>
-            <a:ext cx="2570040" cy="2409120"/>
+            <a:ext cx="2569680" cy="2408760"/>
           </a:xfrm>
           <a:prstGeom prst="rect">
             <a:avLst/>
@@ -14952,7 +15761,7 @@
         <p:spPr>
           <a:xfrm>
             <a:off x="5616000" y="3240000"/>
-            <a:ext cx="2517120" cy="2409120"/>
+            <a:ext cx="2516760" cy="2408760"/>
           </a:xfrm>
           <a:prstGeom prst="rect">
             <a:avLst/>
@@ -14975,7 +15784,7 @@
         <p:spPr>
           <a:xfrm>
             <a:off x="0" y="3276000"/>
-            <a:ext cx="2697120" cy="2377440"/>
+            <a:ext cx="2696760" cy="2377080"/>
           </a:xfrm>
           <a:prstGeom prst="rect">
             <a:avLst/>
@@ -14998,7 +15807,7 @@
         <p:spPr>
           <a:xfrm>
             <a:off x="0" y="540000"/>
-            <a:ext cx="2697120" cy="2476800"/>
+            <a:ext cx="2696760" cy="2476440"/>
           </a:xfrm>
           <a:prstGeom prst="rect">
             <a:avLst/>
@@ -15021,7 +15830,7 @@
         <p:spPr>
           <a:xfrm>
             <a:off x="2880000" y="605880"/>
-            <a:ext cx="2517120" cy="2419920"/>
+            <a:ext cx="2516760" cy="2419560"/>
           </a:xfrm>
           <a:prstGeom prst="rect">
             <a:avLst/>
@@ -15044,7 +15853,7 @@
         <p:spPr>
           <a:xfrm>
             <a:off x="5652720" y="603720"/>
-            <a:ext cx="2446560" cy="2455560"/>
+            <a:ext cx="2446200" cy="2455200"/>
           </a:xfrm>
           <a:prstGeom prst="rect">
             <a:avLst/>
@@ -15099,7 +15908,7 @@
         <p:spPr>
           <a:xfrm>
             <a:off x="0" y="4680"/>
-            <a:ext cx="10076040" cy="598320"/>
+            <a:ext cx="10075680" cy="597960"/>
           </a:xfrm>
           <a:prstGeom prst="rect">
             <a:avLst/>
@@ -15154,7 +15963,7 @@
         <p:spPr>
           <a:xfrm>
             <a:off x="180000" y="723240"/>
-            <a:ext cx="2879280" cy="4676040"/>
+            <a:ext cx="2878920" cy="4675680"/>
           </a:xfrm>
           <a:prstGeom prst="rect">
             <a:avLst/>
@@ -15202,7 +16011,6 @@
                 <a:srgbClr val="000000"/>
               </a:solidFill>
               <a:latin typeface="Arial"/>
-              <a:ea typeface="Noto Sans CJK SC"/>
             </a:endParaRPr>
           </a:p>
           <a:p>
@@ -15238,7 +16046,6 @@
                 <a:srgbClr val="000000"/>
               </a:solidFill>
               <a:latin typeface="Arial"/>
-              <a:ea typeface="Noto Sans CJK SC"/>
             </a:endParaRPr>
           </a:p>
           <a:p>
@@ -15271,7 +16078,6 @@
                 <a:srgbClr val="000000"/>
               </a:solidFill>
               <a:latin typeface="Arial"/>
-              <a:ea typeface="Noto Sans CJK SC"/>
             </a:endParaRPr>
           </a:p>
           <a:p>
@@ -15304,7 +16110,6 @@
                 <a:srgbClr val="000000"/>
               </a:solidFill>
               <a:latin typeface="Arial"/>
-              <a:ea typeface="Noto Sans CJK SC"/>
             </a:endParaRPr>
           </a:p>
           <a:p>
@@ -15342,7 +16147,6 @@
                 <a:srgbClr val="000000"/>
               </a:solidFill>
               <a:latin typeface="Arial"/>
-              <a:ea typeface="Noto Sans CJK SC"/>
             </a:endParaRPr>
           </a:p>
           <a:p>
@@ -15375,7 +16179,6 @@
                 <a:srgbClr val="000000"/>
               </a:solidFill>
               <a:latin typeface="Arial"/>
-              <a:ea typeface="Noto Sans CJK SC"/>
             </a:endParaRPr>
           </a:p>
           <a:p>
@@ -15408,7 +16211,6 @@
                 <a:srgbClr val="000000"/>
               </a:solidFill>
               <a:latin typeface="Arial"/>
-              <a:ea typeface="Noto Sans CJK SC"/>
             </a:endParaRPr>
           </a:p>
           <a:p>
@@ -15446,7 +16248,6 @@
                 <a:srgbClr val="000000"/>
               </a:solidFill>
               <a:latin typeface="Arial"/>
-              <a:ea typeface="Noto Sans CJK SC"/>
             </a:endParaRPr>
           </a:p>
           <a:p>
@@ -15479,7 +16280,6 @@
                 <a:srgbClr val="000000"/>
               </a:solidFill>
               <a:latin typeface="Arial"/>
-              <a:ea typeface="Noto Sans CJK SC"/>
             </a:endParaRPr>
           </a:p>
           <a:p>
@@ -15512,7 +16312,6 @@
                 <a:srgbClr val="000000"/>
               </a:solidFill>
               <a:latin typeface="Arial"/>
-              <a:ea typeface="Noto Sans CJK SC"/>
             </a:endParaRPr>
           </a:p>
           <a:p>
@@ -15550,7 +16349,6 @@
                 <a:srgbClr val="000000"/>
               </a:solidFill>
               <a:latin typeface="Arial"/>
-              <a:ea typeface="Noto Sans CJK SC"/>
             </a:endParaRPr>
           </a:p>
           <a:p>
@@ -15583,7 +16381,6 @@
                 <a:srgbClr val="000000"/>
               </a:solidFill>
               <a:latin typeface="Arial"/>
-              <a:ea typeface="Noto Sans CJK SC"/>
             </a:endParaRPr>
           </a:p>
           <a:p>
@@ -15616,7 +16413,6 @@
                 <a:srgbClr val="000000"/>
               </a:solidFill>
               <a:latin typeface="Arial"/>
-              <a:ea typeface="Noto Sans CJK SC"/>
             </a:endParaRPr>
           </a:p>
         </p:txBody>
@@ -15630,7 +16426,7 @@
         <p:spPr>
           <a:xfrm>
             <a:off x="3276000" y="720000"/>
-            <a:ext cx="140040" cy="4568040"/>
+            <a:ext cx="139680" cy="4567680"/>
           </a:xfrm>
           <a:prstGeom prst="rect">
             <a:avLst/>
@@ -15694,7 +16490,7 @@
         <p:spPr>
           <a:xfrm>
             <a:off x="3600000" y="720000"/>
-            <a:ext cx="2879280" cy="4676040"/>
+            <a:ext cx="2878920" cy="4675680"/>
           </a:xfrm>
           <a:prstGeom prst="rect">
             <a:avLst/>
@@ -16161,7 +16957,7 @@
         <p:spPr>
           <a:xfrm>
             <a:off x="7020000" y="720000"/>
-            <a:ext cx="2879280" cy="4676040"/>
+            <a:ext cx="2878920" cy="4675680"/>
           </a:xfrm>
           <a:prstGeom prst="rect">
             <a:avLst/>
@@ -16616,7 +17412,7 @@
         <p:spPr>
           <a:xfrm>
             <a:off x="6696000" y="720000"/>
-            <a:ext cx="140040" cy="4568040"/>
+            <a:ext cx="139680" cy="4567680"/>
           </a:xfrm>
           <a:prstGeom prst="rect">
             <a:avLst/>
@@ -17186,7 +17982,7 @@
         <p:spPr>
           <a:xfrm>
             <a:off x="0" y="540000"/>
-            <a:ext cx="10076040" cy="716040"/>
+            <a:ext cx="10075680" cy="715680"/>
           </a:xfrm>
           <a:prstGeom prst="rect">
             <a:avLst/>
@@ -17250,7 +18046,7 @@
         <p:spPr>
           <a:xfrm>
             <a:off x="503640" y="1866240"/>
-            <a:ext cx="4422600" cy="3284280"/>
+            <a:ext cx="4422240" cy="3283920"/>
           </a:xfrm>
           <a:prstGeom prst="rect">
             <a:avLst/>
@@ -17287,7 +18083,16 @@
                 </a:solidFill>
                 <a:latin typeface="Roboto"/>
               </a:rPr>
-              <a:t>Phase 1: Refine marketing messages and channels for each cluster</a:t>
+              <a:t>Phase 1: Refine marketing messages and </a:t>
+            </a:r>
+            <a:r>
+              <a:rPr b="0" lang="en-IN" sz="1600" spc="-1" strike="noStrike">
+                <a:solidFill>
+                  <a:srgbClr val="ffffff"/>
+                </a:solidFill>
+                <a:latin typeface="Roboto"/>
+              </a:rPr>
+              <a:t>channels for each cluster</a:t>
             </a:r>
             <a:endParaRPr b="0" lang="en-IN" sz="1600" spc="-1" strike="noStrike">
               <a:solidFill>
@@ -17319,7 +18124,16 @@
                 </a:solidFill>
                 <a:latin typeface="Roboto"/>
               </a:rPr>
-              <a:t>Phase 2: Develop and launch tailored products for each segment</a:t>
+              <a:t>Phase 2: Develop and launch tailored </a:t>
+            </a:r>
+            <a:r>
+              <a:rPr b="0" lang="en-IN" sz="1600" spc="-1" strike="noStrike">
+                <a:solidFill>
+                  <a:srgbClr val="ffffff"/>
+                </a:solidFill>
+                <a:latin typeface="Roboto"/>
+              </a:rPr>
+              <a:t>products for each segment</a:t>
             </a:r>
             <a:endParaRPr b="0" lang="en-IN" sz="1600" spc="-1" strike="noStrike">
               <a:solidFill>
@@ -17351,7 +18165,16 @@
                 </a:solidFill>
                 <a:latin typeface="Roboto"/>
               </a:rPr>
-              <a:t>Phase 3: Implement cross-selling strategies and loyalty programs</a:t>
+              <a:t>Phase 3: Implement cross-selling strategies </a:t>
+            </a:r>
+            <a:r>
+              <a:rPr b="0" lang="en-IN" sz="1600" spc="-1" strike="noStrike">
+                <a:solidFill>
+                  <a:srgbClr val="ffffff"/>
+                </a:solidFill>
+                <a:latin typeface="Roboto"/>
+              </a:rPr>
+              <a:t>and loyalty programs</a:t>
             </a:r>
             <a:endParaRPr b="0" lang="en-IN" sz="1600" spc="-1" strike="noStrike">
               <a:solidFill>
@@ -17383,7 +18206,16 @@
                 </a:solidFill>
                 <a:latin typeface="Roboto"/>
               </a:rPr>
-              <a:t>Phase 4: Enhance customer engagement platforms and personalized services</a:t>
+              <a:t>Phase 4: Enhance customer engagement </a:t>
+            </a:r>
+            <a:r>
+              <a:rPr b="0" lang="en-IN" sz="1600" spc="-1" strike="noStrike">
+                <a:solidFill>
+                  <a:srgbClr val="ffffff"/>
+                </a:solidFill>
+                <a:latin typeface="Roboto"/>
+              </a:rPr>
+              <a:t>platforms and personalized services</a:t>
             </a:r>
             <a:endParaRPr b="0" lang="en-IN" sz="1600" spc="-1" strike="noStrike">
               <a:solidFill>
@@ -17430,7 +18262,7 @@
         <p:spPr>
           <a:xfrm>
             <a:off x="5151960" y="1866240"/>
-            <a:ext cx="4422600" cy="3284280"/>
+            <a:ext cx="4422240" cy="3283920"/>
           </a:xfrm>
           <a:prstGeom prst="rect">
             <a:avLst/>
@@ -17469,7 +18301,25 @@
                 </a:solidFill>
                 <a:latin typeface="Roboto"/>
               </a:rPr>
-              <a:t>Increased customer acquisition and retention in targeted segments</a:t>
+              <a:t>Increased customer </a:t>
+            </a:r>
+            <a:r>
+              <a:rPr b="0" lang="en-IN" sz="1600" spc="-1" strike="noStrike">
+                <a:solidFill>
+                  <a:srgbClr val="ffffff"/>
+                </a:solidFill>
+                <a:latin typeface="Roboto"/>
+              </a:rPr>
+              <a:t>acquisition and retention in </a:t>
+            </a:r>
+            <a:r>
+              <a:rPr b="0" lang="en-IN" sz="1600" spc="-1" strike="noStrike">
+                <a:solidFill>
+                  <a:srgbClr val="ffffff"/>
+                </a:solidFill>
+                <a:latin typeface="Roboto"/>
+              </a:rPr>
+              <a:t>targeted segments</a:t>
             </a:r>
             <a:endParaRPr b="0" lang="en-IN" sz="1600" spc="-1" strike="noStrike">
               <a:solidFill>
@@ -17503,7 +18353,25 @@
                 </a:solidFill>
                 <a:latin typeface="Roboto"/>
               </a:rPr>
-              <a:t>Higher customer lifetime value through appropriate product matching</a:t>
+              <a:t>Higher customer lifetime </a:t>
+            </a:r>
+            <a:r>
+              <a:rPr b="0" lang="en-IN" sz="1600" spc="-1" strike="noStrike">
+                <a:solidFill>
+                  <a:srgbClr val="ffffff"/>
+                </a:solidFill>
+                <a:latin typeface="Roboto"/>
+              </a:rPr>
+              <a:t>value through appropriate </a:t>
+            </a:r>
+            <a:r>
+              <a:rPr b="0" lang="en-IN" sz="1600" spc="-1" strike="noStrike">
+                <a:solidFill>
+                  <a:srgbClr val="ffffff"/>
+                </a:solidFill>
+                <a:latin typeface="Roboto"/>
+              </a:rPr>
+              <a:t>product matching</a:t>
             </a:r>
             <a:endParaRPr b="0" lang="en-IN" sz="1600" spc="-1" strike="noStrike">
               <a:solidFill>
@@ -17537,7 +18405,25 @@
                 </a:solidFill>
                 <a:latin typeface="Roboto"/>
               </a:rPr>
-              <a:t>Reduced loss ratios through better risk assessment and pricing</a:t>
+              <a:t>Reduced loss ratios </a:t>
+            </a:r>
+            <a:r>
+              <a:rPr b="0" lang="en-IN" sz="1600" spc="-1" strike="noStrike">
+                <a:solidFill>
+                  <a:srgbClr val="ffffff"/>
+                </a:solidFill>
+                <a:latin typeface="Roboto"/>
+              </a:rPr>
+              <a:t>through better risk </a:t>
+            </a:r>
+            <a:r>
+              <a:rPr b="0" lang="en-IN" sz="1600" spc="-1" strike="noStrike">
+                <a:solidFill>
+                  <a:srgbClr val="ffffff"/>
+                </a:solidFill>
+                <a:latin typeface="Roboto"/>
+              </a:rPr>
+              <a:t>assessment and pricing</a:t>
             </a:r>
             <a:endParaRPr b="0" lang="en-IN" sz="1600" spc="-1" strike="noStrike">
               <a:solidFill>
@@ -17571,7 +18457,25 @@
                 </a:solidFill>
                 <a:latin typeface="Roboto"/>
               </a:rPr>
-              <a:t>Improved customer satisfaction and brand loyalty</a:t>
+              <a:t>Improved customer </a:t>
+            </a:r>
+            <a:r>
+              <a:rPr b="0" lang="en-IN" sz="1600" spc="-1" strike="noStrike">
+                <a:solidFill>
+                  <a:srgbClr val="ffffff"/>
+                </a:solidFill>
+                <a:latin typeface="Roboto"/>
+              </a:rPr>
+              <a:t>satisfaction and brand </a:t>
+            </a:r>
+            <a:r>
+              <a:rPr b="0" lang="en-IN" sz="1600" spc="-1" strike="noStrike">
+                <a:solidFill>
+                  <a:srgbClr val="ffffff"/>
+                </a:solidFill>
+                <a:latin typeface="Roboto"/>
+              </a:rPr>
+              <a:t>loyalty</a:t>
             </a:r>
             <a:endParaRPr b="0" lang="en-IN" sz="1600" spc="-1" strike="noStrike">
               <a:solidFill>
@@ -17650,7 +18554,7 @@
         <p:spPr>
           <a:xfrm>
             <a:off x="0" y="180000"/>
-            <a:ext cx="5039280" cy="716040"/>
+            <a:ext cx="5038920" cy="715680"/>
           </a:xfrm>
           <a:prstGeom prst="rect">
             <a:avLst/>
@@ -17710,9 +18614,9 @@
         <p:grpSpPr>
           <a:xfrm>
             <a:off x="0" y="1008000"/>
-            <a:ext cx="10001520" cy="3639240"/>
+            <a:ext cx="10000800" cy="3638880"/>
             <a:chOff x="0" y="1008000"/>
-            <a:chExt cx="10001520" cy="3639240"/>
+            <a:chExt cx="10000800" cy="3638880"/>
           </a:xfrm>
         </p:grpSpPr>
         <p:grpSp>
@@ -17724,9 +18628,9 @@
           <p:grpSpPr>
             <a:xfrm>
               <a:off x="3960" y="1014480"/>
-              <a:ext cx="4676760" cy="716760"/>
+              <a:ext cx="4676400" cy="716400"/>
               <a:chOff x="3960" y="1014480"/>
-              <a:chExt cx="4676760" cy="716760"/>
+              <a:chExt cx="4676400" cy="716400"/>
             </a:xfrm>
           </p:grpSpPr>
           <p:sp>
@@ -17738,7 +18642,7 @@
             <p:spPr>
               <a:xfrm>
                 <a:off x="449640" y="1134720"/>
-                <a:ext cx="4231080" cy="476280"/>
+                <a:ext cx="4230720" cy="475920"/>
               </a:xfrm>
               <a:prstGeom prst="roundRect">
                 <a:avLst>
@@ -17812,7 +18716,7 @@
             <p:spPr>
               <a:xfrm>
                 <a:off x="3960" y="1014480"/>
-                <a:ext cx="665280" cy="716760"/>
+                <a:ext cx="664920" cy="716400"/>
               </a:xfrm>
               <a:prstGeom prst="ellipse">
                 <a:avLst/>
@@ -17874,9 +18778,9 @@
           <p:grpSpPr>
             <a:xfrm>
               <a:off x="216000" y="1734480"/>
-              <a:ext cx="4676760" cy="716760"/>
+              <a:ext cx="4676400" cy="716400"/>
               <a:chOff x="216000" y="1734480"/>
-              <a:chExt cx="4676760" cy="716760"/>
+              <a:chExt cx="4676400" cy="716400"/>
             </a:xfrm>
           </p:grpSpPr>
           <p:sp>
@@ -17888,7 +18792,7 @@
             <p:spPr>
               <a:xfrm>
                 <a:off x="434520" y="1851120"/>
-                <a:ext cx="4458240" cy="476280"/>
+                <a:ext cx="4457880" cy="475920"/>
               </a:xfrm>
               <a:prstGeom prst="roundRect">
                 <a:avLst>
@@ -17962,7 +18866,7 @@
             <p:spPr>
               <a:xfrm>
                 <a:off x="216000" y="1734480"/>
-                <a:ext cx="701280" cy="716760"/>
+                <a:ext cx="700920" cy="716400"/>
               </a:xfrm>
               <a:prstGeom prst="ellipse">
                 <a:avLst/>
@@ -18024,9 +18928,9 @@
           <p:grpSpPr>
             <a:xfrm>
               <a:off x="360000" y="2454480"/>
-              <a:ext cx="4316760" cy="716760"/>
+              <a:ext cx="4316400" cy="716400"/>
               <a:chOff x="360000" y="2454480"/>
-              <a:chExt cx="4316760" cy="716760"/>
+              <a:chExt cx="4316400" cy="716400"/>
             </a:xfrm>
           </p:grpSpPr>
           <p:sp>
@@ -18038,7 +18942,7 @@
             <p:spPr>
               <a:xfrm>
                 <a:off x="758160" y="2574360"/>
-                <a:ext cx="3918600" cy="476640"/>
+                <a:ext cx="3918240" cy="476280"/>
               </a:xfrm>
               <a:prstGeom prst="roundRect">
                 <a:avLst>
@@ -18112,7 +19016,7 @@
             <p:spPr>
               <a:xfrm>
                 <a:off x="360000" y="2454480"/>
-                <a:ext cx="616320" cy="716760"/>
+                <a:ext cx="615960" cy="716400"/>
               </a:xfrm>
               <a:prstGeom prst="ellipse">
                 <a:avLst/>
@@ -18174,9 +19078,9 @@
           <p:grpSpPr>
             <a:xfrm>
               <a:off x="216000" y="3204000"/>
-              <a:ext cx="4676760" cy="716760"/>
+              <a:ext cx="4676400" cy="716400"/>
               <a:chOff x="216000" y="3204000"/>
-              <a:chExt cx="4676760" cy="716760"/>
+              <a:chExt cx="4676400" cy="716400"/>
             </a:xfrm>
           </p:grpSpPr>
           <p:sp>
@@ -18188,7 +19092,7 @@
             <p:spPr>
               <a:xfrm>
                 <a:off x="647280" y="3323880"/>
-                <a:ext cx="4245480" cy="476640"/>
+                <a:ext cx="4245120" cy="476280"/>
               </a:xfrm>
               <a:prstGeom prst="roundRect">
                 <a:avLst>
@@ -18262,7 +19166,7 @@
             <p:spPr>
               <a:xfrm>
                 <a:off x="216000" y="3204000"/>
-                <a:ext cx="667800" cy="716760"/>
+                <a:ext cx="667440" cy="716400"/>
               </a:xfrm>
               <a:prstGeom prst="ellipse">
                 <a:avLst/>
@@ -18324,9 +19228,9 @@
           <p:grpSpPr>
             <a:xfrm>
               <a:off x="0" y="3930480"/>
-              <a:ext cx="4676760" cy="716760"/>
+              <a:ext cx="4676400" cy="716400"/>
               <a:chOff x="0" y="3930480"/>
-              <a:chExt cx="4676760" cy="716760"/>
+              <a:chExt cx="4676400" cy="716400"/>
             </a:xfrm>
           </p:grpSpPr>
           <p:sp>
@@ -18338,7 +19242,7 @@
             <p:spPr>
               <a:xfrm>
                 <a:off x="431280" y="4050360"/>
-                <a:ext cx="4245480" cy="476640"/>
+                <a:ext cx="4245120" cy="476280"/>
               </a:xfrm>
               <a:prstGeom prst="roundRect">
                 <a:avLst>
@@ -18412,7 +19316,7 @@
             <p:spPr>
               <a:xfrm>
                 <a:off x="0" y="3930480"/>
-                <a:ext cx="667800" cy="716760"/>
+                <a:ext cx="667440" cy="716400"/>
               </a:xfrm>
               <a:prstGeom prst="ellipse">
                 <a:avLst/>
@@ -18473,10 +19377,10 @@
           </p:nvGrpSpPr>
           <p:grpSpPr>
             <a:xfrm>
-              <a:off x="5324040" y="1008000"/>
-              <a:ext cx="4677480" cy="716760"/>
-              <a:chOff x="5324040" y="1008000"/>
-              <a:chExt cx="4677480" cy="716760"/>
+              <a:off x="5323680" y="1008000"/>
+              <a:ext cx="4677120" cy="716400"/>
+              <a:chOff x="5323680" y="1008000"/>
+              <a:chExt cx="4677120" cy="716400"/>
             </a:xfrm>
           </p:grpSpPr>
           <p:sp>
@@ -18488,7 +19392,7 @@
             <p:spPr>
               <a:xfrm flipH="1">
                 <a:off x="5323680" y="1128240"/>
-                <a:ext cx="4231080" cy="476280"/>
+                <a:ext cx="4230720" cy="475920"/>
               </a:xfrm>
               <a:prstGeom prst="roundRect">
                 <a:avLst>
@@ -18554,8 +19458,8 @@
             </p:nvSpPr>
             <p:spPr>
               <a:xfrm flipH="1">
-                <a:off x="9336240" y="1008000"/>
-                <a:ext cx="665280" cy="716760"/>
+                <a:off x="9335520" y="1008000"/>
+                <a:ext cx="664920" cy="716400"/>
               </a:xfrm>
               <a:prstGeom prst="ellipse">
                 <a:avLst/>
@@ -18616,10 +19520,10 @@
           </p:nvGrpSpPr>
           <p:grpSpPr>
             <a:xfrm>
-              <a:off x="5144760" y="1728000"/>
-              <a:ext cx="4676760" cy="716760"/>
-              <a:chOff x="5144760" y="1728000"/>
-              <a:chExt cx="4676760" cy="716760"/>
+              <a:off x="5144400" y="1728000"/>
+              <a:ext cx="4676400" cy="716400"/>
+              <a:chOff x="5144400" y="1728000"/>
+              <a:chExt cx="4676400" cy="716400"/>
             </a:xfrm>
           </p:grpSpPr>
           <p:sp>
@@ -18630,8 +19534,8 @@
             </p:nvSpPr>
             <p:spPr>
               <a:xfrm flipH="1">
-                <a:off x="5144760" y="1844640"/>
-                <a:ext cx="4458240" cy="476280"/>
+                <a:off x="5144040" y="1844640"/>
+                <a:ext cx="4457880" cy="475920"/>
               </a:xfrm>
               <a:prstGeom prst="roundRect">
                 <a:avLst>
@@ -18697,8 +19601,8 @@
             </p:nvSpPr>
             <p:spPr>
               <a:xfrm flipH="1">
-                <a:off x="9120240" y="1728000"/>
-                <a:ext cx="701280" cy="716760"/>
+                <a:off x="9119520" y="1728000"/>
+                <a:ext cx="700920" cy="716400"/>
               </a:xfrm>
               <a:prstGeom prst="ellipse">
                 <a:avLst/>
@@ -18759,10 +19663,10 @@
           </p:nvGrpSpPr>
           <p:grpSpPr>
             <a:xfrm>
-              <a:off x="5288040" y="2448000"/>
-              <a:ext cx="4316760" cy="716760"/>
-              <a:chOff x="5288040" y="2448000"/>
-              <a:chExt cx="4316760" cy="716760"/>
+              <a:off x="5287680" y="2448000"/>
+              <a:ext cx="4316400" cy="716400"/>
+              <a:chOff x="5287680" y="2448000"/>
+              <a:chExt cx="4316400" cy="716400"/>
             </a:xfrm>
           </p:grpSpPr>
           <p:sp>
@@ -18774,7 +19678,7 @@
             <p:spPr>
               <a:xfrm flipH="1">
                 <a:off x="5287680" y="2567880"/>
-                <a:ext cx="3918600" cy="476640"/>
+                <a:ext cx="3918240" cy="476280"/>
               </a:xfrm>
               <a:prstGeom prst="roundRect">
                 <a:avLst>
@@ -18848,7 +19752,7 @@
             <p:spPr>
               <a:xfrm flipH="1">
                 <a:off x="8988480" y="2448000"/>
-                <a:ext cx="615960" cy="716760"/>
+                <a:ext cx="615600" cy="716400"/>
               </a:xfrm>
               <a:prstGeom prst="ellipse">
                 <a:avLst/>
@@ -18909,10 +19813,10 @@
           </p:nvGrpSpPr>
           <p:grpSpPr>
             <a:xfrm>
-              <a:off x="5180040" y="3161520"/>
-              <a:ext cx="4676760" cy="716760"/>
-              <a:chOff x="5180040" y="3161520"/>
-              <a:chExt cx="4676760" cy="716760"/>
+              <a:off x="5179680" y="3161520"/>
+              <a:ext cx="4676400" cy="716400"/>
+              <a:chOff x="5179680" y="3161520"/>
+              <a:chExt cx="4676400" cy="716400"/>
             </a:xfrm>
           </p:grpSpPr>
           <p:sp>
@@ -18924,7 +19828,7 @@
             <p:spPr>
               <a:xfrm flipH="1">
                 <a:off x="5179680" y="3281400"/>
-                <a:ext cx="4245480" cy="476640"/>
+                <a:ext cx="4245120" cy="476280"/>
               </a:xfrm>
               <a:prstGeom prst="roundRect">
                 <a:avLst>
@@ -18998,7 +19902,7 @@
             <p:spPr>
               <a:xfrm flipH="1">
                 <a:off x="9188640" y="3161520"/>
-                <a:ext cx="667800" cy="716760"/>
+                <a:ext cx="667440" cy="716400"/>
               </a:xfrm>
               <a:prstGeom prst="ellipse">
                 <a:avLst/>
@@ -19059,10 +19963,10 @@
           </p:nvGrpSpPr>
           <p:grpSpPr>
             <a:xfrm>
-              <a:off x="5324040" y="3888000"/>
-              <a:ext cx="4677480" cy="716760"/>
-              <a:chOff x="5324040" y="3888000"/>
-              <a:chExt cx="4677480" cy="716760"/>
+              <a:off x="5323680" y="3888000"/>
+              <a:ext cx="4677120" cy="716400"/>
+              <a:chOff x="5323680" y="3888000"/>
+              <a:chExt cx="4677120" cy="716400"/>
             </a:xfrm>
           </p:grpSpPr>
           <p:sp>
@@ -19074,7 +19978,7 @@
             <p:spPr>
               <a:xfrm flipH="1">
                 <a:off x="5323680" y="4007880"/>
-                <a:ext cx="4245480" cy="476640"/>
+                <a:ext cx="4245120" cy="476280"/>
               </a:xfrm>
               <a:prstGeom prst="roundRect">
                 <a:avLst>
@@ -19147,8 +20051,8 @@
             </p:nvSpPr>
             <p:spPr>
               <a:xfrm flipH="1">
-                <a:off x="9334080" y="3888000"/>
-                <a:ext cx="667440" cy="716760"/>
+                <a:off x="9333360" y="3888000"/>
+                <a:ext cx="667080" cy="716400"/>
               </a:xfrm>
               <a:prstGeom prst="ellipse">
                 <a:avLst/>
@@ -19211,7 +20115,7 @@
         <p:spPr>
           <a:xfrm>
             <a:off x="5647320" y="171360"/>
-            <a:ext cx="3567960" cy="691920"/>
+            <a:ext cx="3567600" cy="691560"/>
           </a:xfrm>
           <a:prstGeom prst="rect">
             <a:avLst/>
